--- a/docs/ppt/git_module_02.pptx
+++ b/docs/ppt/git_module_02.pptx
@@ -14,8 +14,8 @@
   </p:handoutMasterIdLst>
   <p:sldIdLst>
     <p:sldId id="256" r:id="rId7"/>
-    <p:sldId id="280" r:id="rId8"/>
-    <p:sldId id="281" r:id="rId9"/>
+    <p:sldId id="327" r:id="rId8"/>
+    <p:sldId id="328" r:id="rId9"/>
     <p:sldId id="258" r:id="rId10"/>
     <p:sldId id="289" r:id="rId11"/>
     <p:sldId id="292" r:id="rId12"/>
@@ -146,8 +146,8 @@
         <p14:section name="Introduction" id="{3B2EC6BA-F4D5-4493-B78A-D0CD796C5889}">
           <p14:sldIdLst>
             <p14:sldId id="256"/>
-            <p14:sldId id="280"/>
-            <p14:sldId id="281"/>
+            <p14:sldId id="327"/>
+            <p14:sldId id="328"/>
             <p14:sldId id="258"/>
           </p14:sldIdLst>
         </p14:section>
@@ -955,10 +955,29 @@
           <a:bodyPr/>
           <a:lstStyle/>
           <a:p>
+            <a:pPr marL="0" marR="0" lvl="0" indent="0" algn="l" defTabSz="914400" rtl="0" eaLnBrk="1" fontAlgn="auto" latinLnBrk="0" hangingPunct="1">
+              <a:lnSpc>
+                <a:spcPct val="100000"/>
+              </a:lnSpc>
+              <a:spcBef>
+                <a:spcPts val="0"/>
+              </a:spcBef>
+              <a:spcAft>
+                <a:spcPts val="0"/>
+              </a:spcAft>
+              <a:buClrTx/>
+              <a:buSzTx/>
+              <a:buFontTx/>
+              <a:buNone/>
+              <a:tabLst/>
+              <a:defRPr/>
+            </a:pPr>
             <a:r>
               <a:rPr lang="fr-FR" dirty="0" smtClean="0"/>
               <a:t>Là où on s’est arrêté au module 1</a:t>
             </a:r>
+          </a:p>
+          <a:p>
             <a:endParaRPr lang="fr-FR" dirty="0"/>
           </a:p>
         </p:txBody>
@@ -990,7 +1009,7 @@
     </p:spTree>
     <p:extLst>
       <p:ext uri="{BB962C8B-B14F-4D97-AF65-F5344CB8AC3E}">
-        <p14:creationId xmlns:p14="http://schemas.microsoft.com/office/powerpoint/2010/main" val="4055753257"/>
+        <p14:creationId xmlns:p14="http://schemas.microsoft.com/office/powerpoint/2010/main" val="3381062334"/>
       </p:ext>
     </p:extLst>
   </p:cSld>
@@ -1903,6 +1922,9 @@
               <a:t> les notions de branche et d’historique dans ce module</a:t>
             </a:r>
           </a:p>
+          <a:p>
+            <a:endParaRPr lang="fr-FR" dirty="0"/>
+          </a:p>
         </p:txBody>
       </p:sp>
       <p:sp>
@@ -1932,7 +1954,7 @@
     </p:spTree>
     <p:extLst>
       <p:ext uri="{BB962C8B-B14F-4D97-AF65-F5344CB8AC3E}">
-        <p14:creationId xmlns:p14="http://schemas.microsoft.com/office/powerpoint/2010/main" val="31482355"/>
+        <p14:creationId xmlns:p14="http://schemas.microsoft.com/office/powerpoint/2010/main" val="4156233999"/>
       </p:ext>
     </p:extLst>
   </p:cSld>
@@ -8537,7 +8559,7 @@
           <a:graphicData uri="http://schemas.openxmlformats.org/presentationml/2006/ole">
             <mc:AlternateContent xmlns:mc="http://schemas.openxmlformats.org/markup-compatibility/2006">
               <mc:Choice xmlns:v="urn:schemas-microsoft-com:vml" Requires="v">
-                <p:oleObj spid="_x0000_s6562" name="Diapositive think-cell" r:id="rId6" imgW="270" imgH="270" progId="TCLayout.ActiveDocument.1">
+                <p:oleObj spid="_x0000_s6563" name="Diapositive think-cell" r:id="rId6" imgW="270" imgH="270" progId="TCLayout.ActiveDocument.1">
                   <p:embed/>
                 </p:oleObj>
               </mc:Choice>
@@ -9279,7 +9301,7 @@
           <a:graphicData uri="http://schemas.openxmlformats.org/presentationml/2006/ole">
             <mc:AlternateContent xmlns:mc="http://schemas.openxmlformats.org/markup-compatibility/2006">
               <mc:Choice xmlns:v="urn:schemas-microsoft-com:vml" Requires="v">
-                <p:oleObj spid="_x0000_s6077" name="Diapositive think-cell" r:id="rId6" imgW="270" imgH="270" progId="TCLayout.ActiveDocument.1">
+                <p:oleObj spid="_x0000_s6078" name="Diapositive think-cell" r:id="rId6" imgW="270" imgH="270" progId="TCLayout.ActiveDocument.1">
                   <p:embed/>
                 </p:oleObj>
               </mc:Choice>
@@ -10632,7 +10654,7 @@
           <p:cNvPr id="2" name="Title 1">
             <a:extLst>
               <a:ext uri="{FF2B5EF4-FFF2-40B4-BE49-F238E27FC236}">
-                <a16:creationId xmlns:a16="http://schemas.microsoft.com/office/drawing/2014/main" xmlns="" id="{78456FD7-BB91-4376-9F54-57A4192F7D9C}"/>
+                <a16:creationId xmlns="" xmlns:a16="http://schemas.microsoft.com/office/drawing/2014/main" id="{78456FD7-BB91-4376-9F54-57A4192F7D9C}"/>
               </a:ext>
             </a:extLst>
           </p:cNvPr>
@@ -10665,7 +10687,7 @@
           <p:cNvPr id="3" name="Text Placeholder 2">
             <a:extLst>
               <a:ext uri="{FF2B5EF4-FFF2-40B4-BE49-F238E27FC236}">
-                <a16:creationId xmlns:a16="http://schemas.microsoft.com/office/drawing/2014/main" xmlns="" id="{352C0768-302F-4A6A-A9FF-BED7B68BC517}"/>
+                <a16:creationId xmlns="" xmlns:a16="http://schemas.microsoft.com/office/drawing/2014/main" id="{352C0768-302F-4A6A-A9FF-BED7B68BC517}"/>
               </a:ext>
             </a:extLst>
           </p:cNvPr>
@@ -10730,7 +10752,7 @@
           <p:cNvPr id="3" name="Title 2">
             <a:extLst>
               <a:ext uri="{FF2B5EF4-FFF2-40B4-BE49-F238E27FC236}">
-                <a16:creationId xmlns:a16="http://schemas.microsoft.com/office/drawing/2014/main" xmlns="" id="{A8704E41-3486-46BD-8AA7-B6B5D28F95A5}"/>
+                <a16:creationId xmlns="" xmlns:a16="http://schemas.microsoft.com/office/drawing/2014/main" id="{A8704E41-3486-46BD-8AA7-B6B5D28F95A5}"/>
               </a:ext>
             </a:extLst>
           </p:cNvPr>
@@ -10759,7 +10781,7 @@
           <p:cNvPr id="4" name="Slide Number Placeholder 3">
             <a:extLst>
               <a:ext uri="{FF2B5EF4-FFF2-40B4-BE49-F238E27FC236}">
-                <a16:creationId xmlns:a16="http://schemas.microsoft.com/office/drawing/2014/main" xmlns="" id="{02CD92EA-E9CB-4F4C-B1B9-840F11B55DC5}"/>
+                <a16:creationId xmlns="" xmlns:a16="http://schemas.microsoft.com/office/drawing/2014/main" id="{02CD92EA-E9CB-4F4C-B1B9-840F11B55DC5}"/>
               </a:ext>
             </a:extLst>
           </p:cNvPr>
@@ -10805,7 +10827,7 @@
           <p:cNvPr id="5" name="Text Placeholder 4">
             <a:extLst>
               <a:ext uri="{FF2B5EF4-FFF2-40B4-BE49-F238E27FC236}">
-                <a16:creationId xmlns:a16="http://schemas.microsoft.com/office/drawing/2014/main" xmlns="" id="{C22D9F79-04C1-4762-96D6-F3FE8172F1B1}"/>
+                <a16:creationId xmlns="" xmlns:a16="http://schemas.microsoft.com/office/drawing/2014/main" id="{C22D9F79-04C1-4762-96D6-F3FE8172F1B1}"/>
               </a:ext>
             </a:extLst>
           </p:cNvPr>
@@ -10830,7 +10852,7 @@
           <p:cNvPr id="18" name="Oval 17">
             <a:extLst>
               <a:ext uri="{FF2B5EF4-FFF2-40B4-BE49-F238E27FC236}">
-                <a16:creationId xmlns:a16="http://schemas.microsoft.com/office/drawing/2014/main" xmlns="" id="{70018B8E-C8EA-4592-B666-4DD6915C2DAF}"/>
+                <a16:creationId xmlns="" xmlns:a16="http://schemas.microsoft.com/office/drawing/2014/main" id="{70018B8E-C8EA-4592-B666-4DD6915C2DAF}"/>
               </a:ext>
             </a:extLst>
           </p:cNvPr>
@@ -10886,7 +10908,7 @@
           <p:cNvPr id="21" name="TextBox 20">
             <a:extLst>
               <a:ext uri="{FF2B5EF4-FFF2-40B4-BE49-F238E27FC236}">
-                <a16:creationId xmlns:a16="http://schemas.microsoft.com/office/drawing/2014/main" xmlns="" id="{EA7F15EB-6AA1-4C76-921F-2B04B74B1885}"/>
+                <a16:creationId xmlns="" xmlns:a16="http://schemas.microsoft.com/office/drawing/2014/main" id="{EA7F15EB-6AA1-4C76-921F-2B04B74B1885}"/>
               </a:ext>
             </a:extLst>
           </p:cNvPr>
@@ -10928,7 +10950,7 @@
           <p:cNvPr id="22" name="Oval 21">
             <a:extLst>
               <a:ext uri="{FF2B5EF4-FFF2-40B4-BE49-F238E27FC236}">
-                <a16:creationId xmlns:a16="http://schemas.microsoft.com/office/drawing/2014/main" xmlns="" id="{70018B8E-C8EA-4592-B666-4DD6915C2DAF}"/>
+                <a16:creationId xmlns="" xmlns:a16="http://schemas.microsoft.com/office/drawing/2014/main" id="{70018B8E-C8EA-4592-B666-4DD6915C2DAF}"/>
               </a:ext>
             </a:extLst>
           </p:cNvPr>
@@ -10984,7 +11006,7 @@
           <p:cNvPr id="23" name="TextBox 22">
             <a:extLst>
               <a:ext uri="{FF2B5EF4-FFF2-40B4-BE49-F238E27FC236}">
-                <a16:creationId xmlns:a16="http://schemas.microsoft.com/office/drawing/2014/main" xmlns="" id="{EA7F15EB-6AA1-4C76-921F-2B04B74B1885}"/>
+                <a16:creationId xmlns="" xmlns:a16="http://schemas.microsoft.com/office/drawing/2014/main" id="{EA7F15EB-6AA1-4C76-921F-2B04B74B1885}"/>
               </a:ext>
             </a:extLst>
           </p:cNvPr>
@@ -11026,7 +11048,7 @@
           <p:cNvPr id="24" name="Straight Arrow Connector 23">
             <a:extLst>
               <a:ext uri="{FF2B5EF4-FFF2-40B4-BE49-F238E27FC236}">
-                <a16:creationId xmlns:a16="http://schemas.microsoft.com/office/drawing/2014/main" xmlns="" id="{D5D1DDE3-D551-4E6B-AD34-6FBA1762CCD0}"/>
+                <a16:creationId xmlns="" xmlns:a16="http://schemas.microsoft.com/office/drawing/2014/main" id="{D5D1DDE3-D551-4E6B-AD34-6FBA1762CCD0}"/>
               </a:ext>
             </a:extLst>
           </p:cNvPr>
@@ -11070,7 +11092,7 @@
           <p:cNvPr id="25" name="Oval 24">
             <a:extLst>
               <a:ext uri="{FF2B5EF4-FFF2-40B4-BE49-F238E27FC236}">
-                <a16:creationId xmlns:a16="http://schemas.microsoft.com/office/drawing/2014/main" xmlns="" id="{70018B8E-C8EA-4592-B666-4DD6915C2DAF}"/>
+                <a16:creationId xmlns="" xmlns:a16="http://schemas.microsoft.com/office/drawing/2014/main" id="{70018B8E-C8EA-4592-B666-4DD6915C2DAF}"/>
               </a:ext>
             </a:extLst>
           </p:cNvPr>
@@ -11126,7 +11148,7 @@
           <p:cNvPr id="26" name="TextBox 25">
             <a:extLst>
               <a:ext uri="{FF2B5EF4-FFF2-40B4-BE49-F238E27FC236}">
-                <a16:creationId xmlns:a16="http://schemas.microsoft.com/office/drawing/2014/main" xmlns="" id="{EA7F15EB-6AA1-4C76-921F-2B04B74B1885}"/>
+                <a16:creationId xmlns="" xmlns:a16="http://schemas.microsoft.com/office/drawing/2014/main" id="{EA7F15EB-6AA1-4C76-921F-2B04B74B1885}"/>
               </a:ext>
             </a:extLst>
           </p:cNvPr>
@@ -11168,7 +11190,7 @@
           <p:cNvPr id="27" name="Straight Arrow Connector 26">
             <a:extLst>
               <a:ext uri="{FF2B5EF4-FFF2-40B4-BE49-F238E27FC236}">
-                <a16:creationId xmlns:a16="http://schemas.microsoft.com/office/drawing/2014/main" xmlns="" id="{D5D1DDE3-D551-4E6B-AD34-6FBA1762CCD0}"/>
+                <a16:creationId xmlns="" xmlns:a16="http://schemas.microsoft.com/office/drawing/2014/main" id="{D5D1DDE3-D551-4E6B-AD34-6FBA1762CCD0}"/>
               </a:ext>
             </a:extLst>
           </p:cNvPr>
@@ -11212,7 +11234,7 @@
           <p:cNvPr id="30" name="Arrow: Down 29">
             <a:extLst>
               <a:ext uri="{FF2B5EF4-FFF2-40B4-BE49-F238E27FC236}">
-                <a16:creationId xmlns:a16="http://schemas.microsoft.com/office/drawing/2014/main" xmlns="" id="{C1335406-A2C9-47D4-B205-5C60C0E28A8A}"/>
+                <a16:creationId xmlns="" xmlns:a16="http://schemas.microsoft.com/office/drawing/2014/main" id="{C1335406-A2C9-47D4-B205-5C60C0E28A8A}"/>
               </a:ext>
             </a:extLst>
           </p:cNvPr>
@@ -11296,7 +11318,7 @@
           <p:cNvPr id="31" name="Arrow: Down 29">
             <a:extLst>
               <a:ext uri="{FF2B5EF4-FFF2-40B4-BE49-F238E27FC236}">
-                <a16:creationId xmlns:a16="http://schemas.microsoft.com/office/drawing/2014/main" xmlns="" id="{C1335406-A2C9-47D4-B205-5C60C0E28A8A}"/>
+                <a16:creationId xmlns="" xmlns:a16="http://schemas.microsoft.com/office/drawing/2014/main" id="{C1335406-A2C9-47D4-B205-5C60C0E28A8A}"/>
               </a:ext>
             </a:extLst>
           </p:cNvPr>
@@ -11380,7 +11402,7 @@
           <p:cNvPr id="32" name="Arrow: Down 35">
             <a:extLst>
               <a:ext uri="{FF2B5EF4-FFF2-40B4-BE49-F238E27FC236}">
-                <a16:creationId xmlns:a16="http://schemas.microsoft.com/office/drawing/2014/main" xmlns="" id="{626A0744-AE03-44D5-9A65-2190DA15A386}"/>
+                <a16:creationId xmlns="" xmlns:a16="http://schemas.microsoft.com/office/drawing/2014/main" id="{626A0744-AE03-44D5-9A65-2190DA15A386}"/>
               </a:ext>
             </a:extLst>
           </p:cNvPr>
@@ -11454,7 +11476,7 @@
           <p:cNvPr id="33" name="Arrow: Down 29">
             <a:extLst>
               <a:ext uri="{FF2B5EF4-FFF2-40B4-BE49-F238E27FC236}">
-                <a16:creationId xmlns:a16="http://schemas.microsoft.com/office/drawing/2014/main" xmlns="" id="{C1335406-A2C9-47D4-B205-5C60C0E28A8A}"/>
+                <a16:creationId xmlns="" xmlns:a16="http://schemas.microsoft.com/office/drawing/2014/main" id="{C1335406-A2C9-47D4-B205-5C60C0E28A8A}"/>
               </a:ext>
             </a:extLst>
           </p:cNvPr>
@@ -11538,7 +11560,7 @@
           <p:cNvPr id="34" name="Arrow: Down 35">
             <a:extLst>
               <a:ext uri="{FF2B5EF4-FFF2-40B4-BE49-F238E27FC236}">
-                <a16:creationId xmlns:a16="http://schemas.microsoft.com/office/drawing/2014/main" xmlns="" id="{626A0744-AE03-44D5-9A65-2190DA15A386}"/>
+                <a16:creationId xmlns="" xmlns:a16="http://schemas.microsoft.com/office/drawing/2014/main" id="{626A0744-AE03-44D5-9A65-2190DA15A386}"/>
               </a:ext>
             </a:extLst>
           </p:cNvPr>
@@ -11924,7 +11946,7 @@
           <p:cNvPr id="3" name="Title 2">
             <a:extLst>
               <a:ext uri="{FF2B5EF4-FFF2-40B4-BE49-F238E27FC236}">
-                <a16:creationId xmlns:a16="http://schemas.microsoft.com/office/drawing/2014/main" xmlns="" id="{A8704E41-3486-46BD-8AA7-B6B5D28F95A5}"/>
+                <a16:creationId xmlns="" xmlns:a16="http://schemas.microsoft.com/office/drawing/2014/main" id="{A8704E41-3486-46BD-8AA7-B6B5D28F95A5}"/>
               </a:ext>
             </a:extLst>
           </p:cNvPr>
@@ -11953,7 +11975,7 @@
           <p:cNvPr id="4" name="Slide Number Placeholder 3">
             <a:extLst>
               <a:ext uri="{FF2B5EF4-FFF2-40B4-BE49-F238E27FC236}">
-                <a16:creationId xmlns:a16="http://schemas.microsoft.com/office/drawing/2014/main" xmlns="" id="{02CD92EA-E9CB-4F4C-B1B9-840F11B55DC5}"/>
+                <a16:creationId xmlns="" xmlns:a16="http://schemas.microsoft.com/office/drawing/2014/main" id="{02CD92EA-E9CB-4F4C-B1B9-840F11B55DC5}"/>
               </a:ext>
             </a:extLst>
           </p:cNvPr>
@@ -11999,7 +12021,7 @@
           <p:cNvPr id="5" name="Text Placeholder 4">
             <a:extLst>
               <a:ext uri="{FF2B5EF4-FFF2-40B4-BE49-F238E27FC236}">
-                <a16:creationId xmlns:a16="http://schemas.microsoft.com/office/drawing/2014/main" xmlns="" id="{C22D9F79-04C1-4762-96D6-F3FE8172F1B1}"/>
+                <a16:creationId xmlns="" xmlns:a16="http://schemas.microsoft.com/office/drawing/2014/main" id="{C22D9F79-04C1-4762-96D6-F3FE8172F1B1}"/>
               </a:ext>
             </a:extLst>
           </p:cNvPr>
@@ -12092,7 +12114,7 @@
           <p:cNvPr id="18" name="Oval 17">
             <a:extLst>
               <a:ext uri="{FF2B5EF4-FFF2-40B4-BE49-F238E27FC236}">
-                <a16:creationId xmlns:a16="http://schemas.microsoft.com/office/drawing/2014/main" xmlns="" id="{70018B8E-C8EA-4592-B666-4DD6915C2DAF}"/>
+                <a16:creationId xmlns="" xmlns:a16="http://schemas.microsoft.com/office/drawing/2014/main" id="{70018B8E-C8EA-4592-B666-4DD6915C2DAF}"/>
               </a:ext>
             </a:extLst>
           </p:cNvPr>
@@ -12148,7 +12170,7 @@
           <p:cNvPr id="19" name="TextBox 18">
             <a:extLst>
               <a:ext uri="{FF2B5EF4-FFF2-40B4-BE49-F238E27FC236}">
-                <a16:creationId xmlns:a16="http://schemas.microsoft.com/office/drawing/2014/main" xmlns="" id="{EA7F15EB-6AA1-4C76-921F-2B04B74B1885}"/>
+                <a16:creationId xmlns="" xmlns:a16="http://schemas.microsoft.com/office/drawing/2014/main" id="{EA7F15EB-6AA1-4C76-921F-2B04B74B1885}"/>
               </a:ext>
             </a:extLst>
           </p:cNvPr>
@@ -12190,7 +12212,7 @@
           <p:cNvPr id="22" name="Oval 21">
             <a:extLst>
               <a:ext uri="{FF2B5EF4-FFF2-40B4-BE49-F238E27FC236}">
-                <a16:creationId xmlns:a16="http://schemas.microsoft.com/office/drawing/2014/main" xmlns="" id="{70018B8E-C8EA-4592-B666-4DD6915C2DAF}"/>
+                <a16:creationId xmlns="" xmlns:a16="http://schemas.microsoft.com/office/drawing/2014/main" id="{70018B8E-C8EA-4592-B666-4DD6915C2DAF}"/>
               </a:ext>
             </a:extLst>
           </p:cNvPr>
@@ -12246,7 +12268,7 @@
           <p:cNvPr id="25" name="TextBox 24">
             <a:extLst>
               <a:ext uri="{FF2B5EF4-FFF2-40B4-BE49-F238E27FC236}">
-                <a16:creationId xmlns:a16="http://schemas.microsoft.com/office/drawing/2014/main" xmlns="" id="{EA7F15EB-6AA1-4C76-921F-2B04B74B1885}"/>
+                <a16:creationId xmlns="" xmlns:a16="http://schemas.microsoft.com/office/drawing/2014/main" id="{EA7F15EB-6AA1-4C76-921F-2B04B74B1885}"/>
               </a:ext>
             </a:extLst>
           </p:cNvPr>
@@ -12288,7 +12310,7 @@
           <p:cNvPr id="26" name="Straight Arrow Connector 25">
             <a:extLst>
               <a:ext uri="{FF2B5EF4-FFF2-40B4-BE49-F238E27FC236}">
-                <a16:creationId xmlns:a16="http://schemas.microsoft.com/office/drawing/2014/main" xmlns="" id="{D5D1DDE3-D551-4E6B-AD34-6FBA1762CCD0}"/>
+                <a16:creationId xmlns="" xmlns:a16="http://schemas.microsoft.com/office/drawing/2014/main" id="{D5D1DDE3-D551-4E6B-AD34-6FBA1762CCD0}"/>
               </a:ext>
             </a:extLst>
           </p:cNvPr>
@@ -12332,7 +12354,7 @@
           <p:cNvPr id="27" name="Oval 26">
             <a:extLst>
               <a:ext uri="{FF2B5EF4-FFF2-40B4-BE49-F238E27FC236}">
-                <a16:creationId xmlns:a16="http://schemas.microsoft.com/office/drawing/2014/main" xmlns="" id="{70018B8E-C8EA-4592-B666-4DD6915C2DAF}"/>
+                <a16:creationId xmlns="" xmlns:a16="http://schemas.microsoft.com/office/drawing/2014/main" id="{70018B8E-C8EA-4592-B666-4DD6915C2DAF}"/>
               </a:ext>
             </a:extLst>
           </p:cNvPr>
@@ -12388,7 +12410,7 @@
           <p:cNvPr id="30" name="TextBox 29">
             <a:extLst>
               <a:ext uri="{FF2B5EF4-FFF2-40B4-BE49-F238E27FC236}">
-                <a16:creationId xmlns:a16="http://schemas.microsoft.com/office/drawing/2014/main" xmlns="" id="{EA7F15EB-6AA1-4C76-921F-2B04B74B1885}"/>
+                <a16:creationId xmlns="" xmlns:a16="http://schemas.microsoft.com/office/drawing/2014/main" id="{EA7F15EB-6AA1-4C76-921F-2B04B74B1885}"/>
               </a:ext>
             </a:extLst>
           </p:cNvPr>
@@ -12430,7 +12452,7 @@
           <p:cNvPr id="31" name="Straight Arrow Connector 30">
             <a:extLst>
               <a:ext uri="{FF2B5EF4-FFF2-40B4-BE49-F238E27FC236}">
-                <a16:creationId xmlns:a16="http://schemas.microsoft.com/office/drawing/2014/main" xmlns="" id="{D5D1DDE3-D551-4E6B-AD34-6FBA1762CCD0}"/>
+                <a16:creationId xmlns="" xmlns:a16="http://schemas.microsoft.com/office/drawing/2014/main" id="{D5D1DDE3-D551-4E6B-AD34-6FBA1762CCD0}"/>
               </a:ext>
             </a:extLst>
           </p:cNvPr>
@@ -12474,7 +12496,7 @@
           <p:cNvPr id="33" name="Arrow: Down 29">
             <a:extLst>
               <a:ext uri="{FF2B5EF4-FFF2-40B4-BE49-F238E27FC236}">
-                <a16:creationId xmlns:a16="http://schemas.microsoft.com/office/drawing/2014/main" xmlns="" id="{C1335406-A2C9-47D4-B205-5C60C0E28A8A}"/>
+                <a16:creationId xmlns="" xmlns:a16="http://schemas.microsoft.com/office/drawing/2014/main" id="{C1335406-A2C9-47D4-B205-5C60C0E28A8A}"/>
               </a:ext>
             </a:extLst>
           </p:cNvPr>
@@ -12558,7 +12580,7 @@
           <p:cNvPr id="35" name="Arrow: Down 29">
             <a:extLst>
               <a:ext uri="{FF2B5EF4-FFF2-40B4-BE49-F238E27FC236}">
-                <a16:creationId xmlns:a16="http://schemas.microsoft.com/office/drawing/2014/main" xmlns="" id="{C1335406-A2C9-47D4-B205-5C60C0E28A8A}"/>
+                <a16:creationId xmlns="" xmlns:a16="http://schemas.microsoft.com/office/drawing/2014/main" id="{C1335406-A2C9-47D4-B205-5C60C0E28A8A}"/>
               </a:ext>
             </a:extLst>
           </p:cNvPr>
@@ -12642,7 +12664,7 @@
           <p:cNvPr id="36" name="Arrow: Down 35">
             <a:extLst>
               <a:ext uri="{FF2B5EF4-FFF2-40B4-BE49-F238E27FC236}">
-                <a16:creationId xmlns:a16="http://schemas.microsoft.com/office/drawing/2014/main" xmlns="" id="{626A0744-AE03-44D5-9A65-2190DA15A386}"/>
+                <a16:creationId xmlns="" xmlns:a16="http://schemas.microsoft.com/office/drawing/2014/main" id="{626A0744-AE03-44D5-9A65-2190DA15A386}"/>
               </a:ext>
             </a:extLst>
           </p:cNvPr>
@@ -12716,7 +12738,7 @@
           <p:cNvPr id="37" name="Arrow: Down 35">
             <a:extLst>
               <a:ext uri="{FF2B5EF4-FFF2-40B4-BE49-F238E27FC236}">
-                <a16:creationId xmlns:a16="http://schemas.microsoft.com/office/drawing/2014/main" xmlns="" id="{626A0744-AE03-44D5-9A65-2190DA15A386}"/>
+                <a16:creationId xmlns="" xmlns:a16="http://schemas.microsoft.com/office/drawing/2014/main" id="{626A0744-AE03-44D5-9A65-2190DA15A386}"/>
               </a:ext>
             </a:extLst>
           </p:cNvPr>
@@ -12937,7 +12959,7 @@
           <p:cNvPr id="3" name="Title 2">
             <a:extLst>
               <a:ext uri="{FF2B5EF4-FFF2-40B4-BE49-F238E27FC236}">
-                <a16:creationId xmlns:a16="http://schemas.microsoft.com/office/drawing/2014/main" xmlns="" id="{A8704E41-3486-46BD-8AA7-B6B5D28F95A5}"/>
+                <a16:creationId xmlns="" xmlns:a16="http://schemas.microsoft.com/office/drawing/2014/main" id="{A8704E41-3486-46BD-8AA7-B6B5D28F95A5}"/>
               </a:ext>
             </a:extLst>
           </p:cNvPr>
@@ -12966,7 +12988,7 @@
           <p:cNvPr id="4" name="Slide Number Placeholder 3">
             <a:extLst>
               <a:ext uri="{FF2B5EF4-FFF2-40B4-BE49-F238E27FC236}">
-                <a16:creationId xmlns:a16="http://schemas.microsoft.com/office/drawing/2014/main" xmlns="" id="{02CD92EA-E9CB-4F4C-B1B9-840F11B55DC5}"/>
+                <a16:creationId xmlns="" xmlns:a16="http://schemas.microsoft.com/office/drawing/2014/main" id="{02CD92EA-E9CB-4F4C-B1B9-840F11B55DC5}"/>
               </a:ext>
             </a:extLst>
           </p:cNvPr>
@@ -13012,7 +13034,7 @@
           <p:cNvPr id="5" name="Text Placeholder 4">
             <a:extLst>
               <a:ext uri="{FF2B5EF4-FFF2-40B4-BE49-F238E27FC236}">
-                <a16:creationId xmlns:a16="http://schemas.microsoft.com/office/drawing/2014/main" xmlns="" id="{C22D9F79-04C1-4762-96D6-F3FE8172F1B1}"/>
+                <a16:creationId xmlns="" xmlns:a16="http://schemas.microsoft.com/office/drawing/2014/main" id="{C22D9F79-04C1-4762-96D6-F3FE8172F1B1}"/>
               </a:ext>
             </a:extLst>
           </p:cNvPr>
@@ -13037,7 +13059,7 @@
           <p:cNvPr id="20" name="Oval 19">
             <a:extLst>
               <a:ext uri="{FF2B5EF4-FFF2-40B4-BE49-F238E27FC236}">
-                <a16:creationId xmlns:a16="http://schemas.microsoft.com/office/drawing/2014/main" xmlns="" id="{70018B8E-C8EA-4592-B666-4DD6915C2DAF}"/>
+                <a16:creationId xmlns="" xmlns:a16="http://schemas.microsoft.com/office/drawing/2014/main" id="{70018B8E-C8EA-4592-B666-4DD6915C2DAF}"/>
               </a:ext>
             </a:extLst>
           </p:cNvPr>
@@ -13093,7 +13115,7 @@
           <p:cNvPr id="21" name="TextBox 20">
             <a:extLst>
               <a:ext uri="{FF2B5EF4-FFF2-40B4-BE49-F238E27FC236}">
-                <a16:creationId xmlns:a16="http://schemas.microsoft.com/office/drawing/2014/main" xmlns="" id="{EA7F15EB-6AA1-4C76-921F-2B04B74B1885}"/>
+                <a16:creationId xmlns="" xmlns:a16="http://schemas.microsoft.com/office/drawing/2014/main" id="{EA7F15EB-6AA1-4C76-921F-2B04B74B1885}"/>
               </a:ext>
             </a:extLst>
           </p:cNvPr>
@@ -13135,7 +13157,7 @@
           <p:cNvPr id="22" name="Oval 21">
             <a:extLst>
               <a:ext uri="{FF2B5EF4-FFF2-40B4-BE49-F238E27FC236}">
-                <a16:creationId xmlns:a16="http://schemas.microsoft.com/office/drawing/2014/main" xmlns="" id="{70018B8E-C8EA-4592-B666-4DD6915C2DAF}"/>
+                <a16:creationId xmlns="" xmlns:a16="http://schemas.microsoft.com/office/drawing/2014/main" id="{70018B8E-C8EA-4592-B666-4DD6915C2DAF}"/>
               </a:ext>
             </a:extLst>
           </p:cNvPr>
@@ -13191,7 +13213,7 @@
           <p:cNvPr id="23" name="TextBox 22">
             <a:extLst>
               <a:ext uri="{FF2B5EF4-FFF2-40B4-BE49-F238E27FC236}">
-                <a16:creationId xmlns:a16="http://schemas.microsoft.com/office/drawing/2014/main" xmlns="" id="{EA7F15EB-6AA1-4C76-921F-2B04B74B1885}"/>
+                <a16:creationId xmlns="" xmlns:a16="http://schemas.microsoft.com/office/drawing/2014/main" id="{EA7F15EB-6AA1-4C76-921F-2B04B74B1885}"/>
               </a:ext>
             </a:extLst>
           </p:cNvPr>
@@ -13233,7 +13255,7 @@
           <p:cNvPr id="25" name="Straight Arrow Connector 24">
             <a:extLst>
               <a:ext uri="{FF2B5EF4-FFF2-40B4-BE49-F238E27FC236}">
-                <a16:creationId xmlns:a16="http://schemas.microsoft.com/office/drawing/2014/main" xmlns="" id="{D5D1DDE3-D551-4E6B-AD34-6FBA1762CCD0}"/>
+                <a16:creationId xmlns="" xmlns:a16="http://schemas.microsoft.com/office/drawing/2014/main" id="{D5D1DDE3-D551-4E6B-AD34-6FBA1762CCD0}"/>
               </a:ext>
             </a:extLst>
           </p:cNvPr>
@@ -13277,7 +13299,7 @@
           <p:cNvPr id="30" name="Straight Arrow Connector 29">
             <a:extLst>
               <a:ext uri="{FF2B5EF4-FFF2-40B4-BE49-F238E27FC236}">
-                <a16:creationId xmlns:a16="http://schemas.microsoft.com/office/drawing/2014/main" xmlns="" id="{D5D1DDE3-D551-4E6B-AD34-6FBA1762CCD0}"/>
+                <a16:creationId xmlns="" xmlns:a16="http://schemas.microsoft.com/office/drawing/2014/main" id="{D5D1DDE3-D551-4E6B-AD34-6FBA1762CCD0}"/>
               </a:ext>
             </a:extLst>
           </p:cNvPr>
@@ -13321,7 +13343,7 @@
           <p:cNvPr id="32" name="Arrow: Down 29">
             <a:extLst>
               <a:ext uri="{FF2B5EF4-FFF2-40B4-BE49-F238E27FC236}">
-                <a16:creationId xmlns:a16="http://schemas.microsoft.com/office/drawing/2014/main" xmlns="" id="{C1335406-A2C9-47D4-B205-5C60C0E28A8A}"/>
+                <a16:creationId xmlns="" xmlns:a16="http://schemas.microsoft.com/office/drawing/2014/main" id="{C1335406-A2C9-47D4-B205-5C60C0E28A8A}"/>
               </a:ext>
             </a:extLst>
           </p:cNvPr>
@@ -13405,7 +13427,7 @@
           <p:cNvPr id="33" name="Arrow: Down 29">
             <a:extLst>
               <a:ext uri="{FF2B5EF4-FFF2-40B4-BE49-F238E27FC236}">
-                <a16:creationId xmlns:a16="http://schemas.microsoft.com/office/drawing/2014/main" xmlns="" id="{C1335406-A2C9-47D4-B205-5C60C0E28A8A}"/>
+                <a16:creationId xmlns="" xmlns:a16="http://schemas.microsoft.com/office/drawing/2014/main" id="{C1335406-A2C9-47D4-B205-5C60C0E28A8A}"/>
               </a:ext>
             </a:extLst>
           </p:cNvPr>
@@ -13489,7 +13511,7 @@
           <p:cNvPr id="35" name="Arrow: Down 35">
             <a:extLst>
               <a:ext uri="{FF2B5EF4-FFF2-40B4-BE49-F238E27FC236}">
-                <a16:creationId xmlns:a16="http://schemas.microsoft.com/office/drawing/2014/main" xmlns="" id="{626A0744-AE03-44D5-9A65-2190DA15A386}"/>
+                <a16:creationId xmlns="" xmlns:a16="http://schemas.microsoft.com/office/drawing/2014/main" id="{626A0744-AE03-44D5-9A65-2190DA15A386}"/>
               </a:ext>
             </a:extLst>
           </p:cNvPr>
@@ -13563,7 +13585,7 @@
           <p:cNvPr id="36" name="Oval 35">
             <a:extLst>
               <a:ext uri="{FF2B5EF4-FFF2-40B4-BE49-F238E27FC236}">
-                <a16:creationId xmlns:a16="http://schemas.microsoft.com/office/drawing/2014/main" xmlns="" id="{80BCE4DB-0348-45EB-ACA9-2DA3EA793CE3}"/>
+                <a16:creationId xmlns="" xmlns:a16="http://schemas.microsoft.com/office/drawing/2014/main" id="{80BCE4DB-0348-45EB-ACA9-2DA3EA793CE3}"/>
               </a:ext>
             </a:extLst>
           </p:cNvPr>
@@ -13619,7 +13641,7 @@
           <p:cNvPr id="37" name="TextBox 36">
             <a:extLst>
               <a:ext uri="{FF2B5EF4-FFF2-40B4-BE49-F238E27FC236}">
-                <a16:creationId xmlns:a16="http://schemas.microsoft.com/office/drawing/2014/main" xmlns="" id="{C43F0B30-A6E3-4075-BE1B-051CB03F845A}"/>
+                <a16:creationId xmlns="" xmlns:a16="http://schemas.microsoft.com/office/drawing/2014/main" id="{C43F0B30-A6E3-4075-BE1B-051CB03F845A}"/>
               </a:ext>
             </a:extLst>
           </p:cNvPr>
@@ -13661,7 +13683,7 @@
           <p:cNvPr id="38" name="Oval 37">
             <a:extLst>
               <a:ext uri="{FF2B5EF4-FFF2-40B4-BE49-F238E27FC236}">
-                <a16:creationId xmlns:a16="http://schemas.microsoft.com/office/drawing/2014/main" xmlns="" id="{37EB46CD-5479-424C-9C1E-63D72D302502}"/>
+                <a16:creationId xmlns="" xmlns:a16="http://schemas.microsoft.com/office/drawing/2014/main" id="{37EB46CD-5479-424C-9C1E-63D72D302502}"/>
               </a:ext>
             </a:extLst>
           </p:cNvPr>
@@ -13717,7 +13739,7 @@
           <p:cNvPr id="39" name="TextBox 38">
             <a:extLst>
               <a:ext uri="{FF2B5EF4-FFF2-40B4-BE49-F238E27FC236}">
-                <a16:creationId xmlns:a16="http://schemas.microsoft.com/office/drawing/2014/main" xmlns="" id="{B0F85FB1-0D26-4078-9634-5AF41E04DD1F}"/>
+                <a16:creationId xmlns="" xmlns:a16="http://schemas.microsoft.com/office/drawing/2014/main" id="{B0F85FB1-0D26-4078-9634-5AF41E04DD1F}"/>
               </a:ext>
             </a:extLst>
           </p:cNvPr>
@@ -13759,7 +13781,7 @@
           <p:cNvPr id="40" name="Straight Arrow Connector 39">
             <a:extLst>
               <a:ext uri="{FF2B5EF4-FFF2-40B4-BE49-F238E27FC236}">
-                <a16:creationId xmlns:a16="http://schemas.microsoft.com/office/drawing/2014/main" xmlns="" id="{D5D1DDE3-D551-4E6B-AD34-6FBA1762CCD0}"/>
+                <a16:creationId xmlns="" xmlns:a16="http://schemas.microsoft.com/office/drawing/2014/main" id="{D5D1DDE3-D551-4E6B-AD34-6FBA1762CCD0}"/>
               </a:ext>
             </a:extLst>
           </p:cNvPr>
@@ -13803,7 +13825,7 @@
           <p:cNvPr id="45" name="Arrow: Down 29">
             <a:extLst>
               <a:ext uri="{FF2B5EF4-FFF2-40B4-BE49-F238E27FC236}">
-                <a16:creationId xmlns:a16="http://schemas.microsoft.com/office/drawing/2014/main" xmlns="" id="{C1335406-A2C9-47D4-B205-5C60C0E28A8A}"/>
+                <a16:creationId xmlns="" xmlns:a16="http://schemas.microsoft.com/office/drawing/2014/main" id="{C1335406-A2C9-47D4-B205-5C60C0E28A8A}"/>
               </a:ext>
             </a:extLst>
           </p:cNvPr>
@@ -13887,7 +13909,7 @@
           <p:cNvPr id="46" name="Arrow: Down 35">
             <a:extLst>
               <a:ext uri="{FF2B5EF4-FFF2-40B4-BE49-F238E27FC236}">
-                <a16:creationId xmlns:a16="http://schemas.microsoft.com/office/drawing/2014/main" xmlns="" id="{626A0744-AE03-44D5-9A65-2190DA15A386}"/>
+                <a16:creationId xmlns="" xmlns:a16="http://schemas.microsoft.com/office/drawing/2014/main" id="{626A0744-AE03-44D5-9A65-2190DA15A386}"/>
               </a:ext>
             </a:extLst>
           </p:cNvPr>
@@ -14273,7 +14295,7 @@
           <p:cNvPr id="3" name="Title 2">
             <a:extLst>
               <a:ext uri="{FF2B5EF4-FFF2-40B4-BE49-F238E27FC236}">
-                <a16:creationId xmlns:a16="http://schemas.microsoft.com/office/drawing/2014/main" xmlns="" id="{A8704E41-3486-46BD-8AA7-B6B5D28F95A5}"/>
+                <a16:creationId xmlns="" xmlns:a16="http://schemas.microsoft.com/office/drawing/2014/main" id="{A8704E41-3486-46BD-8AA7-B6B5D28F95A5}"/>
               </a:ext>
             </a:extLst>
           </p:cNvPr>
@@ -14302,7 +14324,7 @@
           <p:cNvPr id="4" name="Slide Number Placeholder 3">
             <a:extLst>
               <a:ext uri="{FF2B5EF4-FFF2-40B4-BE49-F238E27FC236}">
-                <a16:creationId xmlns:a16="http://schemas.microsoft.com/office/drawing/2014/main" xmlns="" id="{02CD92EA-E9CB-4F4C-B1B9-840F11B55DC5}"/>
+                <a16:creationId xmlns="" xmlns:a16="http://schemas.microsoft.com/office/drawing/2014/main" id="{02CD92EA-E9CB-4F4C-B1B9-840F11B55DC5}"/>
               </a:ext>
             </a:extLst>
           </p:cNvPr>
@@ -14348,7 +14370,7 @@
           <p:cNvPr id="5" name="Text Placeholder 4">
             <a:extLst>
               <a:ext uri="{FF2B5EF4-FFF2-40B4-BE49-F238E27FC236}">
-                <a16:creationId xmlns:a16="http://schemas.microsoft.com/office/drawing/2014/main" xmlns="" id="{C22D9F79-04C1-4762-96D6-F3FE8172F1B1}"/>
+                <a16:creationId xmlns="" xmlns:a16="http://schemas.microsoft.com/office/drawing/2014/main" id="{C22D9F79-04C1-4762-96D6-F3FE8172F1B1}"/>
               </a:ext>
             </a:extLst>
           </p:cNvPr>
@@ -14441,7 +14463,7 @@
           <p:cNvPr id="32" name="Oval 31">
             <a:extLst>
               <a:ext uri="{FF2B5EF4-FFF2-40B4-BE49-F238E27FC236}">
-                <a16:creationId xmlns:a16="http://schemas.microsoft.com/office/drawing/2014/main" xmlns="" id="{70018B8E-C8EA-4592-B666-4DD6915C2DAF}"/>
+                <a16:creationId xmlns="" xmlns:a16="http://schemas.microsoft.com/office/drawing/2014/main" id="{70018B8E-C8EA-4592-B666-4DD6915C2DAF}"/>
               </a:ext>
             </a:extLst>
           </p:cNvPr>
@@ -14497,7 +14519,7 @@
           <p:cNvPr id="33" name="TextBox 32">
             <a:extLst>
               <a:ext uri="{FF2B5EF4-FFF2-40B4-BE49-F238E27FC236}">
-                <a16:creationId xmlns:a16="http://schemas.microsoft.com/office/drawing/2014/main" xmlns="" id="{EA7F15EB-6AA1-4C76-921F-2B04B74B1885}"/>
+                <a16:creationId xmlns="" xmlns:a16="http://schemas.microsoft.com/office/drawing/2014/main" id="{EA7F15EB-6AA1-4C76-921F-2B04B74B1885}"/>
               </a:ext>
             </a:extLst>
           </p:cNvPr>
@@ -14539,7 +14561,7 @@
           <p:cNvPr id="34" name="Oval 33">
             <a:extLst>
               <a:ext uri="{FF2B5EF4-FFF2-40B4-BE49-F238E27FC236}">
-                <a16:creationId xmlns:a16="http://schemas.microsoft.com/office/drawing/2014/main" xmlns="" id="{70018B8E-C8EA-4592-B666-4DD6915C2DAF}"/>
+                <a16:creationId xmlns="" xmlns:a16="http://schemas.microsoft.com/office/drawing/2014/main" id="{70018B8E-C8EA-4592-B666-4DD6915C2DAF}"/>
               </a:ext>
             </a:extLst>
           </p:cNvPr>
@@ -14595,7 +14617,7 @@
           <p:cNvPr id="35" name="TextBox 34">
             <a:extLst>
               <a:ext uri="{FF2B5EF4-FFF2-40B4-BE49-F238E27FC236}">
-                <a16:creationId xmlns:a16="http://schemas.microsoft.com/office/drawing/2014/main" xmlns="" id="{EA7F15EB-6AA1-4C76-921F-2B04B74B1885}"/>
+                <a16:creationId xmlns="" xmlns:a16="http://schemas.microsoft.com/office/drawing/2014/main" id="{EA7F15EB-6AA1-4C76-921F-2B04B74B1885}"/>
               </a:ext>
             </a:extLst>
           </p:cNvPr>
@@ -14637,7 +14659,7 @@
           <p:cNvPr id="36" name="Straight Arrow Connector 35">
             <a:extLst>
               <a:ext uri="{FF2B5EF4-FFF2-40B4-BE49-F238E27FC236}">
-                <a16:creationId xmlns:a16="http://schemas.microsoft.com/office/drawing/2014/main" xmlns="" id="{D5D1DDE3-D551-4E6B-AD34-6FBA1762CCD0}"/>
+                <a16:creationId xmlns="" xmlns:a16="http://schemas.microsoft.com/office/drawing/2014/main" id="{D5D1DDE3-D551-4E6B-AD34-6FBA1762CCD0}"/>
               </a:ext>
             </a:extLst>
           </p:cNvPr>
@@ -14681,7 +14703,7 @@
           <p:cNvPr id="37" name="Straight Arrow Connector 36">
             <a:extLst>
               <a:ext uri="{FF2B5EF4-FFF2-40B4-BE49-F238E27FC236}">
-                <a16:creationId xmlns:a16="http://schemas.microsoft.com/office/drawing/2014/main" xmlns="" id="{D5D1DDE3-D551-4E6B-AD34-6FBA1762CCD0}"/>
+                <a16:creationId xmlns="" xmlns:a16="http://schemas.microsoft.com/office/drawing/2014/main" id="{D5D1DDE3-D551-4E6B-AD34-6FBA1762CCD0}"/>
               </a:ext>
             </a:extLst>
           </p:cNvPr>
@@ -14725,7 +14747,7 @@
           <p:cNvPr id="39" name="Arrow: Down 29">
             <a:extLst>
               <a:ext uri="{FF2B5EF4-FFF2-40B4-BE49-F238E27FC236}">
-                <a16:creationId xmlns:a16="http://schemas.microsoft.com/office/drawing/2014/main" xmlns="" id="{C1335406-A2C9-47D4-B205-5C60C0E28A8A}"/>
+                <a16:creationId xmlns="" xmlns:a16="http://schemas.microsoft.com/office/drawing/2014/main" id="{C1335406-A2C9-47D4-B205-5C60C0E28A8A}"/>
               </a:ext>
             </a:extLst>
           </p:cNvPr>
@@ -14809,7 +14831,7 @@
           <p:cNvPr id="41" name="Oval 40">
             <a:extLst>
               <a:ext uri="{FF2B5EF4-FFF2-40B4-BE49-F238E27FC236}">
-                <a16:creationId xmlns:a16="http://schemas.microsoft.com/office/drawing/2014/main" xmlns="" id="{80BCE4DB-0348-45EB-ACA9-2DA3EA793CE3}"/>
+                <a16:creationId xmlns="" xmlns:a16="http://schemas.microsoft.com/office/drawing/2014/main" id="{80BCE4DB-0348-45EB-ACA9-2DA3EA793CE3}"/>
               </a:ext>
             </a:extLst>
           </p:cNvPr>
@@ -14865,7 +14887,7 @@
           <p:cNvPr id="42" name="TextBox 41">
             <a:extLst>
               <a:ext uri="{FF2B5EF4-FFF2-40B4-BE49-F238E27FC236}">
-                <a16:creationId xmlns:a16="http://schemas.microsoft.com/office/drawing/2014/main" xmlns="" id="{C43F0B30-A6E3-4075-BE1B-051CB03F845A}"/>
+                <a16:creationId xmlns="" xmlns:a16="http://schemas.microsoft.com/office/drawing/2014/main" id="{C43F0B30-A6E3-4075-BE1B-051CB03F845A}"/>
               </a:ext>
             </a:extLst>
           </p:cNvPr>
@@ -14907,7 +14929,7 @@
           <p:cNvPr id="45" name="Oval 44">
             <a:extLst>
               <a:ext uri="{FF2B5EF4-FFF2-40B4-BE49-F238E27FC236}">
-                <a16:creationId xmlns:a16="http://schemas.microsoft.com/office/drawing/2014/main" xmlns="" id="{37EB46CD-5479-424C-9C1E-63D72D302502}"/>
+                <a16:creationId xmlns="" xmlns:a16="http://schemas.microsoft.com/office/drawing/2014/main" id="{37EB46CD-5479-424C-9C1E-63D72D302502}"/>
               </a:ext>
             </a:extLst>
           </p:cNvPr>
@@ -14963,7 +14985,7 @@
           <p:cNvPr id="46" name="TextBox 45">
             <a:extLst>
               <a:ext uri="{FF2B5EF4-FFF2-40B4-BE49-F238E27FC236}">
-                <a16:creationId xmlns:a16="http://schemas.microsoft.com/office/drawing/2014/main" xmlns="" id="{B0F85FB1-0D26-4078-9634-5AF41E04DD1F}"/>
+                <a16:creationId xmlns="" xmlns:a16="http://schemas.microsoft.com/office/drawing/2014/main" id="{B0F85FB1-0D26-4078-9634-5AF41E04DD1F}"/>
               </a:ext>
             </a:extLst>
           </p:cNvPr>
@@ -15005,7 +15027,7 @@
           <p:cNvPr id="47" name="Straight Arrow Connector 46">
             <a:extLst>
               <a:ext uri="{FF2B5EF4-FFF2-40B4-BE49-F238E27FC236}">
-                <a16:creationId xmlns:a16="http://schemas.microsoft.com/office/drawing/2014/main" xmlns="" id="{D5D1DDE3-D551-4E6B-AD34-6FBA1762CCD0}"/>
+                <a16:creationId xmlns="" xmlns:a16="http://schemas.microsoft.com/office/drawing/2014/main" id="{D5D1DDE3-D551-4E6B-AD34-6FBA1762CCD0}"/>
               </a:ext>
             </a:extLst>
           </p:cNvPr>
@@ -15049,7 +15071,7 @@
           <p:cNvPr id="48" name="Arrow: Down 29">
             <a:extLst>
               <a:ext uri="{FF2B5EF4-FFF2-40B4-BE49-F238E27FC236}">
-                <a16:creationId xmlns:a16="http://schemas.microsoft.com/office/drawing/2014/main" xmlns="" id="{C1335406-A2C9-47D4-B205-5C60C0E28A8A}"/>
+                <a16:creationId xmlns="" xmlns:a16="http://schemas.microsoft.com/office/drawing/2014/main" id="{C1335406-A2C9-47D4-B205-5C60C0E28A8A}"/>
               </a:ext>
             </a:extLst>
           </p:cNvPr>
@@ -15133,7 +15155,7 @@
           <p:cNvPr id="49" name="Arrow: Down 35">
             <a:extLst>
               <a:ext uri="{FF2B5EF4-FFF2-40B4-BE49-F238E27FC236}">
-                <a16:creationId xmlns:a16="http://schemas.microsoft.com/office/drawing/2014/main" xmlns="" id="{626A0744-AE03-44D5-9A65-2190DA15A386}"/>
+                <a16:creationId xmlns="" xmlns:a16="http://schemas.microsoft.com/office/drawing/2014/main" id="{626A0744-AE03-44D5-9A65-2190DA15A386}"/>
               </a:ext>
             </a:extLst>
           </p:cNvPr>
@@ -15207,7 +15229,7 @@
           <p:cNvPr id="54" name="Arrow: Down 35">
             <a:extLst>
               <a:ext uri="{FF2B5EF4-FFF2-40B4-BE49-F238E27FC236}">
-                <a16:creationId xmlns:a16="http://schemas.microsoft.com/office/drawing/2014/main" xmlns="" id="{626A0744-AE03-44D5-9A65-2190DA15A386}"/>
+                <a16:creationId xmlns="" xmlns:a16="http://schemas.microsoft.com/office/drawing/2014/main" id="{626A0744-AE03-44D5-9A65-2190DA15A386}"/>
               </a:ext>
             </a:extLst>
           </p:cNvPr>
@@ -15281,7 +15303,7 @@
           <p:cNvPr id="55" name="Oval 54">
             <a:extLst>
               <a:ext uri="{FF2B5EF4-FFF2-40B4-BE49-F238E27FC236}">
-                <a16:creationId xmlns:a16="http://schemas.microsoft.com/office/drawing/2014/main" xmlns="" id="{70018B8E-C8EA-4592-B666-4DD6915C2DAF}"/>
+                <a16:creationId xmlns="" xmlns:a16="http://schemas.microsoft.com/office/drawing/2014/main" id="{70018B8E-C8EA-4592-B666-4DD6915C2DAF}"/>
               </a:ext>
             </a:extLst>
           </p:cNvPr>
@@ -15337,7 +15359,7 @@
           <p:cNvPr id="57" name="TextBox 56">
             <a:extLst>
               <a:ext uri="{FF2B5EF4-FFF2-40B4-BE49-F238E27FC236}">
-                <a16:creationId xmlns:a16="http://schemas.microsoft.com/office/drawing/2014/main" xmlns="" id="{EA7F15EB-6AA1-4C76-921F-2B04B74B1885}"/>
+                <a16:creationId xmlns="" xmlns:a16="http://schemas.microsoft.com/office/drawing/2014/main" id="{EA7F15EB-6AA1-4C76-921F-2B04B74B1885}"/>
               </a:ext>
             </a:extLst>
           </p:cNvPr>
@@ -15379,7 +15401,7 @@
           <p:cNvPr id="58" name="Straight Arrow Connector 57">
             <a:extLst>
               <a:ext uri="{FF2B5EF4-FFF2-40B4-BE49-F238E27FC236}">
-                <a16:creationId xmlns:a16="http://schemas.microsoft.com/office/drawing/2014/main" xmlns="" id="{D5D1DDE3-D551-4E6B-AD34-6FBA1762CCD0}"/>
+                <a16:creationId xmlns="" xmlns:a16="http://schemas.microsoft.com/office/drawing/2014/main" id="{D5D1DDE3-D551-4E6B-AD34-6FBA1762CCD0}"/>
               </a:ext>
             </a:extLst>
           </p:cNvPr>
@@ -15423,7 +15445,7 @@
           <p:cNvPr id="59" name="Straight Arrow Connector 58">
             <a:extLst>
               <a:ext uri="{FF2B5EF4-FFF2-40B4-BE49-F238E27FC236}">
-                <a16:creationId xmlns:a16="http://schemas.microsoft.com/office/drawing/2014/main" xmlns="" id="{D5D1DDE3-D551-4E6B-AD34-6FBA1762CCD0}"/>
+                <a16:creationId xmlns="" xmlns:a16="http://schemas.microsoft.com/office/drawing/2014/main" id="{D5D1DDE3-D551-4E6B-AD34-6FBA1762CCD0}"/>
               </a:ext>
             </a:extLst>
           </p:cNvPr>
@@ -15467,7 +15489,7 @@
           <p:cNvPr id="60" name="Arrow: Down 29">
             <a:extLst>
               <a:ext uri="{FF2B5EF4-FFF2-40B4-BE49-F238E27FC236}">
-                <a16:creationId xmlns:a16="http://schemas.microsoft.com/office/drawing/2014/main" xmlns="" id="{C1335406-A2C9-47D4-B205-5C60C0E28A8A}"/>
+                <a16:creationId xmlns="" xmlns:a16="http://schemas.microsoft.com/office/drawing/2014/main" id="{C1335406-A2C9-47D4-B205-5C60C0E28A8A}"/>
               </a:ext>
             </a:extLst>
           </p:cNvPr>
@@ -15551,7 +15573,7 @@
           <p:cNvPr id="61" name="Arrow: Down 35">
             <a:extLst>
               <a:ext uri="{FF2B5EF4-FFF2-40B4-BE49-F238E27FC236}">
-                <a16:creationId xmlns:a16="http://schemas.microsoft.com/office/drawing/2014/main" xmlns="" id="{626A0744-AE03-44D5-9A65-2190DA15A386}"/>
+                <a16:creationId xmlns="" xmlns:a16="http://schemas.microsoft.com/office/drawing/2014/main" id="{626A0744-AE03-44D5-9A65-2190DA15A386}"/>
               </a:ext>
             </a:extLst>
           </p:cNvPr>
@@ -16046,7 +16068,7 @@
           <p:cNvPr id="3" name="Title 2">
             <a:extLst>
               <a:ext uri="{FF2B5EF4-FFF2-40B4-BE49-F238E27FC236}">
-                <a16:creationId xmlns:a16="http://schemas.microsoft.com/office/drawing/2014/main" xmlns="" id="{A8704E41-3486-46BD-8AA7-B6B5D28F95A5}"/>
+                <a16:creationId xmlns="" xmlns:a16="http://schemas.microsoft.com/office/drawing/2014/main" id="{A8704E41-3486-46BD-8AA7-B6B5D28F95A5}"/>
               </a:ext>
             </a:extLst>
           </p:cNvPr>
@@ -16079,7 +16101,7 @@
           <p:cNvPr id="4" name="Slide Number Placeholder 3">
             <a:extLst>
               <a:ext uri="{FF2B5EF4-FFF2-40B4-BE49-F238E27FC236}">
-                <a16:creationId xmlns:a16="http://schemas.microsoft.com/office/drawing/2014/main" xmlns="" id="{02CD92EA-E9CB-4F4C-B1B9-840F11B55DC5}"/>
+                <a16:creationId xmlns="" xmlns:a16="http://schemas.microsoft.com/office/drawing/2014/main" id="{02CD92EA-E9CB-4F4C-B1B9-840F11B55DC5}"/>
               </a:ext>
             </a:extLst>
           </p:cNvPr>
@@ -16125,7 +16147,7 @@
           <p:cNvPr id="5" name="Text Placeholder 4">
             <a:extLst>
               <a:ext uri="{FF2B5EF4-FFF2-40B4-BE49-F238E27FC236}">
-                <a16:creationId xmlns:a16="http://schemas.microsoft.com/office/drawing/2014/main" xmlns="" id="{C22D9F79-04C1-4762-96D6-F3FE8172F1B1}"/>
+                <a16:creationId xmlns="" xmlns:a16="http://schemas.microsoft.com/office/drawing/2014/main" id="{C22D9F79-04C1-4762-96D6-F3FE8172F1B1}"/>
               </a:ext>
             </a:extLst>
           </p:cNvPr>
@@ -16150,7 +16172,7 @@
           <p:cNvPr id="60" name="Oval 59">
             <a:extLst>
               <a:ext uri="{FF2B5EF4-FFF2-40B4-BE49-F238E27FC236}">
-                <a16:creationId xmlns:a16="http://schemas.microsoft.com/office/drawing/2014/main" xmlns="" id="{70018B8E-C8EA-4592-B666-4DD6915C2DAF}"/>
+                <a16:creationId xmlns="" xmlns:a16="http://schemas.microsoft.com/office/drawing/2014/main" id="{70018B8E-C8EA-4592-B666-4DD6915C2DAF}"/>
               </a:ext>
             </a:extLst>
           </p:cNvPr>
@@ -16208,7 +16230,7 @@
           <p:cNvPr id="68" name="Oval 67">
             <a:extLst>
               <a:ext uri="{FF2B5EF4-FFF2-40B4-BE49-F238E27FC236}">
-                <a16:creationId xmlns:a16="http://schemas.microsoft.com/office/drawing/2014/main" xmlns="" id="{70018B8E-C8EA-4592-B666-4DD6915C2DAF}"/>
+                <a16:creationId xmlns="" xmlns:a16="http://schemas.microsoft.com/office/drawing/2014/main" id="{70018B8E-C8EA-4592-B666-4DD6915C2DAF}"/>
               </a:ext>
             </a:extLst>
           </p:cNvPr>
@@ -16264,7 +16286,7 @@
           <p:cNvPr id="69" name="Straight Arrow Connector 68">
             <a:extLst>
               <a:ext uri="{FF2B5EF4-FFF2-40B4-BE49-F238E27FC236}">
-                <a16:creationId xmlns:a16="http://schemas.microsoft.com/office/drawing/2014/main" xmlns="" id="{D5D1DDE3-D551-4E6B-AD34-6FBA1762CCD0}"/>
+                <a16:creationId xmlns="" xmlns:a16="http://schemas.microsoft.com/office/drawing/2014/main" id="{D5D1DDE3-D551-4E6B-AD34-6FBA1762CCD0}"/>
               </a:ext>
             </a:extLst>
           </p:cNvPr>
@@ -16308,7 +16330,7 @@
           <p:cNvPr id="71" name="Oval 70">
             <a:extLst>
               <a:ext uri="{FF2B5EF4-FFF2-40B4-BE49-F238E27FC236}">
-                <a16:creationId xmlns:a16="http://schemas.microsoft.com/office/drawing/2014/main" xmlns="" id="{70018B8E-C8EA-4592-B666-4DD6915C2DAF}"/>
+                <a16:creationId xmlns="" xmlns:a16="http://schemas.microsoft.com/office/drawing/2014/main" id="{70018B8E-C8EA-4592-B666-4DD6915C2DAF}"/>
               </a:ext>
             </a:extLst>
           </p:cNvPr>
@@ -16364,7 +16386,7 @@
           <p:cNvPr id="72" name="Straight Arrow Connector 71">
             <a:extLst>
               <a:ext uri="{FF2B5EF4-FFF2-40B4-BE49-F238E27FC236}">
-                <a16:creationId xmlns:a16="http://schemas.microsoft.com/office/drawing/2014/main" xmlns="" id="{D5D1DDE3-D551-4E6B-AD34-6FBA1762CCD0}"/>
+                <a16:creationId xmlns="" xmlns:a16="http://schemas.microsoft.com/office/drawing/2014/main" id="{D5D1DDE3-D551-4E6B-AD34-6FBA1762CCD0}"/>
               </a:ext>
             </a:extLst>
           </p:cNvPr>
@@ -16408,7 +16430,7 @@
           <p:cNvPr id="74" name="Oval 73">
             <a:extLst>
               <a:ext uri="{FF2B5EF4-FFF2-40B4-BE49-F238E27FC236}">
-                <a16:creationId xmlns:a16="http://schemas.microsoft.com/office/drawing/2014/main" xmlns="" id="{70018B8E-C8EA-4592-B666-4DD6915C2DAF}"/>
+                <a16:creationId xmlns="" xmlns:a16="http://schemas.microsoft.com/office/drawing/2014/main" id="{70018B8E-C8EA-4592-B666-4DD6915C2DAF}"/>
               </a:ext>
             </a:extLst>
           </p:cNvPr>
@@ -16464,7 +16486,7 @@
           <p:cNvPr id="75" name="Straight Arrow Connector 74">
             <a:extLst>
               <a:ext uri="{FF2B5EF4-FFF2-40B4-BE49-F238E27FC236}">
-                <a16:creationId xmlns:a16="http://schemas.microsoft.com/office/drawing/2014/main" xmlns="" id="{D5D1DDE3-D551-4E6B-AD34-6FBA1762CCD0}"/>
+                <a16:creationId xmlns="" xmlns:a16="http://schemas.microsoft.com/office/drawing/2014/main" id="{D5D1DDE3-D551-4E6B-AD34-6FBA1762CCD0}"/>
               </a:ext>
             </a:extLst>
           </p:cNvPr>
@@ -16508,7 +16530,7 @@
           <p:cNvPr id="77" name="Oval 76">
             <a:extLst>
               <a:ext uri="{FF2B5EF4-FFF2-40B4-BE49-F238E27FC236}">
-                <a16:creationId xmlns:a16="http://schemas.microsoft.com/office/drawing/2014/main" xmlns="" id="{70018B8E-C8EA-4592-B666-4DD6915C2DAF}"/>
+                <a16:creationId xmlns="" xmlns:a16="http://schemas.microsoft.com/office/drawing/2014/main" id="{70018B8E-C8EA-4592-B666-4DD6915C2DAF}"/>
               </a:ext>
             </a:extLst>
           </p:cNvPr>
@@ -16564,7 +16586,7 @@
           <p:cNvPr id="79" name="Oval 78">
             <a:extLst>
               <a:ext uri="{FF2B5EF4-FFF2-40B4-BE49-F238E27FC236}">
-                <a16:creationId xmlns:a16="http://schemas.microsoft.com/office/drawing/2014/main" xmlns="" id="{70018B8E-C8EA-4592-B666-4DD6915C2DAF}"/>
+                <a16:creationId xmlns="" xmlns:a16="http://schemas.microsoft.com/office/drawing/2014/main" id="{70018B8E-C8EA-4592-B666-4DD6915C2DAF}"/>
               </a:ext>
             </a:extLst>
           </p:cNvPr>
@@ -16620,7 +16642,7 @@
           <p:cNvPr id="81" name="Oval 80">
             <a:extLst>
               <a:ext uri="{FF2B5EF4-FFF2-40B4-BE49-F238E27FC236}">
-                <a16:creationId xmlns:a16="http://schemas.microsoft.com/office/drawing/2014/main" xmlns="" id="{70018B8E-C8EA-4592-B666-4DD6915C2DAF}"/>
+                <a16:creationId xmlns="" xmlns:a16="http://schemas.microsoft.com/office/drawing/2014/main" id="{70018B8E-C8EA-4592-B666-4DD6915C2DAF}"/>
               </a:ext>
             </a:extLst>
           </p:cNvPr>
@@ -16676,7 +16698,7 @@
           <p:cNvPr id="82" name="Straight Arrow Connector 81">
             <a:extLst>
               <a:ext uri="{FF2B5EF4-FFF2-40B4-BE49-F238E27FC236}">
-                <a16:creationId xmlns:a16="http://schemas.microsoft.com/office/drawing/2014/main" xmlns="" id="{D5D1DDE3-D551-4E6B-AD34-6FBA1762CCD0}"/>
+                <a16:creationId xmlns="" xmlns:a16="http://schemas.microsoft.com/office/drawing/2014/main" id="{D5D1DDE3-D551-4E6B-AD34-6FBA1762CCD0}"/>
               </a:ext>
             </a:extLst>
           </p:cNvPr>
@@ -16720,7 +16742,7 @@
           <p:cNvPr id="84" name="Oval 83">
             <a:extLst>
               <a:ext uri="{FF2B5EF4-FFF2-40B4-BE49-F238E27FC236}">
-                <a16:creationId xmlns:a16="http://schemas.microsoft.com/office/drawing/2014/main" xmlns="" id="{70018B8E-C8EA-4592-B666-4DD6915C2DAF}"/>
+                <a16:creationId xmlns="" xmlns:a16="http://schemas.microsoft.com/office/drawing/2014/main" id="{70018B8E-C8EA-4592-B666-4DD6915C2DAF}"/>
               </a:ext>
             </a:extLst>
           </p:cNvPr>
@@ -16776,7 +16798,7 @@
           <p:cNvPr id="85" name="Straight Arrow Connector 84">
             <a:extLst>
               <a:ext uri="{FF2B5EF4-FFF2-40B4-BE49-F238E27FC236}">
-                <a16:creationId xmlns:a16="http://schemas.microsoft.com/office/drawing/2014/main" xmlns="" id="{D5D1DDE3-D551-4E6B-AD34-6FBA1762CCD0}"/>
+                <a16:creationId xmlns="" xmlns:a16="http://schemas.microsoft.com/office/drawing/2014/main" id="{D5D1DDE3-D551-4E6B-AD34-6FBA1762CCD0}"/>
               </a:ext>
             </a:extLst>
           </p:cNvPr>
@@ -16820,7 +16842,7 @@
           <p:cNvPr id="87" name="Oval 86">
             <a:extLst>
               <a:ext uri="{FF2B5EF4-FFF2-40B4-BE49-F238E27FC236}">
-                <a16:creationId xmlns:a16="http://schemas.microsoft.com/office/drawing/2014/main" xmlns="" id="{70018B8E-C8EA-4592-B666-4DD6915C2DAF}"/>
+                <a16:creationId xmlns="" xmlns:a16="http://schemas.microsoft.com/office/drawing/2014/main" id="{70018B8E-C8EA-4592-B666-4DD6915C2DAF}"/>
               </a:ext>
             </a:extLst>
           </p:cNvPr>
@@ -16876,7 +16898,7 @@
           <p:cNvPr id="89" name="Straight Arrow Connector 88">
             <a:extLst>
               <a:ext uri="{FF2B5EF4-FFF2-40B4-BE49-F238E27FC236}">
-                <a16:creationId xmlns:a16="http://schemas.microsoft.com/office/drawing/2014/main" xmlns="" id="{D5D1DDE3-D551-4E6B-AD34-6FBA1762CCD0}"/>
+                <a16:creationId xmlns="" xmlns:a16="http://schemas.microsoft.com/office/drawing/2014/main" id="{D5D1DDE3-D551-4E6B-AD34-6FBA1762CCD0}"/>
               </a:ext>
             </a:extLst>
           </p:cNvPr>
@@ -16920,7 +16942,7 @@
           <p:cNvPr id="90" name="Straight Arrow Connector 89">
             <a:extLst>
               <a:ext uri="{FF2B5EF4-FFF2-40B4-BE49-F238E27FC236}">
-                <a16:creationId xmlns:a16="http://schemas.microsoft.com/office/drawing/2014/main" xmlns="" id="{D5D1DDE3-D551-4E6B-AD34-6FBA1762CCD0}"/>
+                <a16:creationId xmlns="" xmlns:a16="http://schemas.microsoft.com/office/drawing/2014/main" id="{D5D1DDE3-D551-4E6B-AD34-6FBA1762CCD0}"/>
               </a:ext>
             </a:extLst>
           </p:cNvPr>
@@ -16964,7 +16986,7 @@
           <p:cNvPr id="91" name="Straight Arrow Connector 90">
             <a:extLst>
               <a:ext uri="{FF2B5EF4-FFF2-40B4-BE49-F238E27FC236}">
-                <a16:creationId xmlns:a16="http://schemas.microsoft.com/office/drawing/2014/main" xmlns="" id="{D5D1DDE3-D551-4E6B-AD34-6FBA1762CCD0}"/>
+                <a16:creationId xmlns="" xmlns:a16="http://schemas.microsoft.com/office/drawing/2014/main" id="{D5D1DDE3-D551-4E6B-AD34-6FBA1762CCD0}"/>
               </a:ext>
             </a:extLst>
           </p:cNvPr>
@@ -17008,7 +17030,7 @@
           <p:cNvPr id="92" name="Straight Arrow Connector 91">
             <a:extLst>
               <a:ext uri="{FF2B5EF4-FFF2-40B4-BE49-F238E27FC236}">
-                <a16:creationId xmlns:a16="http://schemas.microsoft.com/office/drawing/2014/main" xmlns="" id="{D5D1DDE3-D551-4E6B-AD34-6FBA1762CCD0}"/>
+                <a16:creationId xmlns="" xmlns:a16="http://schemas.microsoft.com/office/drawing/2014/main" id="{D5D1DDE3-D551-4E6B-AD34-6FBA1762CCD0}"/>
               </a:ext>
             </a:extLst>
           </p:cNvPr>
@@ -17052,7 +17074,7 @@
           <p:cNvPr id="99" name="Oval 98">
             <a:extLst>
               <a:ext uri="{FF2B5EF4-FFF2-40B4-BE49-F238E27FC236}">
-                <a16:creationId xmlns:a16="http://schemas.microsoft.com/office/drawing/2014/main" xmlns="" id="{70018B8E-C8EA-4592-B666-4DD6915C2DAF}"/>
+                <a16:creationId xmlns="" xmlns:a16="http://schemas.microsoft.com/office/drawing/2014/main" id="{70018B8E-C8EA-4592-B666-4DD6915C2DAF}"/>
               </a:ext>
             </a:extLst>
           </p:cNvPr>
@@ -17110,7 +17132,7 @@
           <p:cNvPr id="100" name="Oval 99">
             <a:extLst>
               <a:ext uri="{FF2B5EF4-FFF2-40B4-BE49-F238E27FC236}">
-                <a16:creationId xmlns:a16="http://schemas.microsoft.com/office/drawing/2014/main" xmlns="" id="{70018B8E-C8EA-4592-B666-4DD6915C2DAF}"/>
+                <a16:creationId xmlns="" xmlns:a16="http://schemas.microsoft.com/office/drawing/2014/main" id="{70018B8E-C8EA-4592-B666-4DD6915C2DAF}"/>
               </a:ext>
             </a:extLst>
           </p:cNvPr>
@@ -17168,7 +17190,7 @@
           <p:cNvPr id="101" name="Oval 100">
             <a:extLst>
               <a:ext uri="{FF2B5EF4-FFF2-40B4-BE49-F238E27FC236}">
-                <a16:creationId xmlns:a16="http://schemas.microsoft.com/office/drawing/2014/main" xmlns="" id="{70018B8E-C8EA-4592-B666-4DD6915C2DAF}"/>
+                <a16:creationId xmlns="" xmlns:a16="http://schemas.microsoft.com/office/drawing/2014/main" id="{70018B8E-C8EA-4592-B666-4DD6915C2DAF}"/>
               </a:ext>
             </a:extLst>
           </p:cNvPr>
@@ -17226,7 +17248,7 @@
           <p:cNvPr id="102" name="Oval 101">
             <a:extLst>
               <a:ext uri="{FF2B5EF4-FFF2-40B4-BE49-F238E27FC236}">
-                <a16:creationId xmlns:a16="http://schemas.microsoft.com/office/drawing/2014/main" xmlns="" id="{70018B8E-C8EA-4592-B666-4DD6915C2DAF}"/>
+                <a16:creationId xmlns="" xmlns:a16="http://schemas.microsoft.com/office/drawing/2014/main" id="{70018B8E-C8EA-4592-B666-4DD6915C2DAF}"/>
               </a:ext>
             </a:extLst>
           </p:cNvPr>
@@ -17284,7 +17306,7 @@
           <p:cNvPr id="103" name="Oval 102">
             <a:extLst>
               <a:ext uri="{FF2B5EF4-FFF2-40B4-BE49-F238E27FC236}">
-                <a16:creationId xmlns:a16="http://schemas.microsoft.com/office/drawing/2014/main" xmlns="" id="{70018B8E-C8EA-4592-B666-4DD6915C2DAF}"/>
+                <a16:creationId xmlns="" xmlns:a16="http://schemas.microsoft.com/office/drawing/2014/main" id="{70018B8E-C8EA-4592-B666-4DD6915C2DAF}"/>
               </a:ext>
             </a:extLst>
           </p:cNvPr>
@@ -17342,7 +17364,7 @@
           <p:cNvPr id="104" name="Oval 103">
             <a:extLst>
               <a:ext uri="{FF2B5EF4-FFF2-40B4-BE49-F238E27FC236}">
-                <a16:creationId xmlns:a16="http://schemas.microsoft.com/office/drawing/2014/main" xmlns="" id="{70018B8E-C8EA-4592-B666-4DD6915C2DAF}"/>
+                <a16:creationId xmlns="" xmlns:a16="http://schemas.microsoft.com/office/drawing/2014/main" id="{70018B8E-C8EA-4592-B666-4DD6915C2DAF}"/>
               </a:ext>
             </a:extLst>
           </p:cNvPr>
@@ -17400,7 +17422,7 @@
           <p:cNvPr id="105" name="Oval 104">
             <a:extLst>
               <a:ext uri="{FF2B5EF4-FFF2-40B4-BE49-F238E27FC236}">
-                <a16:creationId xmlns:a16="http://schemas.microsoft.com/office/drawing/2014/main" xmlns="" id="{70018B8E-C8EA-4592-B666-4DD6915C2DAF}"/>
+                <a16:creationId xmlns="" xmlns:a16="http://schemas.microsoft.com/office/drawing/2014/main" id="{70018B8E-C8EA-4592-B666-4DD6915C2DAF}"/>
               </a:ext>
             </a:extLst>
           </p:cNvPr>
@@ -18107,7 +18129,7 @@
           <p:cNvPr id="3" name="Title 2">
             <a:extLst>
               <a:ext uri="{FF2B5EF4-FFF2-40B4-BE49-F238E27FC236}">
-                <a16:creationId xmlns:a16="http://schemas.microsoft.com/office/drawing/2014/main" xmlns="" id="{A8704E41-3486-46BD-8AA7-B6B5D28F95A5}"/>
+                <a16:creationId xmlns="" xmlns:a16="http://schemas.microsoft.com/office/drawing/2014/main" id="{A8704E41-3486-46BD-8AA7-B6B5D28F95A5}"/>
               </a:ext>
             </a:extLst>
           </p:cNvPr>
@@ -18140,7 +18162,7 @@
           <p:cNvPr id="4" name="Slide Number Placeholder 3">
             <a:extLst>
               <a:ext uri="{FF2B5EF4-FFF2-40B4-BE49-F238E27FC236}">
-                <a16:creationId xmlns:a16="http://schemas.microsoft.com/office/drawing/2014/main" xmlns="" id="{02CD92EA-E9CB-4F4C-B1B9-840F11B55DC5}"/>
+                <a16:creationId xmlns="" xmlns:a16="http://schemas.microsoft.com/office/drawing/2014/main" id="{02CD92EA-E9CB-4F4C-B1B9-840F11B55DC5}"/>
               </a:ext>
             </a:extLst>
           </p:cNvPr>
@@ -18186,7 +18208,7 @@
           <p:cNvPr id="5" name="Text Placeholder 4">
             <a:extLst>
               <a:ext uri="{FF2B5EF4-FFF2-40B4-BE49-F238E27FC236}">
-                <a16:creationId xmlns:a16="http://schemas.microsoft.com/office/drawing/2014/main" xmlns="" id="{C22D9F79-04C1-4762-96D6-F3FE8172F1B1}"/>
+                <a16:creationId xmlns="" xmlns:a16="http://schemas.microsoft.com/office/drawing/2014/main" id="{C22D9F79-04C1-4762-96D6-F3FE8172F1B1}"/>
               </a:ext>
             </a:extLst>
           </p:cNvPr>
@@ -18211,7 +18233,7 @@
           <p:cNvPr id="21" name="Oval 20">
             <a:extLst>
               <a:ext uri="{FF2B5EF4-FFF2-40B4-BE49-F238E27FC236}">
-                <a16:creationId xmlns:a16="http://schemas.microsoft.com/office/drawing/2014/main" xmlns="" id="{70018B8E-C8EA-4592-B666-4DD6915C2DAF}"/>
+                <a16:creationId xmlns="" xmlns:a16="http://schemas.microsoft.com/office/drawing/2014/main" id="{70018B8E-C8EA-4592-B666-4DD6915C2DAF}"/>
               </a:ext>
             </a:extLst>
           </p:cNvPr>
@@ -18267,7 +18289,7 @@
           <p:cNvPr id="22" name="Straight Arrow Connector 21">
             <a:extLst>
               <a:ext uri="{FF2B5EF4-FFF2-40B4-BE49-F238E27FC236}">
-                <a16:creationId xmlns:a16="http://schemas.microsoft.com/office/drawing/2014/main" xmlns="" id="{D5D1DDE3-D551-4E6B-AD34-6FBA1762CCD0}"/>
+                <a16:creationId xmlns="" xmlns:a16="http://schemas.microsoft.com/office/drawing/2014/main" id="{D5D1DDE3-D551-4E6B-AD34-6FBA1762CCD0}"/>
               </a:ext>
             </a:extLst>
           </p:cNvPr>
@@ -18311,7 +18333,7 @@
           <p:cNvPr id="24" name="Oval 23">
             <a:extLst>
               <a:ext uri="{FF2B5EF4-FFF2-40B4-BE49-F238E27FC236}">
-                <a16:creationId xmlns:a16="http://schemas.microsoft.com/office/drawing/2014/main" xmlns="" id="{70018B8E-C8EA-4592-B666-4DD6915C2DAF}"/>
+                <a16:creationId xmlns="" xmlns:a16="http://schemas.microsoft.com/office/drawing/2014/main" id="{70018B8E-C8EA-4592-B666-4DD6915C2DAF}"/>
               </a:ext>
             </a:extLst>
           </p:cNvPr>
@@ -18367,7 +18389,7 @@
           <p:cNvPr id="25" name="Straight Arrow Connector 24">
             <a:extLst>
               <a:ext uri="{FF2B5EF4-FFF2-40B4-BE49-F238E27FC236}">
-                <a16:creationId xmlns:a16="http://schemas.microsoft.com/office/drawing/2014/main" xmlns="" id="{D5D1DDE3-D551-4E6B-AD34-6FBA1762CCD0}"/>
+                <a16:creationId xmlns="" xmlns:a16="http://schemas.microsoft.com/office/drawing/2014/main" id="{D5D1DDE3-D551-4E6B-AD34-6FBA1762CCD0}"/>
               </a:ext>
             </a:extLst>
           </p:cNvPr>
@@ -18411,7 +18433,7 @@
           <p:cNvPr id="28" name="Oval 27">
             <a:extLst>
               <a:ext uri="{FF2B5EF4-FFF2-40B4-BE49-F238E27FC236}">
-                <a16:creationId xmlns:a16="http://schemas.microsoft.com/office/drawing/2014/main" xmlns="" id="{70018B8E-C8EA-4592-B666-4DD6915C2DAF}"/>
+                <a16:creationId xmlns="" xmlns:a16="http://schemas.microsoft.com/office/drawing/2014/main" id="{70018B8E-C8EA-4592-B666-4DD6915C2DAF}"/>
               </a:ext>
             </a:extLst>
           </p:cNvPr>
@@ -18467,7 +18489,7 @@
           <p:cNvPr id="33" name="Straight Arrow Connector 32">
             <a:extLst>
               <a:ext uri="{FF2B5EF4-FFF2-40B4-BE49-F238E27FC236}">
-                <a16:creationId xmlns:a16="http://schemas.microsoft.com/office/drawing/2014/main" xmlns="" id="{D5D1DDE3-D551-4E6B-AD34-6FBA1762CCD0}"/>
+                <a16:creationId xmlns="" xmlns:a16="http://schemas.microsoft.com/office/drawing/2014/main" id="{D5D1DDE3-D551-4E6B-AD34-6FBA1762CCD0}"/>
               </a:ext>
             </a:extLst>
           </p:cNvPr>
@@ -18511,7 +18533,7 @@
           <p:cNvPr id="35" name="Oval 34">
             <a:extLst>
               <a:ext uri="{FF2B5EF4-FFF2-40B4-BE49-F238E27FC236}">
-                <a16:creationId xmlns:a16="http://schemas.microsoft.com/office/drawing/2014/main" xmlns="" id="{70018B8E-C8EA-4592-B666-4DD6915C2DAF}"/>
+                <a16:creationId xmlns="" xmlns:a16="http://schemas.microsoft.com/office/drawing/2014/main" id="{70018B8E-C8EA-4592-B666-4DD6915C2DAF}"/>
               </a:ext>
             </a:extLst>
           </p:cNvPr>
@@ -18567,7 +18589,7 @@
           <p:cNvPr id="39" name="Oval 38">
             <a:extLst>
               <a:ext uri="{FF2B5EF4-FFF2-40B4-BE49-F238E27FC236}">
-                <a16:creationId xmlns:a16="http://schemas.microsoft.com/office/drawing/2014/main" xmlns="" id="{70018B8E-C8EA-4592-B666-4DD6915C2DAF}"/>
+                <a16:creationId xmlns="" xmlns:a16="http://schemas.microsoft.com/office/drawing/2014/main" id="{70018B8E-C8EA-4592-B666-4DD6915C2DAF}"/>
               </a:ext>
             </a:extLst>
           </p:cNvPr>
@@ -18623,7 +18645,7 @@
           <p:cNvPr id="42" name="Oval 41">
             <a:extLst>
               <a:ext uri="{FF2B5EF4-FFF2-40B4-BE49-F238E27FC236}">
-                <a16:creationId xmlns:a16="http://schemas.microsoft.com/office/drawing/2014/main" xmlns="" id="{70018B8E-C8EA-4592-B666-4DD6915C2DAF}"/>
+                <a16:creationId xmlns="" xmlns:a16="http://schemas.microsoft.com/office/drawing/2014/main" id="{70018B8E-C8EA-4592-B666-4DD6915C2DAF}"/>
               </a:ext>
             </a:extLst>
           </p:cNvPr>
@@ -18679,7 +18701,7 @@
           <p:cNvPr id="43" name="Straight Arrow Connector 42">
             <a:extLst>
               <a:ext uri="{FF2B5EF4-FFF2-40B4-BE49-F238E27FC236}">
-                <a16:creationId xmlns:a16="http://schemas.microsoft.com/office/drawing/2014/main" xmlns="" id="{D5D1DDE3-D551-4E6B-AD34-6FBA1762CCD0}"/>
+                <a16:creationId xmlns="" xmlns:a16="http://schemas.microsoft.com/office/drawing/2014/main" id="{D5D1DDE3-D551-4E6B-AD34-6FBA1762CCD0}"/>
               </a:ext>
             </a:extLst>
           </p:cNvPr>
@@ -18723,7 +18745,7 @@
           <p:cNvPr id="45" name="Oval 44">
             <a:extLst>
               <a:ext uri="{FF2B5EF4-FFF2-40B4-BE49-F238E27FC236}">
-                <a16:creationId xmlns:a16="http://schemas.microsoft.com/office/drawing/2014/main" xmlns="" id="{70018B8E-C8EA-4592-B666-4DD6915C2DAF}"/>
+                <a16:creationId xmlns="" xmlns:a16="http://schemas.microsoft.com/office/drawing/2014/main" id="{70018B8E-C8EA-4592-B666-4DD6915C2DAF}"/>
               </a:ext>
             </a:extLst>
           </p:cNvPr>
@@ -18779,7 +18801,7 @@
           <p:cNvPr id="46" name="Straight Arrow Connector 45">
             <a:extLst>
               <a:ext uri="{FF2B5EF4-FFF2-40B4-BE49-F238E27FC236}">
-                <a16:creationId xmlns:a16="http://schemas.microsoft.com/office/drawing/2014/main" xmlns="" id="{D5D1DDE3-D551-4E6B-AD34-6FBA1762CCD0}"/>
+                <a16:creationId xmlns="" xmlns:a16="http://schemas.microsoft.com/office/drawing/2014/main" id="{D5D1DDE3-D551-4E6B-AD34-6FBA1762CCD0}"/>
               </a:ext>
             </a:extLst>
           </p:cNvPr>
@@ -18823,7 +18845,7 @@
           <p:cNvPr id="48" name="Oval 47">
             <a:extLst>
               <a:ext uri="{FF2B5EF4-FFF2-40B4-BE49-F238E27FC236}">
-                <a16:creationId xmlns:a16="http://schemas.microsoft.com/office/drawing/2014/main" xmlns="" id="{70018B8E-C8EA-4592-B666-4DD6915C2DAF}"/>
+                <a16:creationId xmlns="" xmlns:a16="http://schemas.microsoft.com/office/drawing/2014/main" id="{70018B8E-C8EA-4592-B666-4DD6915C2DAF}"/>
               </a:ext>
             </a:extLst>
           </p:cNvPr>
@@ -18879,7 +18901,7 @@
           <p:cNvPr id="51" name="Straight Arrow Connector 50">
             <a:extLst>
               <a:ext uri="{FF2B5EF4-FFF2-40B4-BE49-F238E27FC236}">
-                <a16:creationId xmlns:a16="http://schemas.microsoft.com/office/drawing/2014/main" xmlns="" id="{D5D1DDE3-D551-4E6B-AD34-6FBA1762CCD0}"/>
+                <a16:creationId xmlns="" xmlns:a16="http://schemas.microsoft.com/office/drawing/2014/main" id="{D5D1DDE3-D551-4E6B-AD34-6FBA1762CCD0}"/>
               </a:ext>
             </a:extLst>
           </p:cNvPr>
@@ -18923,7 +18945,7 @@
           <p:cNvPr id="52" name="Straight Arrow Connector 51">
             <a:extLst>
               <a:ext uri="{FF2B5EF4-FFF2-40B4-BE49-F238E27FC236}">
-                <a16:creationId xmlns:a16="http://schemas.microsoft.com/office/drawing/2014/main" xmlns="" id="{D5D1DDE3-D551-4E6B-AD34-6FBA1762CCD0}"/>
+                <a16:creationId xmlns="" xmlns:a16="http://schemas.microsoft.com/office/drawing/2014/main" id="{D5D1DDE3-D551-4E6B-AD34-6FBA1762CCD0}"/>
               </a:ext>
             </a:extLst>
           </p:cNvPr>
@@ -18967,7 +18989,7 @@
           <p:cNvPr id="30" name="Straight Arrow Connector 29">
             <a:extLst>
               <a:ext uri="{FF2B5EF4-FFF2-40B4-BE49-F238E27FC236}">
-                <a16:creationId xmlns:a16="http://schemas.microsoft.com/office/drawing/2014/main" xmlns="" id="{D5D1DDE3-D551-4E6B-AD34-6FBA1762CCD0}"/>
+                <a16:creationId xmlns="" xmlns:a16="http://schemas.microsoft.com/office/drawing/2014/main" id="{D5D1DDE3-D551-4E6B-AD34-6FBA1762CCD0}"/>
               </a:ext>
             </a:extLst>
           </p:cNvPr>
@@ -19011,7 +19033,7 @@
           <p:cNvPr id="31" name="Straight Arrow Connector 30">
             <a:extLst>
               <a:ext uri="{FF2B5EF4-FFF2-40B4-BE49-F238E27FC236}">
-                <a16:creationId xmlns:a16="http://schemas.microsoft.com/office/drawing/2014/main" xmlns="" id="{D5D1DDE3-D551-4E6B-AD34-6FBA1762CCD0}"/>
+                <a16:creationId xmlns="" xmlns:a16="http://schemas.microsoft.com/office/drawing/2014/main" id="{D5D1DDE3-D551-4E6B-AD34-6FBA1762CCD0}"/>
               </a:ext>
             </a:extLst>
           </p:cNvPr>
@@ -19055,7 +19077,7 @@
           <p:cNvPr id="32" name="Oval 31">
             <a:extLst>
               <a:ext uri="{FF2B5EF4-FFF2-40B4-BE49-F238E27FC236}">
-                <a16:creationId xmlns:a16="http://schemas.microsoft.com/office/drawing/2014/main" xmlns="" id="{70018B8E-C8EA-4592-B666-4DD6915C2DAF}"/>
+                <a16:creationId xmlns="" xmlns:a16="http://schemas.microsoft.com/office/drawing/2014/main" id="{70018B8E-C8EA-4592-B666-4DD6915C2DAF}"/>
               </a:ext>
             </a:extLst>
           </p:cNvPr>
@@ -19113,7 +19135,7 @@
           <p:cNvPr id="34" name="Oval 33">
             <a:extLst>
               <a:ext uri="{FF2B5EF4-FFF2-40B4-BE49-F238E27FC236}">
-                <a16:creationId xmlns:a16="http://schemas.microsoft.com/office/drawing/2014/main" xmlns="" id="{70018B8E-C8EA-4592-B666-4DD6915C2DAF}"/>
+                <a16:creationId xmlns="" xmlns:a16="http://schemas.microsoft.com/office/drawing/2014/main" id="{70018B8E-C8EA-4592-B666-4DD6915C2DAF}"/>
               </a:ext>
             </a:extLst>
           </p:cNvPr>
@@ -19171,7 +19193,7 @@
           <p:cNvPr id="36" name="Oval 35">
             <a:extLst>
               <a:ext uri="{FF2B5EF4-FFF2-40B4-BE49-F238E27FC236}">
-                <a16:creationId xmlns:a16="http://schemas.microsoft.com/office/drawing/2014/main" xmlns="" id="{70018B8E-C8EA-4592-B666-4DD6915C2DAF}"/>
+                <a16:creationId xmlns="" xmlns:a16="http://schemas.microsoft.com/office/drawing/2014/main" id="{70018B8E-C8EA-4592-B666-4DD6915C2DAF}"/>
               </a:ext>
             </a:extLst>
           </p:cNvPr>
@@ -20311,7 +20333,7 @@
           <p:cNvPr id="3" name="Title 2">
             <a:extLst>
               <a:ext uri="{FF2B5EF4-FFF2-40B4-BE49-F238E27FC236}">
-                <a16:creationId xmlns:a16="http://schemas.microsoft.com/office/drawing/2014/main" xmlns="" id="{A8704E41-3486-46BD-8AA7-B6B5D28F95A5}"/>
+                <a16:creationId xmlns="" xmlns:a16="http://schemas.microsoft.com/office/drawing/2014/main" id="{A8704E41-3486-46BD-8AA7-B6B5D28F95A5}"/>
               </a:ext>
             </a:extLst>
           </p:cNvPr>
@@ -20344,7 +20366,7 @@
           <p:cNvPr id="4" name="Slide Number Placeholder 3">
             <a:extLst>
               <a:ext uri="{FF2B5EF4-FFF2-40B4-BE49-F238E27FC236}">
-                <a16:creationId xmlns:a16="http://schemas.microsoft.com/office/drawing/2014/main" xmlns="" id="{02CD92EA-E9CB-4F4C-B1B9-840F11B55DC5}"/>
+                <a16:creationId xmlns="" xmlns:a16="http://schemas.microsoft.com/office/drawing/2014/main" id="{02CD92EA-E9CB-4F4C-B1B9-840F11B55DC5}"/>
               </a:ext>
             </a:extLst>
           </p:cNvPr>
@@ -20390,7 +20412,7 @@
           <p:cNvPr id="5" name="Text Placeholder 4">
             <a:extLst>
               <a:ext uri="{FF2B5EF4-FFF2-40B4-BE49-F238E27FC236}">
-                <a16:creationId xmlns:a16="http://schemas.microsoft.com/office/drawing/2014/main" xmlns="" id="{C22D9F79-04C1-4762-96D6-F3FE8172F1B1}"/>
+                <a16:creationId xmlns="" xmlns:a16="http://schemas.microsoft.com/office/drawing/2014/main" id="{C22D9F79-04C1-4762-96D6-F3FE8172F1B1}"/>
               </a:ext>
             </a:extLst>
           </p:cNvPr>
@@ -20415,7 +20437,7 @@
           <p:cNvPr id="21" name="Oval 20">
             <a:extLst>
               <a:ext uri="{FF2B5EF4-FFF2-40B4-BE49-F238E27FC236}">
-                <a16:creationId xmlns:a16="http://schemas.microsoft.com/office/drawing/2014/main" xmlns="" id="{70018B8E-C8EA-4592-B666-4DD6915C2DAF}"/>
+                <a16:creationId xmlns="" xmlns:a16="http://schemas.microsoft.com/office/drawing/2014/main" id="{70018B8E-C8EA-4592-B666-4DD6915C2DAF}"/>
               </a:ext>
             </a:extLst>
           </p:cNvPr>
@@ -20471,7 +20493,7 @@
           <p:cNvPr id="22" name="Straight Arrow Connector 21">
             <a:extLst>
               <a:ext uri="{FF2B5EF4-FFF2-40B4-BE49-F238E27FC236}">
-                <a16:creationId xmlns:a16="http://schemas.microsoft.com/office/drawing/2014/main" xmlns="" id="{D5D1DDE3-D551-4E6B-AD34-6FBA1762CCD0}"/>
+                <a16:creationId xmlns="" xmlns:a16="http://schemas.microsoft.com/office/drawing/2014/main" id="{D5D1DDE3-D551-4E6B-AD34-6FBA1762CCD0}"/>
               </a:ext>
             </a:extLst>
           </p:cNvPr>
@@ -20515,7 +20537,7 @@
           <p:cNvPr id="24" name="Oval 23">
             <a:extLst>
               <a:ext uri="{FF2B5EF4-FFF2-40B4-BE49-F238E27FC236}">
-                <a16:creationId xmlns:a16="http://schemas.microsoft.com/office/drawing/2014/main" xmlns="" id="{70018B8E-C8EA-4592-B666-4DD6915C2DAF}"/>
+                <a16:creationId xmlns="" xmlns:a16="http://schemas.microsoft.com/office/drawing/2014/main" id="{70018B8E-C8EA-4592-B666-4DD6915C2DAF}"/>
               </a:ext>
             </a:extLst>
           </p:cNvPr>
@@ -20571,7 +20593,7 @@
           <p:cNvPr id="25" name="Straight Arrow Connector 24">
             <a:extLst>
               <a:ext uri="{FF2B5EF4-FFF2-40B4-BE49-F238E27FC236}">
-                <a16:creationId xmlns:a16="http://schemas.microsoft.com/office/drawing/2014/main" xmlns="" id="{D5D1DDE3-D551-4E6B-AD34-6FBA1762CCD0}"/>
+                <a16:creationId xmlns="" xmlns:a16="http://schemas.microsoft.com/office/drawing/2014/main" id="{D5D1DDE3-D551-4E6B-AD34-6FBA1762CCD0}"/>
               </a:ext>
             </a:extLst>
           </p:cNvPr>
@@ -20615,7 +20637,7 @@
           <p:cNvPr id="28" name="Oval 27">
             <a:extLst>
               <a:ext uri="{FF2B5EF4-FFF2-40B4-BE49-F238E27FC236}">
-                <a16:creationId xmlns:a16="http://schemas.microsoft.com/office/drawing/2014/main" xmlns="" id="{70018B8E-C8EA-4592-B666-4DD6915C2DAF}"/>
+                <a16:creationId xmlns="" xmlns:a16="http://schemas.microsoft.com/office/drawing/2014/main" id="{70018B8E-C8EA-4592-B666-4DD6915C2DAF}"/>
               </a:ext>
             </a:extLst>
           </p:cNvPr>
@@ -20671,7 +20693,7 @@
           <p:cNvPr id="33" name="Straight Arrow Connector 32">
             <a:extLst>
               <a:ext uri="{FF2B5EF4-FFF2-40B4-BE49-F238E27FC236}">
-                <a16:creationId xmlns:a16="http://schemas.microsoft.com/office/drawing/2014/main" xmlns="" id="{D5D1DDE3-D551-4E6B-AD34-6FBA1762CCD0}"/>
+                <a16:creationId xmlns="" xmlns:a16="http://schemas.microsoft.com/office/drawing/2014/main" id="{D5D1DDE3-D551-4E6B-AD34-6FBA1762CCD0}"/>
               </a:ext>
             </a:extLst>
           </p:cNvPr>
@@ -20715,7 +20737,7 @@
           <p:cNvPr id="35" name="Oval 34">
             <a:extLst>
               <a:ext uri="{FF2B5EF4-FFF2-40B4-BE49-F238E27FC236}">
-                <a16:creationId xmlns:a16="http://schemas.microsoft.com/office/drawing/2014/main" xmlns="" id="{70018B8E-C8EA-4592-B666-4DD6915C2DAF}"/>
+                <a16:creationId xmlns="" xmlns:a16="http://schemas.microsoft.com/office/drawing/2014/main" id="{70018B8E-C8EA-4592-B666-4DD6915C2DAF}"/>
               </a:ext>
             </a:extLst>
           </p:cNvPr>
@@ -20771,7 +20793,7 @@
           <p:cNvPr id="39" name="Oval 38">
             <a:extLst>
               <a:ext uri="{FF2B5EF4-FFF2-40B4-BE49-F238E27FC236}">
-                <a16:creationId xmlns:a16="http://schemas.microsoft.com/office/drawing/2014/main" xmlns="" id="{70018B8E-C8EA-4592-B666-4DD6915C2DAF}"/>
+                <a16:creationId xmlns="" xmlns:a16="http://schemas.microsoft.com/office/drawing/2014/main" id="{70018B8E-C8EA-4592-B666-4DD6915C2DAF}"/>
               </a:ext>
             </a:extLst>
           </p:cNvPr>
@@ -20827,7 +20849,7 @@
           <p:cNvPr id="42" name="Oval 41">
             <a:extLst>
               <a:ext uri="{FF2B5EF4-FFF2-40B4-BE49-F238E27FC236}">
-                <a16:creationId xmlns:a16="http://schemas.microsoft.com/office/drawing/2014/main" xmlns="" id="{70018B8E-C8EA-4592-B666-4DD6915C2DAF}"/>
+                <a16:creationId xmlns="" xmlns:a16="http://schemas.microsoft.com/office/drawing/2014/main" id="{70018B8E-C8EA-4592-B666-4DD6915C2DAF}"/>
               </a:ext>
             </a:extLst>
           </p:cNvPr>
@@ -20883,7 +20905,7 @@
           <p:cNvPr id="43" name="Straight Arrow Connector 42">
             <a:extLst>
               <a:ext uri="{FF2B5EF4-FFF2-40B4-BE49-F238E27FC236}">
-                <a16:creationId xmlns:a16="http://schemas.microsoft.com/office/drawing/2014/main" xmlns="" id="{D5D1DDE3-D551-4E6B-AD34-6FBA1762CCD0}"/>
+                <a16:creationId xmlns="" xmlns:a16="http://schemas.microsoft.com/office/drawing/2014/main" id="{D5D1DDE3-D551-4E6B-AD34-6FBA1762CCD0}"/>
               </a:ext>
             </a:extLst>
           </p:cNvPr>
@@ -20927,7 +20949,7 @@
           <p:cNvPr id="45" name="Oval 44">
             <a:extLst>
               <a:ext uri="{FF2B5EF4-FFF2-40B4-BE49-F238E27FC236}">
-                <a16:creationId xmlns:a16="http://schemas.microsoft.com/office/drawing/2014/main" xmlns="" id="{70018B8E-C8EA-4592-B666-4DD6915C2DAF}"/>
+                <a16:creationId xmlns="" xmlns:a16="http://schemas.microsoft.com/office/drawing/2014/main" id="{70018B8E-C8EA-4592-B666-4DD6915C2DAF}"/>
               </a:ext>
             </a:extLst>
           </p:cNvPr>
@@ -20983,7 +21005,7 @@
           <p:cNvPr id="46" name="Straight Arrow Connector 45">
             <a:extLst>
               <a:ext uri="{FF2B5EF4-FFF2-40B4-BE49-F238E27FC236}">
-                <a16:creationId xmlns:a16="http://schemas.microsoft.com/office/drawing/2014/main" xmlns="" id="{D5D1DDE3-D551-4E6B-AD34-6FBA1762CCD0}"/>
+                <a16:creationId xmlns="" xmlns:a16="http://schemas.microsoft.com/office/drawing/2014/main" id="{D5D1DDE3-D551-4E6B-AD34-6FBA1762CCD0}"/>
               </a:ext>
             </a:extLst>
           </p:cNvPr>
@@ -21027,7 +21049,7 @@
           <p:cNvPr id="48" name="Oval 47">
             <a:extLst>
               <a:ext uri="{FF2B5EF4-FFF2-40B4-BE49-F238E27FC236}">
-                <a16:creationId xmlns:a16="http://schemas.microsoft.com/office/drawing/2014/main" xmlns="" id="{70018B8E-C8EA-4592-B666-4DD6915C2DAF}"/>
+                <a16:creationId xmlns="" xmlns:a16="http://schemas.microsoft.com/office/drawing/2014/main" id="{70018B8E-C8EA-4592-B666-4DD6915C2DAF}"/>
               </a:ext>
             </a:extLst>
           </p:cNvPr>
@@ -21083,7 +21105,7 @@
           <p:cNvPr id="51" name="Straight Arrow Connector 50">
             <a:extLst>
               <a:ext uri="{FF2B5EF4-FFF2-40B4-BE49-F238E27FC236}">
-                <a16:creationId xmlns:a16="http://schemas.microsoft.com/office/drawing/2014/main" xmlns="" id="{D5D1DDE3-D551-4E6B-AD34-6FBA1762CCD0}"/>
+                <a16:creationId xmlns="" xmlns:a16="http://schemas.microsoft.com/office/drawing/2014/main" id="{D5D1DDE3-D551-4E6B-AD34-6FBA1762CCD0}"/>
               </a:ext>
             </a:extLst>
           </p:cNvPr>
@@ -21127,7 +21149,7 @@
           <p:cNvPr id="52" name="Straight Arrow Connector 51">
             <a:extLst>
               <a:ext uri="{FF2B5EF4-FFF2-40B4-BE49-F238E27FC236}">
-                <a16:creationId xmlns:a16="http://schemas.microsoft.com/office/drawing/2014/main" xmlns="" id="{D5D1DDE3-D551-4E6B-AD34-6FBA1762CCD0}"/>
+                <a16:creationId xmlns="" xmlns:a16="http://schemas.microsoft.com/office/drawing/2014/main" id="{D5D1DDE3-D551-4E6B-AD34-6FBA1762CCD0}"/>
               </a:ext>
             </a:extLst>
           </p:cNvPr>
@@ -21171,7 +21193,7 @@
           <p:cNvPr id="30" name="Straight Arrow Connector 29">
             <a:extLst>
               <a:ext uri="{FF2B5EF4-FFF2-40B4-BE49-F238E27FC236}">
-                <a16:creationId xmlns:a16="http://schemas.microsoft.com/office/drawing/2014/main" xmlns="" id="{D5D1DDE3-D551-4E6B-AD34-6FBA1762CCD0}"/>
+                <a16:creationId xmlns="" xmlns:a16="http://schemas.microsoft.com/office/drawing/2014/main" id="{D5D1DDE3-D551-4E6B-AD34-6FBA1762CCD0}"/>
               </a:ext>
             </a:extLst>
           </p:cNvPr>
@@ -21215,7 +21237,7 @@
           <p:cNvPr id="31" name="Straight Arrow Connector 30">
             <a:extLst>
               <a:ext uri="{FF2B5EF4-FFF2-40B4-BE49-F238E27FC236}">
-                <a16:creationId xmlns:a16="http://schemas.microsoft.com/office/drawing/2014/main" xmlns="" id="{D5D1DDE3-D551-4E6B-AD34-6FBA1762CCD0}"/>
+                <a16:creationId xmlns="" xmlns:a16="http://schemas.microsoft.com/office/drawing/2014/main" id="{D5D1DDE3-D551-4E6B-AD34-6FBA1762CCD0}"/>
               </a:ext>
             </a:extLst>
           </p:cNvPr>
@@ -21259,7 +21281,7 @@
           <p:cNvPr id="26" name="Oval 25">
             <a:extLst>
               <a:ext uri="{FF2B5EF4-FFF2-40B4-BE49-F238E27FC236}">
-                <a16:creationId xmlns:a16="http://schemas.microsoft.com/office/drawing/2014/main" xmlns="" id="{70018B8E-C8EA-4592-B666-4DD6915C2DAF}"/>
+                <a16:creationId xmlns="" xmlns:a16="http://schemas.microsoft.com/office/drawing/2014/main" id="{70018B8E-C8EA-4592-B666-4DD6915C2DAF}"/>
               </a:ext>
             </a:extLst>
           </p:cNvPr>
@@ -21317,7 +21339,7 @@
           <p:cNvPr id="27" name="Oval 26">
             <a:extLst>
               <a:ext uri="{FF2B5EF4-FFF2-40B4-BE49-F238E27FC236}">
-                <a16:creationId xmlns:a16="http://schemas.microsoft.com/office/drawing/2014/main" xmlns="" id="{70018B8E-C8EA-4592-B666-4DD6915C2DAF}"/>
+                <a16:creationId xmlns="" xmlns:a16="http://schemas.microsoft.com/office/drawing/2014/main" id="{70018B8E-C8EA-4592-B666-4DD6915C2DAF}"/>
               </a:ext>
             </a:extLst>
           </p:cNvPr>
@@ -22246,7 +22268,7 @@
           <p:cNvPr id="3" name="Title 2">
             <a:extLst>
               <a:ext uri="{FF2B5EF4-FFF2-40B4-BE49-F238E27FC236}">
-                <a16:creationId xmlns:a16="http://schemas.microsoft.com/office/drawing/2014/main" xmlns="" id="{A8704E41-3486-46BD-8AA7-B6B5D28F95A5}"/>
+                <a16:creationId xmlns="" xmlns:a16="http://schemas.microsoft.com/office/drawing/2014/main" id="{A8704E41-3486-46BD-8AA7-B6B5D28F95A5}"/>
               </a:ext>
             </a:extLst>
           </p:cNvPr>
@@ -22283,7 +22305,7 @@
           <p:cNvPr id="4" name="Slide Number Placeholder 3">
             <a:extLst>
               <a:ext uri="{FF2B5EF4-FFF2-40B4-BE49-F238E27FC236}">
-                <a16:creationId xmlns:a16="http://schemas.microsoft.com/office/drawing/2014/main" xmlns="" id="{02CD92EA-E9CB-4F4C-B1B9-840F11B55DC5}"/>
+                <a16:creationId xmlns="" xmlns:a16="http://schemas.microsoft.com/office/drawing/2014/main" id="{02CD92EA-E9CB-4F4C-B1B9-840F11B55DC5}"/>
               </a:ext>
             </a:extLst>
           </p:cNvPr>
@@ -22329,7 +22351,7 @@
           <p:cNvPr id="5" name="Text Placeholder 4">
             <a:extLst>
               <a:ext uri="{FF2B5EF4-FFF2-40B4-BE49-F238E27FC236}">
-                <a16:creationId xmlns:a16="http://schemas.microsoft.com/office/drawing/2014/main" xmlns="" id="{C22D9F79-04C1-4762-96D6-F3FE8172F1B1}"/>
+                <a16:creationId xmlns="" xmlns:a16="http://schemas.microsoft.com/office/drawing/2014/main" id="{C22D9F79-04C1-4762-96D6-F3FE8172F1B1}"/>
               </a:ext>
             </a:extLst>
           </p:cNvPr>
@@ -22354,7 +22376,7 @@
           <p:cNvPr id="10" name="Oval 9">
             <a:extLst>
               <a:ext uri="{FF2B5EF4-FFF2-40B4-BE49-F238E27FC236}">
-                <a16:creationId xmlns:a16="http://schemas.microsoft.com/office/drawing/2014/main" xmlns="" id="{85A56FFB-3CCE-40CF-B574-5F581CF3B136}"/>
+                <a16:creationId xmlns="" xmlns:a16="http://schemas.microsoft.com/office/drawing/2014/main" id="{85A56FFB-3CCE-40CF-B574-5F581CF3B136}"/>
               </a:ext>
             </a:extLst>
           </p:cNvPr>
@@ -22410,7 +22432,7 @@
           <p:cNvPr id="29" name="Oval 28">
             <a:extLst>
               <a:ext uri="{FF2B5EF4-FFF2-40B4-BE49-F238E27FC236}">
-                <a16:creationId xmlns:a16="http://schemas.microsoft.com/office/drawing/2014/main" xmlns="" id="{70018B8E-C8EA-4592-B666-4DD6915C2DAF}"/>
+                <a16:creationId xmlns="" xmlns:a16="http://schemas.microsoft.com/office/drawing/2014/main" id="{70018B8E-C8EA-4592-B666-4DD6915C2DAF}"/>
               </a:ext>
             </a:extLst>
           </p:cNvPr>
@@ -22466,7 +22488,7 @@
           <p:cNvPr id="31" name="Oval 30">
             <a:extLst>
               <a:ext uri="{FF2B5EF4-FFF2-40B4-BE49-F238E27FC236}">
-                <a16:creationId xmlns:a16="http://schemas.microsoft.com/office/drawing/2014/main" xmlns="" id="{1B9A13BE-F872-4D03-BE6E-86788C555F5C}"/>
+                <a16:creationId xmlns="" xmlns:a16="http://schemas.microsoft.com/office/drawing/2014/main" id="{1B9A13BE-F872-4D03-BE6E-86788C555F5C}"/>
               </a:ext>
             </a:extLst>
           </p:cNvPr>
@@ -22522,7 +22544,7 @@
           <p:cNvPr id="32" name="Straight Arrow Connector 31">
             <a:extLst>
               <a:ext uri="{FF2B5EF4-FFF2-40B4-BE49-F238E27FC236}">
-                <a16:creationId xmlns:a16="http://schemas.microsoft.com/office/drawing/2014/main" xmlns="" id="{D5D1DDE3-D551-4E6B-AD34-6FBA1762CCD0}"/>
+                <a16:creationId xmlns="" xmlns:a16="http://schemas.microsoft.com/office/drawing/2014/main" id="{D5D1DDE3-D551-4E6B-AD34-6FBA1762CCD0}"/>
               </a:ext>
             </a:extLst>
           </p:cNvPr>
@@ -22566,7 +22588,7 @@
           <p:cNvPr id="22" name="Straight Arrow Connector 21">
             <a:extLst>
               <a:ext uri="{FF2B5EF4-FFF2-40B4-BE49-F238E27FC236}">
-                <a16:creationId xmlns:a16="http://schemas.microsoft.com/office/drawing/2014/main" xmlns="" id="{8C6910D2-ECED-46D5-BC40-B82D376993B1}"/>
+                <a16:creationId xmlns="" xmlns:a16="http://schemas.microsoft.com/office/drawing/2014/main" id="{8C6910D2-ECED-46D5-BC40-B82D376993B1}"/>
               </a:ext>
             </a:extLst>
           </p:cNvPr>
@@ -22610,7 +22632,7 @@
           <p:cNvPr id="26" name="Oval 25">
             <a:extLst>
               <a:ext uri="{FF2B5EF4-FFF2-40B4-BE49-F238E27FC236}">
-                <a16:creationId xmlns:a16="http://schemas.microsoft.com/office/drawing/2014/main" xmlns="" id="{089F238F-FA4E-4BC7-B5C9-2DE4F3174BCB}"/>
+                <a16:creationId xmlns="" xmlns:a16="http://schemas.microsoft.com/office/drawing/2014/main" id="{089F238F-FA4E-4BC7-B5C9-2DE4F3174BCB}"/>
               </a:ext>
             </a:extLst>
           </p:cNvPr>
@@ -22666,7 +22688,7 @@
           <p:cNvPr id="28" name="Oval 27">
             <a:extLst>
               <a:ext uri="{FF2B5EF4-FFF2-40B4-BE49-F238E27FC236}">
-                <a16:creationId xmlns:a16="http://schemas.microsoft.com/office/drawing/2014/main" xmlns="" id="{5432F768-DFB7-4BB9-A475-7A3EF2DF16EC}"/>
+                <a16:creationId xmlns="" xmlns:a16="http://schemas.microsoft.com/office/drawing/2014/main" id="{5432F768-DFB7-4BB9-A475-7A3EF2DF16EC}"/>
               </a:ext>
             </a:extLst>
           </p:cNvPr>
@@ -22722,7 +22744,7 @@
           <p:cNvPr id="33" name="Oval 32">
             <a:extLst>
               <a:ext uri="{FF2B5EF4-FFF2-40B4-BE49-F238E27FC236}">
-                <a16:creationId xmlns:a16="http://schemas.microsoft.com/office/drawing/2014/main" xmlns="" id="{5183D966-4DFE-4C53-B3FF-6AEDBFA81D9B}"/>
+                <a16:creationId xmlns="" xmlns:a16="http://schemas.microsoft.com/office/drawing/2014/main" id="{5183D966-4DFE-4C53-B3FF-6AEDBFA81D9B}"/>
               </a:ext>
             </a:extLst>
           </p:cNvPr>
@@ -22778,7 +22800,7 @@
           <p:cNvPr id="34" name="Straight Arrow Connector 33">
             <a:extLst>
               <a:ext uri="{FF2B5EF4-FFF2-40B4-BE49-F238E27FC236}">
-                <a16:creationId xmlns:a16="http://schemas.microsoft.com/office/drawing/2014/main" xmlns="" id="{39C2BE5D-187B-4009-B65C-119A939C1205}"/>
+                <a16:creationId xmlns="" xmlns:a16="http://schemas.microsoft.com/office/drawing/2014/main" id="{39C2BE5D-187B-4009-B65C-119A939C1205}"/>
               </a:ext>
             </a:extLst>
           </p:cNvPr>
@@ -22822,7 +22844,7 @@
           <p:cNvPr id="35" name="Straight Arrow Connector 34">
             <a:extLst>
               <a:ext uri="{FF2B5EF4-FFF2-40B4-BE49-F238E27FC236}">
-                <a16:creationId xmlns:a16="http://schemas.microsoft.com/office/drawing/2014/main" xmlns="" id="{9B92B2BE-EA67-4FCA-826C-7C2C0498F054}"/>
+                <a16:creationId xmlns="" xmlns:a16="http://schemas.microsoft.com/office/drawing/2014/main" id="{9B92B2BE-EA67-4FCA-826C-7C2C0498F054}"/>
               </a:ext>
             </a:extLst>
           </p:cNvPr>
@@ -22866,7 +22888,7 @@
           <p:cNvPr id="40" name="Oval 39">
             <a:extLst>
               <a:ext uri="{FF2B5EF4-FFF2-40B4-BE49-F238E27FC236}">
-                <a16:creationId xmlns:a16="http://schemas.microsoft.com/office/drawing/2014/main" xmlns="" id="{6FCAF568-FDEF-45D2-9140-749521E779C5}"/>
+                <a16:creationId xmlns="" xmlns:a16="http://schemas.microsoft.com/office/drawing/2014/main" id="{6FCAF568-FDEF-45D2-9140-749521E779C5}"/>
               </a:ext>
             </a:extLst>
           </p:cNvPr>
@@ -22922,7 +22944,7 @@
           <p:cNvPr id="42" name="Oval 41">
             <a:extLst>
               <a:ext uri="{FF2B5EF4-FFF2-40B4-BE49-F238E27FC236}">
-                <a16:creationId xmlns:a16="http://schemas.microsoft.com/office/drawing/2014/main" xmlns="" id="{1772391F-F1E8-4838-87B5-C86A20101F19}"/>
+                <a16:creationId xmlns="" xmlns:a16="http://schemas.microsoft.com/office/drawing/2014/main" id="{1772391F-F1E8-4838-87B5-C86A20101F19}"/>
               </a:ext>
             </a:extLst>
           </p:cNvPr>
@@ -22978,7 +23000,7 @@
           <p:cNvPr id="43" name="Straight Arrow Connector 42">
             <a:extLst>
               <a:ext uri="{FF2B5EF4-FFF2-40B4-BE49-F238E27FC236}">
-                <a16:creationId xmlns:a16="http://schemas.microsoft.com/office/drawing/2014/main" xmlns="" id="{5EAEB01F-90CC-47C8-8D8E-ACE27172827A}"/>
+                <a16:creationId xmlns="" xmlns:a16="http://schemas.microsoft.com/office/drawing/2014/main" id="{5EAEB01F-90CC-47C8-8D8E-ACE27172827A}"/>
               </a:ext>
             </a:extLst>
           </p:cNvPr>
@@ -23022,7 +23044,7 @@
           <p:cNvPr id="52" name="Oval 51">
             <a:extLst>
               <a:ext uri="{FF2B5EF4-FFF2-40B4-BE49-F238E27FC236}">
-                <a16:creationId xmlns:a16="http://schemas.microsoft.com/office/drawing/2014/main" xmlns="" id="{2C11910F-BB4F-47E0-BAF9-3681C962FC29}"/>
+                <a16:creationId xmlns="" xmlns:a16="http://schemas.microsoft.com/office/drawing/2014/main" id="{2C11910F-BB4F-47E0-BAF9-3681C962FC29}"/>
               </a:ext>
             </a:extLst>
           </p:cNvPr>
@@ -23078,7 +23100,7 @@
           <p:cNvPr id="58" name="Straight Arrow Connector 57">
             <a:extLst>
               <a:ext uri="{FF2B5EF4-FFF2-40B4-BE49-F238E27FC236}">
-                <a16:creationId xmlns:a16="http://schemas.microsoft.com/office/drawing/2014/main" xmlns="" id="{2440572A-2DBD-415F-9767-FB1F45A17B5B}"/>
+                <a16:creationId xmlns="" xmlns:a16="http://schemas.microsoft.com/office/drawing/2014/main" id="{2440572A-2DBD-415F-9767-FB1F45A17B5B}"/>
               </a:ext>
             </a:extLst>
           </p:cNvPr>
@@ -23122,7 +23144,7 @@
           <p:cNvPr id="59" name="Straight Arrow Connector 58">
             <a:extLst>
               <a:ext uri="{FF2B5EF4-FFF2-40B4-BE49-F238E27FC236}">
-                <a16:creationId xmlns:a16="http://schemas.microsoft.com/office/drawing/2014/main" xmlns="" id="{C54637E1-B26F-4DFE-8AB1-8B56EE98EB4B}"/>
+                <a16:creationId xmlns="" xmlns:a16="http://schemas.microsoft.com/office/drawing/2014/main" id="{C54637E1-B26F-4DFE-8AB1-8B56EE98EB4B}"/>
               </a:ext>
             </a:extLst>
           </p:cNvPr>
@@ -23166,7 +23188,7 @@
           <p:cNvPr id="60" name="Straight Arrow Connector 59">
             <a:extLst>
               <a:ext uri="{FF2B5EF4-FFF2-40B4-BE49-F238E27FC236}">
-                <a16:creationId xmlns:a16="http://schemas.microsoft.com/office/drawing/2014/main" xmlns="" id="{B0E09CF0-6DAB-4554-85BF-F9BAA5DF7141}"/>
+                <a16:creationId xmlns="" xmlns:a16="http://schemas.microsoft.com/office/drawing/2014/main" id="{B0E09CF0-6DAB-4554-85BF-F9BAA5DF7141}"/>
               </a:ext>
             </a:extLst>
           </p:cNvPr>
@@ -23210,7 +23232,7 @@
           <p:cNvPr id="24" name="Arc 23">
             <a:extLst>
               <a:ext uri="{FF2B5EF4-FFF2-40B4-BE49-F238E27FC236}">
-                <a16:creationId xmlns:a16="http://schemas.microsoft.com/office/drawing/2014/main" xmlns="" id="{3E58B6D7-E74D-4083-BC92-DC937636BB31}"/>
+                <a16:creationId xmlns="" xmlns:a16="http://schemas.microsoft.com/office/drawing/2014/main" id="{3E58B6D7-E74D-4083-BC92-DC937636BB31}"/>
               </a:ext>
             </a:extLst>
           </p:cNvPr>
@@ -23263,7 +23285,7 @@
           <p:cNvPr id="62" name="Arc 61">
             <a:extLst>
               <a:ext uri="{FF2B5EF4-FFF2-40B4-BE49-F238E27FC236}">
-                <a16:creationId xmlns:a16="http://schemas.microsoft.com/office/drawing/2014/main" xmlns="" id="{D362B6EC-716B-4868-BB99-36A2BDD039AD}"/>
+                <a16:creationId xmlns="" xmlns:a16="http://schemas.microsoft.com/office/drawing/2014/main" id="{D362B6EC-716B-4868-BB99-36A2BDD039AD}"/>
               </a:ext>
             </a:extLst>
           </p:cNvPr>
@@ -23316,7 +23338,7 @@
           <p:cNvPr id="30" name="Oval 29">
             <a:extLst>
               <a:ext uri="{FF2B5EF4-FFF2-40B4-BE49-F238E27FC236}">
-                <a16:creationId xmlns:a16="http://schemas.microsoft.com/office/drawing/2014/main" xmlns="" id="{089F238F-FA4E-4BC7-B5C9-2DE4F3174BCB}"/>
+                <a16:creationId xmlns="" xmlns:a16="http://schemas.microsoft.com/office/drawing/2014/main" id="{089F238F-FA4E-4BC7-B5C9-2DE4F3174BCB}"/>
               </a:ext>
             </a:extLst>
           </p:cNvPr>
@@ -23372,7 +23394,7 @@
           <p:cNvPr id="36" name="Straight Arrow Connector 35">
             <a:extLst>
               <a:ext uri="{FF2B5EF4-FFF2-40B4-BE49-F238E27FC236}">
-                <a16:creationId xmlns:a16="http://schemas.microsoft.com/office/drawing/2014/main" xmlns="" id="{9B92B2BE-EA67-4FCA-826C-7C2C0498F054}"/>
+                <a16:creationId xmlns="" xmlns:a16="http://schemas.microsoft.com/office/drawing/2014/main" id="{9B92B2BE-EA67-4FCA-826C-7C2C0498F054}"/>
               </a:ext>
             </a:extLst>
           </p:cNvPr>
@@ -23416,7 +23438,7 @@
           <p:cNvPr id="38" name="Oval 37">
             <a:extLst>
               <a:ext uri="{FF2B5EF4-FFF2-40B4-BE49-F238E27FC236}">
-                <a16:creationId xmlns:a16="http://schemas.microsoft.com/office/drawing/2014/main" xmlns="" id="{70018B8E-C8EA-4592-B666-4DD6915C2DAF}"/>
+                <a16:creationId xmlns="" xmlns:a16="http://schemas.microsoft.com/office/drawing/2014/main" id="{70018B8E-C8EA-4592-B666-4DD6915C2DAF}"/>
               </a:ext>
             </a:extLst>
           </p:cNvPr>
@@ -24998,7 +25020,7 @@
           <p:cNvPr id="2" name="Title 1">
             <a:extLst>
               <a:ext uri="{FF2B5EF4-FFF2-40B4-BE49-F238E27FC236}">
-                <a16:creationId xmlns:a16="http://schemas.microsoft.com/office/drawing/2014/main" xmlns="" id="{C14F0455-9ED9-4652-8FD6-9C284BE2F092}"/>
+                <a16:creationId xmlns="" xmlns:a16="http://schemas.microsoft.com/office/drawing/2014/main" id="{C14F0455-9ED9-4652-8FD6-9C284BE2F092}"/>
               </a:ext>
             </a:extLst>
           </p:cNvPr>
@@ -25031,7 +25053,7 @@
           <p:cNvPr id="3" name="Text Placeholder 2">
             <a:extLst>
               <a:ext uri="{FF2B5EF4-FFF2-40B4-BE49-F238E27FC236}">
-                <a16:creationId xmlns:a16="http://schemas.microsoft.com/office/drawing/2014/main" xmlns="" id="{8136025E-6B8D-4575-9E2B-B0AAB8CAC233}"/>
+                <a16:creationId xmlns="" xmlns:a16="http://schemas.microsoft.com/office/drawing/2014/main" id="{8136025E-6B8D-4575-9E2B-B0AAB8CAC233}"/>
               </a:ext>
             </a:extLst>
           </p:cNvPr>
@@ -25096,7 +25118,7 @@
           <p:cNvPr id="2" name="Title 1">
             <a:extLst>
               <a:ext uri="{FF2B5EF4-FFF2-40B4-BE49-F238E27FC236}">
-                <a16:creationId xmlns:a16="http://schemas.microsoft.com/office/drawing/2014/main" xmlns="" id="{C14F0455-9ED9-4652-8FD6-9C284BE2F092}"/>
+                <a16:creationId xmlns="" xmlns:a16="http://schemas.microsoft.com/office/drawing/2014/main" id="{C14F0455-9ED9-4652-8FD6-9C284BE2F092}"/>
               </a:ext>
             </a:extLst>
           </p:cNvPr>
@@ -25136,7 +25158,7 @@
           <p:cNvPr id="3" name="Text Placeholder 2">
             <a:extLst>
               <a:ext uri="{FF2B5EF4-FFF2-40B4-BE49-F238E27FC236}">
-                <a16:creationId xmlns:a16="http://schemas.microsoft.com/office/drawing/2014/main" xmlns="" id="{8136025E-6B8D-4575-9E2B-B0AAB8CAC233}"/>
+                <a16:creationId xmlns="" xmlns:a16="http://schemas.microsoft.com/office/drawing/2014/main" id="{8136025E-6B8D-4575-9E2B-B0AAB8CAC233}"/>
               </a:ext>
             </a:extLst>
           </p:cNvPr>
@@ -25198,38 +25220,7 @@
       </p:grpSpPr>
       <p:sp>
         <p:nvSpPr>
-          <p:cNvPr id="2" name="Text Placeholder 1">
-            <a:extLst>
-              <a:ext uri="{FF2B5EF4-FFF2-40B4-BE49-F238E27FC236}">
-                <a16:creationId xmlns:a16="http://schemas.microsoft.com/office/drawing/2014/main" xmlns="" id="{A51E6A0F-3D6D-493A-B24E-4199D72942C9}"/>
-              </a:ext>
-            </a:extLst>
-          </p:cNvPr>
-          <p:cNvSpPr>
-            <a:spLocks noGrp="1"/>
-          </p:cNvSpPr>
-          <p:nvPr>
-            <p:ph type="body" sz="quarter" idx="10"/>
-          </p:nvPr>
-        </p:nvSpPr>
-        <p:spPr/>
-        <p:txBody>
-          <a:bodyPr/>
-          <a:lstStyle/>
-          <a:p>
-            <a:endParaRPr lang="en-US" dirty="0"/>
-          </a:p>
-        </p:txBody>
-      </p:sp>
-      <p:sp>
-        <p:nvSpPr>
-          <p:cNvPr id="3" name="Title 2">
-            <a:extLst>
-              <a:ext uri="{FF2B5EF4-FFF2-40B4-BE49-F238E27FC236}">
-                <a16:creationId xmlns:a16="http://schemas.microsoft.com/office/drawing/2014/main" xmlns="" id="{A8704E41-3486-46BD-8AA7-B6B5D28F95A5}"/>
-              </a:ext>
-            </a:extLst>
-          </p:cNvPr>
+          <p:cNvPr id="3" name="Title 2"/>
           <p:cNvSpPr>
             <a:spLocks noGrp="1"/>
           </p:cNvSpPr>
@@ -25243,30 +25234,24 @@
           <a:lstStyle/>
           <a:p>
             <a:r>
-              <a:rPr lang="fr-FR" dirty="0"/>
+              <a:rPr lang="fr-FR" dirty="0" smtClean="0"/>
               <a:t>Git </a:t>
             </a:r>
             <a:r>
-              <a:rPr lang="fr-FR" dirty="0" err="1"/>
+              <a:rPr lang="fr-FR" dirty="0" err="1" smtClean="0"/>
               <a:t>is</a:t>
             </a:r>
             <a:r>
-              <a:rPr lang="fr-FR" dirty="0"/>
+              <a:rPr lang="fr-FR" dirty="0" smtClean="0"/>
               <a:t>…</a:t>
             </a:r>
-            <a:endParaRPr lang="en-US" dirty="0"/>
-          </a:p>
-        </p:txBody>
-      </p:sp>
-      <p:sp>
-        <p:nvSpPr>
-          <p:cNvPr id="4" name="Slide Number Placeholder 3">
-            <a:extLst>
-              <a:ext uri="{FF2B5EF4-FFF2-40B4-BE49-F238E27FC236}">
-                <a16:creationId xmlns:a16="http://schemas.microsoft.com/office/drawing/2014/main" xmlns="" id="{02CD92EA-E9CB-4F4C-B1B9-840F11B55DC5}"/>
-              </a:ext>
-            </a:extLst>
-          </p:cNvPr>
+            <a:endParaRPr lang="fr-FR" dirty="0"/>
+          </a:p>
+        </p:txBody>
+      </p:sp>
+      <p:sp>
+        <p:nvSpPr>
+          <p:cNvPr id="4" name="Slide Number Placeholder 3"/>
           <p:cNvSpPr>
             <a:spLocks noGrp="1"/>
           </p:cNvSpPr>
@@ -25289,7 +25274,7 @@
               <a:t>2</a:t>
             </a:fld>
             <a:r>
-              <a:rPr lang="fr-FR">
+              <a:rPr lang="fr-FR" smtClean="0">
                 <a:solidFill>
                   <a:srgbClr val="004563"/>
                 </a:solidFill>
@@ -25306,13 +25291,7 @@
       </p:sp>
       <p:sp>
         <p:nvSpPr>
-          <p:cNvPr id="5" name="Text Placeholder 4">
-            <a:extLst>
-              <a:ext uri="{FF2B5EF4-FFF2-40B4-BE49-F238E27FC236}">
-                <a16:creationId xmlns:a16="http://schemas.microsoft.com/office/drawing/2014/main" xmlns="" id="{C22D9F79-04C1-4762-96D6-F3FE8172F1B1}"/>
-              </a:ext>
-            </a:extLst>
-          </p:cNvPr>
+          <p:cNvPr id="5" name="Text Placeholder 4"/>
           <p:cNvSpPr>
             <a:spLocks noGrp="1"/>
           </p:cNvSpPr>
@@ -25326,18 +25305,31 @@
           <a:lstStyle/>
           <a:p>
             <a:r>
-              <a:rPr lang="en-US" b="0" dirty="0"/>
-              <a:t>…a Stupid Content Tracker</a:t>
-            </a:r>
+              <a:rPr lang="fr-FR" dirty="0"/>
+              <a:t>…a </a:t>
+            </a:r>
+            <a:r>
+              <a:rPr lang="fr-FR" dirty="0" err="1"/>
+              <a:t>Stupid</a:t>
+            </a:r>
+            <a:r>
+              <a:rPr lang="fr-FR" dirty="0"/>
+              <a:t> Content </a:t>
+            </a:r>
+            <a:r>
+              <a:rPr lang="fr-FR" dirty="0" err="1" smtClean="0"/>
+              <a:t>Tracker</a:t>
+            </a:r>
+            <a:endParaRPr lang="fr-FR" dirty="0"/>
           </a:p>
         </p:txBody>
       </p:sp>
       <p:pic>
         <p:nvPicPr>
-          <p:cNvPr id="8" name="Picture 7">
+          <p:cNvPr id="6" name="Picture 5">
             <a:extLst>
               <a:ext uri="{FF2B5EF4-FFF2-40B4-BE49-F238E27FC236}">
-                <a16:creationId xmlns:a16="http://schemas.microsoft.com/office/drawing/2014/main" xmlns="" id="{F11A34E2-CF14-4FAC-9913-4CAC796E46FA}"/>
+                <a16:creationId xmlns="" xmlns:a16="http://schemas.microsoft.com/office/drawing/2014/main" id="{F11A34E2-CF14-4FAC-9913-4CAC796E46FA}"/>
               </a:ext>
             </a:extLst>
           </p:cNvPr>
@@ -25377,7 +25369,7 @@
     </p:spTree>
     <p:extLst>
       <p:ext uri="{BB962C8B-B14F-4D97-AF65-F5344CB8AC3E}">
-        <p14:creationId xmlns:p14="http://schemas.microsoft.com/office/powerpoint/2010/main" val="908355840"/>
+        <p14:creationId xmlns:p14="http://schemas.microsoft.com/office/powerpoint/2010/main" val="945402558"/>
       </p:ext>
     </p:extLst>
   </p:cSld>
@@ -25387,13 +25379,6 @@
   <p:transition>
     <p:fade/>
   </p:transition>
-  <p:timing>
-    <p:tnLst>
-      <p:par>
-        <p:cTn id="1" dur="indefinite" restart="never" nodeType="tmRoot"/>
-      </p:par>
-    </p:tnLst>
-  </p:timing>
 </p:sld>
 </file>
 
@@ -25419,7 +25404,7 @@
           <p:cNvPr id="3" name="Title 2">
             <a:extLst>
               <a:ext uri="{FF2B5EF4-FFF2-40B4-BE49-F238E27FC236}">
-                <a16:creationId xmlns:a16="http://schemas.microsoft.com/office/drawing/2014/main" xmlns="" id="{A8704E41-3486-46BD-8AA7-B6B5D28F95A5}"/>
+                <a16:creationId xmlns="" xmlns:a16="http://schemas.microsoft.com/office/drawing/2014/main" id="{A8704E41-3486-46BD-8AA7-B6B5D28F95A5}"/>
               </a:ext>
             </a:extLst>
           </p:cNvPr>
@@ -25456,7 +25441,7 @@
           <p:cNvPr id="4" name="Slide Number Placeholder 3">
             <a:extLst>
               <a:ext uri="{FF2B5EF4-FFF2-40B4-BE49-F238E27FC236}">
-                <a16:creationId xmlns:a16="http://schemas.microsoft.com/office/drawing/2014/main" xmlns="" id="{02CD92EA-E9CB-4F4C-B1B9-840F11B55DC5}"/>
+                <a16:creationId xmlns="" xmlns:a16="http://schemas.microsoft.com/office/drawing/2014/main" id="{02CD92EA-E9CB-4F4C-B1B9-840F11B55DC5}"/>
               </a:ext>
             </a:extLst>
           </p:cNvPr>
@@ -25502,7 +25487,7 @@
           <p:cNvPr id="5" name="Text Placeholder 4">
             <a:extLst>
               <a:ext uri="{FF2B5EF4-FFF2-40B4-BE49-F238E27FC236}">
-                <a16:creationId xmlns:a16="http://schemas.microsoft.com/office/drawing/2014/main" xmlns="" id="{C22D9F79-04C1-4762-96D6-F3FE8172F1B1}"/>
+                <a16:creationId xmlns="" xmlns:a16="http://schemas.microsoft.com/office/drawing/2014/main" id="{C22D9F79-04C1-4762-96D6-F3FE8172F1B1}"/>
               </a:ext>
             </a:extLst>
           </p:cNvPr>
@@ -25527,7 +25512,7 @@
           <p:cNvPr id="25" name="Oval 24">
             <a:extLst>
               <a:ext uri="{FF2B5EF4-FFF2-40B4-BE49-F238E27FC236}">
-                <a16:creationId xmlns:a16="http://schemas.microsoft.com/office/drawing/2014/main" xmlns="" id="{70018B8E-C8EA-4592-B666-4DD6915C2DAF}"/>
+                <a16:creationId xmlns="" xmlns:a16="http://schemas.microsoft.com/office/drawing/2014/main" id="{70018B8E-C8EA-4592-B666-4DD6915C2DAF}"/>
               </a:ext>
             </a:extLst>
           </p:cNvPr>
@@ -25583,7 +25568,7 @@
           <p:cNvPr id="26" name="TextBox 25">
             <a:extLst>
               <a:ext uri="{FF2B5EF4-FFF2-40B4-BE49-F238E27FC236}">
-                <a16:creationId xmlns:a16="http://schemas.microsoft.com/office/drawing/2014/main" xmlns="" id="{EA7F15EB-6AA1-4C76-921F-2B04B74B1885}"/>
+                <a16:creationId xmlns="" xmlns:a16="http://schemas.microsoft.com/office/drawing/2014/main" id="{EA7F15EB-6AA1-4C76-921F-2B04B74B1885}"/>
               </a:ext>
             </a:extLst>
           </p:cNvPr>
@@ -25625,7 +25610,7 @@
           <p:cNvPr id="27" name="Oval 26">
             <a:extLst>
               <a:ext uri="{FF2B5EF4-FFF2-40B4-BE49-F238E27FC236}">
-                <a16:creationId xmlns:a16="http://schemas.microsoft.com/office/drawing/2014/main" xmlns="" id="{70018B8E-C8EA-4592-B666-4DD6915C2DAF}"/>
+                <a16:creationId xmlns="" xmlns:a16="http://schemas.microsoft.com/office/drawing/2014/main" id="{70018B8E-C8EA-4592-B666-4DD6915C2DAF}"/>
               </a:ext>
             </a:extLst>
           </p:cNvPr>
@@ -25681,7 +25666,7 @@
           <p:cNvPr id="32" name="TextBox 31">
             <a:extLst>
               <a:ext uri="{FF2B5EF4-FFF2-40B4-BE49-F238E27FC236}">
-                <a16:creationId xmlns:a16="http://schemas.microsoft.com/office/drawing/2014/main" xmlns="" id="{EA7F15EB-6AA1-4C76-921F-2B04B74B1885}"/>
+                <a16:creationId xmlns="" xmlns:a16="http://schemas.microsoft.com/office/drawing/2014/main" id="{EA7F15EB-6AA1-4C76-921F-2B04B74B1885}"/>
               </a:ext>
             </a:extLst>
           </p:cNvPr>
@@ -25723,7 +25708,7 @@
           <p:cNvPr id="33" name="Straight Arrow Connector 32">
             <a:extLst>
               <a:ext uri="{FF2B5EF4-FFF2-40B4-BE49-F238E27FC236}">
-                <a16:creationId xmlns:a16="http://schemas.microsoft.com/office/drawing/2014/main" xmlns="" id="{D5D1DDE3-D551-4E6B-AD34-6FBA1762CCD0}"/>
+                <a16:creationId xmlns="" xmlns:a16="http://schemas.microsoft.com/office/drawing/2014/main" id="{D5D1DDE3-D551-4E6B-AD34-6FBA1762CCD0}"/>
               </a:ext>
             </a:extLst>
           </p:cNvPr>
@@ -25767,7 +25752,7 @@
           <p:cNvPr id="34" name="Straight Arrow Connector 33">
             <a:extLst>
               <a:ext uri="{FF2B5EF4-FFF2-40B4-BE49-F238E27FC236}">
-                <a16:creationId xmlns:a16="http://schemas.microsoft.com/office/drawing/2014/main" xmlns="" id="{D5D1DDE3-D551-4E6B-AD34-6FBA1762CCD0}"/>
+                <a16:creationId xmlns="" xmlns:a16="http://schemas.microsoft.com/office/drawing/2014/main" id="{D5D1DDE3-D551-4E6B-AD34-6FBA1762CCD0}"/>
               </a:ext>
             </a:extLst>
           </p:cNvPr>
@@ -25811,7 +25796,7 @@
           <p:cNvPr id="36" name="Oval 35">
             <a:extLst>
               <a:ext uri="{FF2B5EF4-FFF2-40B4-BE49-F238E27FC236}">
-                <a16:creationId xmlns:a16="http://schemas.microsoft.com/office/drawing/2014/main" xmlns="" id="{80BCE4DB-0348-45EB-ACA9-2DA3EA793CE3}"/>
+                <a16:creationId xmlns="" xmlns:a16="http://schemas.microsoft.com/office/drawing/2014/main" id="{80BCE4DB-0348-45EB-ACA9-2DA3EA793CE3}"/>
               </a:ext>
             </a:extLst>
           </p:cNvPr>
@@ -25867,7 +25852,7 @@
           <p:cNvPr id="37" name="TextBox 36">
             <a:extLst>
               <a:ext uri="{FF2B5EF4-FFF2-40B4-BE49-F238E27FC236}">
-                <a16:creationId xmlns:a16="http://schemas.microsoft.com/office/drawing/2014/main" xmlns="" id="{C43F0B30-A6E3-4075-BE1B-051CB03F845A}"/>
+                <a16:creationId xmlns="" xmlns:a16="http://schemas.microsoft.com/office/drawing/2014/main" id="{C43F0B30-A6E3-4075-BE1B-051CB03F845A}"/>
               </a:ext>
             </a:extLst>
           </p:cNvPr>
@@ -25909,7 +25894,7 @@
           <p:cNvPr id="38" name="Oval 37">
             <a:extLst>
               <a:ext uri="{FF2B5EF4-FFF2-40B4-BE49-F238E27FC236}">
-                <a16:creationId xmlns:a16="http://schemas.microsoft.com/office/drawing/2014/main" xmlns="" id="{37EB46CD-5479-424C-9C1E-63D72D302502}"/>
+                <a16:creationId xmlns="" xmlns:a16="http://schemas.microsoft.com/office/drawing/2014/main" id="{37EB46CD-5479-424C-9C1E-63D72D302502}"/>
               </a:ext>
             </a:extLst>
           </p:cNvPr>
@@ -25965,7 +25950,7 @@
           <p:cNvPr id="39" name="TextBox 38">
             <a:extLst>
               <a:ext uri="{FF2B5EF4-FFF2-40B4-BE49-F238E27FC236}">
-                <a16:creationId xmlns:a16="http://schemas.microsoft.com/office/drawing/2014/main" xmlns="" id="{B0F85FB1-0D26-4078-9634-5AF41E04DD1F}"/>
+                <a16:creationId xmlns="" xmlns:a16="http://schemas.microsoft.com/office/drawing/2014/main" id="{B0F85FB1-0D26-4078-9634-5AF41E04DD1F}"/>
               </a:ext>
             </a:extLst>
           </p:cNvPr>
@@ -26007,7 +25992,7 @@
           <p:cNvPr id="40" name="Straight Arrow Connector 39">
             <a:extLst>
               <a:ext uri="{FF2B5EF4-FFF2-40B4-BE49-F238E27FC236}">
-                <a16:creationId xmlns:a16="http://schemas.microsoft.com/office/drawing/2014/main" xmlns="" id="{D5D1DDE3-D551-4E6B-AD34-6FBA1762CCD0}"/>
+                <a16:creationId xmlns="" xmlns:a16="http://schemas.microsoft.com/office/drawing/2014/main" id="{D5D1DDE3-D551-4E6B-AD34-6FBA1762CCD0}"/>
               </a:ext>
             </a:extLst>
           </p:cNvPr>
@@ -26051,7 +26036,7 @@
           <p:cNvPr id="41" name="Arrow: Down 29">
             <a:extLst>
               <a:ext uri="{FF2B5EF4-FFF2-40B4-BE49-F238E27FC236}">
-                <a16:creationId xmlns:a16="http://schemas.microsoft.com/office/drawing/2014/main" xmlns="" id="{C1335406-A2C9-47D4-B205-5C60C0E28A8A}"/>
+                <a16:creationId xmlns="" xmlns:a16="http://schemas.microsoft.com/office/drawing/2014/main" id="{C1335406-A2C9-47D4-B205-5C60C0E28A8A}"/>
               </a:ext>
             </a:extLst>
           </p:cNvPr>
@@ -26135,7 +26120,7 @@
           <p:cNvPr id="42" name="Arrow: Down 35">
             <a:extLst>
               <a:ext uri="{FF2B5EF4-FFF2-40B4-BE49-F238E27FC236}">
-                <a16:creationId xmlns:a16="http://schemas.microsoft.com/office/drawing/2014/main" xmlns="" id="{626A0744-AE03-44D5-9A65-2190DA15A386}"/>
+                <a16:creationId xmlns="" xmlns:a16="http://schemas.microsoft.com/office/drawing/2014/main" id="{626A0744-AE03-44D5-9A65-2190DA15A386}"/>
               </a:ext>
             </a:extLst>
           </p:cNvPr>
@@ -26209,7 +26194,7 @@
           <p:cNvPr id="46" name="Oval 45">
             <a:extLst>
               <a:ext uri="{FF2B5EF4-FFF2-40B4-BE49-F238E27FC236}">
-                <a16:creationId xmlns:a16="http://schemas.microsoft.com/office/drawing/2014/main" xmlns="" id="{70018B8E-C8EA-4592-B666-4DD6915C2DAF}"/>
+                <a16:creationId xmlns="" xmlns:a16="http://schemas.microsoft.com/office/drawing/2014/main" id="{70018B8E-C8EA-4592-B666-4DD6915C2DAF}"/>
               </a:ext>
             </a:extLst>
           </p:cNvPr>
@@ -26265,7 +26250,7 @@
           <p:cNvPr id="47" name="TextBox 46">
             <a:extLst>
               <a:ext uri="{FF2B5EF4-FFF2-40B4-BE49-F238E27FC236}">
-                <a16:creationId xmlns:a16="http://schemas.microsoft.com/office/drawing/2014/main" xmlns="" id="{EA7F15EB-6AA1-4C76-921F-2B04B74B1885}"/>
+                <a16:creationId xmlns="" xmlns:a16="http://schemas.microsoft.com/office/drawing/2014/main" id="{EA7F15EB-6AA1-4C76-921F-2B04B74B1885}"/>
               </a:ext>
             </a:extLst>
           </p:cNvPr>
@@ -26307,7 +26292,7 @@
           <p:cNvPr id="48" name="Straight Arrow Connector 47">
             <a:extLst>
               <a:ext uri="{FF2B5EF4-FFF2-40B4-BE49-F238E27FC236}">
-                <a16:creationId xmlns:a16="http://schemas.microsoft.com/office/drawing/2014/main" xmlns="" id="{D5D1DDE3-D551-4E6B-AD34-6FBA1762CCD0}"/>
+                <a16:creationId xmlns="" xmlns:a16="http://schemas.microsoft.com/office/drawing/2014/main" id="{D5D1DDE3-D551-4E6B-AD34-6FBA1762CCD0}"/>
               </a:ext>
             </a:extLst>
           </p:cNvPr>
@@ -26351,7 +26336,7 @@
           <p:cNvPr id="49" name="Straight Arrow Connector 48">
             <a:extLst>
               <a:ext uri="{FF2B5EF4-FFF2-40B4-BE49-F238E27FC236}">
-                <a16:creationId xmlns:a16="http://schemas.microsoft.com/office/drawing/2014/main" xmlns="" id="{D5D1DDE3-D551-4E6B-AD34-6FBA1762CCD0}"/>
+                <a16:creationId xmlns="" xmlns:a16="http://schemas.microsoft.com/office/drawing/2014/main" id="{D5D1DDE3-D551-4E6B-AD34-6FBA1762CCD0}"/>
               </a:ext>
             </a:extLst>
           </p:cNvPr>
@@ -26395,7 +26380,7 @@
           <p:cNvPr id="54" name="Arrow: Down 29">
             <a:extLst>
               <a:ext uri="{FF2B5EF4-FFF2-40B4-BE49-F238E27FC236}">
-                <a16:creationId xmlns:a16="http://schemas.microsoft.com/office/drawing/2014/main" xmlns="" id="{C1335406-A2C9-47D4-B205-5C60C0E28A8A}"/>
+                <a16:creationId xmlns="" xmlns:a16="http://schemas.microsoft.com/office/drawing/2014/main" id="{C1335406-A2C9-47D4-B205-5C60C0E28A8A}"/>
               </a:ext>
             </a:extLst>
           </p:cNvPr>
@@ -26479,7 +26464,7 @@
           <p:cNvPr id="55" name="Arrow: Down 35">
             <a:extLst>
               <a:ext uri="{FF2B5EF4-FFF2-40B4-BE49-F238E27FC236}">
-                <a16:creationId xmlns:a16="http://schemas.microsoft.com/office/drawing/2014/main" xmlns="" id="{626A0744-AE03-44D5-9A65-2190DA15A386}"/>
+                <a16:creationId xmlns="" xmlns:a16="http://schemas.microsoft.com/office/drawing/2014/main" id="{626A0744-AE03-44D5-9A65-2190DA15A386}"/>
               </a:ext>
             </a:extLst>
           </p:cNvPr>
@@ -26621,7 +26606,7 @@
           <p:cNvPr id="58" name="Oval 57">
             <a:extLst>
               <a:ext uri="{FF2B5EF4-FFF2-40B4-BE49-F238E27FC236}">
-                <a16:creationId xmlns:a16="http://schemas.microsoft.com/office/drawing/2014/main" xmlns="" id="{70018B8E-C8EA-4592-B666-4DD6915C2DAF}"/>
+                <a16:creationId xmlns="" xmlns:a16="http://schemas.microsoft.com/office/drawing/2014/main" id="{70018B8E-C8EA-4592-B666-4DD6915C2DAF}"/>
               </a:ext>
             </a:extLst>
           </p:cNvPr>
@@ -26679,7 +26664,7 @@
           <p:cNvPr id="59" name="Oval 58">
             <a:extLst>
               <a:ext uri="{FF2B5EF4-FFF2-40B4-BE49-F238E27FC236}">
-                <a16:creationId xmlns:a16="http://schemas.microsoft.com/office/drawing/2014/main" xmlns="" id="{70018B8E-C8EA-4592-B666-4DD6915C2DAF}"/>
+                <a16:creationId xmlns="" xmlns:a16="http://schemas.microsoft.com/office/drawing/2014/main" id="{70018B8E-C8EA-4592-B666-4DD6915C2DAF}"/>
               </a:ext>
             </a:extLst>
           </p:cNvPr>
@@ -26737,7 +26722,7 @@
           <p:cNvPr id="60" name="Arrow: Down 29">
             <a:extLst>
               <a:ext uri="{FF2B5EF4-FFF2-40B4-BE49-F238E27FC236}">
-                <a16:creationId xmlns:a16="http://schemas.microsoft.com/office/drawing/2014/main" xmlns="" id="{C1335406-A2C9-47D4-B205-5C60C0E28A8A}"/>
+                <a16:creationId xmlns="" xmlns:a16="http://schemas.microsoft.com/office/drawing/2014/main" id="{C1335406-A2C9-47D4-B205-5C60C0E28A8A}"/>
               </a:ext>
             </a:extLst>
           </p:cNvPr>
@@ -26821,7 +26806,7 @@
           <p:cNvPr id="61" name="Arrow: Down 35">
             <a:extLst>
               <a:ext uri="{FF2B5EF4-FFF2-40B4-BE49-F238E27FC236}">
-                <a16:creationId xmlns:a16="http://schemas.microsoft.com/office/drawing/2014/main" xmlns="" id="{626A0744-AE03-44D5-9A65-2190DA15A386}"/>
+                <a16:creationId xmlns="" xmlns:a16="http://schemas.microsoft.com/office/drawing/2014/main" id="{626A0744-AE03-44D5-9A65-2190DA15A386}"/>
               </a:ext>
             </a:extLst>
           </p:cNvPr>
@@ -27452,7 +27437,7 @@
           <p:cNvPr id="3" name="Title 2">
             <a:extLst>
               <a:ext uri="{FF2B5EF4-FFF2-40B4-BE49-F238E27FC236}">
-                <a16:creationId xmlns:a16="http://schemas.microsoft.com/office/drawing/2014/main" xmlns="" id="{A8704E41-3486-46BD-8AA7-B6B5D28F95A5}"/>
+                <a16:creationId xmlns="" xmlns:a16="http://schemas.microsoft.com/office/drawing/2014/main" id="{A8704E41-3486-46BD-8AA7-B6B5D28F95A5}"/>
               </a:ext>
             </a:extLst>
           </p:cNvPr>
@@ -27485,7 +27470,7 @@
           <p:cNvPr id="4" name="Slide Number Placeholder 3">
             <a:extLst>
               <a:ext uri="{FF2B5EF4-FFF2-40B4-BE49-F238E27FC236}">
-                <a16:creationId xmlns:a16="http://schemas.microsoft.com/office/drawing/2014/main" xmlns="" id="{02CD92EA-E9CB-4F4C-B1B9-840F11B55DC5}"/>
+                <a16:creationId xmlns="" xmlns:a16="http://schemas.microsoft.com/office/drawing/2014/main" id="{02CD92EA-E9CB-4F4C-B1B9-840F11B55DC5}"/>
               </a:ext>
             </a:extLst>
           </p:cNvPr>
@@ -27531,7 +27516,7 @@
           <p:cNvPr id="5" name="Text Placeholder 4">
             <a:extLst>
               <a:ext uri="{FF2B5EF4-FFF2-40B4-BE49-F238E27FC236}">
-                <a16:creationId xmlns:a16="http://schemas.microsoft.com/office/drawing/2014/main" xmlns="" id="{C22D9F79-04C1-4762-96D6-F3FE8172F1B1}"/>
+                <a16:creationId xmlns="" xmlns:a16="http://schemas.microsoft.com/office/drawing/2014/main" id="{C22D9F79-04C1-4762-96D6-F3FE8172F1B1}"/>
               </a:ext>
             </a:extLst>
           </p:cNvPr>
@@ -27556,7 +27541,7 @@
           <p:cNvPr id="11" name="Oval 10">
             <a:extLst>
               <a:ext uri="{FF2B5EF4-FFF2-40B4-BE49-F238E27FC236}">
-                <a16:creationId xmlns:a16="http://schemas.microsoft.com/office/drawing/2014/main" xmlns="" id="{70018B8E-C8EA-4592-B666-4DD6915C2DAF}"/>
+                <a16:creationId xmlns="" xmlns:a16="http://schemas.microsoft.com/office/drawing/2014/main" id="{70018B8E-C8EA-4592-B666-4DD6915C2DAF}"/>
               </a:ext>
             </a:extLst>
           </p:cNvPr>
@@ -27612,7 +27597,7 @@
           <p:cNvPr id="13" name="TextBox 12">
             <a:extLst>
               <a:ext uri="{FF2B5EF4-FFF2-40B4-BE49-F238E27FC236}">
-                <a16:creationId xmlns:a16="http://schemas.microsoft.com/office/drawing/2014/main" xmlns="" id="{EA7F15EB-6AA1-4C76-921F-2B04B74B1885}"/>
+                <a16:creationId xmlns="" xmlns:a16="http://schemas.microsoft.com/office/drawing/2014/main" id="{EA7F15EB-6AA1-4C76-921F-2B04B74B1885}"/>
               </a:ext>
             </a:extLst>
           </p:cNvPr>
@@ -27654,7 +27639,7 @@
           <p:cNvPr id="22" name="Arrow: Down 29">
             <a:extLst>
               <a:ext uri="{FF2B5EF4-FFF2-40B4-BE49-F238E27FC236}">
-                <a16:creationId xmlns:a16="http://schemas.microsoft.com/office/drawing/2014/main" xmlns="" id="{C1335406-A2C9-47D4-B205-5C60C0E28A8A}"/>
+                <a16:creationId xmlns="" xmlns:a16="http://schemas.microsoft.com/office/drawing/2014/main" id="{C1335406-A2C9-47D4-B205-5C60C0E28A8A}"/>
               </a:ext>
             </a:extLst>
           </p:cNvPr>
@@ -27738,7 +27723,7 @@
           <p:cNvPr id="23" name="Arrow: Down 35">
             <a:extLst>
               <a:ext uri="{FF2B5EF4-FFF2-40B4-BE49-F238E27FC236}">
-                <a16:creationId xmlns:a16="http://schemas.microsoft.com/office/drawing/2014/main" xmlns="" id="{626A0744-AE03-44D5-9A65-2190DA15A386}"/>
+                <a16:creationId xmlns="" xmlns:a16="http://schemas.microsoft.com/office/drawing/2014/main" id="{626A0744-AE03-44D5-9A65-2190DA15A386}"/>
               </a:ext>
             </a:extLst>
           </p:cNvPr>
@@ -27920,7 +27905,7 @@
           <p:cNvPr id="3" name="Title 2">
             <a:extLst>
               <a:ext uri="{FF2B5EF4-FFF2-40B4-BE49-F238E27FC236}">
-                <a16:creationId xmlns:a16="http://schemas.microsoft.com/office/drawing/2014/main" xmlns="" id="{A8704E41-3486-46BD-8AA7-B6B5D28F95A5}"/>
+                <a16:creationId xmlns="" xmlns:a16="http://schemas.microsoft.com/office/drawing/2014/main" id="{A8704E41-3486-46BD-8AA7-B6B5D28F95A5}"/>
               </a:ext>
             </a:extLst>
           </p:cNvPr>
@@ -27953,7 +27938,7 @@
           <p:cNvPr id="4" name="Slide Number Placeholder 3">
             <a:extLst>
               <a:ext uri="{FF2B5EF4-FFF2-40B4-BE49-F238E27FC236}">
-                <a16:creationId xmlns:a16="http://schemas.microsoft.com/office/drawing/2014/main" xmlns="" id="{02CD92EA-E9CB-4F4C-B1B9-840F11B55DC5}"/>
+                <a16:creationId xmlns="" xmlns:a16="http://schemas.microsoft.com/office/drawing/2014/main" id="{02CD92EA-E9CB-4F4C-B1B9-840F11B55DC5}"/>
               </a:ext>
             </a:extLst>
           </p:cNvPr>
@@ -27999,7 +27984,7 @@
           <p:cNvPr id="5" name="Text Placeholder 4">
             <a:extLst>
               <a:ext uri="{FF2B5EF4-FFF2-40B4-BE49-F238E27FC236}">
-                <a16:creationId xmlns:a16="http://schemas.microsoft.com/office/drawing/2014/main" xmlns="" id="{C22D9F79-04C1-4762-96D6-F3FE8172F1B1}"/>
+                <a16:creationId xmlns="" xmlns:a16="http://schemas.microsoft.com/office/drawing/2014/main" id="{C22D9F79-04C1-4762-96D6-F3FE8172F1B1}"/>
               </a:ext>
             </a:extLst>
           </p:cNvPr>
@@ -28054,7 +28039,7 @@
           <p:cNvPr id="10" name="Oval 9">
             <a:extLst>
               <a:ext uri="{FF2B5EF4-FFF2-40B4-BE49-F238E27FC236}">
-                <a16:creationId xmlns:a16="http://schemas.microsoft.com/office/drawing/2014/main" xmlns="" id="{70018B8E-C8EA-4592-B666-4DD6915C2DAF}"/>
+                <a16:creationId xmlns="" xmlns:a16="http://schemas.microsoft.com/office/drawing/2014/main" id="{70018B8E-C8EA-4592-B666-4DD6915C2DAF}"/>
               </a:ext>
             </a:extLst>
           </p:cNvPr>
@@ -28110,7 +28095,7 @@
           <p:cNvPr id="11" name="TextBox 10">
             <a:extLst>
               <a:ext uri="{FF2B5EF4-FFF2-40B4-BE49-F238E27FC236}">
-                <a16:creationId xmlns:a16="http://schemas.microsoft.com/office/drawing/2014/main" xmlns="" id="{EA7F15EB-6AA1-4C76-921F-2B04B74B1885}"/>
+                <a16:creationId xmlns="" xmlns:a16="http://schemas.microsoft.com/office/drawing/2014/main" id="{EA7F15EB-6AA1-4C76-921F-2B04B74B1885}"/>
               </a:ext>
             </a:extLst>
           </p:cNvPr>
@@ -28152,7 +28137,7 @@
           <p:cNvPr id="13" name="Arrow: Down 29">
             <a:extLst>
               <a:ext uri="{FF2B5EF4-FFF2-40B4-BE49-F238E27FC236}">
-                <a16:creationId xmlns:a16="http://schemas.microsoft.com/office/drawing/2014/main" xmlns="" id="{C1335406-A2C9-47D4-B205-5C60C0E28A8A}"/>
+                <a16:creationId xmlns="" xmlns:a16="http://schemas.microsoft.com/office/drawing/2014/main" id="{C1335406-A2C9-47D4-B205-5C60C0E28A8A}"/>
               </a:ext>
             </a:extLst>
           </p:cNvPr>
@@ -28236,7 +28221,7 @@
           <p:cNvPr id="14" name="Arrow: Down 35">
             <a:extLst>
               <a:ext uri="{FF2B5EF4-FFF2-40B4-BE49-F238E27FC236}">
-                <a16:creationId xmlns:a16="http://schemas.microsoft.com/office/drawing/2014/main" xmlns="" id="{626A0744-AE03-44D5-9A65-2190DA15A386}"/>
+                <a16:creationId xmlns="" xmlns:a16="http://schemas.microsoft.com/office/drawing/2014/main" id="{626A0744-AE03-44D5-9A65-2190DA15A386}"/>
               </a:ext>
             </a:extLst>
           </p:cNvPr>
@@ -28310,7 +28295,7 @@
           <p:cNvPr id="15" name="Arrow: Down 35">
             <a:extLst>
               <a:ext uri="{FF2B5EF4-FFF2-40B4-BE49-F238E27FC236}">
-                <a16:creationId xmlns:a16="http://schemas.microsoft.com/office/drawing/2014/main" xmlns="" id="{626A0744-AE03-44D5-9A65-2190DA15A386}"/>
+                <a16:creationId xmlns="" xmlns:a16="http://schemas.microsoft.com/office/drawing/2014/main" id="{626A0744-AE03-44D5-9A65-2190DA15A386}"/>
               </a:ext>
             </a:extLst>
           </p:cNvPr>
@@ -28690,7 +28675,7 @@
           <p:cNvPr id="3" name="Title 2">
             <a:extLst>
               <a:ext uri="{FF2B5EF4-FFF2-40B4-BE49-F238E27FC236}">
-                <a16:creationId xmlns:a16="http://schemas.microsoft.com/office/drawing/2014/main" xmlns="" id="{A8704E41-3486-46BD-8AA7-B6B5D28F95A5}"/>
+                <a16:creationId xmlns="" xmlns:a16="http://schemas.microsoft.com/office/drawing/2014/main" id="{A8704E41-3486-46BD-8AA7-B6B5D28F95A5}"/>
               </a:ext>
             </a:extLst>
           </p:cNvPr>
@@ -28727,7 +28712,7 @@
           <p:cNvPr id="4" name="Slide Number Placeholder 3">
             <a:extLst>
               <a:ext uri="{FF2B5EF4-FFF2-40B4-BE49-F238E27FC236}">
-                <a16:creationId xmlns:a16="http://schemas.microsoft.com/office/drawing/2014/main" xmlns="" id="{02CD92EA-E9CB-4F4C-B1B9-840F11B55DC5}"/>
+                <a16:creationId xmlns="" xmlns:a16="http://schemas.microsoft.com/office/drawing/2014/main" id="{02CD92EA-E9CB-4F4C-B1B9-840F11B55DC5}"/>
               </a:ext>
             </a:extLst>
           </p:cNvPr>
@@ -28773,7 +28758,7 @@
           <p:cNvPr id="5" name="Text Placeholder 4">
             <a:extLst>
               <a:ext uri="{FF2B5EF4-FFF2-40B4-BE49-F238E27FC236}">
-                <a16:creationId xmlns:a16="http://schemas.microsoft.com/office/drawing/2014/main" xmlns="" id="{C22D9F79-04C1-4762-96D6-F3FE8172F1B1}"/>
+                <a16:creationId xmlns="" xmlns:a16="http://schemas.microsoft.com/office/drawing/2014/main" id="{C22D9F79-04C1-4762-96D6-F3FE8172F1B1}"/>
               </a:ext>
             </a:extLst>
           </p:cNvPr>
@@ -28798,7 +28783,7 @@
           <p:cNvPr id="12" name="Oval 11">
             <a:extLst>
               <a:ext uri="{FF2B5EF4-FFF2-40B4-BE49-F238E27FC236}">
-                <a16:creationId xmlns:a16="http://schemas.microsoft.com/office/drawing/2014/main" xmlns="" id="{70018B8E-C8EA-4592-B666-4DD6915C2DAF}"/>
+                <a16:creationId xmlns="" xmlns:a16="http://schemas.microsoft.com/office/drawing/2014/main" id="{70018B8E-C8EA-4592-B666-4DD6915C2DAF}"/>
               </a:ext>
             </a:extLst>
           </p:cNvPr>
@@ -28854,7 +28839,7 @@
           <p:cNvPr id="13" name="TextBox 12">
             <a:extLst>
               <a:ext uri="{FF2B5EF4-FFF2-40B4-BE49-F238E27FC236}">
-                <a16:creationId xmlns:a16="http://schemas.microsoft.com/office/drawing/2014/main" xmlns="" id="{EA7F15EB-6AA1-4C76-921F-2B04B74B1885}"/>
+                <a16:creationId xmlns="" xmlns:a16="http://schemas.microsoft.com/office/drawing/2014/main" id="{EA7F15EB-6AA1-4C76-921F-2B04B74B1885}"/>
               </a:ext>
             </a:extLst>
           </p:cNvPr>
@@ -28896,7 +28881,7 @@
           <p:cNvPr id="14" name="Oval 13">
             <a:extLst>
               <a:ext uri="{FF2B5EF4-FFF2-40B4-BE49-F238E27FC236}">
-                <a16:creationId xmlns:a16="http://schemas.microsoft.com/office/drawing/2014/main" xmlns="" id="{70018B8E-C8EA-4592-B666-4DD6915C2DAF}"/>
+                <a16:creationId xmlns="" xmlns:a16="http://schemas.microsoft.com/office/drawing/2014/main" id="{70018B8E-C8EA-4592-B666-4DD6915C2DAF}"/>
               </a:ext>
             </a:extLst>
           </p:cNvPr>
@@ -28952,7 +28937,7 @@
           <p:cNvPr id="15" name="TextBox 14">
             <a:extLst>
               <a:ext uri="{FF2B5EF4-FFF2-40B4-BE49-F238E27FC236}">
-                <a16:creationId xmlns:a16="http://schemas.microsoft.com/office/drawing/2014/main" xmlns="" id="{EA7F15EB-6AA1-4C76-921F-2B04B74B1885}"/>
+                <a16:creationId xmlns="" xmlns:a16="http://schemas.microsoft.com/office/drawing/2014/main" id="{EA7F15EB-6AA1-4C76-921F-2B04B74B1885}"/>
               </a:ext>
             </a:extLst>
           </p:cNvPr>
@@ -28994,7 +28979,7 @@
           <p:cNvPr id="18" name="Straight Arrow Connector 17">
             <a:extLst>
               <a:ext uri="{FF2B5EF4-FFF2-40B4-BE49-F238E27FC236}">
-                <a16:creationId xmlns:a16="http://schemas.microsoft.com/office/drawing/2014/main" xmlns="" id="{D5D1DDE3-D551-4E6B-AD34-6FBA1762CCD0}"/>
+                <a16:creationId xmlns="" xmlns:a16="http://schemas.microsoft.com/office/drawing/2014/main" id="{D5D1DDE3-D551-4E6B-AD34-6FBA1762CCD0}"/>
               </a:ext>
             </a:extLst>
           </p:cNvPr>
@@ -29038,7 +29023,7 @@
           <p:cNvPr id="19" name="Oval 18">
             <a:extLst>
               <a:ext uri="{FF2B5EF4-FFF2-40B4-BE49-F238E27FC236}">
-                <a16:creationId xmlns:a16="http://schemas.microsoft.com/office/drawing/2014/main" xmlns="" id="{70018B8E-C8EA-4592-B666-4DD6915C2DAF}"/>
+                <a16:creationId xmlns="" xmlns:a16="http://schemas.microsoft.com/office/drawing/2014/main" id="{70018B8E-C8EA-4592-B666-4DD6915C2DAF}"/>
               </a:ext>
             </a:extLst>
           </p:cNvPr>
@@ -29094,7 +29079,7 @@
           <p:cNvPr id="20" name="TextBox 19">
             <a:extLst>
               <a:ext uri="{FF2B5EF4-FFF2-40B4-BE49-F238E27FC236}">
-                <a16:creationId xmlns:a16="http://schemas.microsoft.com/office/drawing/2014/main" xmlns="" id="{EA7F15EB-6AA1-4C76-921F-2B04B74B1885}"/>
+                <a16:creationId xmlns="" xmlns:a16="http://schemas.microsoft.com/office/drawing/2014/main" id="{EA7F15EB-6AA1-4C76-921F-2B04B74B1885}"/>
               </a:ext>
             </a:extLst>
           </p:cNvPr>
@@ -29136,7 +29121,7 @@
           <p:cNvPr id="21" name="Straight Arrow Connector 20">
             <a:extLst>
               <a:ext uri="{FF2B5EF4-FFF2-40B4-BE49-F238E27FC236}">
-                <a16:creationId xmlns:a16="http://schemas.microsoft.com/office/drawing/2014/main" xmlns="" id="{D5D1DDE3-D551-4E6B-AD34-6FBA1762CCD0}"/>
+                <a16:creationId xmlns="" xmlns:a16="http://schemas.microsoft.com/office/drawing/2014/main" id="{D5D1DDE3-D551-4E6B-AD34-6FBA1762CCD0}"/>
               </a:ext>
             </a:extLst>
           </p:cNvPr>
@@ -29180,7 +29165,7 @@
           <p:cNvPr id="25" name="Arrow: Down 29">
             <a:extLst>
               <a:ext uri="{FF2B5EF4-FFF2-40B4-BE49-F238E27FC236}">
-                <a16:creationId xmlns:a16="http://schemas.microsoft.com/office/drawing/2014/main" xmlns="" id="{C1335406-A2C9-47D4-B205-5C60C0E28A8A}"/>
+                <a16:creationId xmlns="" xmlns:a16="http://schemas.microsoft.com/office/drawing/2014/main" id="{C1335406-A2C9-47D4-B205-5C60C0E28A8A}"/>
               </a:ext>
             </a:extLst>
           </p:cNvPr>
@@ -29264,7 +29249,7 @@
           <p:cNvPr id="26" name="Arrow: Down 35">
             <a:extLst>
               <a:ext uri="{FF2B5EF4-FFF2-40B4-BE49-F238E27FC236}">
-                <a16:creationId xmlns:a16="http://schemas.microsoft.com/office/drawing/2014/main" xmlns="" id="{626A0744-AE03-44D5-9A65-2190DA15A386}"/>
+                <a16:creationId xmlns="" xmlns:a16="http://schemas.microsoft.com/office/drawing/2014/main" id="{626A0744-AE03-44D5-9A65-2190DA15A386}"/>
               </a:ext>
             </a:extLst>
           </p:cNvPr>
@@ -29406,7 +29391,7 @@
           <p:cNvPr id="30" name="Arrow: Down 35">
             <a:extLst>
               <a:ext uri="{FF2B5EF4-FFF2-40B4-BE49-F238E27FC236}">
-                <a16:creationId xmlns:a16="http://schemas.microsoft.com/office/drawing/2014/main" xmlns="" id="{626A0744-AE03-44D5-9A65-2190DA15A386}"/>
+                <a16:creationId xmlns="" xmlns:a16="http://schemas.microsoft.com/office/drawing/2014/main" id="{626A0744-AE03-44D5-9A65-2190DA15A386}"/>
               </a:ext>
             </a:extLst>
           </p:cNvPr>
@@ -29480,7 +29465,7 @@
           <p:cNvPr id="31" name="Arrow: Down 35">
             <a:extLst>
               <a:ext uri="{FF2B5EF4-FFF2-40B4-BE49-F238E27FC236}">
-                <a16:creationId xmlns:a16="http://schemas.microsoft.com/office/drawing/2014/main" xmlns="" id="{626A0744-AE03-44D5-9A65-2190DA15A386}"/>
+                <a16:creationId xmlns="" xmlns:a16="http://schemas.microsoft.com/office/drawing/2014/main" id="{626A0744-AE03-44D5-9A65-2190DA15A386}"/>
               </a:ext>
             </a:extLst>
           </p:cNvPr>
@@ -29554,7 +29539,7 @@
           <p:cNvPr id="32" name="Arrow: Down 35">
             <a:extLst>
               <a:ext uri="{FF2B5EF4-FFF2-40B4-BE49-F238E27FC236}">
-                <a16:creationId xmlns:a16="http://schemas.microsoft.com/office/drawing/2014/main" xmlns="" id="{626A0744-AE03-44D5-9A65-2190DA15A386}"/>
+                <a16:creationId xmlns="" xmlns:a16="http://schemas.microsoft.com/office/drawing/2014/main" id="{626A0744-AE03-44D5-9A65-2190DA15A386}"/>
               </a:ext>
             </a:extLst>
           </p:cNvPr>
@@ -29628,7 +29613,7 @@
           <p:cNvPr id="33" name="Oval 32">
             <a:extLst>
               <a:ext uri="{FF2B5EF4-FFF2-40B4-BE49-F238E27FC236}">
-                <a16:creationId xmlns:a16="http://schemas.microsoft.com/office/drawing/2014/main" xmlns="" id="{70018B8E-C8EA-4592-B666-4DD6915C2DAF}"/>
+                <a16:creationId xmlns="" xmlns:a16="http://schemas.microsoft.com/office/drawing/2014/main" id="{70018B8E-C8EA-4592-B666-4DD6915C2DAF}"/>
               </a:ext>
             </a:extLst>
           </p:cNvPr>
@@ -29686,7 +29671,7 @@
           <p:cNvPr id="34" name="Oval 33">
             <a:extLst>
               <a:ext uri="{FF2B5EF4-FFF2-40B4-BE49-F238E27FC236}">
-                <a16:creationId xmlns:a16="http://schemas.microsoft.com/office/drawing/2014/main" xmlns="" id="{70018B8E-C8EA-4592-B666-4DD6915C2DAF}"/>
+                <a16:creationId xmlns="" xmlns:a16="http://schemas.microsoft.com/office/drawing/2014/main" id="{70018B8E-C8EA-4592-B666-4DD6915C2DAF}"/>
               </a:ext>
             </a:extLst>
           </p:cNvPr>
@@ -30671,7 +30656,7 @@
           <p:cNvPr id="3" name="Title 2">
             <a:extLst>
               <a:ext uri="{FF2B5EF4-FFF2-40B4-BE49-F238E27FC236}">
-                <a16:creationId xmlns:a16="http://schemas.microsoft.com/office/drawing/2014/main" xmlns="" id="{A8704E41-3486-46BD-8AA7-B6B5D28F95A5}"/>
+                <a16:creationId xmlns="" xmlns:a16="http://schemas.microsoft.com/office/drawing/2014/main" id="{A8704E41-3486-46BD-8AA7-B6B5D28F95A5}"/>
               </a:ext>
             </a:extLst>
           </p:cNvPr>
@@ -30708,7 +30693,7 @@
           <p:cNvPr id="4" name="Slide Number Placeholder 3">
             <a:extLst>
               <a:ext uri="{FF2B5EF4-FFF2-40B4-BE49-F238E27FC236}">
-                <a16:creationId xmlns:a16="http://schemas.microsoft.com/office/drawing/2014/main" xmlns="" id="{02CD92EA-E9CB-4F4C-B1B9-840F11B55DC5}"/>
+                <a16:creationId xmlns="" xmlns:a16="http://schemas.microsoft.com/office/drawing/2014/main" id="{02CD92EA-E9CB-4F4C-B1B9-840F11B55DC5}"/>
               </a:ext>
             </a:extLst>
           </p:cNvPr>
@@ -30754,7 +30739,7 @@
           <p:cNvPr id="5" name="Text Placeholder 4">
             <a:extLst>
               <a:ext uri="{FF2B5EF4-FFF2-40B4-BE49-F238E27FC236}">
-                <a16:creationId xmlns:a16="http://schemas.microsoft.com/office/drawing/2014/main" xmlns="" id="{C22D9F79-04C1-4762-96D6-F3FE8172F1B1}"/>
+                <a16:creationId xmlns="" xmlns:a16="http://schemas.microsoft.com/office/drawing/2014/main" id="{C22D9F79-04C1-4762-96D6-F3FE8172F1B1}"/>
               </a:ext>
             </a:extLst>
           </p:cNvPr>
@@ -30779,7 +30764,7 @@
           <p:cNvPr id="12" name="Oval 11">
             <a:extLst>
               <a:ext uri="{FF2B5EF4-FFF2-40B4-BE49-F238E27FC236}">
-                <a16:creationId xmlns:a16="http://schemas.microsoft.com/office/drawing/2014/main" xmlns="" id="{70018B8E-C8EA-4592-B666-4DD6915C2DAF}"/>
+                <a16:creationId xmlns="" xmlns:a16="http://schemas.microsoft.com/office/drawing/2014/main" id="{70018B8E-C8EA-4592-B666-4DD6915C2DAF}"/>
               </a:ext>
             </a:extLst>
           </p:cNvPr>
@@ -30835,7 +30820,7 @@
           <p:cNvPr id="13" name="TextBox 12">
             <a:extLst>
               <a:ext uri="{FF2B5EF4-FFF2-40B4-BE49-F238E27FC236}">
-                <a16:creationId xmlns:a16="http://schemas.microsoft.com/office/drawing/2014/main" xmlns="" id="{EA7F15EB-6AA1-4C76-921F-2B04B74B1885}"/>
+                <a16:creationId xmlns="" xmlns:a16="http://schemas.microsoft.com/office/drawing/2014/main" id="{EA7F15EB-6AA1-4C76-921F-2B04B74B1885}"/>
               </a:ext>
             </a:extLst>
           </p:cNvPr>
@@ -30877,7 +30862,7 @@
           <p:cNvPr id="14" name="Oval 13">
             <a:extLst>
               <a:ext uri="{FF2B5EF4-FFF2-40B4-BE49-F238E27FC236}">
-                <a16:creationId xmlns:a16="http://schemas.microsoft.com/office/drawing/2014/main" xmlns="" id="{70018B8E-C8EA-4592-B666-4DD6915C2DAF}"/>
+                <a16:creationId xmlns="" xmlns:a16="http://schemas.microsoft.com/office/drawing/2014/main" id="{70018B8E-C8EA-4592-B666-4DD6915C2DAF}"/>
               </a:ext>
             </a:extLst>
           </p:cNvPr>
@@ -30933,7 +30918,7 @@
           <p:cNvPr id="15" name="TextBox 14">
             <a:extLst>
               <a:ext uri="{FF2B5EF4-FFF2-40B4-BE49-F238E27FC236}">
-                <a16:creationId xmlns:a16="http://schemas.microsoft.com/office/drawing/2014/main" xmlns="" id="{EA7F15EB-6AA1-4C76-921F-2B04B74B1885}"/>
+                <a16:creationId xmlns="" xmlns:a16="http://schemas.microsoft.com/office/drawing/2014/main" id="{EA7F15EB-6AA1-4C76-921F-2B04B74B1885}"/>
               </a:ext>
             </a:extLst>
           </p:cNvPr>
@@ -30975,7 +30960,7 @@
           <p:cNvPr id="18" name="Straight Arrow Connector 17">
             <a:extLst>
               <a:ext uri="{FF2B5EF4-FFF2-40B4-BE49-F238E27FC236}">
-                <a16:creationId xmlns:a16="http://schemas.microsoft.com/office/drawing/2014/main" xmlns="" id="{D5D1DDE3-D551-4E6B-AD34-6FBA1762CCD0}"/>
+                <a16:creationId xmlns="" xmlns:a16="http://schemas.microsoft.com/office/drawing/2014/main" id="{D5D1DDE3-D551-4E6B-AD34-6FBA1762CCD0}"/>
               </a:ext>
             </a:extLst>
           </p:cNvPr>
@@ -31019,7 +31004,7 @@
           <p:cNvPr id="19" name="Oval 18">
             <a:extLst>
               <a:ext uri="{FF2B5EF4-FFF2-40B4-BE49-F238E27FC236}">
-                <a16:creationId xmlns:a16="http://schemas.microsoft.com/office/drawing/2014/main" xmlns="" id="{70018B8E-C8EA-4592-B666-4DD6915C2DAF}"/>
+                <a16:creationId xmlns="" xmlns:a16="http://schemas.microsoft.com/office/drawing/2014/main" id="{70018B8E-C8EA-4592-B666-4DD6915C2DAF}"/>
               </a:ext>
             </a:extLst>
           </p:cNvPr>
@@ -31075,7 +31060,7 @@
           <p:cNvPr id="20" name="TextBox 19">
             <a:extLst>
               <a:ext uri="{FF2B5EF4-FFF2-40B4-BE49-F238E27FC236}">
-                <a16:creationId xmlns:a16="http://schemas.microsoft.com/office/drawing/2014/main" xmlns="" id="{EA7F15EB-6AA1-4C76-921F-2B04B74B1885}"/>
+                <a16:creationId xmlns="" xmlns:a16="http://schemas.microsoft.com/office/drawing/2014/main" id="{EA7F15EB-6AA1-4C76-921F-2B04B74B1885}"/>
               </a:ext>
             </a:extLst>
           </p:cNvPr>
@@ -31117,7 +31102,7 @@
           <p:cNvPr id="21" name="Straight Arrow Connector 20">
             <a:extLst>
               <a:ext uri="{FF2B5EF4-FFF2-40B4-BE49-F238E27FC236}">
-                <a16:creationId xmlns:a16="http://schemas.microsoft.com/office/drawing/2014/main" xmlns="" id="{D5D1DDE3-D551-4E6B-AD34-6FBA1762CCD0}"/>
+                <a16:creationId xmlns="" xmlns:a16="http://schemas.microsoft.com/office/drawing/2014/main" id="{D5D1DDE3-D551-4E6B-AD34-6FBA1762CCD0}"/>
               </a:ext>
             </a:extLst>
           </p:cNvPr>
@@ -31161,7 +31146,7 @@
           <p:cNvPr id="25" name="Arrow: Down 29">
             <a:extLst>
               <a:ext uri="{FF2B5EF4-FFF2-40B4-BE49-F238E27FC236}">
-                <a16:creationId xmlns:a16="http://schemas.microsoft.com/office/drawing/2014/main" xmlns="" id="{C1335406-A2C9-47D4-B205-5C60C0E28A8A}"/>
+                <a16:creationId xmlns="" xmlns:a16="http://schemas.microsoft.com/office/drawing/2014/main" id="{C1335406-A2C9-47D4-B205-5C60C0E28A8A}"/>
               </a:ext>
             </a:extLst>
           </p:cNvPr>
@@ -31313,7 +31298,7 @@
           <p:cNvPr id="31" name="Arrow: Down 35">
             <a:extLst>
               <a:ext uri="{FF2B5EF4-FFF2-40B4-BE49-F238E27FC236}">
-                <a16:creationId xmlns:a16="http://schemas.microsoft.com/office/drawing/2014/main" xmlns="" id="{626A0744-AE03-44D5-9A65-2190DA15A386}"/>
+                <a16:creationId xmlns="" xmlns:a16="http://schemas.microsoft.com/office/drawing/2014/main" id="{626A0744-AE03-44D5-9A65-2190DA15A386}"/>
               </a:ext>
             </a:extLst>
           </p:cNvPr>
@@ -31387,7 +31372,7 @@
           <p:cNvPr id="32" name="Arrow: Down 35">
             <a:extLst>
               <a:ext uri="{FF2B5EF4-FFF2-40B4-BE49-F238E27FC236}">
-                <a16:creationId xmlns:a16="http://schemas.microsoft.com/office/drawing/2014/main" xmlns="" id="{626A0744-AE03-44D5-9A65-2190DA15A386}"/>
+                <a16:creationId xmlns="" xmlns:a16="http://schemas.microsoft.com/office/drawing/2014/main" id="{626A0744-AE03-44D5-9A65-2190DA15A386}"/>
               </a:ext>
             </a:extLst>
           </p:cNvPr>
@@ -31461,7 +31446,7 @@
           <p:cNvPr id="22" name="Arrow: Down 29">
             <a:extLst>
               <a:ext uri="{FF2B5EF4-FFF2-40B4-BE49-F238E27FC236}">
-                <a16:creationId xmlns:a16="http://schemas.microsoft.com/office/drawing/2014/main" xmlns="" id="{C1335406-A2C9-47D4-B205-5C60C0E28A8A}"/>
+                <a16:creationId xmlns="" xmlns:a16="http://schemas.microsoft.com/office/drawing/2014/main" id="{C1335406-A2C9-47D4-B205-5C60C0E28A8A}"/>
               </a:ext>
             </a:extLst>
           </p:cNvPr>
@@ -31994,7 +31979,7 @@
           <p:cNvPr id="3" name="Title 2">
             <a:extLst>
               <a:ext uri="{FF2B5EF4-FFF2-40B4-BE49-F238E27FC236}">
-                <a16:creationId xmlns:a16="http://schemas.microsoft.com/office/drawing/2014/main" xmlns="" id="{A8704E41-3486-46BD-8AA7-B6B5D28F95A5}"/>
+                <a16:creationId xmlns="" xmlns:a16="http://schemas.microsoft.com/office/drawing/2014/main" id="{A8704E41-3486-46BD-8AA7-B6B5D28F95A5}"/>
               </a:ext>
             </a:extLst>
           </p:cNvPr>
@@ -32031,7 +32016,7 @@
           <p:cNvPr id="4" name="Slide Number Placeholder 3">
             <a:extLst>
               <a:ext uri="{FF2B5EF4-FFF2-40B4-BE49-F238E27FC236}">
-                <a16:creationId xmlns:a16="http://schemas.microsoft.com/office/drawing/2014/main" xmlns="" id="{02CD92EA-E9CB-4F4C-B1B9-840F11B55DC5}"/>
+                <a16:creationId xmlns="" xmlns:a16="http://schemas.microsoft.com/office/drawing/2014/main" id="{02CD92EA-E9CB-4F4C-B1B9-840F11B55DC5}"/>
               </a:ext>
             </a:extLst>
           </p:cNvPr>
@@ -32077,7 +32062,7 @@
           <p:cNvPr id="5" name="Text Placeholder 4">
             <a:extLst>
               <a:ext uri="{FF2B5EF4-FFF2-40B4-BE49-F238E27FC236}">
-                <a16:creationId xmlns:a16="http://schemas.microsoft.com/office/drawing/2014/main" xmlns="" id="{C22D9F79-04C1-4762-96D6-F3FE8172F1B1}"/>
+                <a16:creationId xmlns="" xmlns:a16="http://schemas.microsoft.com/office/drawing/2014/main" id="{C22D9F79-04C1-4762-96D6-F3FE8172F1B1}"/>
               </a:ext>
             </a:extLst>
           </p:cNvPr>
@@ -32102,7 +32087,7 @@
           <p:cNvPr id="37" name="Oval 36">
             <a:extLst>
               <a:ext uri="{FF2B5EF4-FFF2-40B4-BE49-F238E27FC236}">
-                <a16:creationId xmlns:a16="http://schemas.microsoft.com/office/drawing/2014/main" xmlns="" id="{85A56FFB-3CCE-40CF-B574-5F581CF3B136}"/>
+                <a16:creationId xmlns="" xmlns:a16="http://schemas.microsoft.com/office/drawing/2014/main" id="{85A56FFB-3CCE-40CF-B574-5F581CF3B136}"/>
               </a:ext>
             </a:extLst>
           </p:cNvPr>
@@ -32158,7 +32143,7 @@
           <p:cNvPr id="41" name="Oval 40">
             <a:extLst>
               <a:ext uri="{FF2B5EF4-FFF2-40B4-BE49-F238E27FC236}">
-                <a16:creationId xmlns:a16="http://schemas.microsoft.com/office/drawing/2014/main" xmlns="" id="{70018B8E-C8EA-4592-B666-4DD6915C2DAF}"/>
+                <a16:creationId xmlns="" xmlns:a16="http://schemas.microsoft.com/office/drawing/2014/main" id="{70018B8E-C8EA-4592-B666-4DD6915C2DAF}"/>
               </a:ext>
             </a:extLst>
           </p:cNvPr>
@@ -32214,7 +32199,7 @@
           <p:cNvPr id="44" name="Oval 43">
             <a:extLst>
               <a:ext uri="{FF2B5EF4-FFF2-40B4-BE49-F238E27FC236}">
-                <a16:creationId xmlns:a16="http://schemas.microsoft.com/office/drawing/2014/main" xmlns="" id="{1B9A13BE-F872-4D03-BE6E-86788C555F5C}"/>
+                <a16:creationId xmlns="" xmlns:a16="http://schemas.microsoft.com/office/drawing/2014/main" id="{1B9A13BE-F872-4D03-BE6E-86788C555F5C}"/>
               </a:ext>
             </a:extLst>
           </p:cNvPr>
@@ -32270,7 +32255,7 @@
           <p:cNvPr id="45" name="Straight Arrow Connector 44">
             <a:extLst>
               <a:ext uri="{FF2B5EF4-FFF2-40B4-BE49-F238E27FC236}">
-                <a16:creationId xmlns:a16="http://schemas.microsoft.com/office/drawing/2014/main" xmlns="" id="{D5D1DDE3-D551-4E6B-AD34-6FBA1762CCD0}"/>
+                <a16:creationId xmlns="" xmlns:a16="http://schemas.microsoft.com/office/drawing/2014/main" id="{D5D1DDE3-D551-4E6B-AD34-6FBA1762CCD0}"/>
               </a:ext>
             </a:extLst>
           </p:cNvPr>
@@ -32314,7 +32299,7 @@
           <p:cNvPr id="47" name="Straight Arrow Connector 46">
             <a:extLst>
               <a:ext uri="{FF2B5EF4-FFF2-40B4-BE49-F238E27FC236}">
-                <a16:creationId xmlns:a16="http://schemas.microsoft.com/office/drawing/2014/main" xmlns="" id="{8C6910D2-ECED-46D5-BC40-B82D376993B1}"/>
+                <a16:creationId xmlns="" xmlns:a16="http://schemas.microsoft.com/office/drawing/2014/main" id="{8C6910D2-ECED-46D5-BC40-B82D376993B1}"/>
               </a:ext>
             </a:extLst>
           </p:cNvPr>
@@ -32358,7 +32343,7 @@
           <p:cNvPr id="48" name="Oval 47">
             <a:extLst>
               <a:ext uri="{FF2B5EF4-FFF2-40B4-BE49-F238E27FC236}">
-                <a16:creationId xmlns:a16="http://schemas.microsoft.com/office/drawing/2014/main" xmlns="" id="{089F238F-FA4E-4BC7-B5C9-2DE4F3174BCB}"/>
+                <a16:creationId xmlns="" xmlns:a16="http://schemas.microsoft.com/office/drawing/2014/main" id="{089F238F-FA4E-4BC7-B5C9-2DE4F3174BCB}"/>
               </a:ext>
             </a:extLst>
           </p:cNvPr>
@@ -32414,7 +32399,7 @@
           <p:cNvPr id="49" name="Oval 48">
             <a:extLst>
               <a:ext uri="{FF2B5EF4-FFF2-40B4-BE49-F238E27FC236}">
-                <a16:creationId xmlns:a16="http://schemas.microsoft.com/office/drawing/2014/main" xmlns="" id="{5432F768-DFB7-4BB9-A475-7A3EF2DF16EC}"/>
+                <a16:creationId xmlns="" xmlns:a16="http://schemas.microsoft.com/office/drawing/2014/main" id="{5432F768-DFB7-4BB9-A475-7A3EF2DF16EC}"/>
               </a:ext>
             </a:extLst>
           </p:cNvPr>
@@ -32470,7 +32455,7 @@
           <p:cNvPr id="51" name="Oval 50">
             <a:extLst>
               <a:ext uri="{FF2B5EF4-FFF2-40B4-BE49-F238E27FC236}">
-                <a16:creationId xmlns:a16="http://schemas.microsoft.com/office/drawing/2014/main" xmlns="" id="{5183D966-4DFE-4C53-B3FF-6AEDBFA81D9B}"/>
+                <a16:creationId xmlns="" xmlns:a16="http://schemas.microsoft.com/office/drawing/2014/main" id="{5183D966-4DFE-4C53-B3FF-6AEDBFA81D9B}"/>
               </a:ext>
             </a:extLst>
           </p:cNvPr>
@@ -32526,7 +32511,7 @@
           <p:cNvPr id="53" name="Straight Arrow Connector 52">
             <a:extLst>
               <a:ext uri="{FF2B5EF4-FFF2-40B4-BE49-F238E27FC236}">
-                <a16:creationId xmlns:a16="http://schemas.microsoft.com/office/drawing/2014/main" xmlns="" id="{39C2BE5D-187B-4009-B65C-119A939C1205}"/>
+                <a16:creationId xmlns="" xmlns:a16="http://schemas.microsoft.com/office/drawing/2014/main" id="{39C2BE5D-187B-4009-B65C-119A939C1205}"/>
               </a:ext>
             </a:extLst>
           </p:cNvPr>
@@ -32570,7 +32555,7 @@
           <p:cNvPr id="54" name="Straight Arrow Connector 53">
             <a:extLst>
               <a:ext uri="{FF2B5EF4-FFF2-40B4-BE49-F238E27FC236}">
-                <a16:creationId xmlns:a16="http://schemas.microsoft.com/office/drawing/2014/main" xmlns="" id="{9B92B2BE-EA67-4FCA-826C-7C2C0498F054}"/>
+                <a16:creationId xmlns="" xmlns:a16="http://schemas.microsoft.com/office/drawing/2014/main" id="{9B92B2BE-EA67-4FCA-826C-7C2C0498F054}"/>
               </a:ext>
             </a:extLst>
           </p:cNvPr>
@@ -32614,7 +32599,7 @@
           <p:cNvPr id="55" name="Oval 54">
             <a:extLst>
               <a:ext uri="{FF2B5EF4-FFF2-40B4-BE49-F238E27FC236}">
-                <a16:creationId xmlns:a16="http://schemas.microsoft.com/office/drawing/2014/main" xmlns="" id="{6FCAF568-FDEF-45D2-9140-749521E779C5}"/>
+                <a16:creationId xmlns="" xmlns:a16="http://schemas.microsoft.com/office/drawing/2014/main" id="{6FCAF568-FDEF-45D2-9140-749521E779C5}"/>
               </a:ext>
             </a:extLst>
           </p:cNvPr>
@@ -32670,7 +32655,7 @@
           <p:cNvPr id="56" name="Oval 55">
             <a:extLst>
               <a:ext uri="{FF2B5EF4-FFF2-40B4-BE49-F238E27FC236}">
-                <a16:creationId xmlns:a16="http://schemas.microsoft.com/office/drawing/2014/main" xmlns="" id="{1772391F-F1E8-4838-87B5-C86A20101F19}"/>
+                <a16:creationId xmlns="" xmlns:a16="http://schemas.microsoft.com/office/drawing/2014/main" id="{1772391F-F1E8-4838-87B5-C86A20101F19}"/>
               </a:ext>
             </a:extLst>
           </p:cNvPr>
@@ -32726,7 +32711,7 @@
           <p:cNvPr id="57" name="Straight Arrow Connector 56">
             <a:extLst>
               <a:ext uri="{FF2B5EF4-FFF2-40B4-BE49-F238E27FC236}">
-                <a16:creationId xmlns:a16="http://schemas.microsoft.com/office/drawing/2014/main" xmlns="" id="{5EAEB01F-90CC-47C8-8D8E-ACE27172827A}"/>
+                <a16:creationId xmlns="" xmlns:a16="http://schemas.microsoft.com/office/drawing/2014/main" id="{5EAEB01F-90CC-47C8-8D8E-ACE27172827A}"/>
               </a:ext>
             </a:extLst>
           </p:cNvPr>
@@ -32770,7 +32755,7 @@
           <p:cNvPr id="61" name="Oval 60">
             <a:extLst>
               <a:ext uri="{FF2B5EF4-FFF2-40B4-BE49-F238E27FC236}">
-                <a16:creationId xmlns:a16="http://schemas.microsoft.com/office/drawing/2014/main" xmlns="" id="{2C11910F-BB4F-47E0-BAF9-3681C962FC29}"/>
+                <a16:creationId xmlns="" xmlns:a16="http://schemas.microsoft.com/office/drawing/2014/main" id="{2C11910F-BB4F-47E0-BAF9-3681C962FC29}"/>
               </a:ext>
             </a:extLst>
           </p:cNvPr>
@@ -32826,7 +32811,7 @@
           <p:cNvPr id="62" name="Straight Arrow Connector 61">
             <a:extLst>
               <a:ext uri="{FF2B5EF4-FFF2-40B4-BE49-F238E27FC236}">
-                <a16:creationId xmlns:a16="http://schemas.microsoft.com/office/drawing/2014/main" xmlns="" id="{2440572A-2DBD-415F-9767-FB1F45A17B5B}"/>
+                <a16:creationId xmlns="" xmlns:a16="http://schemas.microsoft.com/office/drawing/2014/main" id="{2440572A-2DBD-415F-9767-FB1F45A17B5B}"/>
               </a:ext>
             </a:extLst>
           </p:cNvPr>
@@ -32870,7 +32855,7 @@
           <p:cNvPr id="63" name="Straight Arrow Connector 62">
             <a:extLst>
               <a:ext uri="{FF2B5EF4-FFF2-40B4-BE49-F238E27FC236}">
-                <a16:creationId xmlns:a16="http://schemas.microsoft.com/office/drawing/2014/main" xmlns="" id="{C54637E1-B26F-4DFE-8AB1-8B56EE98EB4B}"/>
+                <a16:creationId xmlns="" xmlns:a16="http://schemas.microsoft.com/office/drawing/2014/main" id="{C54637E1-B26F-4DFE-8AB1-8B56EE98EB4B}"/>
               </a:ext>
             </a:extLst>
           </p:cNvPr>
@@ -32914,7 +32899,7 @@
           <p:cNvPr id="64" name="Straight Arrow Connector 63">
             <a:extLst>
               <a:ext uri="{FF2B5EF4-FFF2-40B4-BE49-F238E27FC236}">
-                <a16:creationId xmlns:a16="http://schemas.microsoft.com/office/drawing/2014/main" xmlns="" id="{B0E09CF0-6DAB-4554-85BF-F9BAA5DF7141}"/>
+                <a16:creationId xmlns="" xmlns:a16="http://schemas.microsoft.com/office/drawing/2014/main" id="{B0E09CF0-6DAB-4554-85BF-F9BAA5DF7141}"/>
               </a:ext>
             </a:extLst>
           </p:cNvPr>
@@ -32958,7 +32943,7 @@
           <p:cNvPr id="66" name="Oval 65">
             <a:extLst>
               <a:ext uri="{FF2B5EF4-FFF2-40B4-BE49-F238E27FC236}">
-                <a16:creationId xmlns:a16="http://schemas.microsoft.com/office/drawing/2014/main" xmlns="" id="{089F238F-FA4E-4BC7-B5C9-2DE4F3174BCB}"/>
+                <a16:creationId xmlns="" xmlns:a16="http://schemas.microsoft.com/office/drawing/2014/main" id="{089F238F-FA4E-4BC7-B5C9-2DE4F3174BCB}"/>
               </a:ext>
             </a:extLst>
           </p:cNvPr>
@@ -33014,7 +32999,7 @@
           <p:cNvPr id="67" name="Straight Arrow Connector 66">
             <a:extLst>
               <a:ext uri="{FF2B5EF4-FFF2-40B4-BE49-F238E27FC236}">
-                <a16:creationId xmlns:a16="http://schemas.microsoft.com/office/drawing/2014/main" xmlns="" id="{9B92B2BE-EA67-4FCA-826C-7C2C0498F054}"/>
+                <a16:creationId xmlns="" xmlns:a16="http://schemas.microsoft.com/office/drawing/2014/main" id="{9B92B2BE-EA67-4FCA-826C-7C2C0498F054}"/>
               </a:ext>
             </a:extLst>
           </p:cNvPr>
@@ -33058,7 +33043,7 @@
           <p:cNvPr id="70" name="Straight Arrow Connector 69">
             <a:extLst>
               <a:ext uri="{FF2B5EF4-FFF2-40B4-BE49-F238E27FC236}">
-                <a16:creationId xmlns:a16="http://schemas.microsoft.com/office/drawing/2014/main" xmlns="" id="{39C2BE5D-187B-4009-B65C-119A939C1205}"/>
+                <a16:creationId xmlns="" xmlns:a16="http://schemas.microsoft.com/office/drawing/2014/main" id="{39C2BE5D-187B-4009-B65C-119A939C1205}"/>
               </a:ext>
             </a:extLst>
           </p:cNvPr>
@@ -33102,7 +33087,7 @@
           <p:cNvPr id="71" name="Straight Arrow Connector 70">
             <a:extLst>
               <a:ext uri="{FF2B5EF4-FFF2-40B4-BE49-F238E27FC236}">
-                <a16:creationId xmlns:a16="http://schemas.microsoft.com/office/drawing/2014/main" xmlns="" id="{39C2BE5D-187B-4009-B65C-119A939C1205}"/>
+                <a16:creationId xmlns="" xmlns:a16="http://schemas.microsoft.com/office/drawing/2014/main" id="{39C2BE5D-187B-4009-B65C-119A939C1205}"/>
               </a:ext>
             </a:extLst>
           </p:cNvPr>
@@ -33146,7 +33131,7 @@
           <p:cNvPr id="72" name="Arrow: Down 29">
             <a:extLst>
               <a:ext uri="{FF2B5EF4-FFF2-40B4-BE49-F238E27FC236}">
-                <a16:creationId xmlns:a16="http://schemas.microsoft.com/office/drawing/2014/main" xmlns="" id="{C1335406-A2C9-47D4-B205-5C60C0E28A8A}"/>
+                <a16:creationId xmlns="" xmlns:a16="http://schemas.microsoft.com/office/drawing/2014/main" id="{C1335406-A2C9-47D4-B205-5C60C0E28A8A}"/>
               </a:ext>
             </a:extLst>
           </p:cNvPr>
@@ -33230,7 +33215,7 @@
           <p:cNvPr id="73" name="Arrow: Down 35">
             <a:extLst>
               <a:ext uri="{FF2B5EF4-FFF2-40B4-BE49-F238E27FC236}">
-                <a16:creationId xmlns:a16="http://schemas.microsoft.com/office/drawing/2014/main" xmlns="" id="{626A0744-AE03-44D5-9A65-2190DA15A386}"/>
+                <a16:creationId xmlns="" xmlns:a16="http://schemas.microsoft.com/office/drawing/2014/main" id="{626A0744-AE03-44D5-9A65-2190DA15A386}"/>
               </a:ext>
             </a:extLst>
           </p:cNvPr>
@@ -33304,7 +33289,7 @@
           <p:cNvPr id="74" name="Arrow: Down 29">
             <a:extLst>
               <a:ext uri="{FF2B5EF4-FFF2-40B4-BE49-F238E27FC236}">
-                <a16:creationId xmlns:a16="http://schemas.microsoft.com/office/drawing/2014/main" xmlns="" id="{C1335406-A2C9-47D4-B205-5C60C0E28A8A}"/>
+                <a16:creationId xmlns="" xmlns:a16="http://schemas.microsoft.com/office/drawing/2014/main" id="{C1335406-A2C9-47D4-B205-5C60C0E28A8A}"/>
               </a:ext>
             </a:extLst>
           </p:cNvPr>
@@ -34168,7 +34153,7 @@
           <p:cNvPr id="2" name="Text Placeholder 1">
             <a:extLst>
               <a:ext uri="{FF2B5EF4-FFF2-40B4-BE49-F238E27FC236}">
-                <a16:creationId xmlns:a16="http://schemas.microsoft.com/office/drawing/2014/main" xmlns="" id="{AFBCD827-6230-4B56-A635-5E675B7172C3}"/>
+                <a16:creationId xmlns="" xmlns:a16="http://schemas.microsoft.com/office/drawing/2014/main" id="{AFBCD827-6230-4B56-A635-5E675B7172C3}"/>
               </a:ext>
             </a:extLst>
           </p:cNvPr>
@@ -34329,7 +34314,7 @@
           <p:cNvPr id="3" name="Title 2">
             <a:extLst>
               <a:ext uri="{FF2B5EF4-FFF2-40B4-BE49-F238E27FC236}">
-                <a16:creationId xmlns:a16="http://schemas.microsoft.com/office/drawing/2014/main" xmlns="" id="{8BFE033C-14B0-479B-8763-B7CFF7FFF22C}"/>
+                <a16:creationId xmlns="" xmlns:a16="http://schemas.microsoft.com/office/drawing/2014/main" id="{8BFE033C-14B0-479B-8763-B7CFF7FFF22C}"/>
               </a:ext>
             </a:extLst>
           </p:cNvPr>
@@ -34366,7 +34351,7 @@
           <p:cNvPr id="4" name="Slide Number Placeholder 3">
             <a:extLst>
               <a:ext uri="{FF2B5EF4-FFF2-40B4-BE49-F238E27FC236}">
-                <a16:creationId xmlns:a16="http://schemas.microsoft.com/office/drawing/2014/main" xmlns="" id="{4DCC1874-0B80-4127-8266-1B045C3CA889}"/>
+                <a16:creationId xmlns="" xmlns:a16="http://schemas.microsoft.com/office/drawing/2014/main" id="{4DCC1874-0B80-4127-8266-1B045C3CA889}"/>
               </a:ext>
             </a:extLst>
           </p:cNvPr>
@@ -34412,7 +34397,7 @@
           <p:cNvPr id="5" name="Text Placeholder 4">
             <a:extLst>
               <a:ext uri="{FF2B5EF4-FFF2-40B4-BE49-F238E27FC236}">
-                <a16:creationId xmlns:a16="http://schemas.microsoft.com/office/drawing/2014/main" xmlns="" id="{1996CBD5-7393-407C-BC99-C76D33D74AAF}"/>
+                <a16:creationId xmlns="" xmlns:a16="http://schemas.microsoft.com/office/drawing/2014/main" id="{1996CBD5-7393-407C-BC99-C76D33D74AAF}"/>
               </a:ext>
             </a:extLst>
           </p:cNvPr>
@@ -34474,38 +34459,7 @@
       </p:grpSpPr>
       <p:sp>
         <p:nvSpPr>
-          <p:cNvPr id="2" name="Text Placeholder 1">
-            <a:extLst>
-              <a:ext uri="{FF2B5EF4-FFF2-40B4-BE49-F238E27FC236}">
-                <a16:creationId xmlns:a16="http://schemas.microsoft.com/office/drawing/2014/main" xmlns="" id="{A51E6A0F-3D6D-493A-B24E-4199D72942C9}"/>
-              </a:ext>
-            </a:extLst>
-          </p:cNvPr>
-          <p:cNvSpPr>
-            <a:spLocks noGrp="1"/>
-          </p:cNvSpPr>
-          <p:nvPr>
-            <p:ph type="body" sz="quarter" idx="10"/>
-          </p:nvPr>
-        </p:nvSpPr>
-        <p:spPr/>
-        <p:txBody>
-          <a:bodyPr/>
-          <a:lstStyle/>
-          <a:p>
-            <a:endParaRPr lang="en-US" dirty="0"/>
-          </a:p>
-        </p:txBody>
-      </p:sp>
-      <p:sp>
-        <p:nvSpPr>
-          <p:cNvPr id="3" name="Title 2">
-            <a:extLst>
-              <a:ext uri="{FF2B5EF4-FFF2-40B4-BE49-F238E27FC236}">
-                <a16:creationId xmlns:a16="http://schemas.microsoft.com/office/drawing/2014/main" xmlns="" id="{A8704E41-3486-46BD-8AA7-B6B5D28F95A5}"/>
-              </a:ext>
-            </a:extLst>
-          </p:cNvPr>
+          <p:cNvPr id="3" name="Title 2"/>
           <p:cNvSpPr>
             <a:spLocks noGrp="1"/>
           </p:cNvSpPr>
@@ -34519,30 +34473,24 @@
           <a:lstStyle/>
           <a:p>
             <a:r>
-              <a:rPr lang="fr-FR" dirty="0"/>
+              <a:rPr lang="fr-FR" dirty="0" smtClean="0"/>
               <a:t>Git </a:t>
             </a:r>
             <a:r>
-              <a:rPr lang="fr-FR" dirty="0" err="1"/>
+              <a:rPr lang="fr-FR" dirty="0" err="1" smtClean="0"/>
               <a:t>is</a:t>
             </a:r>
             <a:r>
-              <a:rPr lang="fr-FR" dirty="0"/>
+              <a:rPr lang="fr-FR" dirty="0" smtClean="0"/>
               <a:t>…</a:t>
             </a:r>
-            <a:endParaRPr lang="en-US" dirty="0"/>
-          </a:p>
-        </p:txBody>
-      </p:sp>
-      <p:sp>
-        <p:nvSpPr>
-          <p:cNvPr id="4" name="Slide Number Placeholder 3">
-            <a:extLst>
-              <a:ext uri="{FF2B5EF4-FFF2-40B4-BE49-F238E27FC236}">
-                <a16:creationId xmlns:a16="http://schemas.microsoft.com/office/drawing/2014/main" xmlns="" id="{02CD92EA-E9CB-4F4C-B1B9-840F11B55DC5}"/>
-              </a:ext>
-            </a:extLst>
-          </p:cNvPr>
+            <a:endParaRPr lang="fr-FR" dirty="0"/>
+          </a:p>
+        </p:txBody>
+      </p:sp>
+      <p:sp>
+        <p:nvSpPr>
+          <p:cNvPr id="4" name="Slide Number Placeholder 3"/>
           <p:cNvSpPr>
             <a:spLocks noGrp="1"/>
           </p:cNvSpPr>
@@ -34565,7 +34513,7 @@
               <a:t>3</a:t>
             </a:fld>
             <a:r>
-              <a:rPr lang="fr-FR">
+              <a:rPr lang="fr-FR" smtClean="0">
                 <a:solidFill>
                   <a:srgbClr val="004563"/>
                 </a:solidFill>
@@ -34582,13 +34530,7 @@
       </p:sp>
       <p:sp>
         <p:nvSpPr>
-          <p:cNvPr id="5" name="Text Placeholder 4">
-            <a:extLst>
-              <a:ext uri="{FF2B5EF4-FFF2-40B4-BE49-F238E27FC236}">
-                <a16:creationId xmlns:a16="http://schemas.microsoft.com/office/drawing/2014/main" xmlns="" id="{C22D9F79-04C1-4762-96D6-F3FE8172F1B1}"/>
-              </a:ext>
-            </a:extLst>
-          </p:cNvPr>
+          <p:cNvPr id="5" name="Text Placeholder 4"/>
           <p:cNvSpPr>
             <a:spLocks noGrp="1"/>
           </p:cNvSpPr>
@@ -34602,18 +34544,26 @@
           <a:lstStyle/>
           <a:p>
             <a:r>
-              <a:rPr lang="en-US" b="0" dirty="0"/>
-              <a:t>…a Revision Control System</a:t>
+              <a:rPr lang="fr-FR" dirty="0"/>
+              <a:t>…a </a:t>
+            </a:r>
+            <a:r>
+              <a:rPr lang="fr-FR" dirty="0" err="1"/>
+              <a:t>Revision</a:t>
+            </a:r>
+            <a:r>
+              <a:rPr lang="fr-FR" dirty="0"/>
+              <a:t> Control System</a:t>
             </a:r>
           </a:p>
         </p:txBody>
       </p:sp>
       <p:pic>
         <p:nvPicPr>
-          <p:cNvPr id="8" name="Picture 7">
+          <p:cNvPr id="7" name="Picture 6">
             <a:extLst>
               <a:ext uri="{FF2B5EF4-FFF2-40B4-BE49-F238E27FC236}">
-                <a16:creationId xmlns:a16="http://schemas.microsoft.com/office/drawing/2014/main" xmlns="" id="{C62C63E2-C97A-4E3E-9C28-351D24FBB5BD}"/>
+                <a16:creationId xmlns="" xmlns:a16="http://schemas.microsoft.com/office/drawing/2014/main" id="{C62C63E2-C97A-4E3E-9C28-351D24FBB5BD}"/>
               </a:ext>
             </a:extLst>
           </p:cNvPr>
@@ -34653,7 +34603,7 @@
     </p:spTree>
     <p:extLst>
       <p:ext uri="{BB962C8B-B14F-4D97-AF65-F5344CB8AC3E}">
-        <p14:creationId xmlns:p14="http://schemas.microsoft.com/office/powerpoint/2010/main" val="335495105"/>
+        <p14:creationId xmlns:p14="http://schemas.microsoft.com/office/powerpoint/2010/main" val="3459886719"/>
       </p:ext>
     </p:extLst>
   </p:cSld>
@@ -34663,13 +34613,6 @@
   <p:transition>
     <p:fade/>
   </p:transition>
-  <p:timing>
-    <p:tnLst>
-      <p:par>
-        <p:cTn id="1" dur="indefinite" restart="never" nodeType="tmRoot"/>
-      </p:par>
-    </p:tnLst>
-  </p:timing>
 </p:sld>
 </file>
 
@@ -34695,7 +34638,7 @@
           <p:cNvPr id="2" name="Title 1">
             <a:extLst>
               <a:ext uri="{FF2B5EF4-FFF2-40B4-BE49-F238E27FC236}">
-                <a16:creationId xmlns:a16="http://schemas.microsoft.com/office/drawing/2014/main" xmlns="" id="{C14F0455-9ED9-4652-8FD6-9C284BE2F092}"/>
+                <a16:creationId xmlns="" xmlns:a16="http://schemas.microsoft.com/office/drawing/2014/main" id="{C14F0455-9ED9-4652-8FD6-9C284BE2F092}"/>
               </a:ext>
             </a:extLst>
           </p:cNvPr>
@@ -34735,7 +34678,7 @@
           <p:cNvPr id="3" name="Text Placeholder 2">
             <a:extLst>
               <a:ext uri="{FF2B5EF4-FFF2-40B4-BE49-F238E27FC236}">
-                <a16:creationId xmlns:a16="http://schemas.microsoft.com/office/drawing/2014/main" xmlns="" id="{8136025E-6B8D-4575-9E2B-B0AAB8CAC233}"/>
+                <a16:creationId xmlns="" xmlns:a16="http://schemas.microsoft.com/office/drawing/2014/main" id="{8136025E-6B8D-4575-9E2B-B0AAB8CAC233}"/>
               </a:ext>
             </a:extLst>
           </p:cNvPr>
@@ -34800,7 +34743,7 @@
           <p:cNvPr id="3" name="Title 2">
             <a:extLst>
               <a:ext uri="{FF2B5EF4-FFF2-40B4-BE49-F238E27FC236}">
-                <a16:creationId xmlns:a16="http://schemas.microsoft.com/office/drawing/2014/main" xmlns="" id="{A8704E41-3486-46BD-8AA7-B6B5D28F95A5}"/>
+                <a16:creationId xmlns="" xmlns:a16="http://schemas.microsoft.com/office/drawing/2014/main" id="{A8704E41-3486-46BD-8AA7-B6B5D28F95A5}"/>
               </a:ext>
             </a:extLst>
           </p:cNvPr>
@@ -34829,7 +34772,7 @@
           <p:cNvPr id="4" name="Slide Number Placeholder 3">
             <a:extLst>
               <a:ext uri="{FF2B5EF4-FFF2-40B4-BE49-F238E27FC236}">
-                <a16:creationId xmlns:a16="http://schemas.microsoft.com/office/drawing/2014/main" xmlns="" id="{02CD92EA-E9CB-4F4C-B1B9-840F11B55DC5}"/>
+                <a16:creationId xmlns="" xmlns:a16="http://schemas.microsoft.com/office/drawing/2014/main" id="{02CD92EA-E9CB-4F4C-B1B9-840F11B55DC5}"/>
               </a:ext>
             </a:extLst>
           </p:cNvPr>
@@ -34872,13 +34815,7 @@
       </p:sp>
       <p:sp>
         <p:nvSpPr>
-          <p:cNvPr id="5" name="Text Placeholder 4">
-            <a:extLst>
-              <a:ext uri="{FF2B5EF4-FFF2-40B4-BE49-F238E27FC236}">
-                <a16:creationId xmlns:a16="http://schemas.microsoft.com/office/drawing/2014/main" xmlns="" id="{C22D9F79-04C1-4762-96D6-F3FE8172F1B1}"/>
-              </a:ext>
-            </a:extLst>
-          </p:cNvPr>
+          <p:cNvPr id="6" name="Text Placeholder 5"/>
           <p:cNvSpPr>
             <a:spLocks noGrp="1"/>
           </p:cNvSpPr>
@@ -34891,7 +34828,7 @@
           <a:bodyPr/>
           <a:lstStyle/>
           <a:p>
-            <a:endParaRPr lang="en-US" b="0" dirty="0"/>
+            <a:endParaRPr lang="fr-FR"/>
           </a:p>
         </p:txBody>
       </p:sp>
@@ -34968,7 +34905,7 @@
           <p:cNvPr id="12" name="Oval 11">
             <a:extLst>
               <a:ext uri="{FF2B5EF4-FFF2-40B4-BE49-F238E27FC236}">
-                <a16:creationId xmlns:a16="http://schemas.microsoft.com/office/drawing/2014/main" xmlns="" id="{70018B8E-C8EA-4592-B666-4DD6915C2DAF}"/>
+                <a16:creationId xmlns="" xmlns:a16="http://schemas.microsoft.com/office/drawing/2014/main" id="{70018B8E-C8EA-4592-B666-4DD6915C2DAF}"/>
               </a:ext>
             </a:extLst>
           </p:cNvPr>
@@ -35024,7 +34961,7 @@
           <p:cNvPr id="13" name="TextBox 12">
             <a:extLst>
               <a:ext uri="{FF2B5EF4-FFF2-40B4-BE49-F238E27FC236}">
-                <a16:creationId xmlns:a16="http://schemas.microsoft.com/office/drawing/2014/main" xmlns="" id="{EA7F15EB-6AA1-4C76-921F-2B04B74B1885}"/>
+                <a16:creationId xmlns="" xmlns:a16="http://schemas.microsoft.com/office/drawing/2014/main" id="{EA7F15EB-6AA1-4C76-921F-2B04B74B1885}"/>
               </a:ext>
             </a:extLst>
           </p:cNvPr>
@@ -35066,7 +35003,7 @@
           <p:cNvPr id="14" name="Oval 13">
             <a:extLst>
               <a:ext uri="{FF2B5EF4-FFF2-40B4-BE49-F238E27FC236}">
-                <a16:creationId xmlns:a16="http://schemas.microsoft.com/office/drawing/2014/main" xmlns="" id="{70018B8E-C8EA-4592-B666-4DD6915C2DAF}"/>
+                <a16:creationId xmlns="" xmlns:a16="http://schemas.microsoft.com/office/drawing/2014/main" id="{70018B8E-C8EA-4592-B666-4DD6915C2DAF}"/>
               </a:ext>
             </a:extLst>
           </p:cNvPr>
@@ -35122,7 +35059,7 @@
           <p:cNvPr id="16" name="TextBox 15">
             <a:extLst>
               <a:ext uri="{FF2B5EF4-FFF2-40B4-BE49-F238E27FC236}">
-                <a16:creationId xmlns:a16="http://schemas.microsoft.com/office/drawing/2014/main" xmlns="" id="{EA7F15EB-6AA1-4C76-921F-2B04B74B1885}"/>
+                <a16:creationId xmlns="" xmlns:a16="http://schemas.microsoft.com/office/drawing/2014/main" id="{EA7F15EB-6AA1-4C76-921F-2B04B74B1885}"/>
               </a:ext>
             </a:extLst>
           </p:cNvPr>
@@ -35164,7 +35101,7 @@
           <p:cNvPr id="17" name="Straight Arrow Connector 16">
             <a:extLst>
               <a:ext uri="{FF2B5EF4-FFF2-40B4-BE49-F238E27FC236}">
-                <a16:creationId xmlns:a16="http://schemas.microsoft.com/office/drawing/2014/main" xmlns="" id="{D5D1DDE3-D551-4E6B-AD34-6FBA1762CCD0}"/>
+                <a16:creationId xmlns="" xmlns:a16="http://schemas.microsoft.com/office/drawing/2014/main" id="{D5D1DDE3-D551-4E6B-AD34-6FBA1762CCD0}"/>
               </a:ext>
             </a:extLst>
           </p:cNvPr>
@@ -35208,7 +35145,7 @@
           <p:cNvPr id="18" name="Arrow: Down 29">
             <a:extLst>
               <a:ext uri="{FF2B5EF4-FFF2-40B4-BE49-F238E27FC236}">
-                <a16:creationId xmlns:a16="http://schemas.microsoft.com/office/drawing/2014/main" xmlns="" id="{C1335406-A2C9-47D4-B205-5C60C0E28A8A}"/>
+                <a16:creationId xmlns="" xmlns:a16="http://schemas.microsoft.com/office/drawing/2014/main" id="{C1335406-A2C9-47D4-B205-5C60C0E28A8A}"/>
               </a:ext>
             </a:extLst>
           </p:cNvPr>
@@ -35560,7 +35497,7 @@
           <p:cNvPr id="2" name="Title 1">
             <a:extLst>
               <a:ext uri="{FF2B5EF4-FFF2-40B4-BE49-F238E27FC236}">
-                <a16:creationId xmlns:a16="http://schemas.microsoft.com/office/drawing/2014/main" xmlns="" id="{C14F0455-9ED9-4652-8FD6-9C284BE2F092}"/>
+                <a16:creationId xmlns="" xmlns:a16="http://schemas.microsoft.com/office/drawing/2014/main" id="{C14F0455-9ED9-4652-8FD6-9C284BE2F092}"/>
               </a:ext>
             </a:extLst>
           </p:cNvPr>
@@ -35600,7 +35537,7 @@
           <p:cNvPr id="3" name="Text Placeholder 2">
             <a:extLst>
               <a:ext uri="{FF2B5EF4-FFF2-40B4-BE49-F238E27FC236}">
-                <a16:creationId xmlns:a16="http://schemas.microsoft.com/office/drawing/2014/main" xmlns="" id="{8136025E-6B8D-4575-9E2B-B0AAB8CAC233}"/>
+                <a16:creationId xmlns="" xmlns:a16="http://schemas.microsoft.com/office/drawing/2014/main" id="{8136025E-6B8D-4575-9E2B-B0AAB8CAC233}"/>
               </a:ext>
             </a:extLst>
           </p:cNvPr>
@@ -35665,7 +35602,7 @@
           <p:cNvPr id="3" name="Title 2">
             <a:extLst>
               <a:ext uri="{FF2B5EF4-FFF2-40B4-BE49-F238E27FC236}">
-                <a16:creationId xmlns:a16="http://schemas.microsoft.com/office/drawing/2014/main" xmlns="" id="{A8704E41-3486-46BD-8AA7-B6B5D28F95A5}"/>
+                <a16:creationId xmlns="" xmlns:a16="http://schemas.microsoft.com/office/drawing/2014/main" id="{A8704E41-3486-46BD-8AA7-B6B5D28F95A5}"/>
               </a:ext>
             </a:extLst>
           </p:cNvPr>
@@ -35687,15 +35624,11 @@
             </a:r>
             <a:r>
               <a:rPr lang="fr-FR" dirty="0" err="1" smtClean="0"/>
-              <a:t>current</a:t>
+              <a:t>Current</a:t>
             </a:r>
             <a:r>
               <a:rPr lang="fr-FR" dirty="0" smtClean="0"/>
-              <a:t> </a:t>
-            </a:r>
-            <a:r>
-              <a:rPr lang="fr-FR" dirty="0" err="1" smtClean="0"/>
-              <a:t>branch</a:t>
+              <a:t> Branch</a:t>
             </a:r>
             <a:endParaRPr lang="en-US" dirty="0"/>
           </a:p>
@@ -35706,7 +35639,7 @@
           <p:cNvPr id="4" name="Slide Number Placeholder 3">
             <a:extLst>
               <a:ext uri="{FF2B5EF4-FFF2-40B4-BE49-F238E27FC236}">
-                <a16:creationId xmlns:a16="http://schemas.microsoft.com/office/drawing/2014/main" xmlns="" id="{02CD92EA-E9CB-4F4C-B1B9-840F11B55DC5}"/>
+                <a16:creationId xmlns="" xmlns:a16="http://schemas.microsoft.com/office/drawing/2014/main" id="{02CD92EA-E9CB-4F4C-B1B9-840F11B55DC5}"/>
               </a:ext>
             </a:extLst>
           </p:cNvPr>
@@ -35749,13 +35682,7 @@
       </p:sp>
       <p:sp>
         <p:nvSpPr>
-          <p:cNvPr id="5" name="Text Placeholder 4">
-            <a:extLst>
-              <a:ext uri="{FF2B5EF4-FFF2-40B4-BE49-F238E27FC236}">
-                <a16:creationId xmlns:a16="http://schemas.microsoft.com/office/drawing/2014/main" xmlns="" id="{C22D9F79-04C1-4762-96D6-F3FE8172F1B1}"/>
-              </a:ext>
-            </a:extLst>
-          </p:cNvPr>
+          <p:cNvPr id="6" name="Text Placeholder 5"/>
           <p:cNvSpPr>
             <a:spLocks noGrp="1"/>
           </p:cNvSpPr>
@@ -35768,7 +35695,7 @@
           <a:bodyPr/>
           <a:lstStyle/>
           <a:p>
-            <a:endParaRPr lang="en-US" b="0" dirty="0"/>
+            <a:endParaRPr lang="fr-FR"/>
           </a:p>
         </p:txBody>
       </p:sp>
@@ -35845,7 +35772,7 @@
           <p:cNvPr id="12" name="Oval 11">
             <a:extLst>
               <a:ext uri="{FF2B5EF4-FFF2-40B4-BE49-F238E27FC236}">
-                <a16:creationId xmlns:a16="http://schemas.microsoft.com/office/drawing/2014/main" xmlns="" id="{70018B8E-C8EA-4592-B666-4DD6915C2DAF}"/>
+                <a16:creationId xmlns="" xmlns:a16="http://schemas.microsoft.com/office/drawing/2014/main" id="{70018B8E-C8EA-4592-B666-4DD6915C2DAF}"/>
               </a:ext>
             </a:extLst>
           </p:cNvPr>
@@ -35901,7 +35828,7 @@
           <p:cNvPr id="13" name="TextBox 12">
             <a:extLst>
               <a:ext uri="{FF2B5EF4-FFF2-40B4-BE49-F238E27FC236}">
-                <a16:creationId xmlns:a16="http://schemas.microsoft.com/office/drawing/2014/main" xmlns="" id="{EA7F15EB-6AA1-4C76-921F-2B04B74B1885}"/>
+                <a16:creationId xmlns="" xmlns:a16="http://schemas.microsoft.com/office/drawing/2014/main" id="{EA7F15EB-6AA1-4C76-921F-2B04B74B1885}"/>
               </a:ext>
             </a:extLst>
           </p:cNvPr>
@@ -35943,7 +35870,7 @@
           <p:cNvPr id="14" name="Oval 13">
             <a:extLst>
               <a:ext uri="{FF2B5EF4-FFF2-40B4-BE49-F238E27FC236}">
-                <a16:creationId xmlns:a16="http://schemas.microsoft.com/office/drawing/2014/main" xmlns="" id="{70018B8E-C8EA-4592-B666-4DD6915C2DAF}"/>
+                <a16:creationId xmlns="" xmlns:a16="http://schemas.microsoft.com/office/drawing/2014/main" id="{70018B8E-C8EA-4592-B666-4DD6915C2DAF}"/>
               </a:ext>
             </a:extLst>
           </p:cNvPr>
@@ -35999,7 +35926,7 @@
           <p:cNvPr id="16" name="TextBox 15">
             <a:extLst>
               <a:ext uri="{FF2B5EF4-FFF2-40B4-BE49-F238E27FC236}">
-                <a16:creationId xmlns:a16="http://schemas.microsoft.com/office/drawing/2014/main" xmlns="" id="{EA7F15EB-6AA1-4C76-921F-2B04B74B1885}"/>
+                <a16:creationId xmlns="" xmlns:a16="http://schemas.microsoft.com/office/drawing/2014/main" id="{EA7F15EB-6AA1-4C76-921F-2B04B74B1885}"/>
               </a:ext>
             </a:extLst>
           </p:cNvPr>
@@ -36041,7 +35968,7 @@
           <p:cNvPr id="17" name="Straight Arrow Connector 16">
             <a:extLst>
               <a:ext uri="{FF2B5EF4-FFF2-40B4-BE49-F238E27FC236}">
-                <a16:creationId xmlns:a16="http://schemas.microsoft.com/office/drawing/2014/main" xmlns="" id="{D5D1DDE3-D551-4E6B-AD34-6FBA1762CCD0}"/>
+                <a16:creationId xmlns="" xmlns:a16="http://schemas.microsoft.com/office/drawing/2014/main" id="{D5D1DDE3-D551-4E6B-AD34-6FBA1762CCD0}"/>
               </a:ext>
             </a:extLst>
           </p:cNvPr>
@@ -36085,7 +36012,7 @@
           <p:cNvPr id="18" name="Arrow: Down 29">
             <a:extLst>
               <a:ext uri="{FF2B5EF4-FFF2-40B4-BE49-F238E27FC236}">
-                <a16:creationId xmlns:a16="http://schemas.microsoft.com/office/drawing/2014/main" xmlns="" id="{C1335406-A2C9-47D4-B205-5C60C0E28A8A}"/>
+                <a16:creationId xmlns="" xmlns:a16="http://schemas.microsoft.com/office/drawing/2014/main" id="{C1335406-A2C9-47D4-B205-5C60C0E28A8A}"/>
               </a:ext>
             </a:extLst>
           </p:cNvPr>
@@ -36169,7 +36096,7 @@
           <p:cNvPr id="15" name="Arrow: Down 29">
             <a:extLst>
               <a:ext uri="{FF2B5EF4-FFF2-40B4-BE49-F238E27FC236}">
-                <a16:creationId xmlns:a16="http://schemas.microsoft.com/office/drawing/2014/main" xmlns="" id="{C1335406-A2C9-47D4-B205-5C60C0E28A8A}"/>
+                <a16:creationId xmlns="" xmlns:a16="http://schemas.microsoft.com/office/drawing/2014/main" id="{C1335406-A2C9-47D4-B205-5C60C0E28A8A}"/>
               </a:ext>
             </a:extLst>
           </p:cNvPr>
@@ -36293,7 +36220,7 @@
           <p:cNvPr id="2" name="Title 1">
             <a:extLst>
               <a:ext uri="{FF2B5EF4-FFF2-40B4-BE49-F238E27FC236}">
-                <a16:creationId xmlns:a16="http://schemas.microsoft.com/office/drawing/2014/main" xmlns="" id="{C14F0455-9ED9-4652-8FD6-9C284BE2F092}"/>
+                <a16:creationId xmlns="" xmlns:a16="http://schemas.microsoft.com/office/drawing/2014/main" id="{C14F0455-9ED9-4652-8FD6-9C284BE2F092}"/>
               </a:ext>
             </a:extLst>
           </p:cNvPr>
@@ -36326,7 +36253,7 @@
           <p:cNvPr id="3" name="Text Placeholder 2">
             <a:extLst>
               <a:ext uri="{FF2B5EF4-FFF2-40B4-BE49-F238E27FC236}">
-                <a16:creationId xmlns:a16="http://schemas.microsoft.com/office/drawing/2014/main" xmlns="" id="{8136025E-6B8D-4575-9E2B-B0AAB8CAC233}"/>
+                <a16:creationId xmlns="" xmlns:a16="http://schemas.microsoft.com/office/drawing/2014/main" id="{8136025E-6B8D-4575-9E2B-B0AAB8CAC233}"/>
               </a:ext>
             </a:extLst>
           </p:cNvPr>
@@ -36391,7 +36318,7 @@
           <p:cNvPr id="3" name="Title 2">
             <a:extLst>
               <a:ext uri="{FF2B5EF4-FFF2-40B4-BE49-F238E27FC236}">
-                <a16:creationId xmlns:a16="http://schemas.microsoft.com/office/drawing/2014/main" xmlns="" id="{A8704E41-3486-46BD-8AA7-B6B5D28F95A5}"/>
+                <a16:creationId xmlns="" xmlns:a16="http://schemas.microsoft.com/office/drawing/2014/main" id="{A8704E41-3486-46BD-8AA7-B6B5D28F95A5}"/>
               </a:ext>
             </a:extLst>
           </p:cNvPr>
@@ -36428,7 +36355,7 @@
           <p:cNvPr id="4" name="Slide Number Placeholder 3">
             <a:extLst>
               <a:ext uri="{FF2B5EF4-FFF2-40B4-BE49-F238E27FC236}">
-                <a16:creationId xmlns:a16="http://schemas.microsoft.com/office/drawing/2014/main" xmlns="" id="{02CD92EA-E9CB-4F4C-B1B9-840F11B55DC5}"/>
+                <a16:creationId xmlns="" xmlns:a16="http://schemas.microsoft.com/office/drawing/2014/main" id="{02CD92EA-E9CB-4F4C-B1B9-840F11B55DC5}"/>
               </a:ext>
             </a:extLst>
           </p:cNvPr>
@@ -36474,7 +36401,7 @@
           <p:cNvPr id="5" name="Text Placeholder 4">
             <a:extLst>
               <a:ext uri="{FF2B5EF4-FFF2-40B4-BE49-F238E27FC236}">
-                <a16:creationId xmlns:a16="http://schemas.microsoft.com/office/drawing/2014/main" xmlns="" id="{C22D9F79-04C1-4762-96D6-F3FE8172F1B1}"/>
+                <a16:creationId xmlns="" xmlns:a16="http://schemas.microsoft.com/office/drawing/2014/main" id="{C22D9F79-04C1-4762-96D6-F3FE8172F1B1}"/>
               </a:ext>
             </a:extLst>
           </p:cNvPr>
@@ -36567,7 +36494,7 @@
           <p:cNvPr id="16" name="Oval 15">
             <a:extLst>
               <a:ext uri="{FF2B5EF4-FFF2-40B4-BE49-F238E27FC236}">
-                <a16:creationId xmlns:a16="http://schemas.microsoft.com/office/drawing/2014/main" xmlns="" id="{70018B8E-C8EA-4592-B666-4DD6915C2DAF}"/>
+                <a16:creationId xmlns="" xmlns:a16="http://schemas.microsoft.com/office/drawing/2014/main" id="{70018B8E-C8EA-4592-B666-4DD6915C2DAF}"/>
               </a:ext>
             </a:extLst>
           </p:cNvPr>
@@ -36623,7 +36550,7 @@
           <p:cNvPr id="17" name="TextBox 16">
             <a:extLst>
               <a:ext uri="{FF2B5EF4-FFF2-40B4-BE49-F238E27FC236}">
-                <a16:creationId xmlns:a16="http://schemas.microsoft.com/office/drawing/2014/main" xmlns="" id="{EA7F15EB-6AA1-4C76-921F-2B04B74B1885}"/>
+                <a16:creationId xmlns="" xmlns:a16="http://schemas.microsoft.com/office/drawing/2014/main" id="{EA7F15EB-6AA1-4C76-921F-2B04B74B1885}"/>
               </a:ext>
             </a:extLst>
           </p:cNvPr>
@@ -36665,7 +36592,7 @@
           <p:cNvPr id="18" name="Oval 17">
             <a:extLst>
               <a:ext uri="{FF2B5EF4-FFF2-40B4-BE49-F238E27FC236}">
-                <a16:creationId xmlns:a16="http://schemas.microsoft.com/office/drawing/2014/main" xmlns="" id="{70018B8E-C8EA-4592-B666-4DD6915C2DAF}"/>
+                <a16:creationId xmlns="" xmlns:a16="http://schemas.microsoft.com/office/drawing/2014/main" id="{70018B8E-C8EA-4592-B666-4DD6915C2DAF}"/>
               </a:ext>
             </a:extLst>
           </p:cNvPr>
@@ -36721,7 +36648,7 @@
           <p:cNvPr id="19" name="TextBox 18">
             <a:extLst>
               <a:ext uri="{FF2B5EF4-FFF2-40B4-BE49-F238E27FC236}">
-                <a16:creationId xmlns:a16="http://schemas.microsoft.com/office/drawing/2014/main" xmlns="" id="{EA7F15EB-6AA1-4C76-921F-2B04B74B1885}"/>
+                <a16:creationId xmlns="" xmlns:a16="http://schemas.microsoft.com/office/drawing/2014/main" id="{EA7F15EB-6AA1-4C76-921F-2B04B74B1885}"/>
               </a:ext>
             </a:extLst>
           </p:cNvPr>
@@ -36763,7 +36690,7 @@
           <p:cNvPr id="20" name="Straight Arrow Connector 19">
             <a:extLst>
               <a:ext uri="{FF2B5EF4-FFF2-40B4-BE49-F238E27FC236}">
-                <a16:creationId xmlns:a16="http://schemas.microsoft.com/office/drawing/2014/main" xmlns="" id="{D5D1DDE3-D551-4E6B-AD34-6FBA1762CCD0}"/>
+                <a16:creationId xmlns="" xmlns:a16="http://schemas.microsoft.com/office/drawing/2014/main" id="{D5D1DDE3-D551-4E6B-AD34-6FBA1762CCD0}"/>
               </a:ext>
             </a:extLst>
           </p:cNvPr>
@@ -36807,7 +36734,7 @@
           <p:cNvPr id="21" name="Arrow: Down 29">
             <a:extLst>
               <a:ext uri="{FF2B5EF4-FFF2-40B4-BE49-F238E27FC236}">
-                <a16:creationId xmlns:a16="http://schemas.microsoft.com/office/drawing/2014/main" xmlns="" id="{C1335406-A2C9-47D4-B205-5C60C0E28A8A}"/>
+                <a16:creationId xmlns="" xmlns:a16="http://schemas.microsoft.com/office/drawing/2014/main" id="{C1335406-A2C9-47D4-B205-5C60C0E28A8A}"/>
               </a:ext>
             </a:extLst>
           </p:cNvPr>
@@ -36891,7 +36818,7 @@
           <p:cNvPr id="22" name="Arrow: Down 29">
             <a:extLst>
               <a:ext uri="{FF2B5EF4-FFF2-40B4-BE49-F238E27FC236}">
-                <a16:creationId xmlns:a16="http://schemas.microsoft.com/office/drawing/2014/main" xmlns="" id="{C1335406-A2C9-47D4-B205-5C60C0E28A8A}"/>
+                <a16:creationId xmlns="" xmlns:a16="http://schemas.microsoft.com/office/drawing/2014/main" id="{C1335406-A2C9-47D4-B205-5C60C0E28A8A}"/>
               </a:ext>
             </a:extLst>
           </p:cNvPr>
@@ -36975,7 +36902,7 @@
           <p:cNvPr id="23" name="Arrow: Down 35">
             <a:extLst>
               <a:ext uri="{FF2B5EF4-FFF2-40B4-BE49-F238E27FC236}">
-                <a16:creationId xmlns:a16="http://schemas.microsoft.com/office/drawing/2014/main" xmlns="" id="{626A0744-AE03-44D5-9A65-2190DA15A386}"/>
+                <a16:creationId xmlns="" xmlns:a16="http://schemas.microsoft.com/office/drawing/2014/main" id="{626A0744-AE03-44D5-9A65-2190DA15A386}"/>
               </a:ext>
             </a:extLst>
           </p:cNvPr>
@@ -38532,6 +38459,12 @@
 </file>
 
 <file path=customXml/item2.xml><?xml version="1.0" encoding="utf-8"?>
+<p:properties xmlns:p="http://schemas.microsoft.com/office/2006/metadata/properties" xmlns:xsi="http://www.w3.org/2001/XMLSchema-instance" xmlns:pc="http://schemas.microsoft.com/office/infopath/2007/PartnerControls">
+  <documentManagement/>
+</p:properties>
+</file>
+
+<file path=customXml/item3.xml><?xml version="1.0" encoding="utf-8"?>
 <ct:contentTypeSchema xmlns:ct="http://schemas.microsoft.com/office/2006/metadata/contentType" xmlns:ma="http://schemas.microsoft.com/office/2006/metadata/properties/metaAttributes" ct:_="" ma:_="" ma:contentTypeName="Document" ma:contentTypeID="0x0101005AF20084180B9E44AD928D9A8AB3689C" ma:contentTypeVersion="2" ma:contentTypeDescription="Create a new document." ma:contentTypeScope="" ma:versionID="5f842ce3792d2d894a82ea0e2dfb791b">
   <xsd:schema xmlns:xsd="http://www.w3.org/2001/XMLSchema" xmlns:xs="http://www.w3.org/2001/XMLSchema" xmlns:p="http://schemas.microsoft.com/office/2006/metadata/properties" xmlns:ns2="6e6f0a11-ea51-4914-9041-4a6fcd55b979" targetNamespace="http://schemas.microsoft.com/office/2006/metadata/properties" ma:root="true" ma:fieldsID="050a64bf2045351049015afff4474d6f" ns2:_="">
     <xsd:import namespace="6e6f0a11-ea51-4914-9041-4a6fcd55b979"/>
@@ -38679,12 +38612,6 @@
 </ct:contentTypeSchema>
 </file>
 
-<file path=customXml/item3.xml><?xml version="1.0" encoding="utf-8"?>
-<p:properties xmlns:p="http://schemas.microsoft.com/office/2006/metadata/properties" xmlns:xsi="http://www.w3.org/2001/XMLSchema-instance" xmlns:pc="http://schemas.microsoft.com/office/infopath/2007/PartnerControls">
-  <documentManagement/>
-</p:properties>
-</file>
-
 <file path=customXml/itemProps1.xml><?xml version="1.0" encoding="utf-8"?>
 <ds:datastoreItem xmlns:ds="http://schemas.openxmlformats.org/officeDocument/2006/customXml" ds:itemID="{32028EF8-D63B-42F2-9729-538DFDBCE111}">
   <ds:schemaRefs>
@@ -38694,6 +38621,22 @@
 </file>
 
 <file path=customXml/itemProps2.xml><?xml version="1.0" encoding="utf-8"?>
+<ds:datastoreItem xmlns:ds="http://schemas.openxmlformats.org/officeDocument/2006/customXml" ds:itemID="{A9495F4B-BFDC-466D-9B0E-24D55C97E4DD}">
+  <ds:schemaRefs>
+    <ds:schemaRef ds:uri="http://schemas.microsoft.com/office/2006/documentManagement/types"/>
+    <ds:schemaRef ds:uri="http://schemas.openxmlformats.org/package/2006/metadata/core-properties"/>
+    <ds:schemaRef ds:uri="http://purl.org/dc/dcmitype/"/>
+    <ds:schemaRef ds:uri="http://schemas.microsoft.com/office/2006/metadata/properties"/>
+    <ds:schemaRef ds:uri="http://purl.org/dc/terms/"/>
+    <ds:schemaRef ds:uri="http://schemas.microsoft.com/office/infopath/2007/PartnerControls"/>
+    <ds:schemaRef ds:uri="6e6f0a11-ea51-4914-9041-4a6fcd55b979"/>
+    <ds:schemaRef ds:uri="http://www.w3.org/XML/1998/namespace"/>
+    <ds:schemaRef ds:uri="http://purl.org/dc/elements/1.1/"/>
+  </ds:schemaRefs>
+</ds:datastoreItem>
+</file>
+
+<file path=customXml/itemProps3.xml><?xml version="1.0" encoding="utf-8"?>
 <ds:datastoreItem xmlns:ds="http://schemas.openxmlformats.org/officeDocument/2006/customXml" ds:itemID="{E5946093-D9B3-4957-BB28-2A49A4F3A2E1}">
   <ds:schemaRefs>
     <ds:schemaRef ds:uri="http://schemas.microsoft.com/office/2006/metadata/contentType"/>
@@ -38709,20 +38652,4 @@
     <ds:schemaRef ds:uri="http://schemas.microsoft.com/internal/obd"/>
   </ds:schemaRefs>
 </ds:datastoreItem>
-</file>
-
-<file path=customXml/itemProps3.xml><?xml version="1.0" encoding="utf-8"?>
-<ds:datastoreItem xmlns:ds="http://schemas.openxmlformats.org/officeDocument/2006/customXml" ds:itemID="{A9495F4B-BFDC-466D-9B0E-24D55C97E4DD}">
-  <ds:schemaRefs>
-    <ds:schemaRef ds:uri="http://schemas.microsoft.com/office/2006/documentManagement/types"/>
-    <ds:schemaRef ds:uri="http://schemas.openxmlformats.org/package/2006/metadata/core-properties"/>
-    <ds:schemaRef ds:uri="http://purl.org/dc/dcmitype/"/>
-    <ds:schemaRef ds:uri="http://schemas.microsoft.com/office/2006/metadata/properties"/>
-    <ds:schemaRef ds:uri="http://purl.org/dc/terms/"/>
-    <ds:schemaRef ds:uri="http://schemas.microsoft.com/office/infopath/2007/PartnerControls"/>
-    <ds:schemaRef ds:uri="6e6f0a11-ea51-4914-9041-4a6fcd55b979"/>
-    <ds:schemaRef ds:uri="http://www.w3.org/XML/1998/namespace"/>
-    <ds:schemaRef ds:uri="http://purl.org/dc/elements/1.1/"/>
-  </ds:schemaRefs>
-</ds:datastoreItem>
 </file>
--- a/docs/ppt/git_module_02.pptx
+++ b/docs/ppt/git_module_02.pptx
@@ -458,7 +458,7 @@
                 <a:latin typeface="Century Gothic" pitchFamily="34" charset="0"/>
               </a:rPr>
               <a:pPr/>
-              <a:t>25/12/2017</a:t>
+              <a:t>31/12/2017</a:t>
             </a:fld>
             <a:endParaRPr lang="fr-FR">
               <a:latin typeface="Century Gothic" pitchFamily="34" charset="0"/>
@@ -638,7 +638,7 @@
             <a:fld id="{FDCDEFE6-5B54-4838-86E6-97123BEF1300}" type="datetimeFigureOut">
               <a:rPr lang="fr-FR" smtClean="0"/>
               <a:pPr/>
-              <a:t>25/12/2017</a:t>
+              <a:t>31/12/2017</a:t>
             </a:fld>
             <a:endParaRPr lang="fr-FR"/>
           </a:p>
@@ -955,29 +955,10 @@
           <a:bodyPr/>
           <a:lstStyle/>
           <a:p>
-            <a:pPr marL="0" marR="0" lvl="0" indent="0" algn="l" defTabSz="914400" rtl="0" eaLnBrk="1" fontAlgn="auto" latinLnBrk="0" hangingPunct="1">
-              <a:lnSpc>
-                <a:spcPct val="100000"/>
-              </a:lnSpc>
-              <a:spcBef>
-                <a:spcPts val="0"/>
-              </a:spcBef>
-              <a:spcAft>
-                <a:spcPts val="0"/>
-              </a:spcAft>
-              <a:buClrTx/>
-              <a:buSzTx/>
-              <a:buFontTx/>
-              <a:buNone/>
-              <a:tabLst/>
-              <a:defRPr/>
-            </a:pPr>
             <a:r>
               <a:rPr lang="fr-FR" dirty="0" smtClean="0"/>
-              <a:t>Là où on s’est arrêté au module 1</a:t>
-            </a:r>
-          </a:p>
-          <a:p>
+              <a:t>On a parlé théorie, on va maintenant mettre en pratique</a:t>
+            </a:r>
             <a:endParaRPr lang="fr-FR" dirty="0"/>
           </a:p>
         </p:txBody>
@@ -1000,7 +981,7 @@
             <a:fld id="{903BB967-652B-44E3-AC85-B50B589029DD}" type="slidenum">
               <a:rPr lang="fr-FR" smtClean="0"/>
               <a:pPr/>
-              <a:t>2</a:t>
+              <a:t>1</a:t>
             </a:fld>
             <a:endParaRPr lang="fr-FR"/>
           </a:p>
@@ -1009,7 +990,7 @@
     </p:spTree>
     <p:extLst>
       <p:ext uri="{BB962C8B-B14F-4D97-AF65-F5344CB8AC3E}">
-        <p14:creationId xmlns:p14="http://schemas.microsoft.com/office/powerpoint/2010/main" val="3381062334"/>
+        <p14:creationId xmlns:p14="http://schemas.microsoft.com/office/powerpoint/2010/main" val="3039672929"/>
       </p:ext>
     </p:extLst>
   </p:cSld>
@@ -1063,18 +1044,6 @@
           <a:bodyPr/>
           <a:lstStyle/>
           <a:p>
-            <a:r>
-              <a:rPr lang="fr-FR" sz="1200" kern="1200" dirty="0" smtClean="0">
-                <a:solidFill>
-                  <a:schemeClr val="tx1"/>
-                </a:solidFill>
-                <a:effectLst/>
-                <a:latin typeface="Century Gothic" pitchFamily="34" charset="0"/>
-                <a:ea typeface="+mn-ea"/>
-                <a:cs typeface="+mn-cs"/>
-              </a:rPr>
-              <a:t>git_module02_lab02</a:t>
-            </a:r>
             <a:endParaRPr lang="fr-FR" dirty="0"/>
           </a:p>
         </p:txBody>
@@ -1097,7 +1066,7 @@
             <a:fld id="{903BB967-652B-44E3-AC85-B50B589029DD}" type="slidenum">
               <a:rPr lang="fr-FR" smtClean="0"/>
               <a:pPr/>
-              <a:t>13</a:t>
+              <a:t>10</a:t>
             </a:fld>
             <a:endParaRPr lang="fr-FR"/>
           </a:p>
@@ -1106,7 +1075,7 @@
     </p:spTree>
     <p:extLst>
       <p:ext uri="{BB962C8B-B14F-4D97-AF65-F5344CB8AC3E}">
-        <p14:creationId xmlns:p14="http://schemas.microsoft.com/office/powerpoint/2010/main" val="2314656586"/>
+        <p14:creationId xmlns:p14="http://schemas.microsoft.com/office/powerpoint/2010/main" val="2814545334"/>
       </p:ext>
     </p:extLst>
   </p:cSld>
@@ -1162,73 +1131,71 @@
           <a:p>
             <a:r>
               <a:rPr lang="fr-FR" dirty="0" smtClean="0"/>
-              <a:t>Point</a:t>
+              <a:t>On va</a:t>
             </a:r>
             <a:r>
               <a:rPr lang="fr-FR" baseline="0" dirty="0" smtClean="0"/>
-              <a:t> important : </a:t>
-            </a:r>
-          </a:p>
-          <a:p>
-            <a:pPr marL="171450" indent="-171450">
-              <a:buFont typeface="Arial" panose="020B0604020202020204" pitchFamily="34" charset="0"/>
-              <a:buChar char="•"/>
-            </a:pPr>
+              <a:t> changer de branche, et faire de </a:t>
+            </a:r>
+            <a:r>
+              <a:rPr lang="fr-FR" baseline="0" dirty="0" err="1" smtClean="0"/>
+              <a:t>lisa</a:t>
+            </a:r>
             <a:r>
               <a:rPr lang="fr-FR" baseline="0" dirty="0" smtClean="0"/>
-              <a:t>Références entre </a:t>
-            </a:r>
+              <a:t> la courante</a:t>
+            </a:r>
+          </a:p>
+          <a:p>
             <a:r>
               <a:rPr lang="fr-FR" baseline="0" dirty="0" err="1" smtClean="0"/>
-              <a:t>commits</a:t>
+              <a:t>Lab</a:t>
             </a:r>
             <a:r>
               <a:rPr lang="fr-FR" baseline="0" dirty="0" smtClean="0"/>
-              <a:t> &gt; </a:t>
+              <a:t> d’entrée, </a:t>
             </a:r>
             <a:r>
               <a:rPr lang="fr-FR" baseline="0" dirty="0" err="1" smtClean="0"/>
-              <a:t>tracker</a:t>
+              <a:t>bullet</a:t>
             </a:r>
             <a:r>
               <a:rPr lang="fr-FR" baseline="0" dirty="0" smtClean="0"/>
-              <a:t> l’historique (</a:t>
+              <a:t> 15</a:t>
+            </a:r>
+          </a:p>
+          <a:p>
+            <a:r>
+              <a:rPr lang="fr-FR" dirty="0" smtClean="0"/>
+              <a:t>On va ensuite</a:t>
+            </a:r>
+            <a:r>
+              <a:rPr lang="fr-FR" baseline="0" dirty="0" smtClean="0"/>
+              <a:t> modifier la recette de </a:t>
             </a:r>
             <a:r>
               <a:rPr lang="fr-FR" baseline="0" dirty="0" err="1" smtClean="0"/>
-              <a:t>refs</a:t>
+              <a:t>lisa</a:t>
             </a:r>
             <a:r>
               <a:rPr lang="fr-FR" baseline="0" dirty="0" smtClean="0"/>
-              <a:t>)</a:t>
-            </a:r>
-          </a:p>
-          <a:p>
-            <a:pPr marL="171450" indent="-171450">
-              <a:buFont typeface="Arial" panose="020B0604020202020204" pitchFamily="34" charset="0"/>
-              <a:buChar char="•"/>
-            </a:pPr>
+              <a:t>, </a:t>
+            </a:r>
+            <a:r>
+              <a:rPr lang="fr-FR" baseline="0" dirty="0" err="1" smtClean="0"/>
+              <a:t>lab</a:t>
+            </a:r>
             <a:r>
               <a:rPr lang="fr-FR" baseline="0" dirty="0" smtClean="0"/>
-              <a:t>Référence entre le reste &gt; </a:t>
+              <a:t>  </a:t>
             </a:r>
             <a:r>
               <a:rPr lang="fr-FR" baseline="0" dirty="0" err="1" smtClean="0"/>
-              <a:t>tracker</a:t>
+              <a:t>bullet</a:t>
             </a:r>
             <a:r>
               <a:rPr lang="fr-FR" baseline="0" dirty="0" smtClean="0"/>
-              <a:t> le contenu</a:t>
-            </a:r>
-          </a:p>
-          <a:p>
-            <a:pPr marL="171450" indent="-171450">
-              <a:buFont typeface="Arial" panose="020B0604020202020204" pitchFamily="34" charset="0"/>
-              <a:buChar char="•"/>
-            </a:pPr>
-            <a:r>
-              <a:rPr lang="fr-FR" baseline="0" dirty="0" smtClean="0"/>
-              <a:t>Réutilisation du contenu existant</a:t>
+              <a:t> 21</a:t>
             </a:r>
             <a:endParaRPr lang="fr-FR" dirty="0"/>
           </a:p>
@@ -1252,7 +1219,7 @@
             <a:fld id="{903BB967-652B-44E3-AC85-B50B589029DD}" type="slidenum">
               <a:rPr lang="fr-FR" smtClean="0"/>
               <a:pPr/>
-              <a:t>15</a:t>
+              <a:t>11</a:t>
             </a:fld>
             <a:endParaRPr lang="fr-FR"/>
           </a:p>
@@ -1261,7 +1228,7 @@
     </p:spTree>
     <p:extLst>
       <p:ext uri="{BB962C8B-B14F-4D97-AF65-F5344CB8AC3E}">
-        <p14:creationId xmlns:p14="http://schemas.microsoft.com/office/powerpoint/2010/main" val="3516163346"/>
+        <p14:creationId xmlns:p14="http://schemas.microsoft.com/office/powerpoint/2010/main" val="846395770"/>
       </p:ext>
     </p:extLst>
   </p:cSld>
@@ -1317,37 +1284,36 @@
           <a:p>
             <a:r>
               <a:rPr lang="fr-FR" dirty="0" smtClean="0"/>
-              <a:t>Point</a:t>
+              <a:t>Ce slide</a:t>
             </a:r>
             <a:r>
               <a:rPr lang="fr-FR" baseline="0" dirty="0" smtClean="0"/>
-              <a:t> important : </a:t>
-            </a:r>
-          </a:p>
-          <a:p>
-            <a:pPr marL="171450" indent="-171450">
-              <a:buFont typeface="Arial" panose="020B0604020202020204" pitchFamily="34" charset="0"/>
-              <a:buChar char="•"/>
-            </a:pPr>
+              <a:t> explique l’exo précédent : </a:t>
+            </a:r>
+            <a:r>
+              <a:rPr lang="fr-FR" baseline="0" dirty="0" err="1" smtClean="0"/>
+              <a:t>add</a:t>
+            </a:r>
             <a:r>
               <a:rPr lang="fr-FR" baseline="0" dirty="0" smtClean="0"/>
-              <a:t>Git se moque de l’historique lors d’un </a:t>
+              <a:t>, commit, sur la branche active, </a:t>
             </a:r>
             <a:r>
               <a:rPr lang="fr-FR" baseline="0" dirty="0" err="1" smtClean="0"/>
-              <a:t>checkout</a:t>
+              <a:t>lisa</a:t>
             </a:r>
             <a:endParaRPr lang="fr-FR" baseline="0" dirty="0" smtClean="0"/>
           </a:p>
           <a:p>
-            <a:pPr marL="171450" indent="-171450">
-              <a:buFont typeface="Arial" panose="020B0604020202020204" pitchFamily="34" charset="0"/>
-              <a:buChar char="•"/>
-            </a:pPr>
             <a:r>
               <a:rPr lang="fr-FR" baseline="0" dirty="0" smtClean="0"/>
-              <a:t>Seul le contenu est important</a:t>
-            </a:r>
+              <a:t>On va maintenant voir ce qui se passe quand on </a:t>
+            </a:r>
+            <a:r>
+              <a:rPr lang="fr-FR" baseline="0" dirty="0" err="1" smtClean="0"/>
+              <a:t>merge</a:t>
+            </a:r>
+            <a:endParaRPr lang="fr-FR" dirty="0"/>
           </a:p>
         </p:txBody>
       </p:sp>
@@ -1369,7 +1335,7 @@
             <a:fld id="{903BB967-652B-44E3-AC85-B50B589029DD}" type="slidenum">
               <a:rPr lang="fr-FR" smtClean="0"/>
               <a:pPr/>
-              <a:t>16</a:t>
+              <a:t>12</a:t>
             </a:fld>
             <a:endParaRPr lang="fr-FR"/>
           </a:p>
@@ -1378,7 +1344,7 @@
     </p:spTree>
     <p:extLst>
       <p:ext uri="{BB962C8B-B14F-4D97-AF65-F5344CB8AC3E}">
-        <p14:creationId xmlns:p14="http://schemas.microsoft.com/office/powerpoint/2010/main" val="2175318899"/>
+        <p14:creationId xmlns:p14="http://schemas.microsoft.com/office/powerpoint/2010/main" val="2145655286"/>
       </p:ext>
     </p:extLst>
   </p:cSld>
@@ -1433,20 +1399,66 @@
           <a:lstStyle/>
           <a:p>
             <a:r>
-              <a:rPr lang="fr-FR" dirty="0" smtClean="0"/>
-              <a:t>La plupart du temps : parce que si vous avez des fichiers e</a:t>
-            </a:r>
-            <a:r>
-              <a:rPr lang="fr-FR" baseline="0" dirty="0" smtClean="0"/>
-              <a:t>n attente de commit lors d’un </a:t>
-            </a:r>
-            <a:r>
-              <a:rPr lang="fr-FR" baseline="0" dirty="0" err="1" smtClean="0"/>
-              <a:t>checkout</a:t>
-            </a:r>
-            <a:r>
-              <a:rPr lang="fr-FR" baseline="0" dirty="0" smtClean="0"/>
-              <a:t>, git vous préviendra</a:t>
+              <a:rPr lang="fr-FR" sz="1200" kern="1200" dirty="0" smtClean="0">
+                <a:solidFill>
+                  <a:schemeClr val="tx1"/>
+                </a:solidFill>
+                <a:effectLst/>
+                <a:latin typeface="Century Gothic" pitchFamily="34" charset="0"/>
+                <a:ea typeface="+mn-ea"/>
+                <a:cs typeface="+mn-cs"/>
+              </a:rPr>
+              <a:t>On commence d’entrée par le </a:t>
+            </a:r>
+            <a:r>
+              <a:rPr lang="fr-FR" sz="1200" kern="1200" dirty="0" err="1" smtClean="0">
+                <a:solidFill>
+                  <a:schemeClr val="tx1"/>
+                </a:solidFill>
+                <a:effectLst/>
+                <a:latin typeface="Century Gothic" pitchFamily="34" charset="0"/>
+                <a:ea typeface="+mn-ea"/>
+                <a:cs typeface="+mn-cs"/>
+              </a:rPr>
+              <a:t>lab</a:t>
+            </a:r>
+            <a:r>
+              <a:rPr lang="fr-FR" sz="1200" kern="1200" dirty="0" smtClean="0">
+                <a:solidFill>
+                  <a:schemeClr val="tx1"/>
+                </a:solidFill>
+                <a:effectLst/>
+                <a:latin typeface="Century Gothic" pitchFamily="34" charset="0"/>
+                <a:ea typeface="+mn-ea"/>
+                <a:cs typeface="+mn-cs"/>
+              </a:rPr>
+              <a:t> git_module02_lab02</a:t>
+            </a:r>
+          </a:p>
+          <a:p>
+            <a:r>
+              <a:rPr lang="fr-FR" sz="1200" kern="1200" dirty="0" smtClean="0">
+                <a:solidFill>
+                  <a:schemeClr val="tx1"/>
+                </a:solidFill>
+                <a:effectLst/>
+                <a:latin typeface="Century Gothic" pitchFamily="34" charset="0"/>
+                <a:ea typeface="+mn-ea"/>
+                <a:cs typeface="+mn-cs"/>
+              </a:rPr>
+              <a:t>On revient pour expliquer</a:t>
+            </a:r>
+            <a:r>
+              <a:rPr lang="fr-FR" sz="1200" kern="1200" baseline="0" dirty="0" smtClean="0">
+                <a:solidFill>
+                  <a:schemeClr val="tx1"/>
+                </a:solidFill>
+                <a:effectLst/>
+                <a:latin typeface="Century Gothic" pitchFamily="34" charset="0"/>
+                <a:ea typeface="+mn-ea"/>
+                <a:cs typeface="+mn-cs"/>
+              </a:rPr>
+              <a:t> ce qu’on a fait</a:t>
             </a:r>
             <a:endParaRPr lang="fr-FR" dirty="0"/>
           </a:p>
@@ -1470,7 +1482,7 @@
             <a:fld id="{903BB967-652B-44E3-AC85-B50B589029DD}" type="slidenum">
               <a:rPr lang="fr-FR" smtClean="0"/>
               <a:pPr/>
-              <a:t>19</a:t>
+              <a:t>13</a:t>
             </a:fld>
             <a:endParaRPr lang="fr-FR"/>
           </a:p>
@@ -1479,7 +1491,7 @@
     </p:spTree>
     <p:extLst>
       <p:ext uri="{BB962C8B-B14F-4D97-AF65-F5344CB8AC3E}">
-        <p14:creationId xmlns:p14="http://schemas.microsoft.com/office/powerpoint/2010/main" val="188951342"/>
+        <p14:creationId xmlns:p14="http://schemas.microsoft.com/office/powerpoint/2010/main" val="2314656586"/>
       </p:ext>
     </p:extLst>
   </p:cSld>
@@ -1535,13 +1547,44 @@
           <a:p>
             <a:r>
               <a:rPr lang="fr-FR" dirty="0" smtClean="0"/>
-              <a:t>Expliquer qu’on veut créer un commit qui récupère comme parents les</a:t>
+              <a:t>Point</a:t>
             </a:r>
             <a:r>
               <a:rPr lang="fr-FR" baseline="0" dirty="0" smtClean="0"/>
-              <a:t> deux dernières versions (85ad et 843f) dans un nouveau commit : inutile  puisque ce commit existe déjà : le dernier commit de master</a:t>
-            </a:r>
-            <a:endParaRPr lang="fr-FR" dirty="0"/>
+              <a:t> sur ce qu’on a vu jusqu’à maintenant :</a:t>
+            </a:r>
+          </a:p>
+          <a:p>
+            <a:r>
+              <a:rPr lang="fr-FR" baseline="0" dirty="0" err="1" smtClean="0"/>
+              <a:t>Commits</a:t>
+            </a:r>
+            <a:r>
+              <a:rPr lang="fr-FR" baseline="0" dirty="0" smtClean="0"/>
+              <a:t>, </a:t>
+            </a:r>
+            <a:r>
+              <a:rPr lang="fr-FR" baseline="0" dirty="0" err="1" smtClean="0"/>
+              <a:t>trees</a:t>
+            </a:r>
+            <a:r>
+              <a:rPr lang="fr-FR" baseline="0" dirty="0" smtClean="0"/>
+              <a:t>, blobs (+ </a:t>
+            </a:r>
+            <a:r>
+              <a:rPr lang="fr-FR" baseline="0" dirty="0" err="1" smtClean="0"/>
+              <a:t>annotated</a:t>
+            </a:r>
+            <a:r>
+              <a:rPr lang="fr-FR" baseline="0" dirty="0" smtClean="0"/>
+              <a:t> tags) arrangés dans un graphe</a:t>
+            </a:r>
+          </a:p>
+          <a:p>
+            <a:r>
+              <a:rPr lang="fr-FR" baseline="0" dirty="0" smtClean="0"/>
+              <a:t>Puis on passe au slide suivant</a:t>
+            </a:r>
           </a:p>
         </p:txBody>
       </p:sp>
@@ -1563,7 +1606,7 @@
             <a:fld id="{903BB967-652B-44E3-AC85-B50B589029DD}" type="slidenum">
               <a:rPr lang="fr-FR" smtClean="0"/>
               <a:pPr/>
-              <a:t>20</a:t>
+              <a:t>14</a:t>
             </a:fld>
             <a:endParaRPr lang="fr-FR"/>
           </a:p>
@@ -1572,7 +1615,7 @@
     </p:spTree>
     <p:extLst>
       <p:ext uri="{BB962C8B-B14F-4D97-AF65-F5344CB8AC3E}">
-        <p14:creationId xmlns:p14="http://schemas.microsoft.com/office/powerpoint/2010/main" val="271899431"/>
+        <p14:creationId xmlns:p14="http://schemas.microsoft.com/office/powerpoint/2010/main" val="194296153"/>
       </p:ext>
     </p:extLst>
   </p:cSld>
@@ -1627,18 +1670,89 @@
           <a:lstStyle/>
           <a:p>
             <a:r>
-              <a:rPr lang="fr-FR" sz="1200" kern="1200" dirty="0" smtClean="0">
-                <a:solidFill>
-                  <a:schemeClr val="tx1"/>
-                </a:solidFill>
-                <a:effectLst/>
-                <a:latin typeface="Century Gothic" pitchFamily="34" charset="0"/>
-                <a:ea typeface="+mn-ea"/>
-                <a:cs typeface="+mn-cs"/>
-              </a:rPr>
-              <a:t>git_module02_lab04</a:t>
-            </a:r>
-            <a:endParaRPr lang="fr-FR" dirty="0"/>
+              <a:rPr lang="fr-FR" dirty="0" smtClean="0"/>
+              <a:t>Point</a:t>
+            </a:r>
+            <a:r>
+              <a:rPr lang="fr-FR" baseline="0" dirty="0" smtClean="0"/>
+              <a:t> important : </a:t>
+            </a:r>
+          </a:p>
+          <a:p>
+            <a:pPr marL="171450" indent="-171450">
+              <a:buFont typeface="Arial" panose="020B0604020202020204" pitchFamily="34" charset="0"/>
+              <a:buChar char="•"/>
+            </a:pPr>
+            <a:r>
+              <a:rPr lang="fr-FR" baseline="0" dirty="0" smtClean="0"/>
+              <a:t>Références entre </a:t>
+            </a:r>
+            <a:r>
+              <a:rPr lang="fr-FR" baseline="0" dirty="0" err="1" smtClean="0"/>
+              <a:t>commits</a:t>
+            </a:r>
+            <a:r>
+              <a:rPr lang="fr-FR" baseline="0" dirty="0" smtClean="0"/>
+              <a:t> &gt; </a:t>
+            </a:r>
+            <a:r>
+              <a:rPr lang="fr-FR" baseline="0" dirty="0" err="1" smtClean="0"/>
+              <a:t>tracker</a:t>
+            </a:r>
+            <a:r>
+              <a:rPr lang="fr-FR" baseline="0" dirty="0" smtClean="0"/>
+              <a:t> l’historique (</a:t>
+            </a:r>
+            <a:r>
+              <a:rPr lang="fr-FR" baseline="0" dirty="0" err="1" smtClean="0"/>
+              <a:t>refs</a:t>
+            </a:r>
+            <a:r>
+              <a:rPr lang="fr-FR" baseline="0" dirty="0" smtClean="0"/>
+              <a:t>)</a:t>
+            </a:r>
+          </a:p>
+          <a:p>
+            <a:pPr marL="171450" indent="-171450">
+              <a:buFont typeface="Arial" panose="020B0604020202020204" pitchFamily="34" charset="0"/>
+              <a:buChar char="•"/>
+            </a:pPr>
+            <a:r>
+              <a:rPr lang="fr-FR" baseline="0" dirty="0" smtClean="0"/>
+              <a:t>Référence entre le reste &gt; </a:t>
+            </a:r>
+            <a:r>
+              <a:rPr lang="fr-FR" baseline="0" dirty="0" err="1" smtClean="0"/>
+              <a:t>tracker</a:t>
+            </a:r>
+            <a:r>
+              <a:rPr lang="fr-FR" baseline="0" dirty="0" smtClean="0"/>
+              <a:t> le contenu</a:t>
+            </a:r>
+          </a:p>
+          <a:p>
+            <a:pPr marL="171450" indent="-171450">
+              <a:buFont typeface="Arial" panose="020B0604020202020204" pitchFamily="34" charset="0"/>
+              <a:buChar char="•"/>
+            </a:pPr>
+            <a:r>
+              <a:rPr lang="fr-FR" baseline="0" dirty="0" smtClean="0"/>
+              <a:t>Réutilisation du contenu </a:t>
+            </a:r>
+            <a:r>
+              <a:rPr lang="fr-FR" baseline="0" dirty="0" smtClean="0"/>
+              <a:t>existant</a:t>
+            </a:r>
+          </a:p>
+          <a:p>
+            <a:pPr marL="0" indent="0">
+              <a:buFont typeface="Arial" panose="020B0604020202020204" pitchFamily="34" charset="0"/>
+              <a:buNone/>
+            </a:pPr>
+            <a:r>
+              <a:rPr lang="fr-FR" baseline="0" dirty="0" smtClean="0"/>
+              <a:t>Puis slide suivant</a:t>
+            </a:r>
           </a:p>
         </p:txBody>
       </p:sp>
@@ -1660,7 +1774,7 @@
             <a:fld id="{903BB967-652B-44E3-AC85-B50B589029DD}" type="slidenum">
               <a:rPr lang="fr-FR" smtClean="0"/>
               <a:pPr/>
-              <a:t>21</a:t>
+              <a:t>15</a:t>
             </a:fld>
             <a:endParaRPr lang="fr-FR"/>
           </a:p>
@@ -1669,7 +1783,7 @@
     </p:spTree>
     <p:extLst>
       <p:ext uri="{BB962C8B-B14F-4D97-AF65-F5344CB8AC3E}">
-        <p14:creationId xmlns:p14="http://schemas.microsoft.com/office/powerpoint/2010/main" val="2881829541"/>
+        <p14:creationId xmlns:p14="http://schemas.microsoft.com/office/powerpoint/2010/main" val="3516163346"/>
       </p:ext>
     </p:extLst>
   </p:cSld>
@@ -1725,25 +1839,83 @@
           <a:p>
             <a:r>
               <a:rPr lang="fr-FR" dirty="0" smtClean="0"/>
-              <a:t>Qu’arrive t-il aux deux </a:t>
-            </a:r>
-            <a:r>
-              <a:rPr lang="fr-FR" dirty="0" err="1" smtClean="0"/>
-              <a:t>commits</a:t>
+              <a:t>Point</a:t>
             </a:r>
             <a:r>
               <a:rPr lang="fr-FR" baseline="0" dirty="0" smtClean="0"/>
-              <a:t> ? A moins de connaitre leurs SHA1, ils sont inaccessibles, et potentiellement </a:t>
+              <a:t> important : </a:t>
+            </a:r>
+          </a:p>
+          <a:p>
+            <a:pPr marL="171450" indent="-171450">
+              <a:buFont typeface="Arial" panose="020B0604020202020204" pitchFamily="34" charset="0"/>
+              <a:buChar char="•"/>
+            </a:pPr>
+            <a:r>
+              <a:rPr lang="fr-FR" baseline="0" dirty="0" smtClean="0"/>
+              <a:t>Git se moque de l’historique lors d’un </a:t>
             </a:r>
             <a:r>
               <a:rPr lang="fr-FR" baseline="0" dirty="0" err="1" smtClean="0"/>
-              <a:t>garbage</a:t>
-            </a:r>
+              <a:t>checkout</a:t>
+            </a:r>
+            <a:endParaRPr lang="fr-FR" baseline="0" dirty="0" smtClean="0"/>
+          </a:p>
+          <a:p>
+            <a:pPr marL="171450" indent="-171450">
+              <a:buFont typeface="Arial" panose="020B0604020202020204" pitchFamily="34" charset="0"/>
+              <a:buChar char="•"/>
+            </a:pPr>
             <a:r>
               <a:rPr lang="fr-FR" baseline="0" dirty="0" smtClean="0"/>
-              <a:t>-collectés</a:t>
-            </a:r>
-            <a:endParaRPr lang="fr-FR" dirty="0"/>
+              <a:t>Seul le contenu est </a:t>
+            </a:r>
+            <a:r>
+              <a:rPr lang="fr-FR" baseline="0" dirty="0" smtClean="0"/>
+              <a:t>important</a:t>
+            </a:r>
+          </a:p>
+          <a:p>
+            <a:pPr marL="0" indent="0">
+              <a:buFont typeface="Arial" panose="020B0604020202020204" pitchFamily="34" charset="0"/>
+              <a:buNone/>
+            </a:pPr>
+            <a:r>
+              <a:rPr lang="fr-FR" baseline="0" dirty="0" smtClean="0"/>
+              <a:t>Git se sert du </a:t>
+            </a:r>
+            <a:r>
+              <a:rPr lang="fr-FR" baseline="0" dirty="0" err="1" smtClean="0"/>
+              <a:t>tree</a:t>
+            </a:r>
+            <a:r>
+              <a:rPr lang="fr-FR" baseline="0" dirty="0" smtClean="0"/>
+              <a:t> du commit pour remplacer le contenu du </a:t>
+            </a:r>
+            <a:r>
+              <a:rPr lang="fr-FR" baseline="0" dirty="0" err="1" smtClean="0"/>
+              <a:t>working</a:t>
+            </a:r>
+            <a:r>
+              <a:rPr lang="fr-FR" baseline="0" dirty="0" smtClean="0"/>
+              <a:t> </a:t>
+            </a:r>
+            <a:r>
+              <a:rPr lang="fr-FR" baseline="0" dirty="0" err="1" smtClean="0"/>
+              <a:t>dir</a:t>
+            </a:r>
+            <a:r>
+              <a:rPr lang="fr-FR" baseline="0" dirty="0" smtClean="0"/>
+              <a:t> avec un </a:t>
+            </a:r>
+            <a:r>
+              <a:rPr lang="fr-FR" baseline="0" dirty="0" err="1" smtClean="0"/>
+              <a:t>snapshot</a:t>
+            </a:r>
+            <a:r>
+              <a:rPr lang="fr-FR" baseline="0" dirty="0" smtClean="0"/>
+              <a:t> au moment du commit</a:t>
+            </a:r>
           </a:p>
         </p:txBody>
       </p:sp>
@@ -1765,7 +1937,7 @@
             <a:fld id="{903BB967-652B-44E3-AC85-B50B589029DD}" type="slidenum">
               <a:rPr lang="fr-FR" smtClean="0"/>
               <a:pPr/>
-              <a:t>23</a:t>
+              <a:t>16</a:t>
             </a:fld>
             <a:endParaRPr lang="fr-FR"/>
           </a:p>
@@ -1774,7 +1946,7 @@
     </p:spTree>
     <p:extLst>
       <p:ext uri="{BB962C8B-B14F-4D97-AF65-F5344CB8AC3E}">
-        <p14:creationId xmlns:p14="http://schemas.microsoft.com/office/powerpoint/2010/main" val="307245085"/>
+        <p14:creationId xmlns:p14="http://schemas.microsoft.com/office/powerpoint/2010/main" val="2175318899"/>
       </p:ext>
     </p:extLst>
   </p:cSld>
@@ -1828,6 +2000,55 @@
           <a:bodyPr/>
           <a:lstStyle/>
           <a:p>
+            <a:r>
+              <a:rPr lang="fr-FR" dirty="0" smtClean="0"/>
+              <a:t>Idem</a:t>
+            </a:r>
+            <a:r>
+              <a:rPr lang="fr-FR" baseline="0" dirty="0" smtClean="0"/>
+              <a:t> lors d’un </a:t>
+            </a:r>
+            <a:r>
+              <a:rPr lang="fr-FR" baseline="0" dirty="0" err="1" smtClean="0"/>
+              <a:t>merge</a:t>
+            </a:r>
+            <a:endParaRPr lang="fr-FR" baseline="0" dirty="0" smtClean="0"/>
+          </a:p>
+          <a:p>
+            <a:pPr marL="171450" indent="-171450">
+              <a:buFont typeface="Arial" panose="020B0604020202020204" pitchFamily="34" charset="0"/>
+              <a:buChar char="•"/>
+            </a:pPr>
+            <a:r>
+              <a:rPr lang="fr-FR" baseline="0" dirty="0" smtClean="0"/>
+              <a:t>Oui, un </a:t>
+            </a:r>
+            <a:r>
+              <a:rPr lang="fr-FR" baseline="0" dirty="0" err="1" smtClean="0"/>
+              <a:t>merge</a:t>
+            </a:r>
+            <a:r>
+              <a:rPr lang="fr-FR" baseline="0" dirty="0" smtClean="0"/>
+              <a:t> a plusieurs parents</a:t>
+            </a:r>
+          </a:p>
+          <a:p>
+            <a:pPr marL="171450" indent="-171450">
+              <a:buFont typeface="Arial" panose="020B0604020202020204" pitchFamily="34" charset="0"/>
+              <a:buChar char="•"/>
+            </a:pPr>
+            <a:r>
+              <a:rPr lang="fr-FR" baseline="0" dirty="0" smtClean="0"/>
+              <a:t>Mais ça reste un commit, qui pointe vers un </a:t>
+            </a:r>
+            <a:r>
+              <a:rPr lang="fr-FR" baseline="0" dirty="0" err="1" smtClean="0"/>
+              <a:t>tree</a:t>
+            </a:r>
+            <a:r>
+              <a:rPr lang="fr-FR" baseline="0" dirty="0" smtClean="0"/>
+              <a:t>, qui représente un état</a:t>
+            </a:r>
             <a:endParaRPr lang="fr-FR" dirty="0"/>
           </a:p>
         </p:txBody>
@@ -1850,7 +2071,7 @@
             <a:fld id="{903BB967-652B-44E3-AC85-B50B589029DD}" type="slidenum">
               <a:rPr lang="fr-FR" smtClean="0"/>
               <a:pPr/>
-              <a:t>24</a:t>
+              <a:t>17</a:t>
             </a:fld>
             <a:endParaRPr lang="fr-FR"/>
           </a:p>
@@ -1859,7 +2080,243 @@
     </p:spTree>
     <p:extLst>
       <p:ext uri="{BB962C8B-B14F-4D97-AF65-F5344CB8AC3E}">
-        <p14:creationId xmlns:p14="http://schemas.microsoft.com/office/powerpoint/2010/main" val="3351917337"/>
+        <p14:creationId xmlns:p14="http://schemas.microsoft.com/office/powerpoint/2010/main" val="561233304"/>
+      </p:ext>
+    </p:extLst>
+  </p:cSld>
+  <p:clrMapOvr>
+    <a:masterClrMapping/>
+  </p:clrMapOvr>
+</p:notes>
+</file>
+
+<file path=ppt/notesSlides/notesSlide18.xml><?xml version="1.0" encoding="utf-8"?>
+<p:notes xmlns:a="http://schemas.openxmlformats.org/drawingml/2006/main" xmlns:r="http://schemas.openxmlformats.org/officeDocument/2006/relationships" xmlns:p="http://schemas.openxmlformats.org/presentationml/2006/main">
+  <p:cSld>
+    <p:spTree>
+      <p:nvGrpSpPr>
+        <p:cNvPr id="1" name=""/>
+        <p:cNvGrpSpPr/>
+        <p:nvPr/>
+      </p:nvGrpSpPr>
+      <p:grpSpPr>
+        <a:xfrm>
+          <a:off x="0" y="0"/>
+          <a:ext cx="0" cy="0"/>
+          <a:chOff x="0" y="0"/>
+          <a:chExt cx="0" cy="0"/>
+        </a:xfrm>
+      </p:grpSpPr>
+      <p:sp>
+        <p:nvSpPr>
+          <p:cNvPr id="2" name="Slide Image Placeholder 1"/>
+          <p:cNvSpPr>
+            <a:spLocks noGrp="1" noRot="1" noChangeAspect="1"/>
+          </p:cNvSpPr>
+          <p:nvPr>
+            <p:ph type="sldImg"/>
+          </p:nvPr>
+        </p:nvSpPr>
+        <p:spPr/>
+      </p:sp>
+      <p:sp>
+        <p:nvSpPr>
+          <p:cNvPr id="3" name="Notes Placeholder 2"/>
+          <p:cNvSpPr>
+            <a:spLocks noGrp="1"/>
+          </p:cNvSpPr>
+          <p:nvPr>
+            <p:ph type="body" idx="1"/>
+          </p:nvPr>
+        </p:nvSpPr>
+        <p:spPr/>
+        <p:txBody>
+          <a:bodyPr/>
+          <a:lstStyle/>
+          <a:p>
+            <a:r>
+              <a:rPr lang="fr-FR" dirty="0" smtClean="0"/>
+              <a:t>Récupérer</a:t>
+            </a:r>
+            <a:r>
+              <a:rPr lang="fr-FR" baseline="0" dirty="0" smtClean="0"/>
+              <a:t> un état antérieur est simple : c’est un gestionnaire de contenu.</a:t>
+            </a:r>
+          </a:p>
+          <a:p>
+            <a:r>
+              <a:rPr lang="fr-FR" baseline="0" dirty="0" smtClean="0"/>
+              <a:t>On se concentre sur l’historique, et comment les </a:t>
+            </a:r>
+            <a:r>
+              <a:rPr lang="fr-FR" baseline="0" dirty="0" err="1" smtClean="0"/>
+              <a:t>commits</a:t>
+            </a:r>
+            <a:r>
+              <a:rPr lang="fr-FR" baseline="0" dirty="0" smtClean="0"/>
+              <a:t> sont reliés</a:t>
+            </a:r>
+            <a:endParaRPr lang="fr-FR" dirty="0"/>
+          </a:p>
+        </p:txBody>
+      </p:sp>
+      <p:sp>
+        <p:nvSpPr>
+          <p:cNvPr id="4" name="Slide Number Placeholder 3"/>
+          <p:cNvSpPr>
+            <a:spLocks noGrp="1"/>
+          </p:cNvSpPr>
+          <p:nvPr>
+            <p:ph type="sldNum" sz="quarter" idx="10"/>
+          </p:nvPr>
+        </p:nvSpPr>
+        <p:spPr/>
+        <p:txBody>
+          <a:bodyPr/>
+          <a:lstStyle/>
+          <a:p>
+            <a:fld id="{903BB967-652B-44E3-AC85-B50B589029DD}" type="slidenum">
+              <a:rPr lang="fr-FR" smtClean="0"/>
+              <a:pPr/>
+              <a:t>18</a:t>
+            </a:fld>
+            <a:endParaRPr lang="fr-FR"/>
+          </a:p>
+        </p:txBody>
+      </p:sp>
+    </p:spTree>
+    <p:extLst>
+      <p:ext uri="{BB962C8B-B14F-4D97-AF65-F5344CB8AC3E}">
+        <p14:creationId xmlns:p14="http://schemas.microsoft.com/office/powerpoint/2010/main" val="3566239136"/>
+      </p:ext>
+    </p:extLst>
+  </p:cSld>
+  <p:clrMapOvr>
+    <a:masterClrMapping/>
+  </p:clrMapOvr>
+</p:notes>
+</file>
+
+<file path=ppt/notesSlides/notesSlide19.xml><?xml version="1.0" encoding="utf-8"?>
+<p:notes xmlns:a="http://schemas.openxmlformats.org/drawingml/2006/main" xmlns:r="http://schemas.openxmlformats.org/officeDocument/2006/relationships" xmlns:p="http://schemas.openxmlformats.org/presentationml/2006/main">
+  <p:cSld>
+    <p:spTree>
+      <p:nvGrpSpPr>
+        <p:cNvPr id="1" name=""/>
+        <p:cNvGrpSpPr/>
+        <p:nvPr/>
+      </p:nvGrpSpPr>
+      <p:grpSpPr>
+        <a:xfrm>
+          <a:off x="0" y="0"/>
+          <a:ext cx="0" cy="0"/>
+          <a:chOff x="0" y="0"/>
+          <a:chExt cx="0" cy="0"/>
+        </a:xfrm>
+      </p:grpSpPr>
+      <p:sp>
+        <p:nvSpPr>
+          <p:cNvPr id="2" name="Slide Image Placeholder 1"/>
+          <p:cNvSpPr>
+            <a:spLocks noGrp="1" noRot="1" noChangeAspect="1"/>
+          </p:cNvSpPr>
+          <p:nvPr>
+            <p:ph type="sldImg"/>
+          </p:nvPr>
+        </p:nvSpPr>
+        <p:spPr/>
+      </p:sp>
+      <p:sp>
+        <p:nvSpPr>
+          <p:cNvPr id="3" name="Notes Placeholder 2"/>
+          <p:cNvSpPr>
+            <a:spLocks noGrp="1"/>
+          </p:cNvSpPr>
+          <p:nvPr>
+            <p:ph type="body" idx="1"/>
+          </p:nvPr>
+        </p:nvSpPr>
+        <p:spPr/>
+        <p:txBody>
+          <a:bodyPr/>
+          <a:lstStyle/>
+          <a:p>
+            <a:r>
+              <a:rPr lang="fr-FR" dirty="0" smtClean="0"/>
+              <a:t>Il est recrée lors d’un </a:t>
+            </a:r>
+            <a:r>
+              <a:rPr lang="fr-FR" dirty="0" err="1" smtClean="0"/>
+              <a:t>checkout</a:t>
+            </a:r>
+            <a:r>
+              <a:rPr lang="fr-FR" dirty="0" smtClean="0"/>
+              <a:t>… </a:t>
+            </a:r>
+          </a:p>
+          <a:p>
+            <a:r>
+              <a:rPr lang="fr-FR" dirty="0" smtClean="0"/>
+              <a:t>La </a:t>
+            </a:r>
+            <a:r>
+              <a:rPr lang="fr-FR" dirty="0" smtClean="0"/>
+              <a:t>plupart du temps : parce que si vous avez des fichiers e</a:t>
+            </a:r>
+            <a:r>
+              <a:rPr lang="fr-FR" baseline="0" dirty="0" smtClean="0"/>
+              <a:t>n attente de commit lors d’un </a:t>
+            </a:r>
+            <a:r>
+              <a:rPr lang="fr-FR" baseline="0" dirty="0" err="1" smtClean="0"/>
+              <a:t>checkout</a:t>
+            </a:r>
+            <a:r>
+              <a:rPr lang="fr-FR" baseline="0" dirty="0" smtClean="0"/>
+              <a:t>, git vous </a:t>
+            </a:r>
+            <a:r>
+              <a:rPr lang="fr-FR" baseline="0" dirty="0" smtClean="0"/>
+              <a:t>préviendra</a:t>
+            </a:r>
+          </a:p>
+          <a:p>
+            <a:r>
+              <a:rPr lang="fr-FR" baseline="0" dirty="0" smtClean="0"/>
+              <a:t>L’important se trouve dans le répertoire .git</a:t>
+            </a:r>
+            <a:endParaRPr lang="fr-FR" dirty="0"/>
+          </a:p>
+        </p:txBody>
+      </p:sp>
+      <p:sp>
+        <p:nvSpPr>
+          <p:cNvPr id="4" name="Slide Number Placeholder 3"/>
+          <p:cNvSpPr>
+            <a:spLocks noGrp="1"/>
+          </p:cNvSpPr>
+          <p:nvPr>
+            <p:ph type="sldNum" sz="quarter" idx="10"/>
+          </p:nvPr>
+        </p:nvSpPr>
+        <p:spPr/>
+        <p:txBody>
+          <a:bodyPr/>
+          <a:lstStyle/>
+          <a:p>
+            <a:fld id="{903BB967-652B-44E3-AC85-B50B589029DD}" type="slidenum">
+              <a:rPr lang="fr-FR" smtClean="0"/>
+              <a:pPr/>
+              <a:t>19</a:t>
+            </a:fld>
+            <a:endParaRPr lang="fr-FR"/>
+          </a:p>
+        </p:txBody>
+      </p:sp>
+    </p:spTree>
+    <p:extLst>
+      <p:ext uri="{BB962C8B-B14F-4D97-AF65-F5344CB8AC3E}">
+        <p14:creationId xmlns:p14="http://schemas.microsoft.com/office/powerpoint/2010/main" val="188951342"/>
       </p:ext>
     </p:extLst>
   </p:cSld>
@@ -1913,13 +2370,26 @@
           <a:bodyPr/>
           <a:lstStyle/>
           <a:p>
+            <a:pPr marL="0" marR="0" lvl="0" indent="0" algn="l" defTabSz="914400" rtl="0" eaLnBrk="1" fontAlgn="auto" latinLnBrk="0" hangingPunct="1">
+              <a:lnSpc>
+                <a:spcPct val="100000"/>
+              </a:lnSpc>
+              <a:spcBef>
+                <a:spcPts val="0"/>
+              </a:spcBef>
+              <a:spcAft>
+                <a:spcPts val="0"/>
+              </a:spcAft>
+              <a:buClrTx/>
+              <a:buSzTx/>
+              <a:buFontTx/>
+              <a:buNone/>
+              <a:tabLst/>
+              <a:defRPr/>
+            </a:pPr>
             <a:r>
               <a:rPr lang="fr-FR" dirty="0" smtClean="0"/>
-              <a:t>On va aborder</a:t>
-            </a:r>
-            <a:r>
-              <a:rPr lang="fr-FR" baseline="0" dirty="0" smtClean="0"/>
-              <a:t> les notions de branche et d’historique dans ce module</a:t>
+              <a:t>Là où on s’est arrêté au module 1</a:t>
             </a:r>
           </a:p>
           <a:p>
@@ -1945,7 +2415,7 @@
             <a:fld id="{903BB967-652B-44E3-AC85-B50B589029DD}" type="slidenum">
               <a:rPr lang="fr-FR" smtClean="0"/>
               <a:pPr/>
-              <a:t>3</a:t>
+              <a:t>2</a:t>
             </a:fld>
             <a:endParaRPr lang="fr-FR"/>
           </a:p>
@@ -1954,7 +2424,1047 @@
     </p:spTree>
     <p:extLst>
       <p:ext uri="{BB962C8B-B14F-4D97-AF65-F5344CB8AC3E}">
-        <p14:creationId xmlns:p14="http://schemas.microsoft.com/office/powerpoint/2010/main" val="4156233999"/>
+        <p14:creationId xmlns:p14="http://schemas.microsoft.com/office/powerpoint/2010/main" val="3381062334"/>
+      </p:ext>
+    </p:extLst>
+  </p:cSld>
+  <p:clrMapOvr>
+    <a:masterClrMapping/>
+  </p:clrMapOvr>
+</p:notes>
+</file>
+
+<file path=ppt/notesSlides/notesSlide20.xml><?xml version="1.0" encoding="utf-8"?>
+<p:notes xmlns:a="http://schemas.openxmlformats.org/drawingml/2006/main" xmlns:r="http://schemas.openxmlformats.org/officeDocument/2006/relationships" xmlns:p="http://schemas.openxmlformats.org/presentationml/2006/main">
+  <p:cSld>
+    <p:spTree>
+      <p:nvGrpSpPr>
+        <p:cNvPr id="1" name=""/>
+        <p:cNvGrpSpPr/>
+        <p:nvPr/>
+      </p:nvGrpSpPr>
+      <p:grpSpPr>
+        <a:xfrm>
+          <a:off x="0" y="0"/>
+          <a:ext cx="0" cy="0"/>
+          <a:chOff x="0" y="0"/>
+          <a:chExt cx="0" cy="0"/>
+        </a:xfrm>
+      </p:grpSpPr>
+      <p:sp>
+        <p:nvSpPr>
+          <p:cNvPr id="2" name="Slide Image Placeholder 1"/>
+          <p:cNvSpPr>
+            <a:spLocks noGrp="1" noRot="1" noChangeAspect="1"/>
+          </p:cNvSpPr>
+          <p:nvPr>
+            <p:ph type="sldImg"/>
+          </p:nvPr>
+        </p:nvSpPr>
+        <p:spPr/>
+      </p:sp>
+      <p:sp>
+        <p:nvSpPr>
+          <p:cNvPr id="3" name="Notes Placeholder 2"/>
+          <p:cNvSpPr>
+            <a:spLocks noGrp="1"/>
+          </p:cNvSpPr>
+          <p:nvPr>
+            <p:ph type="body" idx="1"/>
+          </p:nvPr>
+        </p:nvSpPr>
+        <p:spPr/>
+        <p:txBody>
+          <a:bodyPr/>
+          <a:lstStyle/>
+          <a:p>
+            <a:r>
+              <a:rPr lang="fr-FR" dirty="0" smtClean="0"/>
+              <a:t>Expliquer qu’on veut créer un commit qui récupère comme parents les</a:t>
+            </a:r>
+            <a:r>
+              <a:rPr lang="fr-FR" baseline="0" dirty="0" smtClean="0"/>
+              <a:t> deux dernières versions (85ad et 843f) dans un nouveau commit : inutile  puisque ce commit existe déjà : le dernier commit de </a:t>
+            </a:r>
+            <a:r>
+              <a:rPr lang="fr-FR" baseline="0" dirty="0" smtClean="0"/>
+              <a:t>master</a:t>
+            </a:r>
+          </a:p>
+          <a:p>
+            <a:r>
+              <a:rPr lang="fr-FR" sz="1200" kern="1200" dirty="0" smtClean="0">
+                <a:solidFill>
+                  <a:schemeClr val="tx1"/>
+                </a:solidFill>
+                <a:effectLst/>
+                <a:latin typeface="Century Gothic" pitchFamily="34" charset="0"/>
+                <a:ea typeface="+mn-ea"/>
+                <a:cs typeface="+mn-cs"/>
+              </a:rPr>
+              <a:t>git_module02_lab03 puis retour au</a:t>
+            </a:r>
+            <a:r>
+              <a:rPr lang="fr-FR" sz="1200" kern="1200" baseline="0" dirty="0" smtClean="0">
+                <a:solidFill>
+                  <a:schemeClr val="tx1"/>
+                </a:solidFill>
+                <a:effectLst/>
+                <a:latin typeface="Century Gothic" pitchFamily="34" charset="0"/>
+                <a:ea typeface="+mn-ea"/>
+                <a:cs typeface="+mn-cs"/>
+              </a:rPr>
+              <a:t> slide pour rejouer étape par étape</a:t>
+            </a:r>
+            <a:endParaRPr lang="fr-FR" dirty="0"/>
+          </a:p>
+        </p:txBody>
+      </p:sp>
+      <p:sp>
+        <p:nvSpPr>
+          <p:cNvPr id="4" name="Slide Number Placeholder 3"/>
+          <p:cNvSpPr>
+            <a:spLocks noGrp="1"/>
+          </p:cNvSpPr>
+          <p:nvPr>
+            <p:ph type="sldNum" sz="quarter" idx="10"/>
+          </p:nvPr>
+        </p:nvSpPr>
+        <p:spPr/>
+        <p:txBody>
+          <a:bodyPr/>
+          <a:lstStyle/>
+          <a:p>
+            <a:fld id="{903BB967-652B-44E3-AC85-B50B589029DD}" type="slidenum">
+              <a:rPr lang="fr-FR" smtClean="0"/>
+              <a:pPr/>
+              <a:t>20</a:t>
+            </a:fld>
+            <a:endParaRPr lang="fr-FR"/>
+          </a:p>
+        </p:txBody>
+      </p:sp>
+    </p:spTree>
+    <p:extLst>
+      <p:ext uri="{BB962C8B-B14F-4D97-AF65-F5344CB8AC3E}">
+        <p14:creationId xmlns:p14="http://schemas.microsoft.com/office/powerpoint/2010/main" val="271899431"/>
+      </p:ext>
+    </p:extLst>
+  </p:cSld>
+  <p:clrMapOvr>
+    <a:masterClrMapping/>
+  </p:clrMapOvr>
+</p:notes>
+</file>
+
+<file path=ppt/notesSlides/notesSlide21.xml><?xml version="1.0" encoding="utf-8"?>
+<p:notes xmlns:a="http://schemas.openxmlformats.org/drawingml/2006/main" xmlns:r="http://schemas.openxmlformats.org/officeDocument/2006/relationships" xmlns:p="http://schemas.openxmlformats.org/presentationml/2006/main">
+  <p:cSld>
+    <p:spTree>
+      <p:nvGrpSpPr>
+        <p:cNvPr id="1" name=""/>
+        <p:cNvGrpSpPr/>
+        <p:nvPr/>
+      </p:nvGrpSpPr>
+      <p:grpSpPr>
+        <a:xfrm>
+          <a:off x="0" y="0"/>
+          <a:ext cx="0" cy="0"/>
+          <a:chOff x="0" y="0"/>
+          <a:chExt cx="0" cy="0"/>
+        </a:xfrm>
+      </p:grpSpPr>
+      <p:sp>
+        <p:nvSpPr>
+          <p:cNvPr id="2" name="Slide Image Placeholder 1"/>
+          <p:cNvSpPr>
+            <a:spLocks noGrp="1" noRot="1" noChangeAspect="1"/>
+          </p:cNvSpPr>
+          <p:nvPr>
+            <p:ph type="sldImg"/>
+          </p:nvPr>
+        </p:nvSpPr>
+        <p:spPr/>
+      </p:sp>
+      <p:sp>
+        <p:nvSpPr>
+          <p:cNvPr id="3" name="Notes Placeholder 2"/>
+          <p:cNvSpPr>
+            <a:spLocks noGrp="1"/>
+          </p:cNvSpPr>
+          <p:nvPr>
+            <p:ph type="body" idx="1"/>
+          </p:nvPr>
+        </p:nvSpPr>
+        <p:spPr/>
+        <p:txBody>
+          <a:bodyPr/>
+          <a:lstStyle/>
+          <a:p>
+            <a:r>
+              <a:rPr lang="fr-FR" sz="1200" kern="1200" dirty="0" smtClean="0">
+                <a:solidFill>
+                  <a:schemeClr val="tx1"/>
+                </a:solidFill>
+                <a:effectLst/>
+                <a:latin typeface="Century Gothic" pitchFamily="34" charset="0"/>
+                <a:ea typeface="+mn-ea"/>
+                <a:cs typeface="+mn-cs"/>
+              </a:rPr>
+              <a:t>Après</a:t>
+            </a:r>
+            <a:r>
+              <a:rPr lang="fr-FR" sz="1200" kern="1200" baseline="0" dirty="0" smtClean="0">
+                <a:solidFill>
+                  <a:schemeClr val="tx1"/>
+                </a:solidFill>
+                <a:effectLst/>
+                <a:latin typeface="Century Gothic" pitchFamily="34" charset="0"/>
+                <a:ea typeface="+mn-ea"/>
+                <a:cs typeface="+mn-cs"/>
+              </a:rPr>
+              <a:t> le </a:t>
+            </a:r>
+            <a:r>
+              <a:rPr lang="fr-FR" sz="1200" kern="1200" baseline="0" dirty="0" err="1" smtClean="0">
+                <a:solidFill>
+                  <a:schemeClr val="tx1"/>
+                </a:solidFill>
+                <a:effectLst/>
+                <a:latin typeface="Century Gothic" pitchFamily="34" charset="0"/>
+                <a:ea typeface="+mn-ea"/>
+                <a:cs typeface="+mn-cs"/>
+              </a:rPr>
+              <a:t>fast</a:t>
+            </a:r>
+            <a:r>
+              <a:rPr lang="fr-FR" sz="1200" kern="1200" baseline="0" dirty="0" smtClean="0">
+                <a:solidFill>
+                  <a:schemeClr val="tx1"/>
+                </a:solidFill>
+                <a:effectLst/>
+                <a:latin typeface="Century Gothic" pitchFamily="34" charset="0"/>
+                <a:ea typeface="+mn-ea"/>
+                <a:cs typeface="+mn-cs"/>
+              </a:rPr>
+              <a:t> </a:t>
+            </a:r>
+            <a:r>
+              <a:rPr lang="fr-FR" sz="1200" kern="1200" baseline="0" dirty="0" err="1" smtClean="0">
+                <a:solidFill>
+                  <a:schemeClr val="tx1"/>
+                </a:solidFill>
+                <a:effectLst/>
+                <a:latin typeface="Century Gothic" pitchFamily="34" charset="0"/>
+                <a:ea typeface="+mn-ea"/>
+                <a:cs typeface="+mn-cs"/>
+              </a:rPr>
+              <a:t>forward</a:t>
+            </a:r>
+            <a:r>
+              <a:rPr lang="fr-FR" sz="1200" kern="1200" baseline="0" dirty="0" smtClean="0">
+                <a:solidFill>
+                  <a:schemeClr val="tx1"/>
+                </a:solidFill>
+                <a:effectLst/>
+                <a:latin typeface="Century Gothic" pitchFamily="34" charset="0"/>
+                <a:ea typeface="+mn-ea"/>
+                <a:cs typeface="+mn-cs"/>
+              </a:rPr>
+              <a:t>, 2</a:t>
+            </a:r>
+            <a:r>
+              <a:rPr lang="fr-FR" sz="1200" kern="1200" baseline="30000" dirty="0" smtClean="0">
+                <a:solidFill>
+                  <a:schemeClr val="tx1"/>
+                </a:solidFill>
+                <a:effectLst/>
+                <a:latin typeface="Century Gothic" pitchFamily="34" charset="0"/>
+                <a:ea typeface="+mn-ea"/>
+                <a:cs typeface="+mn-cs"/>
+              </a:rPr>
+              <a:t>nd</a:t>
+            </a:r>
+            <a:r>
+              <a:rPr lang="fr-FR" sz="1200" kern="1200" baseline="0" dirty="0" smtClean="0">
+                <a:solidFill>
+                  <a:schemeClr val="tx1"/>
+                </a:solidFill>
+                <a:effectLst/>
+                <a:latin typeface="Century Gothic" pitchFamily="34" charset="0"/>
+                <a:ea typeface="+mn-ea"/>
+                <a:cs typeface="+mn-cs"/>
+              </a:rPr>
+              <a:t> cas non encore évoqué : le travail sur un commit en particulier… on va faire pointer HEAD sur un commit et plus sur une branche.</a:t>
+            </a:r>
+            <a:endParaRPr lang="fr-FR" sz="1200" kern="1200" dirty="0" smtClean="0">
+              <a:solidFill>
+                <a:schemeClr val="tx1"/>
+              </a:solidFill>
+              <a:effectLst/>
+              <a:latin typeface="Century Gothic" pitchFamily="34" charset="0"/>
+              <a:ea typeface="+mn-ea"/>
+              <a:cs typeface="+mn-cs"/>
+            </a:endParaRPr>
+          </a:p>
+          <a:p>
+            <a:r>
+              <a:rPr lang="fr-FR" sz="1200" kern="1200" dirty="0" smtClean="0">
+                <a:solidFill>
+                  <a:schemeClr val="tx1"/>
+                </a:solidFill>
+                <a:effectLst/>
+                <a:latin typeface="Century Gothic" pitchFamily="34" charset="0"/>
+                <a:ea typeface="+mn-ea"/>
+                <a:cs typeface="+mn-cs"/>
+              </a:rPr>
+              <a:t>git_module02_lab04 d’entrée puis on passe au slide suivant</a:t>
+            </a:r>
+            <a:endParaRPr lang="fr-FR" dirty="0"/>
+          </a:p>
+        </p:txBody>
+      </p:sp>
+      <p:sp>
+        <p:nvSpPr>
+          <p:cNvPr id="4" name="Slide Number Placeholder 3"/>
+          <p:cNvSpPr>
+            <a:spLocks noGrp="1"/>
+          </p:cNvSpPr>
+          <p:nvPr>
+            <p:ph type="sldNum" sz="quarter" idx="10"/>
+          </p:nvPr>
+        </p:nvSpPr>
+        <p:spPr/>
+        <p:txBody>
+          <a:bodyPr/>
+          <a:lstStyle/>
+          <a:p>
+            <a:fld id="{903BB967-652B-44E3-AC85-B50B589029DD}" type="slidenum">
+              <a:rPr lang="fr-FR" smtClean="0"/>
+              <a:pPr/>
+              <a:t>21</a:t>
+            </a:fld>
+            <a:endParaRPr lang="fr-FR"/>
+          </a:p>
+        </p:txBody>
+      </p:sp>
+    </p:spTree>
+    <p:extLst>
+      <p:ext uri="{BB962C8B-B14F-4D97-AF65-F5344CB8AC3E}">
+        <p14:creationId xmlns:p14="http://schemas.microsoft.com/office/powerpoint/2010/main" val="2881829541"/>
+      </p:ext>
+    </p:extLst>
+  </p:cSld>
+  <p:clrMapOvr>
+    <a:masterClrMapping/>
+  </p:clrMapOvr>
+</p:notes>
+</file>
+
+<file path=ppt/notesSlides/notesSlide22.xml><?xml version="1.0" encoding="utf-8"?>
+<p:notes xmlns:a="http://schemas.openxmlformats.org/drawingml/2006/main" xmlns:r="http://schemas.openxmlformats.org/officeDocument/2006/relationships" xmlns:p="http://schemas.openxmlformats.org/presentationml/2006/main">
+  <p:cSld>
+    <p:spTree>
+      <p:nvGrpSpPr>
+        <p:cNvPr id="1" name=""/>
+        <p:cNvGrpSpPr/>
+        <p:nvPr/>
+      </p:nvGrpSpPr>
+      <p:grpSpPr>
+        <a:xfrm>
+          <a:off x="0" y="0"/>
+          <a:ext cx="0" cy="0"/>
+          <a:chOff x="0" y="0"/>
+          <a:chExt cx="0" cy="0"/>
+        </a:xfrm>
+      </p:grpSpPr>
+      <p:sp>
+        <p:nvSpPr>
+          <p:cNvPr id="2" name="Slide Image Placeholder 1"/>
+          <p:cNvSpPr>
+            <a:spLocks noGrp="1" noRot="1" noChangeAspect="1"/>
+          </p:cNvSpPr>
+          <p:nvPr>
+            <p:ph type="sldImg"/>
+          </p:nvPr>
+        </p:nvSpPr>
+        <p:spPr/>
+      </p:sp>
+      <p:sp>
+        <p:nvSpPr>
+          <p:cNvPr id="3" name="Notes Placeholder 2"/>
+          <p:cNvSpPr>
+            <a:spLocks noGrp="1"/>
+          </p:cNvSpPr>
+          <p:nvPr>
+            <p:ph type="body" idx="1"/>
+          </p:nvPr>
+        </p:nvSpPr>
+        <p:spPr/>
+        <p:txBody>
+          <a:bodyPr/>
+          <a:lstStyle/>
+          <a:p>
+            <a:r>
+              <a:rPr lang="fr-FR" dirty="0" smtClean="0"/>
+              <a:t>Une fois l’animation</a:t>
+            </a:r>
+            <a:r>
+              <a:rPr lang="fr-FR" baseline="0" dirty="0" smtClean="0"/>
+              <a:t> terminée, retour au </a:t>
+            </a:r>
+            <a:r>
+              <a:rPr lang="fr-FR" baseline="0" dirty="0" err="1" smtClean="0"/>
+              <a:t>lab</a:t>
+            </a:r>
+            <a:r>
+              <a:rPr lang="fr-FR" baseline="0" dirty="0" smtClean="0"/>
+              <a:t>, </a:t>
+            </a:r>
+            <a:r>
+              <a:rPr lang="fr-FR" baseline="0" dirty="0" err="1" smtClean="0"/>
+              <a:t>bullet</a:t>
+            </a:r>
+            <a:r>
+              <a:rPr lang="fr-FR" baseline="0" dirty="0" smtClean="0"/>
+              <a:t> 7</a:t>
+            </a:r>
+            <a:endParaRPr lang="fr-FR" dirty="0"/>
+          </a:p>
+        </p:txBody>
+      </p:sp>
+      <p:sp>
+        <p:nvSpPr>
+          <p:cNvPr id="4" name="Slide Number Placeholder 3"/>
+          <p:cNvSpPr>
+            <a:spLocks noGrp="1"/>
+          </p:cNvSpPr>
+          <p:nvPr>
+            <p:ph type="sldNum" sz="quarter" idx="10"/>
+          </p:nvPr>
+        </p:nvSpPr>
+        <p:spPr/>
+        <p:txBody>
+          <a:bodyPr/>
+          <a:lstStyle/>
+          <a:p>
+            <a:fld id="{903BB967-652B-44E3-AC85-B50B589029DD}" type="slidenum">
+              <a:rPr lang="fr-FR" smtClean="0"/>
+              <a:pPr/>
+              <a:t>22</a:t>
+            </a:fld>
+            <a:endParaRPr lang="fr-FR"/>
+          </a:p>
+        </p:txBody>
+      </p:sp>
+    </p:spTree>
+    <p:extLst>
+      <p:ext uri="{BB962C8B-B14F-4D97-AF65-F5344CB8AC3E}">
+        <p14:creationId xmlns:p14="http://schemas.microsoft.com/office/powerpoint/2010/main" val="3531498891"/>
+      </p:ext>
+    </p:extLst>
+  </p:cSld>
+  <p:clrMapOvr>
+    <a:masterClrMapping/>
+  </p:clrMapOvr>
+</p:notes>
+</file>
+
+<file path=ppt/notesSlides/notesSlide23.xml><?xml version="1.0" encoding="utf-8"?>
+<p:notes xmlns:a="http://schemas.openxmlformats.org/drawingml/2006/main" xmlns:r="http://schemas.openxmlformats.org/officeDocument/2006/relationships" xmlns:p="http://schemas.openxmlformats.org/presentationml/2006/main">
+  <p:cSld>
+    <p:spTree>
+      <p:nvGrpSpPr>
+        <p:cNvPr id="1" name=""/>
+        <p:cNvGrpSpPr/>
+        <p:nvPr/>
+      </p:nvGrpSpPr>
+      <p:grpSpPr>
+        <a:xfrm>
+          <a:off x="0" y="0"/>
+          <a:ext cx="0" cy="0"/>
+          <a:chOff x="0" y="0"/>
+          <a:chExt cx="0" cy="0"/>
+        </a:xfrm>
+      </p:grpSpPr>
+      <p:sp>
+        <p:nvSpPr>
+          <p:cNvPr id="2" name="Slide Image Placeholder 1"/>
+          <p:cNvSpPr>
+            <a:spLocks noGrp="1" noRot="1" noChangeAspect="1"/>
+          </p:cNvSpPr>
+          <p:nvPr>
+            <p:ph type="sldImg"/>
+          </p:nvPr>
+        </p:nvSpPr>
+        <p:spPr/>
+      </p:sp>
+      <p:sp>
+        <p:nvSpPr>
+          <p:cNvPr id="3" name="Notes Placeholder 2"/>
+          <p:cNvSpPr>
+            <a:spLocks noGrp="1"/>
+          </p:cNvSpPr>
+          <p:nvPr>
+            <p:ph type="body" idx="1"/>
+          </p:nvPr>
+        </p:nvSpPr>
+        <p:spPr/>
+        <p:txBody>
+          <a:bodyPr/>
+          <a:lstStyle/>
+          <a:p>
+            <a:r>
+              <a:rPr lang="fr-FR" dirty="0" smtClean="0"/>
+              <a:t>Après le 1</a:t>
+            </a:r>
+            <a:r>
+              <a:rPr lang="fr-FR" baseline="30000" dirty="0" smtClean="0"/>
+              <a:t>er</a:t>
+            </a:r>
+            <a:r>
+              <a:rPr lang="fr-FR" dirty="0" smtClean="0"/>
+              <a:t> commit, retour</a:t>
+            </a:r>
+            <a:r>
+              <a:rPr lang="fr-FR" baseline="0" dirty="0" smtClean="0"/>
+              <a:t> au </a:t>
+            </a:r>
+            <a:r>
+              <a:rPr lang="fr-FR" baseline="0" dirty="0" err="1" smtClean="0"/>
+              <a:t>lab</a:t>
+            </a:r>
+            <a:r>
+              <a:rPr lang="fr-FR" baseline="0" dirty="0" smtClean="0"/>
+              <a:t>, </a:t>
+            </a:r>
+            <a:r>
+              <a:rPr lang="fr-FR" baseline="0" dirty="0" err="1" smtClean="0"/>
+              <a:t>bullet</a:t>
+            </a:r>
+            <a:r>
+              <a:rPr lang="fr-FR" baseline="0" dirty="0" smtClean="0"/>
+              <a:t> 13</a:t>
+            </a:r>
+          </a:p>
+          <a:p>
+            <a:pPr marL="0" marR="0" lvl="0" indent="0" algn="l" defTabSz="914400" rtl="0" eaLnBrk="1" fontAlgn="auto" latinLnBrk="0" hangingPunct="1">
+              <a:lnSpc>
+                <a:spcPct val="100000"/>
+              </a:lnSpc>
+              <a:spcBef>
+                <a:spcPts val="0"/>
+              </a:spcBef>
+              <a:spcAft>
+                <a:spcPts val="0"/>
+              </a:spcAft>
+              <a:buClrTx/>
+              <a:buSzTx/>
+              <a:buFontTx/>
+              <a:buNone/>
+              <a:tabLst/>
+              <a:defRPr/>
+            </a:pPr>
+            <a:r>
+              <a:rPr lang="fr-FR" dirty="0" smtClean="0"/>
+              <a:t>Après le 2</a:t>
+            </a:r>
+            <a:r>
+              <a:rPr lang="fr-FR" baseline="30000" dirty="0" smtClean="0"/>
+              <a:t>nd</a:t>
+            </a:r>
+            <a:r>
+              <a:rPr lang="fr-FR" dirty="0" smtClean="0"/>
+              <a:t> commit, retour</a:t>
+            </a:r>
+            <a:r>
+              <a:rPr lang="fr-FR" baseline="0" dirty="0" smtClean="0"/>
+              <a:t> au </a:t>
+            </a:r>
+            <a:r>
+              <a:rPr lang="fr-FR" baseline="0" dirty="0" err="1" smtClean="0"/>
+              <a:t>lab</a:t>
+            </a:r>
+            <a:r>
+              <a:rPr lang="fr-FR" baseline="0" dirty="0" smtClean="0"/>
+              <a:t>, </a:t>
+            </a:r>
+            <a:r>
+              <a:rPr lang="fr-FR" baseline="0" dirty="0" err="1" smtClean="0"/>
+              <a:t>bullet</a:t>
+            </a:r>
+            <a:r>
+              <a:rPr lang="fr-FR" baseline="0" dirty="0" smtClean="0"/>
+              <a:t> 18</a:t>
+            </a:r>
+            <a:endParaRPr lang="fr-FR" dirty="0" smtClean="0"/>
+          </a:p>
+          <a:p>
+            <a:r>
+              <a:rPr lang="fr-FR" dirty="0" smtClean="0"/>
+              <a:t>Qu’arrive </a:t>
+            </a:r>
+            <a:r>
+              <a:rPr lang="fr-FR" dirty="0" smtClean="0"/>
+              <a:t>t-il aux deux </a:t>
+            </a:r>
+            <a:r>
+              <a:rPr lang="fr-FR" dirty="0" err="1" smtClean="0"/>
+              <a:t>commits</a:t>
+            </a:r>
+            <a:r>
+              <a:rPr lang="fr-FR" baseline="0" dirty="0" smtClean="0"/>
+              <a:t> ? A moins de connaitre leurs SHA1, ils sont </a:t>
+            </a:r>
+            <a:r>
+              <a:rPr lang="fr-FR" baseline="0" dirty="0" smtClean="0"/>
+              <a:t>inaccessibles…</a:t>
+            </a:r>
+          </a:p>
+          <a:p>
+            <a:r>
+              <a:rPr lang="fr-FR" baseline="0" dirty="0" smtClean="0"/>
+              <a:t>Est-ce que vous connaissez un langage objet ? </a:t>
+            </a:r>
+            <a:r>
+              <a:rPr lang="fr-FR" baseline="0" dirty="0" err="1" smtClean="0"/>
+              <a:t>Garbage</a:t>
+            </a:r>
+            <a:r>
+              <a:rPr lang="fr-FR" baseline="0" dirty="0" smtClean="0"/>
+              <a:t>-collector !</a:t>
+            </a:r>
+          </a:p>
+          <a:p>
+            <a:r>
+              <a:rPr lang="fr-FR" baseline="0" dirty="0" smtClean="0"/>
+              <a:t>Slide suivant</a:t>
+            </a:r>
+            <a:endParaRPr lang="fr-FR" dirty="0"/>
+          </a:p>
+        </p:txBody>
+      </p:sp>
+      <p:sp>
+        <p:nvSpPr>
+          <p:cNvPr id="4" name="Slide Number Placeholder 3"/>
+          <p:cNvSpPr>
+            <a:spLocks noGrp="1"/>
+          </p:cNvSpPr>
+          <p:nvPr>
+            <p:ph type="sldNum" sz="quarter" idx="10"/>
+          </p:nvPr>
+        </p:nvSpPr>
+        <p:spPr/>
+        <p:txBody>
+          <a:bodyPr/>
+          <a:lstStyle/>
+          <a:p>
+            <a:fld id="{903BB967-652B-44E3-AC85-B50B589029DD}" type="slidenum">
+              <a:rPr lang="fr-FR" smtClean="0"/>
+              <a:pPr/>
+              <a:t>23</a:t>
+            </a:fld>
+            <a:endParaRPr lang="fr-FR"/>
+          </a:p>
+        </p:txBody>
+      </p:sp>
+    </p:spTree>
+    <p:extLst>
+      <p:ext uri="{BB962C8B-B14F-4D97-AF65-F5344CB8AC3E}">
+        <p14:creationId xmlns:p14="http://schemas.microsoft.com/office/powerpoint/2010/main" val="307245085"/>
+      </p:ext>
+    </p:extLst>
+  </p:cSld>
+  <p:clrMapOvr>
+    <a:masterClrMapping/>
+  </p:clrMapOvr>
+</p:notes>
+</file>
+
+<file path=ppt/notesSlides/notesSlide24.xml><?xml version="1.0" encoding="utf-8"?>
+<p:notes xmlns:a="http://schemas.openxmlformats.org/drawingml/2006/main" xmlns:r="http://schemas.openxmlformats.org/officeDocument/2006/relationships" xmlns:p="http://schemas.openxmlformats.org/presentationml/2006/main">
+  <p:cSld>
+    <p:spTree>
+      <p:nvGrpSpPr>
+        <p:cNvPr id="1" name=""/>
+        <p:cNvGrpSpPr/>
+        <p:nvPr/>
+      </p:nvGrpSpPr>
+      <p:grpSpPr>
+        <a:xfrm>
+          <a:off x="0" y="0"/>
+          <a:ext cx="0" cy="0"/>
+          <a:chOff x="0" y="0"/>
+          <a:chExt cx="0" cy="0"/>
+        </a:xfrm>
+      </p:grpSpPr>
+      <p:sp>
+        <p:nvSpPr>
+          <p:cNvPr id="2" name="Slide Image Placeholder 1"/>
+          <p:cNvSpPr>
+            <a:spLocks noGrp="1" noRot="1" noChangeAspect="1"/>
+          </p:cNvSpPr>
+          <p:nvPr>
+            <p:ph type="sldImg"/>
+          </p:nvPr>
+        </p:nvSpPr>
+        <p:spPr/>
+      </p:sp>
+      <p:sp>
+        <p:nvSpPr>
+          <p:cNvPr id="3" name="Notes Placeholder 2"/>
+          <p:cNvSpPr>
+            <a:spLocks noGrp="1"/>
+          </p:cNvSpPr>
+          <p:nvPr>
+            <p:ph type="body" idx="1"/>
+          </p:nvPr>
+        </p:nvSpPr>
+        <p:spPr/>
+        <p:txBody>
+          <a:bodyPr/>
+          <a:lstStyle/>
+          <a:p>
+            <a:r>
+              <a:rPr lang="fr-FR" dirty="0" smtClean="0"/>
+              <a:t>On va « sauver » ces 2 </a:t>
+            </a:r>
+            <a:r>
+              <a:rPr lang="fr-FR" dirty="0" err="1" smtClean="0"/>
+              <a:t>commits</a:t>
+            </a:r>
+            <a:endParaRPr lang="fr-FR" dirty="0" smtClean="0"/>
+          </a:p>
+          <a:p>
+            <a:r>
+              <a:rPr lang="fr-FR" dirty="0" smtClean="0"/>
+              <a:t>On repren</a:t>
+            </a:r>
+            <a:r>
+              <a:rPr lang="fr-FR" baseline="0" dirty="0" smtClean="0"/>
+              <a:t>d le </a:t>
+            </a:r>
+            <a:r>
+              <a:rPr lang="fr-FR" baseline="0" dirty="0" err="1" smtClean="0"/>
+              <a:t>lab</a:t>
+            </a:r>
+            <a:r>
+              <a:rPr lang="fr-FR" baseline="0" dirty="0" smtClean="0"/>
+              <a:t>, </a:t>
+            </a:r>
+            <a:r>
+              <a:rPr lang="fr-FR" baseline="0" dirty="0" err="1" smtClean="0"/>
+              <a:t>bullet</a:t>
+            </a:r>
+            <a:r>
+              <a:rPr lang="fr-FR" baseline="0" dirty="0" smtClean="0"/>
+              <a:t> 19</a:t>
+            </a:r>
+          </a:p>
+          <a:p>
+            <a:r>
+              <a:rPr lang="fr-FR" baseline="0" dirty="0" err="1" smtClean="0"/>
+              <a:t>Detached</a:t>
+            </a:r>
+            <a:r>
+              <a:rPr lang="fr-FR" baseline="0" dirty="0" smtClean="0"/>
+              <a:t> </a:t>
+            </a:r>
+            <a:r>
+              <a:rPr lang="fr-FR" baseline="0" dirty="0" err="1" smtClean="0"/>
+              <a:t>head</a:t>
+            </a:r>
+            <a:r>
+              <a:rPr lang="fr-FR" baseline="0" dirty="0" smtClean="0"/>
+              <a:t> : pratique quand on veut expérimenter, sans compromettre les branches existantes ou faire un </a:t>
+            </a:r>
+            <a:r>
+              <a:rPr lang="fr-FR" baseline="0" dirty="0" err="1" smtClean="0"/>
+              <a:t>revert</a:t>
+            </a:r>
+            <a:r>
+              <a:rPr lang="fr-FR" baseline="0" dirty="0" smtClean="0"/>
+              <a:t>…</a:t>
+            </a:r>
+          </a:p>
+        </p:txBody>
+      </p:sp>
+      <p:sp>
+        <p:nvSpPr>
+          <p:cNvPr id="4" name="Slide Number Placeholder 3"/>
+          <p:cNvSpPr>
+            <a:spLocks noGrp="1"/>
+          </p:cNvSpPr>
+          <p:nvPr>
+            <p:ph type="sldNum" sz="quarter" idx="10"/>
+          </p:nvPr>
+        </p:nvSpPr>
+        <p:spPr/>
+        <p:txBody>
+          <a:bodyPr/>
+          <a:lstStyle/>
+          <a:p>
+            <a:fld id="{903BB967-652B-44E3-AC85-B50B589029DD}" type="slidenum">
+              <a:rPr lang="fr-FR" smtClean="0"/>
+              <a:pPr/>
+              <a:t>24</a:t>
+            </a:fld>
+            <a:endParaRPr lang="fr-FR"/>
+          </a:p>
+        </p:txBody>
+      </p:sp>
+    </p:spTree>
+    <p:extLst>
+      <p:ext uri="{BB962C8B-B14F-4D97-AF65-F5344CB8AC3E}">
+        <p14:creationId xmlns:p14="http://schemas.microsoft.com/office/powerpoint/2010/main" val="3351917337"/>
+      </p:ext>
+    </p:extLst>
+  </p:cSld>
+  <p:clrMapOvr>
+    <a:masterClrMapping/>
+  </p:clrMapOvr>
+</p:notes>
+</file>
+
+<file path=ppt/notesSlides/notesSlide25.xml><?xml version="1.0" encoding="utf-8"?>
+<p:notes xmlns:a="http://schemas.openxmlformats.org/drawingml/2006/main" xmlns:r="http://schemas.openxmlformats.org/officeDocument/2006/relationships" xmlns:p="http://schemas.openxmlformats.org/presentationml/2006/main">
+  <p:cSld>
+    <p:spTree>
+      <p:nvGrpSpPr>
+        <p:cNvPr id="1" name=""/>
+        <p:cNvGrpSpPr/>
+        <p:nvPr/>
+      </p:nvGrpSpPr>
+      <p:grpSpPr>
+        <a:xfrm>
+          <a:off x="0" y="0"/>
+          <a:ext cx="0" cy="0"/>
+          <a:chOff x="0" y="0"/>
+          <a:chExt cx="0" cy="0"/>
+        </a:xfrm>
+      </p:grpSpPr>
+      <p:sp>
+        <p:nvSpPr>
+          <p:cNvPr id="2" name="Slide Image Placeholder 1"/>
+          <p:cNvSpPr>
+            <a:spLocks noGrp="1" noRot="1" noChangeAspect="1"/>
+          </p:cNvSpPr>
+          <p:nvPr>
+            <p:ph type="sldImg"/>
+          </p:nvPr>
+        </p:nvSpPr>
+        <p:spPr/>
+      </p:sp>
+      <p:sp>
+        <p:nvSpPr>
+          <p:cNvPr id="3" name="Notes Placeholder 2"/>
+          <p:cNvSpPr>
+            <a:spLocks noGrp="1"/>
+          </p:cNvSpPr>
+          <p:nvPr>
+            <p:ph type="body" idx="1"/>
+          </p:nvPr>
+        </p:nvSpPr>
+        <p:spPr/>
+        <p:txBody>
+          <a:bodyPr/>
+          <a:lstStyle/>
+          <a:p>
+            <a:r>
+              <a:rPr lang="fr-FR" dirty="0" smtClean="0"/>
+              <a:t>Des blobs, </a:t>
+            </a:r>
+            <a:r>
+              <a:rPr lang="fr-FR" dirty="0" err="1" smtClean="0"/>
+              <a:t>trees</a:t>
+            </a:r>
+            <a:r>
+              <a:rPr lang="fr-FR" dirty="0" smtClean="0"/>
+              <a:t>, </a:t>
+            </a:r>
+            <a:r>
+              <a:rPr lang="fr-FR" dirty="0" err="1" smtClean="0"/>
+              <a:t>commits</a:t>
+            </a:r>
+            <a:r>
+              <a:rPr lang="fr-FR" dirty="0" smtClean="0"/>
+              <a:t>, reliés entre eux</a:t>
+            </a:r>
+          </a:p>
+          <a:p>
+            <a:r>
+              <a:rPr lang="fr-FR" dirty="0" smtClean="0"/>
+              <a:t>Par-dessus, des branches</a:t>
+            </a:r>
+          </a:p>
+          <a:p>
+            <a:r>
+              <a:rPr lang="fr-FR" dirty="0" smtClean="0"/>
+              <a:t>Puis</a:t>
+            </a:r>
+            <a:r>
+              <a:rPr lang="fr-FR" baseline="0" dirty="0" smtClean="0"/>
+              <a:t> HEAD, unique qui pointe vers une branche ou un commit (</a:t>
+            </a:r>
+            <a:r>
+              <a:rPr lang="fr-FR" baseline="0" dirty="0" err="1" smtClean="0"/>
+              <a:t>detached</a:t>
+            </a:r>
+            <a:r>
+              <a:rPr lang="fr-FR" baseline="0" dirty="0" smtClean="0"/>
+              <a:t>)</a:t>
+            </a:r>
+            <a:endParaRPr lang="fr-FR" dirty="0"/>
+          </a:p>
+        </p:txBody>
+      </p:sp>
+      <p:sp>
+        <p:nvSpPr>
+          <p:cNvPr id="4" name="Slide Number Placeholder 3"/>
+          <p:cNvSpPr>
+            <a:spLocks noGrp="1"/>
+          </p:cNvSpPr>
+          <p:nvPr>
+            <p:ph type="sldNum" sz="quarter" idx="10"/>
+          </p:nvPr>
+        </p:nvSpPr>
+        <p:spPr/>
+        <p:txBody>
+          <a:bodyPr/>
+          <a:lstStyle/>
+          <a:p>
+            <a:fld id="{903BB967-652B-44E3-AC85-B50B589029DD}" type="slidenum">
+              <a:rPr lang="fr-FR" smtClean="0"/>
+              <a:pPr/>
+              <a:t>25</a:t>
+            </a:fld>
+            <a:endParaRPr lang="fr-FR"/>
+          </a:p>
+        </p:txBody>
+      </p:sp>
+    </p:spTree>
+    <p:extLst>
+      <p:ext uri="{BB962C8B-B14F-4D97-AF65-F5344CB8AC3E}">
+        <p14:creationId xmlns:p14="http://schemas.microsoft.com/office/powerpoint/2010/main" val="2739688474"/>
+      </p:ext>
+    </p:extLst>
+  </p:cSld>
+  <p:clrMapOvr>
+    <a:masterClrMapping/>
+  </p:clrMapOvr>
+</p:notes>
+</file>
+
+<file path=ppt/notesSlides/notesSlide26.xml><?xml version="1.0" encoding="utf-8"?>
+<p:notes xmlns:a="http://schemas.openxmlformats.org/drawingml/2006/main" xmlns:r="http://schemas.openxmlformats.org/officeDocument/2006/relationships" xmlns:p="http://schemas.openxmlformats.org/presentationml/2006/main">
+  <p:cSld>
+    <p:spTree>
+      <p:nvGrpSpPr>
+        <p:cNvPr id="1" name=""/>
+        <p:cNvGrpSpPr/>
+        <p:nvPr/>
+      </p:nvGrpSpPr>
+      <p:grpSpPr>
+        <a:xfrm>
+          <a:off x="0" y="0"/>
+          <a:ext cx="0" cy="0"/>
+          <a:chOff x="0" y="0"/>
+          <a:chExt cx="0" cy="0"/>
+        </a:xfrm>
+      </p:grpSpPr>
+      <p:sp>
+        <p:nvSpPr>
+          <p:cNvPr id="2" name="Slide Image Placeholder 1"/>
+          <p:cNvSpPr>
+            <a:spLocks noGrp="1" noRot="1" noChangeAspect="1"/>
+          </p:cNvSpPr>
+          <p:nvPr>
+            <p:ph type="sldImg"/>
+          </p:nvPr>
+        </p:nvSpPr>
+        <p:spPr/>
+      </p:sp>
+      <p:sp>
+        <p:nvSpPr>
+          <p:cNvPr id="3" name="Notes Placeholder 2"/>
+          <p:cNvSpPr>
+            <a:spLocks noGrp="1"/>
+          </p:cNvSpPr>
+          <p:nvPr>
+            <p:ph type="body" idx="1"/>
+          </p:nvPr>
+        </p:nvSpPr>
+        <p:spPr/>
+        <p:txBody>
+          <a:bodyPr/>
+          <a:lstStyle/>
+          <a:p>
+            <a:r>
+              <a:rPr lang="fr-FR" dirty="0" smtClean="0"/>
+              <a:t>Branches, </a:t>
+            </a:r>
+            <a:r>
+              <a:rPr lang="fr-FR" dirty="0" err="1" smtClean="0"/>
+              <a:t>merges</a:t>
+            </a:r>
+            <a:r>
+              <a:rPr lang="fr-FR" dirty="0" smtClean="0"/>
+              <a:t>…. Toutes</a:t>
+            </a:r>
+            <a:r>
+              <a:rPr lang="fr-FR" baseline="0" dirty="0" smtClean="0"/>
+              <a:t> les opérations se basent sur ces 3 règles.</a:t>
+            </a:r>
+          </a:p>
+          <a:p>
+            <a:r>
+              <a:rPr lang="fr-FR" baseline="0" dirty="0" smtClean="0"/>
+              <a:t>Il nous reste à voir le cas du </a:t>
+            </a:r>
+            <a:r>
+              <a:rPr lang="fr-FR" baseline="0" dirty="0" err="1" smtClean="0"/>
+              <a:t>rebase</a:t>
+            </a:r>
+            <a:r>
+              <a:rPr lang="fr-FR" baseline="0" dirty="0" smtClean="0"/>
+              <a:t>, dans le </a:t>
+            </a:r>
+            <a:r>
+              <a:rPr lang="fr-FR" baseline="0" smtClean="0"/>
+              <a:t>module suivant.</a:t>
+            </a:r>
+            <a:endParaRPr lang="fr-FR"/>
+          </a:p>
+        </p:txBody>
+      </p:sp>
+      <p:sp>
+        <p:nvSpPr>
+          <p:cNvPr id="4" name="Slide Number Placeholder 3"/>
+          <p:cNvSpPr>
+            <a:spLocks noGrp="1"/>
+          </p:cNvSpPr>
+          <p:nvPr>
+            <p:ph type="sldNum" sz="quarter" idx="10"/>
+          </p:nvPr>
+        </p:nvSpPr>
+        <p:spPr/>
+        <p:txBody>
+          <a:bodyPr/>
+          <a:lstStyle/>
+          <a:p>
+            <a:fld id="{903BB967-652B-44E3-AC85-B50B589029DD}" type="slidenum">
+              <a:rPr lang="fr-FR" smtClean="0"/>
+              <a:pPr/>
+              <a:t>26</a:t>
+            </a:fld>
+            <a:endParaRPr lang="fr-FR"/>
+          </a:p>
+        </p:txBody>
+      </p:sp>
+    </p:spTree>
+    <p:extLst>
+      <p:ext uri="{BB962C8B-B14F-4D97-AF65-F5344CB8AC3E}">
+        <p14:creationId xmlns:p14="http://schemas.microsoft.com/office/powerpoint/2010/main" val="796971366"/>
       </p:ext>
     </p:extLst>
   </p:cSld>
@@ -2009,17 +3519,16 @@
           <a:lstStyle/>
           <a:p>
             <a:r>
-              <a:rPr lang="fr-FR" sz="1200" kern="1200" dirty="0" smtClean="0">
-                <a:solidFill>
-                  <a:schemeClr val="tx1"/>
-                </a:solidFill>
-                <a:effectLst/>
-                <a:latin typeface="Century Gothic" pitchFamily="34" charset="0"/>
-                <a:ea typeface="+mn-ea"/>
-                <a:cs typeface="+mn-cs"/>
-              </a:rPr>
-              <a:t>git_module02_lab01</a:t>
-            </a:r>
+              <a:rPr lang="fr-FR" dirty="0" smtClean="0"/>
+              <a:t>On va aborder</a:t>
+            </a:r>
+            <a:r>
+              <a:rPr lang="fr-FR" baseline="0" dirty="0" smtClean="0"/>
+              <a:t> les notions de branche et d’historique dans ce module</a:t>
+            </a:r>
+          </a:p>
+          <a:p>
+            <a:endParaRPr lang="fr-FR" dirty="0"/>
           </a:p>
         </p:txBody>
       </p:sp>
@@ -2041,7 +3550,7 @@
             <a:fld id="{903BB967-652B-44E3-AC85-B50B589029DD}" type="slidenum">
               <a:rPr lang="fr-FR" smtClean="0"/>
               <a:pPr/>
-              <a:t>5</a:t>
+              <a:t>3</a:t>
             </a:fld>
             <a:endParaRPr lang="fr-FR"/>
           </a:p>
@@ -2050,7 +3559,7 @@
     </p:spTree>
     <p:extLst>
       <p:ext uri="{BB962C8B-B14F-4D97-AF65-F5344CB8AC3E}">
-        <p14:creationId xmlns:p14="http://schemas.microsoft.com/office/powerpoint/2010/main" val="353347963"/>
+        <p14:creationId xmlns:p14="http://schemas.microsoft.com/office/powerpoint/2010/main" val="4156233999"/>
       </p:ext>
     </p:extLst>
   </p:cSld>
@@ -2106,11 +3615,11 @@
           <a:p>
             <a:r>
               <a:rPr lang="fr-FR" dirty="0" smtClean="0"/>
-              <a:t>Un pointeur sur un</a:t>
+              <a:t>Une idée</a:t>
             </a:r>
             <a:r>
               <a:rPr lang="fr-FR" baseline="0" dirty="0" smtClean="0"/>
-              <a:t> commit</a:t>
+              <a:t> sur ce qu’est une branche ?</a:t>
             </a:r>
             <a:endParaRPr lang="fr-FR" dirty="0"/>
           </a:p>
@@ -2134,7 +3643,7 @@
             <a:fld id="{903BB967-652B-44E3-AC85-B50B589029DD}" type="slidenum">
               <a:rPr lang="fr-FR" smtClean="0"/>
               <a:pPr/>
-              <a:t>6</a:t>
+              <a:t>4</a:t>
             </a:fld>
             <a:endParaRPr lang="fr-FR"/>
           </a:p>
@@ -2143,7 +3652,7 @@
     </p:spTree>
     <p:extLst>
       <p:ext uri="{BB962C8B-B14F-4D97-AF65-F5344CB8AC3E}">
-        <p14:creationId xmlns:p14="http://schemas.microsoft.com/office/powerpoint/2010/main" val="2118517869"/>
+        <p14:creationId xmlns:p14="http://schemas.microsoft.com/office/powerpoint/2010/main" val="1643174455"/>
       </p:ext>
     </p:extLst>
   </p:cSld>
@@ -2197,15 +3706,18 @@
           <a:bodyPr/>
           <a:lstStyle/>
           <a:p>
-            <a:endParaRPr lang="fr-FR" sz="1200" kern="1200" dirty="0" smtClean="0">
-              <a:solidFill>
-                <a:schemeClr val="tx1"/>
-              </a:solidFill>
-              <a:effectLst/>
-              <a:latin typeface="Century Gothic" pitchFamily="34" charset="0"/>
-              <a:ea typeface="+mn-ea"/>
-              <a:cs typeface="+mn-cs"/>
-            </a:endParaRPr>
+            <a:r>
+              <a:rPr lang="fr-FR" sz="1200" kern="1200" dirty="0" smtClean="0">
+                <a:solidFill>
+                  <a:schemeClr val="tx1"/>
+                </a:solidFill>
+                <a:effectLst/>
+                <a:latin typeface="Century Gothic" pitchFamily="34" charset="0"/>
+                <a:ea typeface="+mn-ea"/>
+                <a:cs typeface="+mn-cs"/>
+              </a:rPr>
+              <a:t>git_module02_lab01, d’entrée</a:t>
+            </a:r>
           </a:p>
         </p:txBody>
       </p:sp>
@@ -2227,7 +3739,7 @@
             <a:fld id="{903BB967-652B-44E3-AC85-B50B589029DD}" type="slidenum">
               <a:rPr lang="fr-FR" smtClean="0"/>
               <a:pPr/>
-              <a:t>7</a:t>
+              <a:t>5</a:t>
             </a:fld>
             <a:endParaRPr lang="fr-FR"/>
           </a:p>
@@ -2236,7 +3748,7 @@
     </p:spTree>
     <p:extLst>
       <p:ext uri="{BB962C8B-B14F-4D97-AF65-F5344CB8AC3E}">
-        <p14:creationId xmlns:p14="http://schemas.microsoft.com/office/powerpoint/2010/main" val="462117951"/>
+        <p14:creationId xmlns:p14="http://schemas.microsoft.com/office/powerpoint/2010/main" val="353347963"/>
       </p:ext>
     </p:extLst>
   </p:cSld>
@@ -2290,6 +3802,48 @@
           <a:bodyPr/>
           <a:lstStyle/>
           <a:p>
+            <a:r>
+              <a:rPr lang="fr-FR" dirty="0" smtClean="0"/>
+              <a:t>Un pointeur sur un</a:t>
+            </a:r>
+            <a:r>
+              <a:rPr lang="fr-FR" baseline="0" dirty="0" smtClean="0"/>
+              <a:t> </a:t>
+            </a:r>
+            <a:r>
+              <a:rPr lang="fr-FR" baseline="0" dirty="0" smtClean="0"/>
+              <a:t>commit</a:t>
+            </a:r>
+          </a:p>
+          <a:p>
+            <a:r>
+              <a:rPr lang="fr-FR" baseline="0" dirty="0" smtClean="0"/>
+              <a:t>On va maintenant créer une nouvelle branche : </a:t>
+            </a:r>
+          </a:p>
+          <a:p>
+            <a:r>
+              <a:rPr lang="fr-FR" baseline="0" dirty="0" smtClean="0"/>
+              <a:t>Nos recettes dans master, celles de Lisa dans une branche qui portera son nom : retour au </a:t>
+            </a:r>
+            <a:r>
+              <a:rPr lang="fr-FR" baseline="0" dirty="0" err="1" smtClean="0"/>
+              <a:t>lab</a:t>
+            </a:r>
+            <a:r>
+              <a:rPr lang="fr-FR" baseline="0" dirty="0" smtClean="0"/>
+              <a:t>, </a:t>
+            </a:r>
+            <a:r>
+              <a:rPr lang="fr-FR" baseline="0" dirty="0" err="1" smtClean="0"/>
+              <a:t>bullet</a:t>
+            </a:r>
+            <a:r>
+              <a:rPr lang="fr-FR" baseline="0" dirty="0" smtClean="0"/>
+              <a:t> 8. </a:t>
+            </a:r>
+          </a:p>
+          <a:p>
             <a:endParaRPr lang="fr-FR" dirty="0"/>
           </a:p>
         </p:txBody>
@@ -2312,7 +3866,7 @@
             <a:fld id="{903BB967-652B-44E3-AC85-B50B589029DD}" type="slidenum">
               <a:rPr lang="fr-FR" smtClean="0"/>
               <a:pPr/>
-              <a:t>8</a:t>
+              <a:t>6</a:t>
             </a:fld>
             <a:endParaRPr lang="fr-FR"/>
           </a:p>
@@ -2321,7 +3875,7 @@
     </p:spTree>
     <p:extLst>
       <p:ext uri="{BB962C8B-B14F-4D97-AF65-F5344CB8AC3E}">
-        <p14:creationId xmlns:p14="http://schemas.microsoft.com/office/powerpoint/2010/main" val="2287837041"/>
+        <p14:creationId xmlns:p14="http://schemas.microsoft.com/office/powerpoint/2010/main" val="2118517869"/>
       </p:ext>
     </p:extLst>
   </p:cSld>
@@ -2375,7 +3929,15 @@
           <a:bodyPr/>
           <a:lstStyle/>
           <a:p>
-            <a:endParaRPr lang="fr-FR" dirty="0"/>
+            <a:endParaRPr lang="fr-FR" sz="1200" kern="1200" dirty="0" smtClean="0">
+              <a:solidFill>
+                <a:schemeClr val="tx1"/>
+              </a:solidFill>
+              <a:effectLst/>
+              <a:latin typeface="Century Gothic" pitchFamily="34" charset="0"/>
+              <a:ea typeface="+mn-ea"/>
+              <a:cs typeface="+mn-cs"/>
+            </a:endParaRPr>
           </a:p>
         </p:txBody>
       </p:sp>
@@ -2397,7 +3959,7 @@
             <a:fld id="{903BB967-652B-44E3-AC85-B50B589029DD}" type="slidenum">
               <a:rPr lang="fr-FR" smtClean="0"/>
               <a:pPr/>
-              <a:t>9</a:t>
+              <a:t>7</a:t>
             </a:fld>
             <a:endParaRPr lang="fr-FR"/>
           </a:p>
@@ -2406,7 +3968,7 @@
     </p:spTree>
     <p:extLst>
       <p:ext uri="{BB962C8B-B14F-4D97-AF65-F5344CB8AC3E}">
-        <p14:creationId xmlns:p14="http://schemas.microsoft.com/office/powerpoint/2010/main" val="3621604712"/>
+        <p14:creationId xmlns:p14="http://schemas.microsoft.com/office/powerpoint/2010/main" val="462117951"/>
       </p:ext>
     </p:extLst>
   </p:cSld>
@@ -2460,6 +4022,20 @@
           <a:bodyPr/>
           <a:lstStyle/>
           <a:p>
+            <a:r>
+              <a:rPr lang="fr-FR" dirty="0" smtClean="0"/>
+              <a:t>HEAD est un pointeur de pointeur…</a:t>
+            </a:r>
+          </a:p>
+          <a:p>
+            <a:r>
+              <a:rPr lang="fr-FR" dirty="0" smtClean="0"/>
+              <a:t>HEAD est unique, il ne</a:t>
+            </a:r>
+            <a:r>
+              <a:rPr lang="fr-FR" baseline="0" dirty="0" smtClean="0"/>
+              <a:t> peut y avoir qu’une seule branche active</a:t>
+            </a:r>
             <a:endParaRPr lang="fr-FR" dirty="0"/>
           </a:p>
         </p:txBody>
@@ -2482,7 +4058,7 @@
             <a:fld id="{903BB967-652B-44E3-AC85-B50B589029DD}" type="slidenum">
               <a:rPr lang="fr-FR" smtClean="0"/>
               <a:pPr/>
-              <a:t>10</a:t>
+              <a:t>8</a:t>
             </a:fld>
             <a:endParaRPr lang="fr-FR"/>
           </a:p>
@@ -2491,7 +4067,7 @@
     </p:spTree>
     <p:extLst>
       <p:ext uri="{BB962C8B-B14F-4D97-AF65-F5344CB8AC3E}">
-        <p14:creationId xmlns:p14="http://schemas.microsoft.com/office/powerpoint/2010/main" val="2814545334"/>
+        <p14:creationId xmlns:p14="http://schemas.microsoft.com/office/powerpoint/2010/main" val="2287837041"/>
       </p:ext>
     </p:extLst>
   </p:cSld>
@@ -2545,6 +4121,56 @@
           <a:bodyPr/>
           <a:lstStyle/>
           <a:p>
+            <a:r>
+              <a:rPr lang="fr-FR" sz="1200" kern="1200" dirty="0" smtClean="0">
+                <a:solidFill>
+                  <a:schemeClr val="tx1"/>
+                </a:solidFill>
+                <a:effectLst/>
+                <a:latin typeface="Century Gothic" pitchFamily="34" charset="0"/>
+                <a:ea typeface="+mn-ea"/>
+                <a:cs typeface="+mn-cs"/>
+              </a:rPr>
+              <a:t>Retour au git_module02_lab01 pour ajoute</a:t>
+            </a:r>
+            <a:r>
+              <a:rPr lang="fr-FR" sz="1200" kern="1200" baseline="0" dirty="0" smtClean="0">
+                <a:solidFill>
+                  <a:schemeClr val="tx1"/>
+                </a:solidFill>
+                <a:effectLst/>
+                <a:latin typeface="Century Gothic" pitchFamily="34" charset="0"/>
+                <a:ea typeface="+mn-ea"/>
+                <a:cs typeface="+mn-cs"/>
+              </a:rPr>
+              <a:t>r la liste des ingrédients de </a:t>
+            </a:r>
+            <a:r>
+              <a:rPr lang="fr-FR" sz="1200" kern="1200" baseline="0" dirty="0" err="1" smtClean="0">
+                <a:solidFill>
+                  <a:schemeClr val="tx1"/>
+                </a:solidFill>
+                <a:effectLst/>
+                <a:latin typeface="Century Gothic" pitchFamily="34" charset="0"/>
+                <a:ea typeface="+mn-ea"/>
+                <a:cs typeface="+mn-cs"/>
+              </a:rPr>
+              <a:t>l’apple</a:t>
+            </a:r>
+            <a:r>
+              <a:rPr lang="fr-FR" sz="1200" kern="1200" baseline="0" dirty="0" smtClean="0">
+                <a:solidFill>
+                  <a:schemeClr val="tx1"/>
+                </a:solidFill>
+                <a:effectLst/>
+                <a:latin typeface="Century Gothic" pitchFamily="34" charset="0"/>
+                <a:ea typeface="+mn-ea"/>
+                <a:cs typeface="+mn-cs"/>
+              </a:rPr>
+              <a:t> pie</a:t>
+            </a:r>
+          </a:p>
+          <a:p>
             <a:endParaRPr lang="fr-FR" dirty="0"/>
           </a:p>
         </p:txBody>
@@ -2567,7 +4193,7 @@
             <a:fld id="{903BB967-652B-44E3-AC85-B50B589029DD}" type="slidenum">
               <a:rPr lang="fr-FR" smtClean="0"/>
               <a:pPr/>
-              <a:t>11</a:t>
+              <a:t>9</a:t>
             </a:fld>
             <a:endParaRPr lang="fr-FR"/>
           </a:p>
@@ -2576,7 +4202,7 @@
     </p:spTree>
     <p:extLst>
       <p:ext uri="{BB962C8B-B14F-4D97-AF65-F5344CB8AC3E}">
-        <p14:creationId xmlns:p14="http://schemas.microsoft.com/office/powerpoint/2010/main" val="846395770"/>
+        <p14:creationId xmlns:p14="http://schemas.microsoft.com/office/powerpoint/2010/main" val="3621604712"/>
       </p:ext>
     </p:extLst>
   </p:cSld>
@@ -8559,7 +10185,7 @@
           <a:graphicData uri="http://schemas.openxmlformats.org/presentationml/2006/ole">
             <mc:AlternateContent xmlns:mc="http://schemas.openxmlformats.org/markup-compatibility/2006">
               <mc:Choice xmlns:v="urn:schemas-microsoft-com:vml" Requires="v">
-                <p:oleObj spid="_x0000_s6563" name="Diapositive think-cell" r:id="rId6" imgW="270" imgH="270" progId="TCLayout.ActiveDocument.1">
+                <p:oleObj spid="_x0000_s6580" name="Diapositive think-cell" r:id="rId6" imgW="270" imgH="270" progId="TCLayout.ActiveDocument.1">
                   <p:embed/>
                 </p:oleObj>
               </mc:Choice>
@@ -9301,7 +10927,7 @@
           <a:graphicData uri="http://schemas.openxmlformats.org/presentationml/2006/ole">
             <mc:AlternateContent xmlns:mc="http://schemas.openxmlformats.org/markup-compatibility/2006">
               <mc:Choice xmlns:v="urn:schemas-microsoft-com:vml" Requires="v">
-                <p:oleObj spid="_x0000_s6078" name="Diapositive think-cell" r:id="rId6" imgW="270" imgH="270" progId="TCLayout.ActiveDocument.1">
+                <p:oleObj spid="_x0000_s6095" name="Diapositive think-cell" r:id="rId6" imgW="270" imgH="270" progId="TCLayout.ActiveDocument.1">
                   <p:embed/>
                 </p:oleObj>
               </mc:Choice>
@@ -10654,7 +12280,7 @@
           <p:cNvPr id="2" name="Title 1">
             <a:extLst>
               <a:ext uri="{FF2B5EF4-FFF2-40B4-BE49-F238E27FC236}">
-                <a16:creationId xmlns="" xmlns:a16="http://schemas.microsoft.com/office/drawing/2014/main" id="{78456FD7-BB91-4376-9F54-57A4192F7D9C}"/>
+                <a16:creationId xmlns:a16="http://schemas.microsoft.com/office/drawing/2014/main" xmlns="" id="{78456FD7-BB91-4376-9F54-57A4192F7D9C}"/>
               </a:ext>
             </a:extLst>
           </p:cNvPr>
@@ -10687,7 +12313,7 @@
           <p:cNvPr id="3" name="Text Placeholder 2">
             <a:extLst>
               <a:ext uri="{FF2B5EF4-FFF2-40B4-BE49-F238E27FC236}">
-                <a16:creationId xmlns="" xmlns:a16="http://schemas.microsoft.com/office/drawing/2014/main" id="{352C0768-302F-4A6A-A9FF-BED7B68BC517}"/>
+                <a16:creationId xmlns:a16="http://schemas.microsoft.com/office/drawing/2014/main" xmlns="" id="{352C0768-302F-4A6A-A9FF-BED7B68BC517}"/>
               </a:ext>
             </a:extLst>
           </p:cNvPr>
@@ -10752,7 +12378,7 @@
           <p:cNvPr id="3" name="Title 2">
             <a:extLst>
               <a:ext uri="{FF2B5EF4-FFF2-40B4-BE49-F238E27FC236}">
-                <a16:creationId xmlns="" xmlns:a16="http://schemas.microsoft.com/office/drawing/2014/main" id="{A8704E41-3486-46BD-8AA7-B6B5D28F95A5}"/>
+                <a16:creationId xmlns:a16="http://schemas.microsoft.com/office/drawing/2014/main" xmlns="" id="{A8704E41-3486-46BD-8AA7-B6B5D28F95A5}"/>
               </a:ext>
             </a:extLst>
           </p:cNvPr>
@@ -10781,7 +12407,7 @@
           <p:cNvPr id="4" name="Slide Number Placeholder 3">
             <a:extLst>
               <a:ext uri="{FF2B5EF4-FFF2-40B4-BE49-F238E27FC236}">
-                <a16:creationId xmlns="" xmlns:a16="http://schemas.microsoft.com/office/drawing/2014/main" id="{02CD92EA-E9CB-4F4C-B1B9-840F11B55DC5}"/>
+                <a16:creationId xmlns:a16="http://schemas.microsoft.com/office/drawing/2014/main" xmlns="" id="{02CD92EA-E9CB-4F4C-B1B9-840F11B55DC5}"/>
               </a:ext>
             </a:extLst>
           </p:cNvPr>
@@ -10827,7 +12453,7 @@
           <p:cNvPr id="5" name="Text Placeholder 4">
             <a:extLst>
               <a:ext uri="{FF2B5EF4-FFF2-40B4-BE49-F238E27FC236}">
-                <a16:creationId xmlns="" xmlns:a16="http://schemas.microsoft.com/office/drawing/2014/main" id="{C22D9F79-04C1-4762-96D6-F3FE8172F1B1}"/>
+                <a16:creationId xmlns:a16="http://schemas.microsoft.com/office/drawing/2014/main" xmlns="" id="{C22D9F79-04C1-4762-96D6-F3FE8172F1B1}"/>
               </a:ext>
             </a:extLst>
           </p:cNvPr>
@@ -10852,7 +12478,7 @@
           <p:cNvPr id="18" name="Oval 17">
             <a:extLst>
               <a:ext uri="{FF2B5EF4-FFF2-40B4-BE49-F238E27FC236}">
-                <a16:creationId xmlns="" xmlns:a16="http://schemas.microsoft.com/office/drawing/2014/main" id="{70018B8E-C8EA-4592-B666-4DD6915C2DAF}"/>
+                <a16:creationId xmlns:a16="http://schemas.microsoft.com/office/drawing/2014/main" xmlns="" id="{70018B8E-C8EA-4592-B666-4DD6915C2DAF}"/>
               </a:ext>
             </a:extLst>
           </p:cNvPr>
@@ -10908,7 +12534,7 @@
           <p:cNvPr id="21" name="TextBox 20">
             <a:extLst>
               <a:ext uri="{FF2B5EF4-FFF2-40B4-BE49-F238E27FC236}">
-                <a16:creationId xmlns="" xmlns:a16="http://schemas.microsoft.com/office/drawing/2014/main" id="{EA7F15EB-6AA1-4C76-921F-2B04B74B1885}"/>
+                <a16:creationId xmlns:a16="http://schemas.microsoft.com/office/drawing/2014/main" xmlns="" id="{EA7F15EB-6AA1-4C76-921F-2B04B74B1885}"/>
               </a:ext>
             </a:extLst>
           </p:cNvPr>
@@ -10950,7 +12576,7 @@
           <p:cNvPr id="22" name="Oval 21">
             <a:extLst>
               <a:ext uri="{FF2B5EF4-FFF2-40B4-BE49-F238E27FC236}">
-                <a16:creationId xmlns="" xmlns:a16="http://schemas.microsoft.com/office/drawing/2014/main" id="{70018B8E-C8EA-4592-B666-4DD6915C2DAF}"/>
+                <a16:creationId xmlns:a16="http://schemas.microsoft.com/office/drawing/2014/main" xmlns="" id="{70018B8E-C8EA-4592-B666-4DD6915C2DAF}"/>
               </a:ext>
             </a:extLst>
           </p:cNvPr>
@@ -11006,7 +12632,7 @@
           <p:cNvPr id="23" name="TextBox 22">
             <a:extLst>
               <a:ext uri="{FF2B5EF4-FFF2-40B4-BE49-F238E27FC236}">
-                <a16:creationId xmlns="" xmlns:a16="http://schemas.microsoft.com/office/drawing/2014/main" id="{EA7F15EB-6AA1-4C76-921F-2B04B74B1885}"/>
+                <a16:creationId xmlns:a16="http://schemas.microsoft.com/office/drawing/2014/main" xmlns="" id="{EA7F15EB-6AA1-4C76-921F-2B04B74B1885}"/>
               </a:ext>
             </a:extLst>
           </p:cNvPr>
@@ -11048,7 +12674,7 @@
           <p:cNvPr id="24" name="Straight Arrow Connector 23">
             <a:extLst>
               <a:ext uri="{FF2B5EF4-FFF2-40B4-BE49-F238E27FC236}">
-                <a16:creationId xmlns="" xmlns:a16="http://schemas.microsoft.com/office/drawing/2014/main" id="{D5D1DDE3-D551-4E6B-AD34-6FBA1762CCD0}"/>
+                <a16:creationId xmlns:a16="http://schemas.microsoft.com/office/drawing/2014/main" xmlns="" id="{D5D1DDE3-D551-4E6B-AD34-6FBA1762CCD0}"/>
               </a:ext>
             </a:extLst>
           </p:cNvPr>
@@ -11092,7 +12718,7 @@
           <p:cNvPr id="25" name="Oval 24">
             <a:extLst>
               <a:ext uri="{FF2B5EF4-FFF2-40B4-BE49-F238E27FC236}">
-                <a16:creationId xmlns="" xmlns:a16="http://schemas.microsoft.com/office/drawing/2014/main" id="{70018B8E-C8EA-4592-B666-4DD6915C2DAF}"/>
+                <a16:creationId xmlns:a16="http://schemas.microsoft.com/office/drawing/2014/main" xmlns="" id="{70018B8E-C8EA-4592-B666-4DD6915C2DAF}"/>
               </a:ext>
             </a:extLst>
           </p:cNvPr>
@@ -11148,7 +12774,7 @@
           <p:cNvPr id="26" name="TextBox 25">
             <a:extLst>
               <a:ext uri="{FF2B5EF4-FFF2-40B4-BE49-F238E27FC236}">
-                <a16:creationId xmlns="" xmlns:a16="http://schemas.microsoft.com/office/drawing/2014/main" id="{EA7F15EB-6AA1-4C76-921F-2B04B74B1885}"/>
+                <a16:creationId xmlns:a16="http://schemas.microsoft.com/office/drawing/2014/main" xmlns="" id="{EA7F15EB-6AA1-4C76-921F-2B04B74B1885}"/>
               </a:ext>
             </a:extLst>
           </p:cNvPr>
@@ -11190,7 +12816,7 @@
           <p:cNvPr id="27" name="Straight Arrow Connector 26">
             <a:extLst>
               <a:ext uri="{FF2B5EF4-FFF2-40B4-BE49-F238E27FC236}">
-                <a16:creationId xmlns="" xmlns:a16="http://schemas.microsoft.com/office/drawing/2014/main" id="{D5D1DDE3-D551-4E6B-AD34-6FBA1762CCD0}"/>
+                <a16:creationId xmlns:a16="http://schemas.microsoft.com/office/drawing/2014/main" xmlns="" id="{D5D1DDE3-D551-4E6B-AD34-6FBA1762CCD0}"/>
               </a:ext>
             </a:extLst>
           </p:cNvPr>
@@ -11234,7 +12860,7 @@
           <p:cNvPr id="30" name="Arrow: Down 29">
             <a:extLst>
               <a:ext uri="{FF2B5EF4-FFF2-40B4-BE49-F238E27FC236}">
-                <a16:creationId xmlns="" xmlns:a16="http://schemas.microsoft.com/office/drawing/2014/main" id="{C1335406-A2C9-47D4-B205-5C60C0E28A8A}"/>
+                <a16:creationId xmlns:a16="http://schemas.microsoft.com/office/drawing/2014/main" xmlns="" id="{C1335406-A2C9-47D4-B205-5C60C0E28A8A}"/>
               </a:ext>
             </a:extLst>
           </p:cNvPr>
@@ -11318,7 +12944,7 @@
           <p:cNvPr id="31" name="Arrow: Down 29">
             <a:extLst>
               <a:ext uri="{FF2B5EF4-FFF2-40B4-BE49-F238E27FC236}">
-                <a16:creationId xmlns="" xmlns:a16="http://schemas.microsoft.com/office/drawing/2014/main" id="{C1335406-A2C9-47D4-B205-5C60C0E28A8A}"/>
+                <a16:creationId xmlns:a16="http://schemas.microsoft.com/office/drawing/2014/main" xmlns="" id="{C1335406-A2C9-47D4-B205-5C60C0E28A8A}"/>
               </a:ext>
             </a:extLst>
           </p:cNvPr>
@@ -11402,7 +13028,7 @@
           <p:cNvPr id="32" name="Arrow: Down 35">
             <a:extLst>
               <a:ext uri="{FF2B5EF4-FFF2-40B4-BE49-F238E27FC236}">
-                <a16:creationId xmlns="" xmlns:a16="http://schemas.microsoft.com/office/drawing/2014/main" id="{626A0744-AE03-44D5-9A65-2190DA15A386}"/>
+                <a16:creationId xmlns:a16="http://schemas.microsoft.com/office/drawing/2014/main" xmlns="" id="{626A0744-AE03-44D5-9A65-2190DA15A386}"/>
               </a:ext>
             </a:extLst>
           </p:cNvPr>
@@ -11476,7 +13102,7 @@
           <p:cNvPr id="33" name="Arrow: Down 29">
             <a:extLst>
               <a:ext uri="{FF2B5EF4-FFF2-40B4-BE49-F238E27FC236}">
-                <a16:creationId xmlns="" xmlns:a16="http://schemas.microsoft.com/office/drawing/2014/main" id="{C1335406-A2C9-47D4-B205-5C60C0E28A8A}"/>
+                <a16:creationId xmlns:a16="http://schemas.microsoft.com/office/drawing/2014/main" xmlns="" id="{C1335406-A2C9-47D4-B205-5C60C0E28A8A}"/>
               </a:ext>
             </a:extLst>
           </p:cNvPr>
@@ -11560,7 +13186,7 @@
           <p:cNvPr id="34" name="Arrow: Down 35">
             <a:extLst>
               <a:ext uri="{FF2B5EF4-FFF2-40B4-BE49-F238E27FC236}">
-                <a16:creationId xmlns="" xmlns:a16="http://schemas.microsoft.com/office/drawing/2014/main" id="{626A0744-AE03-44D5-9A65-2190DA15A386}"/>
+                <a16:creationId xmlns:a16="http://schemas.microsoft.com/office/drawing/2014/main" xmlns="" id="{626A0744-AE03-44D5-9A65-2190DA15A386}"/>
               </a:ext>
             </a:extLst>
           </p:cNvPr>
@@ -11946,7 +13572,7 @@
           <p:cNvPr id="3" name="Title 2">
             <a:extLst>
               <a:ext uri="{FF2B5EF4-FFF2-40B4-BE49-F238E27FC236}">
-                <a16:creationId xmlns="" xmlns:a16="http://schemas.microsoft.com/office/drawing/2014/main" id="{A8704E41-3486-46BD-8AA7-B6B5D28F95A5}"/>
+                <a16:creationId xmlns:a16="http://schemas.microsoft.com/office/drawing/2014/main" xmlns="" id="{A8704E41-3486-46BD-8AA7-B6B5D28F95A5}"/>
               </a:ext>
             </a:extLst>
           </p:cNvPr>
@@ -11975,7 +13601,7 @@
           <p:cNvPr id="4" name="Slide Number Placeholder 3">
             <a:extLst>
               <a:ext uri="{FF2B5EF4-FFF2-40B4-BE49-F238E27FC236}">
-                <a16:creationId xmlns="" xmlns:a16="http://schemas.microsoft.com/office/drawing/2014/main" id="{02CD92EA-E9CB-4F4C-B1B9-840F11B55DC5}"/>
+                <a16:creationId xmlns:a16="http://schemas.microsoft.com/office/drawing/2014/main" xmlns="" id="{02CD92EA-E9CB-4F4C-B1B9-840F11B55DC5}"/>
               </a:ext>
             </a:extLst>
           </p:cNvPr>
@@ -12021,7 +13647,7 @@
           <p:cNvPr id="5" name="Text Placeholder 4">
             <a:extLst>
               <a:ext uri="{FF2B5EF4-FFF2-40B4-BE49-F238E27FC236}">
-                <a16:creationId xmlns="" xmlns:a16="http://schemas.microsoft.com/office/drawing/2014/main" id="{C22D9F79-04C1-4762-96D6-F3FE8172F1B1}"/>
+                <a16:creationId xmlns:a16="http://schemas.microsoft.com/office/drawing/2014/main" xmlns="" id="{C22D9F79-04C1-4762-96D6-F3FE8172F1B1}"/>
               </a:ext>
             </a:extLst>
           </p:cNvPr>
@@ -12114,7 +13740,7 @@
           <p:cNvPr id="18" name="Oval 17">
             <a:extLst>
               <a:ext uri="{FF2B5EF4-FFF2-40B4-BE49-F238E27FC236}">
-                <a16:creationId xmlns="" xmlns:a16="http://schemas.microsoft.com/office/drawing/2014/main" id="{70018B8E-C8EA-4592-B666-4DD6915C2DAF}"/>
+                <a16:creationId xmlns:a16="http://schemas.microsoft.com/office/drawing/2014/main" xmlns="" id="{70018B8E-C8EA-4592-B666-4DD6915C2DAF}"/>
               </a:ext>
             </a:extLst>
           </p:cNvPr>
@@ -12170,7 +13796,7 @@
           <p:cNvPr id="19" name="TextBox 18">
             <a:extLst>
               <a:ext uri="{FF2B5EF4-FFF2-40B4-BE49-F238E27FC236}">
-                <a16:creationId xmlns="" xmlns:a16="http://schemas.microsoft.com/office/drawing/2014/main" id="{EA7F15EB-6AA1-4C76-921F-2B04B74B1885}"/>
+                <a16:creationId xmlns:a16="http://schemas.microsoft.com/office/drawing/2014/main" xmlns="" id="{EA7F15EB-6AA1-4C76-921F-2B04B74B1885}"/>
               </a:ext>
             </a:extLst>
           </p:cNvPr>
@@ -12212,7 +13838,7 @@
           <p:cNvPr id="22" name="Oval 21">
             <a:extLst>
               <a:ext uri="{FF2B5EF4-FFF2-40B4-BE49-F238E27FC236}">
-                <a16:creationId xmlns="" xmlns:a16="http://schemas.microsoft.com/office/drawing/2014/main" id="{70018B8E-C8EA-4592-B666-4DD6915C2DAF}"/>
+                <a16:creationId xmlns:a16="http://schemas.microsoft.com/office/drawing/2014/main" xmlns="" id="{70018B8E-C8EA-4592-B666-4DD6915C2DAF}"/>
               </a:ext>
             </a:extLst>
           </p:cNvPr>
@@ -12268,7 +13894,7 @@
           <p:cNvPr id="25" name="TextBox 24">
             <a:extLst>
               <a:ext uri="{FF2B5EF4-FFF2-40B4-BE49-F238E27FC236}">
-                <a16:creationId xmlns="" xmlns:a16="http://schemas.microsoft.com/office/drawing/2014/main" id="{EA7F15EB-6AA1-4C76-921F-2B04B74B1885}"/>
+                <a16:creationId xmlns:a16="http://schemas.microsoft.com/office/drawing/2014/main" xmlns="" id="{EA7F15EB-6AA1-4C76-921F-2B04B74B1885}"/>
               </a:ext>
             </a:extLst>
           </p:cNvPr>
@@ -12310,7 +13936,7 @@
           <p:cNvPr id="26" name="Straight Arrow Connector 25">
             <a:extLst>
               <a:ext uri="{FF2B5EF4-FFF2-40B4-BE49-F238E27FC236}">
-                <a16:creationId xmlns="" xmlns:a16="http://schemas.microsoft.com/office/drawing/2014/main" id="{D5D1DDE3-D551-4E6B-AD34-6FBA1762CCD0}"/>
+                <a16:creationId xmlns:a16="http://schemas.microsoft.com/office/drawing/2014/main" xmlns="" id="{D5D1DDE3-D551-4E6B-AD34-6FBA1762CCD0}"/>
               </a:ext>
             </a:extLst>
           </p:cNvPr>
@@ -12354,7 +13980,7 @@
           <p:cNvPr id="27" name="Oval 26">
             <a:extLst>
               <a:ext uri="{FF2B5EF4-FFF2-40B4-BE49-F238E27FC236}">
-                <a16:creationId xmlns="" xmlns:a16="http://schemas.microsoft.com/office/drawing/2014/main" id="{70018B8E-C8EA-4592-B666-4DD6915C2DAF}"/>
+                <a16:creationId xmlns:a16="http://schemas.microsoft.com/office/drawing/2014/main" xmlns="" id="{70018B8E-C8EA-4592-B666-4DD6915C2DAF}"/>
               </a:ext>
             </a:extLst>
           </p:cNvPr>
@@ -12410,7 +14036,7 @@
           <p:cNvPr id="30" name="TextBox 29">
             <a:extLst>
               <a:ext uri="{FF2B5EF4-FFF2-40B4-BE49-F238E27FC236}">
-                <a16:creationId xmlns="" xmlns:a16="http://schemas.microsoft.com/office/drawing/2014/main" id="{EA7F15EB-6AA1-4C76-921F-2B04B74B1885}"/>
+                <a16:creationId xmlns:a16="http://schemas.microsoft.com/office/drawing/2014/main" xmlns="" id="{EA7F15EB-6AA1-4C76-921F-2B04B74B1885}"/>
               </a:ext>
             </a:extLst>
           </p:cNvPr>
@@ -12452,7 +14078,7 @@
           <p:cNvPr id="31" name="Straight Arrow Connector 30">
             <a:extLst>
               <a:ext uri="{FF2B5EF4-FFF2-40B4-BE49-F238E27FC236}">
-                <a16:creationId xmlns="" xmlns:a16="http://schemas.microsoft.com/office/drawing/2014/main" id="{D5D1DDE3-D551-4E6B-AD34-6FBA1762CCD0}"/>
+                <a16:creationId xmlns:a16="http://schemas.microsoft.com/office/drawing/2014/main" xmlns="" id="{D5D1DDE3-D551-4E6B-AD34-6FBA1762CCD0}"/>
               </a:ext>
             </a:extLst>
           </p:cNvPr>
@@ -12496,7 +14122,7 @@
           <p:cNvPr id="33" name="Arrow: Down 29">
             <a:extLst>
               <a:ext uri="{FF2B5EF4-FFF2-40B4-BE49-F238E27FC236}">
-                <a16:creationId xmlns="" xmlns:a16="http://schemas.microsoft.com/office/drawing/2014/main" id="{C1335406-A2C9-47D4-B205-5C60C0E28A8A}"/>
+                <a16:creationId xmlns:a16="http://schemas.microsoft.com/office/drawing/2014/main" xmlns="" id="{C1335406-A2C9-47D4-B205-5C60C0E28A8A}"/>
               </a:ext>
             </a:extLst>
           </p:cNvPr>
@@ -12580,7 +14206,7 @@
           <p:cNvPr id="35" name="Arrow: Down 29">
             <a:extLst>
               <a:ext uri="{FF2B5EF4-FFF2-40B4-BE49-F238E27FC236}">
-                <a16:creationId xmlns="" xmlns:a16="http://schemas.microsoft.com/office/drawing/2014/main" id="{C1335406-A2C9-47D4-B205-5C60C0E28A8A}"/>
+                <a16:creationId xmlns:a16="http://schemas.microsoft.com/office/drawing/2014/main" xmlns="" id="{C1335406-A2C9-47D4-B205-5C60C0E28A8A}"/>
               </a:ext>
             </a:extLst>
           </p:cNvPr>
@@ -12664,7 +14290,7 @@
           <p:cNvPr id="36" name="Arrow: Down 35">
             <a:extLst>
               <a:ext uri="{FF2B5EF4-FFF2-40B4-BE49-F238E27FC236}">
-                <a16:creationId xmlns="" xmlns:a16="http://schemas.microsoft.com/office/drawing/2014/main" id="{626A0744-AE03-44D5-9A65-2190DA15A386}"/>
+                <a16:creationId xmlns:a16="http://schemas.microsoft.com/office/drawing/2014/main" xmlns="" id="{626A0744-AE03-44D5-9A65-2190DA15A386}"/>
               </a:ext>
             </a:extLst>
           </p:cNvPr>
@@ -12738,7 +14364,7 @@
           <p:cNvPr id="37" name="Arrow: Down 35">
             <a:extLst>
               <a:ext uri="{FF2B5EF4-FFF2-40B4-BE49-F238E27FC236}">
-                <a16:creationId xmlns="" xmlns:a16="http://schemas.microsoft.com/office/drawing/2014/main" id="{626A0744-AE03-44D5-9A65-2190DA15A386}"/>
+                <a16:creationId xmlns:a16="http://schemas.microsoft.com/office/drawing/2014/main" xmlns="" id="{626A0744-AE03-44D5-9A65-2190DA15A386}"/>
               </a:ext>
             </a:extLst>
           </p:cNvPr>
@@ -12959,7 +14585,7 @@
           <p:cNvPr id="3" name="Title 2">
             <a:extLst>
               <a:ext uri="{FF2B5EF4-FFF2-40B4-BE49-F238E27FC236}">
-                <a16:creationId xmlns="" xmlns:a16="http://schemas.microsoft.com/office/drawing/2014/main" id="{A8704E41-3486-46BD-8AA7-B6B5D28F95A5}"/>
+                <a16:creationId xmlns:a16="http://schemas.microsoft.com/office/drawing/2014/main" xmlns="" id="{A8704E41-3486-46BD-8AA7-B6B5D28F95A5}"/>
               </a:ext>
             </a:extLst>
           </p:cNvPr>
@@ -12988,7 +14614,7 @@
           <p:cNvPr id="4" name="Slide Number Placeholder 3">
             <a:extLst>
               <a:ext uri="{FF2B5EF4-FFF2-40B4-BE49-F238E27FC236}">
-                <a16:creationId xmlns="" xmlns:a16="http://schemas.microsoft.com/office/drawing/2014/main" id="{02CD92EA-E9CB-4F4C-B1B9-840F11B55DC5}"/>
+                <a16:creationId xmlns:a16="http://schemas.microsoft.com/office/drawing/2014/main" xmlns="" id="{02CD92EA-E9CB-4F4C-B1B9-840F11B55DC5}"/>
               </a:ext>
             </a:extLst>
           </p:cNvPr>
@@ -13034,7 +14660,7 @@
           <p:cNvPr id="5" name="Text Placeholder 4">
             <a:extLst>
               <a:ext uri="{FF2B5EF4-FFF2-40B4-BE49-F238E27FC236}">
-                <a16:creationId xmlns="" xmlns:a16="http://schemas.microsoft.com/office/drawing/2014/main" id="{C22D9F79-04C1-4762-96D6-F3FE8172F1B1}"/>
+                <a16:creationId xmlns:a16="http://schemas.microsoft.com/office/drawing/2014/main" xmlns="" id="{C22D9F79-04C1-4762-96D6-F3FE8172F1B1}"/>
               </a:ext>
             </a:extLst>
           </p:cNvPr>
@@ -13059,7 +14685,7 @@
           <p:cNvPr id="20" name="Oval 19">
             <a:extLst>
               <a:ext uri="{FF2B5EF4-FFF2-40B4-BE49-F238E27FC236}">
-                <a16:creationId xmlns="" xmlns:a16="http://schemas.microsoft.com/office/drawing/2014/main" id="{70018B8E-C8EA-4592-B666-4DD6915C2DAF}"/>
+                <a16:creationId xmlns:a16="http://schemas.microsoft.com/office/drawing/2014/main" xmlns="" id="{70018B8E-C8EA-4592-B666-4DD6915C2DAF}"/>
               </a:ext>
             </a:extLst>
           </p:cNvPr>
@@ -13115,7 +14741,7 @@
           <p:cNvPr id="21" name="TextBox 20">
             <a:extLst>
               <a:ext uri="{FF2B5EF4-FFF2-40B4-BE49-F238E27FC236}">
-                <a16:creationId xmlns="" xmlns:a16="http://schemas.microsoft.com/office/drawing/2014/main" id="{EA7F15EB-6AA1-4C76-921F-2B04B74B1885}"/>
+                <a16:creationId xmlns:a16="http://schemas.microsoft.com/office/drawing/2014/main" xmlns="" id="{EA7F15EB-6AA1-4C76-921F-2B04B74B1885}"/>
               </a:ext>
             </a:extLst>
           </p:cNvPr>
@@ -13157,7 +14783,7 @@
           <p:cNvPr id="22" name="Oval 21">
             <a:extLst>
               <a:ext uri="{FF2B5EF4-FFF2-40B4-BE49-F238E27FC236}">
-                <a16:creationId xmlns="" xmlns:a16="http://schemas.microsoft.com/office/drawing/2014/main" id="{70018B8E-C8EA-4592-B666-4DD6915C2DAF}"/>
+                <a16:creationId xmlns:a16="http://schemas.microsoft.com/office/drawing/2014/main" xmlns="" id="{70018B8E-C8EA-4592-B666-4DD6915C2DAF}"/>
               </a:ext>
             </a:extLst>
           </p:cNvPr>
@@ -13213,7 +14839,7 @@
           <p:cNvPr id="23" name="TextBox 22">
             <a:extLst>
               <a:ext uri="{FF2B5EF4-FFF2-40B4-BE49-F238E27FC236}">
-                <a16:creationId xmlns="" xmlns:a16="http://schemas.microsoft.com/office/drawing/2014/main" id="{EA7F15EB-6AA1-4C76-921F-2B04B74B1885}"/>
+                <a16:creationId xmlns:a16="http://schemas.microsoft.com/office/drawing/2014/main" xmlns="" id="{EA7F15EB-6AA1-4C76-921F-2B04B74B1885}"/>
               </a:ext>
             </a:extLst>
           </p:cNvPr>
@@ -13255,7 +14881,7 @@
           <p:cNvPr id="25" name="Straight Arrow Connector 24">
             <a:extLst>
               <a:ext uri="{FF2B5EF4-FFF2-40B4-BE49-F238E27FC236}">
-                <a16:creationId xmlns="" xmlns:a16="http://schemas.microsoft.com/office/drawing/2014/main" id="{D5D1DDE3-D551-4E6B-AD34-6FBA1762CCD0}"/>
+                <a16:creationId xmlns:a16="http://schemas.microsoft.com/office/drawing/2014/main" xmlns="" id="{D5D1DDE3-D551-4E6B-AD34-6FBA1762CCD0}"/>
               </a:ext>
             </a:extLst>
           </p:cNvPr>
@@ -13299,7 +14925,7 @@
           <p:cNvPr id="30" name="Straight Arrow Connector 29">
             <a:extLst>
               <a:ext uri="{FF2B5EF4-FFF2-40B4-BE49-F238E27FC236}">
-                <a16:creationId xmlns="" xmlns:a16="http://schemas.microsoft.com/office/drawing/2014/main" id="{D5D1DDE3-D551-4E6B-AD34-6FBA1762CCD0}"/>
+                <a16:creationId xmlns:a16="http://schemas.microsoft.com/office/drawing/2014/main" xmlns="" id="{D5D1DDE3-D551-4E6B-AD34-6FBA1762CCD0}"/>
               </a:ext>
             </a:extLst>
           </p:cNvPr>
@@ -13343,7 +14969,7 @@
           <p:cNvPr id="32" name="Arrow: Down 29">
             <a:extLst>
               <a:ext uri="{FF2B5EF4-FFF2-40B4-BE49-F238E27FC236}">
-                <a16:creationId xmlns="" xmlns:a16="http://schemas.microsoft.com/office/drawing/2014/main" id="{C1335406-A2C9-47D4-B205-5C60C0E28A8A}"/>
+                <a16:creationId xmlns:a16="http://schemas.microsoft.com/office/drawing/2014/main" xmlns="" id="{C1335406-A2C9-47D4-B205-5C60C0E28A8A}"/>
               </a:ext>
             </a:extLst>
           </p:cNvPr>
@@ -13427,7 +15053,7 @@
           <p:cNvPr id="33" name="Arrow: Down 29">
             <a:extLst>
               <a:ext uri="{FF2B5EF4-FFF2-40B4-BE49-F238E27FC236}">
-                <a16:creationId xmlns="" xmlns:a16="http://schemas.microsoft.com/office/drawing/2014/main" id="{C1335406-A2C9-47D4-B205-5C60C0E28A8A}"/>
+                <a16:creationId xmlns:a16="http://schemas.microsoft.com/office/drawing/2014/main" xmlns="" id="{C1335406-A2C9-47D4-B205-5C60C0E28A8A}"/>
               </a:ext>
             </a:extLst>
           </p:cNvPr>
@@ -13511,7 +15137,7 @@
           <p:cNvPr id="35" name="Arrow: Down 35">
             <a:extLst>
               <a:ext uri="{FF2B5EF4-FFF2-40B4-BE49-F238E27FC236}">
-                <a16:creationId xmlns="" xmlns:a16="http://schemas.microsoft.com/office/drawing/2014/main" id="{626A0744-AE03-44D5-9A65-2190DA15A386}"/>
+                <a16:creationId xmlns:a16="http://schemas.microsoft.com/office/drawing/2014/main" xmlns="" id="{626A0744-AE03-44D5-9A65-2190DA15A386}"/>
               </a:ext>
             </a:extLst>
           </p:cNvPr>
@@ -13585,7 +15211,7 @@
           <p:cNvPr id="36" name="Oval 35">
             <a:extLst>
               <a:ext uri="{FF2B5EF4-FFF2-40B4-BE49-F238E27FC236}">
-                <a16:creationId xmlns="" xmlns:a16="http://schemas.microsoft.com/office/drawing/2014/main" id="{80BCE4DB-0348-45EB-ACA9-2DA3EA793CE3}"/>
+                <a16:creationId xmlns:a16="http://schemas.microsoft.com/office/drawing/2014/main" xmlns="" id="{80BCE4DB-0348-45EB-ACA9-2DA3EA793CE3}"/>
               </a:ext>
             </a:extLst>
           </p:cNvPr>
@@ -13641,7 +15267,7 @@
           <p:cNvPr id="37" name="TextBox 36">
             <a:extLst>
               <a:ext uri="{FF2B5EF4-FFF2-40B4-BE49-F238E27FC236}">
-                <a16:creationId xmlns="" xmlns:a16="http://schemas.microsoft.com/office/drawing/2014/main" id="{C43F0B30-A6E3-4075-BE1B-051CB03F845A}"/>
+                <a16:creationId xmlns:a16="http://schemas.microsoft.com/office/drawing/2014/main" xmlns="" id="{C43F0B30-A6E3-4075-BE1B-051CB03F845A}"/>
               </a:ext>
             </a:extLst>
           </p:cNvPr>
@@ -13683,7 +15309,7 @@
           <p:cNvPr id="38" name="Oval 37">
             <a:extLst>
               <a:ext uri="{FF2B5EF4-FFF2-40B4-BE49-F238E27FC236}">
-                <a16:creationId xmlns="" xmlns:a16="http://schemas.microsoft.com/office/drawing/2014/main" id="{37EB46CD-5479-424C-9C1E-63D72D302502}"/>
+                <a16:creationId xmlns:a16="http://schemas.microsoft.com/office/drawing/2014/main" xmlns="" id="{37EB46CD-5479-424C-9C1E-63D72D302502}"/>
               </a:ext>
             </a:extLst>
           </p:cNvPr>
@@ -13739,7 +15365,7 @@
           <p:cNvPr id="39" name="TextBox 38">
             <a:extLst>
               <a:ext uri="{FF2B5EF4-FFF2-40B4-BE49-F238E27FC236}">
-                <a16:creationId xmlns="" xmlns:a16="http://schemas.microsoft.com/office/drawing/2014/main" id="{B0F85FB1-0D26-4078-9634-5AF41E04DD1F}"/>
+                <a16:creationId xmlns:a16="http://schemas.microsoft.com/office/drawing/2014/main" xmlns="" id="{B0F85FB1-0D26-4078-9634-5AF41E04DD1F}"/>
               </a:ext>
             </a:extLst>
           </p:cNvPr>
@@ -13781,7 +15407,7 @@
           <p:cNvPr id="40" name="Straight Arrow Connector 39">
             <a:extLst>
               <a:ext uri="{FF2B5EF4-FFF2-40B4-BE49-F238E27FC236}">
-                <a16:creationId xmlns="" xmlns:a16="http://schemas.microsoft.com/office/drawing/2014/main" id="{D5D1DDE3-D551-4E6B-AD34-6FBA1762CCD0}"/>
+                <a16:creationId xmlns:a16="http://schemas.microsoft.com/office/drawing/2014/main" xmlns="" id="{D5D1DDE3-D551-4E6B-AD34-6FBA1762CCD0}"/>
               </a:ext>
             </a:extLst>
           </p:cNvPr>
@@ -13825,7 +15451,7 @@
           <p:cNvPr id="45" name="Arrow: Down 29">
             <a:extLst>
               <a:ext uri="{FF2B5EF4-FFF2-40B4-BE49-F238E27FC236}">
-                <a16:creationId xmlns="" xmlns:a16="http://schemas.microsoft.com/office/drawing/2014/main" id="{C1335406-A2C9-47D4-B205-5C60C0E28A8A}"/>
+                <a16:creationId xmlns:a16="http://schemas.microsoft.com/office/drawing/2014/main" xmlns="" id="{C1335406-A2C9-47D4-B205-5C60C0E28A8A}"/>
               </a:ext>
             </a:extLst>
           </p:cNvPr>
@@ -13909,7 +15535,7 @@
           <p:cNvPr id="46" name="Arrow: Down 35">
             <a:extLst>
               <a:ext uri="{FF2B5EF4-FFF2-40B4-BE49-F238E27FC236}">
-                <a16:creationId xmlns="" xmlns:a16="http://schemas.microsoft.com/office/drawing/2014/main" id="{626A0744-AE03-44D5-9A65-2190DA15A386}"/>
+                <a16:creationId xmlns:a16="http://schemas.microsoft.com/office/drawing/2014/main" xmlns="" id="{626A0744-AE03-44D5-9A65-2190DA15A386}"/>
               </a:ext>
             </a:extLst>
           </p:cNvPr>
@@ -14295,7 +15921,7 @@
           <p:cNvPr id="3" name="Title 2">
             <a:extLst>
               <a:ext uri="{FF2B5EF4-FFF2-40B4-BE49-F238E27FC236}">
-                <a16:creationId xmlns="" xmlns:a16="http://schemas.microsoft.com/office/drawing/2014/main" id="{A8704E41-3486-46BD-8AA7-B6B5D28F95A5}"/>
+                <a16:creationId xmlns:a16="http://schemas.microsoft.com/office/drawing/2014/main" xmlns="" id="{A8704E41-3486-46BD-8AA7-B6B5D28F95A5}"/>
               </a:ext>
             </a:extLst>
           </p:cNvPr>
@@ -14324,7 +15950,7 @@
           <p:cNvPr id="4" name="Slide Number Placeholder 3">
             <a:extLst>
               <a:ext uri="{FF2B5EF4-FFF2-40B4-BE49-F238E27FC236}">
-                <a16:creationId xmlns="" xmlns:a16="http://schemas.microsoft.com/office/drawing/2014/main" id="{02CD92EA-E9CB-4F4C-B1B9-840F11B55DC5}"/>
+                <a16:creationId xmlns:a16="http://schemas.microsoft.com/office/drawing/2014/main" xmlns="" id="{02CD92EA-E9CB-4F4C-B1B9-840F11B55DC5}"/>
               </a:ext>
             </a:extLst>
           </p:cNvPr>
@@ -14370,7 +15996,7 @@
           <p:cNvPr id="5" name="Text Placeholder 4">
             <a:extLst>
               <a:ext uri="{FF2B5EF4-FFF2-40B4-BE49-F238E27FC236}">
-                <a16:creationId xmlns="" xmlns:a16="http://schemas.microsoft.com/office/drawing/2014/main" id="{C22D9F79-04C1-4762-96D6-F3FE8172F1B1}"/>
+                <a16:creationId xmlns:a16="http://schemas.microsoft.com/office/drawing/2014/main" xmlns="" id="{C22D9F79-04C1-4762-96D6-F3FE8172F1B1}"/>
               </a:ext>
             </a:extLst>
           </p:cNvPr>
@@ -14463,7 +16089,7 @@
           <p:cNvPr id="32" name="Oval 31">
             <a:extLst>
               <a:ext uri="{FF2B5EF4-FFF2-40B4-BE49-F238E27FC236}">
-                <a16:creationId xmlns="" xmlns:a16="http://schemas.microsoft.com/office/drawing/2014/main" id="{70018B8E-C8EA-4592-B666-4DD6915C2DAF}"/>
+                <a16:creationId xmlns:a16="http://schemas.microsoft.com/office/drawing/2014/main" xmlns="" id="{70018B8E-C8EA-4592-B666-4DD6915C2DAF}"/>
               </a:ext>
             </a:extLst>
           </p:cNvPr>
@@ -14519,7 +16145,7 @@
           <p:cNvPr id="33" name="TextBox 32">
             <a:extLst>
               <a:ext uri="{FF2B5EF4-FFF2-40B4-BE49-F238E27FC236}">
-                <a16:creationId xmlns="" xmlns:a16="http://schemas.microsoft.com/office/drawing/2014/main" id="{EA7F15EB-6AA1-4C76-921F-2B04B74B1885}"/>
+                <a16:creationId xmlns:a16="http://schemas.microsoft.com/office/drawing/2014/main" xmlns="" id="{EA7F15EB-6AA1-4C76-921F-2B04B74B1885}"/>
               </a:ext>
             </a:extLst>
           </p:cNvPr>
@@ -14561,7 +16187,7 @@
           <p:cNvPr id="34" name="Oval 33">
             <a:extLst>
               <a:ext uri="{FF2B5EF4-FFF2-40B4-BE49-F238E27FC236}">
-                <a16:creationId xmlns="" xmlns:a16="http://schemas.microsoft.com/office/drawing/2014/main" id="{70018B8E-C8EA-4592-B666-4DD6915C2DAF}"/>
+                <a16:creationId xmlns:a16="http://schemas.microsoft.com/office/drawing/2014/main" xmlns="" id="{70018B8E-C8EA-4592-B666-4DD6915C2DAF}"/>
               </a:ext>
             </a:extLst>
           </p:cNvPr>
@@ -14617,7 +16243,7 @@
           <p:cNvPr id="35" name="TextBox 34">
             <a:extLst>
               <a:ext uri="{FF2B5EF4-FFF2-40B4-BE49-F238E27FC236}">
-                <a16:creationId xmlns="" xmlns:a16="http://schemas.microsoft.com/office/drawing/2014/main" id="{EA7F15EB-6AA1-4C76-921F-2B04B74B1885}"/>
+                <a16:creationId xmlns:a16="http://schemas.microsoft.com/office/drawing/2014/main" xmlns="" id="{EA7F15EB-6AA1-4C76-921F-2B04B74B1885}"/>
               </a:ext>
             </a:extLst>
           </p:cNvPr>
@@ -14659,7 +16285,7 @@
           <p:cNvPr id="36" name="Straight Arrow Connector 35">
             <a:extLst>
               <a:ext uri="{FF2B5EF4-FFF2-40B4-BE49-F238E27FC236}">
-                <a16:creationId xmlns="" xmlns:a16="http://schemas.microsoft.com/office/drawing/2014/main" id="{D5D1DDE3-D551-4E6B-AD34-6FBA1762CCD0}"/>
+                <a16:creationId xmlns:a16="http://schemas.microsoft.com/office/drawing/2014/main" xmlns="" id="{D5D1DDE3-D551-4E6B-AD34-6FBA1762CCD0}"/>
               </a:ext>
             </a:extLst>
           </p:cNvPr>
@@ -14703,7 +16329,7 @@
           <p:cNvPr id="37" name="Straight Arrow Connector 36">
             <a:extLst>
               <a:ext uri="{FF2B5EF4-FFF2-40B4-BE49-F238E27FC236}">
-                <a16:creationId xmlns="" xmlns:a16="http://schemas.microsoft.com/office/drawing/2014/main" id="{D5D1DDE3-D551-4E6B-AD34-6FBA1762CCD0}"/>
+                <a16:creationId xmlns:a16="http://schemas.microsoft.com/office/drawing/2014/main" xmlns="" id="{D5D1DDE3-D551-4E6B-AD34-6FBA1762CCD0}"/>
               </a:ext>
             </a:extLst>
           </p:cNvPr>
@@ -14747,7 +16373,7 @@
           <p:cNvPr id="39" name="Arrow: Down 29">
             <a:extLst>
               <a:ext uri="{FF2B5EF4-FFF2-40B4-BE49-F238E27FC236}">
-                <a16:creationId xmlns="" xmlns:a16="http://schemas.microsoft.com/office/drawing/2014/main" id="{C1335406-A2C9-47D4-B205-5C60C0E28A8A}"/>
+                <a16:creationId xmlns:a16="http://schemas.microsoft.com/office/drawing/2014/main" xmlns="" id="{C1335406-A2C9-47D4-B205-5C60C0E28A8A}"/>
               </a:ext>
             </a:extLst>
           </p:cNvPr>
@@ -14831,7 +16457,7 @@
           <p:cNvPr id="41" name="Oval 40">
             <a:extLst>
               <a:ext uri="{FF2B5EF4-FFF2-40B4-BE49-F238E27FC236}">
-                <a16:creationId xmlns="" xmlns:a16="http://schemas.microsoft.com/office/drawing/2014/main" id="{80BCE4DB-0348-45EB-ACA9-2DA3EA793CE3}"/>
+                <a16:creationId xmlns:a16="http://schemas.microsoft.com/office/drawing/2014/main" xmlns="" id="{80BCE4DB-0348-45EB-ACA9-2DA3EA793CE3}"/>
               </a:ext>
             </a:extLst>
           </p:cNvPr>
@@ -14887,7 +16513,7 @@
           <p:cNvPr id="42" name="TextBox 41">
             <a:extLst>
               <a:ext uri="{FF2B5EF4-FFF2-40B4-BE49-F238E27FC236}">
-                <a16:creationId xmlns="" xmlns:a16="http://schemas.microsoft.com/office/drawing/2014/main" id="{C43F0B30-A6E3-4075-BE1B-051CB03F845A}"/>
+                <a16:creationId xmlns:a16="http://schemas.microsoft.com/office/drawing/2014/main" xmlns="" id="{C43F0B30-A6E3-4075-BE1B-051CB03F845A}"/>
               </a:ext>
             </a:extLst>
           </p:cNvPr>
@@ -14929,7 +16555,7 @@
           <p:cNvPr id="45" name="Oval 44">
             <a:extLst>
               <a:ext uri="{FF2B5EF4-FFF2-40B4-BE49-F238E27FC236}">
-                <a16:creationId xmlns="" xmlns:a16="http://schemas.microsoft.com/office/drawing/2014/main" id="{37EB46CD-5479-424C-9C1E-63D72D302502}"/>
+                <a16:creationId xmlns:a16="http://schemas.microsoft.com/office/drawing/2014/main" xmlns="" id="{37EB46CD-5479-424C-9C1E-63D72D302502}"/>
               </a:ext>
             </a:extLst>
           </p:cNvPr>
@@ -14985,7 +16611,7 @@
           <p:cNvPr id="46" name="TextBox 45">
             <a:extLst>
               <a:ext uri="{FF2B5EF4-FFF2-40B4-BE49-F238E27FC236}">
-                <a16:creationId xmlns="" xmlns:a16="http://schemas.microsoft.com/office/drawing/2014/main" id="{B0F85FB1-0D26-4078-9634-5AF41E04DD1F}"/>
+                <a16:creationId xmlns:a16="http://schemas.microsoft.com/office/drawing/2014/main" xmlns="" id="{B0F85FB1-0D26-4078-9634-5AF41E04DD1F}"/>
               </a:ext>
             </a:extLst>
           </p:cNvPr>
@@ -15027,7 +16653,7 @@
           <p:cNvPr id="47" name="Straight Arrow Connector 46">
             <a:extLst>
               <a:ext uri="{FF2B5EF4-FFF2-40B4-BE49-F238E27FC236}">
-                <a16:creationId xmlns="" xmlns:a16="http://schemas.microsoft.com/office/drawing/2014/main" id="{D5D1DDE3-D551-4E6B-AD34-6FBA1762CCD0}"/>
+                <a16:creationId xmlns:a16="http://schemas.microsoft.com/office/drawing/2014/main" xmlns="" id="{D5D1DDE3-D551-4E6B-AD34-6FBA1762CCD0}"/>
               </a:ext>
             </a:extLst>
           </p:cNvPr>
@@ -15071,7 +16697,7 @@
           <p:cNvPr id="48" name="Arrow: Down 29">
             <a:extLst>
               <a:ext uri="{FF2B5EF4-FFF2-40B4-BE49-F238E27FC236}">
-                <a16:creationId xmlns="" xmlns:a16="http://schemas.microsoft.com/office/drawing/2014/main" id="{C1335406-A2C9-47D4-B205-5C60C0E28A8A}"/>
+                <a16:creationId xmlns:a16="http://schemas.microsoft.com/office/drawing/2014/main" xmlns="" id="{C1335406-A2C9-47D4-B205-5C60C0E28A8A}"/>
               </a:ext>
             </a:extLst>
           </p:cNvPr>
@@ -15155,7 +16781,7 @@
           <p:cNvPr id="49" name="Arrow: Down 35">
             <a:extLst>
               <a:ext uri="{FF2B5EF4-FFF2-40B4-BE49-F238E27FC236}">
-                <a16:creationId xmlns="" xmlns:a16="http://schemas.microsoft.com/office/drawing/2014/main" id="{626A0744-AE03-44D5-9A65-2190DA15A386}"/>
+                <a16:creationId xmlns:a16="http://schemas.microsoft.com/office/drawing/2014/main" xmlns="" id="{626A0744-AE03-44D5-9A65-2190DA15A386}"/>
               </a:ext>
             </a:extLst>
           </p:cNvPr>
@@ -15229,7 +16855,7 @@
           <p:cNvPr id="54" name="Arrow: Down 35">
             <a:extLst>
               <a:ext uri="{FF2B5EF4-FFF2-40B4-BE49-F238E27FC236}">
-                <a16:creationId xmlns="" xmlns:a16="http://schemas.microsoft.com/office/drawing/2014/main" id="{626A0744-AE03-44D5-9A65-2190DA15A386}"/>
+                <a16:creationId xmlns:a16="http://schemas.microsoft.com/office/drawing/2014/main" xmlns="" id="{626A0744-AE03-44D5-9A65-2190DA15A386}"/>
               </a:ext>
             </a:extLst>
           </p:cNvPr>
@@ -15303,7 +16929,7 @@
           <p:cNvPr id="55" name="Oval 54">
             <a:extLst>
               <a:ext uri="{FF2B5EF4-FFF2-40B4-BE49-F238E27FC236}">
-                <a16:creationId xmlns="" xmlns:a16="http://schemas.microsoft.com/office/drawing/2014/main" id="{70018B8E-C8EA-4592-B666-4DD6915C2DAF}"/>
+                <a16:creationId xmlns:a16="http://schemas.microsoft.com/office/drawing/2014/main" xmlns="" id="{70018B8E-C8EA-4592-B666-4DD6915C2DAF}"/>
               </a:ext>
             </a:extLst>
           </p:cNvPr>
@@ -15359,7 +16985,7 @@
           <p:cNvPr id="57" name="TextBox 56">
             <a:extLst>
               <a:ext uri="{FF2B5EF4-FFF2-40B4-BE49-F238E27FC236}">
-                <a16:creationId xmlns="" xmlns:a16="http://schemas.microsoft.com/office/drawing/2014/main" id="{EA7F15EB-6AA1-4C76-921F-2B04B74B1885}"/>
+                <a16:creationId xmlns:a16="http://schemas.microsoft.com/office/drawing/2014/main" xmlns="" id="{EA7F15EB-6AA1-4C76-921F-2B04B74B1885}"/>
               </a:ext>
             </a:extLst>
           </p:cNvPr>
@@ -15401,7 +17027,7 @@
           <p:cNvPr id="58" name="Straight Arrow Connector 57">
             <a:extLst>
               <a:ext uri="{FF2B5EF4-FFF2-40B4-BE49-F238E27FC236}">
-                <a16:creationId xmlns="" xmlns:a16="http://schemas.microsoft.com/office/drawing/2014/main" id="{D5D1DDE3-D551-4E6B-AD34-6FBA1762CCD0}"/>
+                <a16:creationId xmlns:a16="http://schemas.microsoft.com/office/drawing/2014/main" xmlns="" id="{D5D1DDE3-D551-4E6B-AD34-6FBA1762CCD0}"/>
               </a:ext>
             </a:extLst>
           </p:cNvPr>
@@ -15445,7 +17071,7 @@
           <p:cNvPr id="59" name="Straight Arrow Connector 58">
             <a:extLst>
               <a:ext uri="{FF2B5EF4-FFF2-40B4-BE49-F238E27FC236}">
-                <a16:creationId xmlns="" xmlns:a16="http://schemas.microsoft.com/office/drawing/2014/main" id="{D5D1DDE3-D551-4E6B-AD34-6FBA1762CCD0}"/>
+                <a16:creationId xmlns:a16="http://schemas.microsoft.com/office/drawing/2014/main" xmlns="" id="{D5D1DDE3-D551-4E6B-AD34-6FBA1762CCD0}"/>
               </a:ext>
             </a:extLst>
           </p:cNvPr>
@@ -15489,7 +17115,7 @@
           <p:cNvPr id="60" name="Arrow: Down 29">
             <a:extLst>
               <a:ext uri="{FF2B5EF4-FFF2-40B4-BE49-F238E27FC236}">
-                <a16:creationId xmlns="" xmlns:a16="http://schemas.microsoft.com/office/drawing/2014/main" id="{C1335406-A2C9-47D4-B205-5C60C0E28A8A}"/>
+                <a16:creationId xmlns:a16="http://schemas.microsoft.com/office/drawing/2014/main" xmlns="" id="{C1335406-A2C9-47D4-B205-5C60C0E28A8A}"/>
               </a:ext>
             </a:extLst>
           </p:cNvPr>
@@ -15573,7 +17199,7 @@
           <p:cNvPr id="61" name="Arrow: Down 35">
             <a:extLst>
               <a:ext uri="{FF2B5EF4-FFF2-40B4-BE49-F238E27FC236}">
-                <a16:creationId xmlns="" xmlns:a16="http://schemas.microsoft.com/office/drawing/2014/main" id="{626A0744-AE03-44D5-9A65-2190DA15A386}"/>
+                <a16:creationId xmlns:a16="http://schemas.microsoft.com/office/drawing/2014/main" xmlns="" id="{626A0744-AE03-44D5-9A65-2190DA15A386}"/>
               </a:ext>
             </a:extLst>
           </p:cNvPr>
@@ -16068,7 +17694,7 @@
           <p:cNvPr id="3" name="Title 2">
             <a:extLst>
               <a:ext uri="{FF2B5EF4-FFF2-40B4-BE49-F238E27FC236}">
-                <a16:creationId xmlns="" xmlns:a16="http://schemas.microsoft.com/office/drawing/2014/main" id="{A8704E41-3486-46BD-8AA7-B6B5D28F95A5}"/>
+                <a16:creationId xmlns:a16="http://schemas.microsoft.com/office/drawing/2014/main" xmlns="" id="{A8704E41-3486-46BD-8AA7-B6B5D28F95A5}"/>
               </a:ext>
             </a:extLst>
           </p:cNvPr>
@@ -16101,7 +17727,7 @@
           <p:cNvPr id="4" name="Slide Number Placeholder 3">
             <a:extLst>
               <a:ext uri="{FF2B5EF4-FFF2-40B4-BE49-F238E27FC236}">
-                <a16:creationId xmlns="" xmlns:a16="http://schemas.microsoft.com/office/drawing/2014/main" id="{02CD92EA-E9CB-4F4C-B1B9-840F11B55DC5}"/>
+                <a16:creationId xmlns:a16="http://schemas.microsoft.com/office/drawing/2014/main" xmlns="" id="{02CD92EA-E9CB-4F4C-B1B9-840F11B55DC5}"/>
               </a:ext>
             </a:extLst>
           </p:cNvPr>
@@ -16147,7 +17773,7 @@
           <p:cNvPr id="5" name="Text Placeholder 4">
             <a:extLst>
               <a:ext uri="{FF2B5EF4-FFF2-40B4-BE49-F238E27FC236}">
-                <a16:creationId xmlns="" xmlns:a16="http://schemas.microsoft.com/office/drawing/2014/main" id="{C22D9F79-04C1-4762-96D6-F3FE8172F1B1}"/>
+                <a16:creationId xmlns:a16="http://schemas.microsoft.com/office/drawing/2014/main" xmlns="" id="{C22D9F79-04C1-4762-96D6-F3FE8172F1B1}"/>
               </a:ext>
             </a:extLst>
           </p:cNvPr>
@@ -16172,7 +17798,7 @@
           <p:cNvPr id="60" name="Oval 59">
             <a:extLst>
               <a:ext uri="{FF2B5EF4-FFF2-40B4-BE49-F238E27FC236}">
-                <a16:creationId xmlns="" xmlns:a16="http://schemas.microsoft.com/office/drawing/2014/main" id="{70018B8E-C8EA-4592-B666-4DD6915C2DAF}"/>
+                <a16:creationId xmlns:a16="http://schemas.microsoft.com/office/drawing/2014/main" xmlns="" id="{70018B8E-C8EA-4592-B666-4DD6915C2DAF}"/>
               </a:ext>
             </a:extLst>
           </p:cNvPr>
@@ -16230,7 +17856,7 @@
           <p:cNvPr id="68" name="Oval 67">
             <a:extLst>
               <a:ext uri="{FF2B5EF4-FFF2-40B4-BE49-F238E27FC236}">
-                <a16:creationId xmlns="" xmlns:a16="http://schemas.microsoft.com/office/drawing/2014/main" id="{70018B8E-C8EA-4592-B666-4DD6915C2DAF}"/>
+                <a16:creationId xmlns:a16="http://schemas.microsoft.com/office/drawing/2014/main" xmlns="" id="{70018B8E-C8EA-4592-B666-4DD6915C2DAF}"/>
               </a:ext>
             </a:extLst>
           </p:cNvPr>
@@ -16286,7 +17912,7 @@
           <p:cNvPr id="69" name="Straight Arrow Connector 68">
             <a:extLst>
               <a:ext uri="{FF2B5EF4-FFF2-40B4-BE49-F238E27FC236}">
-                <a16:creationId xmlns="" xmlns:a16="http://schemas.microsoft.com/office/drawing/2014/main" id="{D5D1DDE3-D551-4E6B-AD34-6FBA1762CCD0}"/>
+                <a16:creationId xmlns:a16="http://schemas.microsoft.com/office/drawing/2014/main" xmlns="" id="{D5D1DDE3-D551-4E6B-AD34-6FBA1762CCD0}"/>
               </a:ext>
             </a:extLst>
           </p:cNvPr>
@@ -16330,7 +17956,7 @@
           <p:cNvPr id="71" name="Oval 70">
             <a:extLst>
               <a:ext uri="{FF2B5EF4-FFF2-40B4-BE49-F238E27FC236}">
-                <a16:creationId xmlns="" xmlns:a16="http://schemas.microsoft.com/office/drawing/2014/main" id="{70018B8E-C8EA-4592-B666-4DD6915C2DAF}"/>
+                <a16:creationId xmlns:a16="http://schemas.microsoft.com/office/drawing/2014/main" xmlns="" id="{70018B8E-C8EA-4592-B666-4DD6915C2DAF}"/>
               </a:ext>
             </a:extLst>
           </p:cNvPr>
@@ -16386,7 +18012,7 @@
           <p:cNvPr id="72" name="Straight Arrow Connector 71">
             <a:extLst>
               <a:ext uri="{FF2B5EF4-FFF2-40B4-BE49-F238E27FC236}">
-                <a16:creationId xmlns="" xmlns:a16="http://schemas.microsoft.com/office/drawing/2014/main" id="{D5D1DDE3-D551-4E6B-AD34-6FBA1762CCD0}"/>
+                <a16:creationId xmlns:a16="http://schemas.microsoft.com/office/drawing/2014/main" xmlns="" id="{D5D1DDE3-D551-4E6B-AD34-6FBA1762CCD0}"/>
               </a:ext>
             </a:extLst>
           </p:cNvPr>
@@ -16430,7 +18056,7 @@
           <p:cNvPr id="74" name="Oval 73">
             <a:extLst>
               <a:ext uri="{FF2B5EF4-FFF2-40B4-BE49-F238E27FC236}">
-                <a16:creationId xmlns="" xmlns:a16="http://schemas.microsoft.com/office/drawing/2014/main" id="{70018B8E-C8EA-4592-B666-4DD6915C2DAF}"/>
+                <a16:creationId xmlns:a16="http://schemas.microsoft.com/office/drawing/2014/main" xmlns="" id="{70018B8E-C8EA-4592-B666-4DD6915C2DAF}"/>
               </a:ext>
             </a:extLst>
           </p:cNvPr>
@@ -16486,7 +18112,7 @@
           <p:cNvPr id="75" name="Straight Arrow Connector 74">
             <a:extLst>
               <a:ext uri="{FF2B5EF4-FFF2-40B4-BE49-F238E27FC236}">
-                <a16:creationId xmlns="" xmlns:a16="http://schemas.microsoft.com/office/drawing/2014/main" id="{D5D1DDE3-D551-4E6B-AD34-6FBA1762CCD0}"/>
+                <a16:creationId xmlns:a16="http://schemas.microsoft.com/office/drawing/2014/main" xmlns="" id="{D5D1DDE3-D551-4E6B-AD34-6FBA1762CCD0}"/>
               </a:ext>
             </a:extLst>
           </p:cNvPr>
@@ -16530,7 +18156,7 @@
           <p:cNvPr id="77" name="Oval 76">
             <a:extLst>
               <a:ext uri="{FF2B5EF4-FFF2-40B4-BE49-F238E27FC236}">
-                <a16:creationId xmlns="" xmlns:a16="http://schemas.microsoft.com/office/drawing/2014/main" id="{70018B8E-C8EA-4592-B666-4DD6915C2DAF}"/>
+                <a16:creationId xmlns:a16="http://schemas.microsoft.com/office/drawing/2014/main" xmlns="" id="{70018B8E-C8EA-4592-B666-4DD6915C2DAF}"/>
               </a:ext>
             </a:extLst>
           </p:cNvPr>
@@ -16586,7 +18212,7 @@
           <p:cNvPr id="79" name="Oval 78">
             <a:extLst>
               <a:ext uri="{FF2B5EF4-FFF2-40B4-BE49-F238E27FC236}">
-                <a16:creationId xmlns="" xmlns:a16="http://schemas.microsoft.com/office/drawing/2014/main" id="{70018B8E-C8EA-4592-B666-4DD6915C2DAF}"/>
+                <a16:creationId xmlns:a16="http://schemas.microsoft.com/office/drawing/2014/main" xmlns="" id="{70018B8E-C8EA-4592-B666-4DD6915C2DAF}"/>
               </a:ext>
             </a:extLst>
           </p:cNvPr>
@@ -16642,7 +18268,7 @@
           <p:cNvPr id="81" name="Oval 80">
             <a:extLst>
               <a:ext uri="{FF2B5EF4-FFF2-40B4-BE49-F238E27FC236}">
-                <a16:creationId xmlns="" xmlns:a16="http://schemas.microsoft.com/office/drawing/2014/main" id="{70018B8E-C8EA-4592-B666-4DD6915C2DAF}"/>
+                <a16:creationId xmlns:a16="http://schemas.microsoft.com/office/drawing/2014/main" xmlns="" id="{70018B8E-C8EA-4592-B666-4DD6915C2DAF}"/>
               </a:ext>
             </a:extLst>
           </p:cNvPr>
@@ -16698,7 +18324,7 @@
           <p:cNvPr id="82" name="Straight Arrow Connector 81">
             <a:extLst>
               <a:ext uri="{FF2B5EF4-FFF2-40B4-BE49-F238E27FC236}">
-                <a16:creationId xmlns="" xmlns:a16="http://schemas.microsoft.com/office/drawing/2014/main" id="{D5D1DDE3-D551-4E6B-AD34-6FBA1762CCD0}"/>
+                <a16:creationId xmlns:a16="http://schemas.microsoft.com/office/drawing/2014/main" xmlns="" id="{D5D1DDE3-D551-4E6B-AD34-6FBA1762CCD0}"/>
               </a:ext>
             </a:extLst>
           </p:cNvPr>
@@ -16742,7 +18368,7 @@
           <p:cNvPr id="84" name="Oval 83">
             <a:extLst>
               <a:ext uri="{FF2B5EF4-FFF2-40B4-BE49-F238E27FC236}">
-                <a16:creationId xmlns="" xmlns:a16="http://schemas.microsoft.com/office/drawing/2014/main" id="{70018B8E-C8EA-4592-B666-4DD6915C2DAF}"/>
+                <a16:creationId xmlns:a16="http://schemas.microsoft.com/office/drawing/2014/main" xmlns="" id="{70018B8E-C8EA-4592-B666-4DD6915C2DAF}"/>
               </a:ext>
             </a:extLst>
           </p:cNvPr>
@@ -16798,7 +18424,7 @@
           <p:cNvPr id="85" name="Straight Arrow Connector 84">
             <a:extLst>
               <a:ext uri="{FF2B5EF4-FFF2-40B4-BE49-F238E27FC236}">
-                <a16:creationId xmlns="" xmlns:a16="http://schemas.microsoft.com/office/drawing/2014/main" id="{D5D1DDE3-D551-4E6B-AD34-6FBA1762CCD0}"/>
+                <a16:creationId xmlns:a16="http://schemas.microsoft.com/office/drawing/2014/main" xmlns="" id="{D5D1DDE3-D551-4E6B-AD34-6FBA1762CCD0}"/>
               </a:ext>
             </a:extLst>
           </p:cNvPr>
@@ -16842,7 +18468,7 @@
           <p:cNvPr id="87" name="Oval 86">
             <a:extLst>
               <a:ext uri="{FF2B5EF4-FFF2-40B4-BE49-F238E27FC236}">
-                <a16:creationId xmlns="" xmlns:a16="http://schemas.microsoft.com/office/drawing/2014/main" id="{70018B8E-C8EA-4592-B666-4DD6915C2DAF}"/>
+                <a16:creationId xmlns:a16="http://schemas.microsoft.com/office/drawing/2014/main" xmlns="" id="{70018B8E-C8EA-4592-B666-4DD6915C2DAF}"/>
               </a:ext>
             </a:extLst>
           </p:cNvPr>
@@ -16898,7 +18524,7 @@
           <p:cNvPr id="89" name="Straight Arrow Connector 88">
             <a:extLst>
               <a:ext uri="{FF2B5EF4-FFF2-40B4-BE49-F238E27FC236}">
-                <a16:creationId xmlns="" xmlns:a16="http://schemas.microsoft.com/office/drawing/2014/main" id="{D5D1DDE3-D551-4E6B-AD34-6FBA1762CCD0}"/>
+                <a16:creationId xmlns:a16="http://schemas.microsoft.com/office/drawing/2014/main" xmlns="" id="{D5D1DDE3-D551-4E6B-AD34-6FBA1762CCD0}"/>
               </a:ext>
             </a:extLst>
           </p:cNvPr>
@@ -16942,7 +18568,7 @@
           <p:cNvPr id="90" name="Straight Arrow Connector 89">
             <a:extLst>
               <a:ext uri="{FF2B5EF4-FFF2-40B4-BE49-F238E27FC236}">
-                <a16:creationId xmlns="" xmlns:a16="http://schemas.microsoft.com/office/drawing/2014/main" id="{D5D1DDE3-D551-4E6B-AD34-6FBA1762CCD0}"/>
+                <a16:creationId xmlns:a16="http://schemas.microsoft.com/office/drawing/2014/main" xmlns="" id="{D5D1DDE3-D551-4E6B-AD34-6FBA1762CCD0}"/>
               </a:ext>
             </a:extLst>
           </p:cNvPr>
@@ -16986,7 +18612,7 @@
           <p:cNvPr id="91" name="Straight Arrow Connector 90">
             <a:extLst>
               <a:ext uri="{FF2B5EF4-FFF2-40B4-BE49-F238E27FC236}">
-                <a16:creationId xmlns="" xmlns:a16="http://schemas.microsoft.com/office/drawing/2014/main" id="{D5D1DDE3-D551-4E6B-AD34-6FBA1762CCD0}"/>
+                <a16:creationId xmlns:a16="http://schemas.microsoft.com/office/drawing/2014/main" xmlns="" id="{D5D1DDE3-D551-4E6B-AD34-6FBA1762CCD0}"/>
               </a:ext>
             </a:extLst>
           </p:cNvPr>
@@ -17030,7 +18656,7 @@
           <p:cNvPr id="92" name="Straight Arrow Connector 91">
             <a:extLst>
               <a:ext uri="{FF2B5EF4-FFF2-40B4-BE49-F238E27FC236}">
-                <a16:creationId xmlns="" xmlns:a16="http://schemas.microsoft.com/office/drawing/2014/main" id="{D5D1DDE3-D551-4E6B-AD34-6FBA1762CCD0}"/>
+                <a16:creationId xmlns:a16="http://schemas.microsoft.com/office/drawing/2014/main" xmlns="" id="{D5D1DDE3-D551-4E6B-AD34-6FBA1762CCD0}"/>
               </a:ext>
             </a:extLst>
           </p:cNvPr>
@@ -17074,7 +18700,7 @@
           <p:cNvPr id="99" name="Oval 98">
             <a:extLst>
               <a:ext uri="{FF2B5EF4-FFF2-40B4-BE49-F238E27FC236}">
-                <a16:creationId xmlns="" xmlns:a16="http://schemas.microsoft.com/office/drawing/2014/main" id="{70018B8E-C8EA-4592-B666-4DD6915C2DAF}"/>
+                <a16:creationId xmlns:a16="http://schemas.microsoft.com/office/drawing/2014/main" xmlns="" id="{70018B8E-C8EA-4592-B666-4DD6915C2DAF}"/>
               </a:ext>
             </a:extLst>
           </p:cNvPr>
@@ -17132,7 +18758,7 @@
           <p:cNvPr id="100" name="Oval 99">
             <a:extLst>
               <a:ext uri="{FF2B5EF4-FFF2-40B4-BE49-F238E27FC236}">
-                <a16:creationId xmlns="" xmlns:a16="http://schemas.microsoft.com/office/drawing/2014/main" id="{70018B8E-C8EA-4592-B666-4DD6915C2DAF}"/>
+                <a16:creationId xmlns:a16="http://schemas.microsoft.com/office/drawing/2014/main" xmlns="" id="{70018B8E-C8EA-4592-B666-4DD6915C2DAF}"/>
               </a:ext>
             </a:extLst>
           </p:cNvPr>
@@ -17190,7 +18816,7 @@
           <p:cNvPr id="101" name="Oval 100">
             <a:extLst>
               <a:ext uri="{FF2B5EF4-FFF2-40B4-BE49-F238E27FC236}">
-                <a16:creationId xmlns="" xmlns:a16="http://schemas.microsoft.com/office/drawing/2014/main" id="{70018B8E-C8EA-4592-B666-4DD6915C2DAF}"/>
+                <a16:creationId xmlns:a16="http://schemas.microsoft.com/office/drawing/2014/main" xmlns="" id="{70018B8E-C8EA-4592-B666-4DD6915C2DAF}"/>
               </a:ext>
             </a:extLst>
           </p:cNvPr>
@@ -17248,7 +18874,7 @@
           <p:cNvPr id="102" name="Oval 101">
             <a:extLst>
               <a:ext uri="{FF2B5EF4-FFF2-40B4-BE49-F238E27FC236}">
-                <a16:creationId xmlns="" xmlns:a16="http://schemas.microsoft.com/office/drawing/2014/main" id="{70018B8E-C8EA-4592-B666-4DD6915C2DAF}"/>
+                <a16:creationId xmlns:a16="http://schemas.microsoft.com/office/drawing/2014/main" xmlns="" id="{70018B8E-C8EA-4592-B666-4DD6915C2DAF}"/>
               </a:ext>
             </a:extLst>
           </p:cNvPr>
@@ -17306,7 +18932,7 @@
           <p:cNvPr id="103" name="Oval 102">
             <a:extLst>
               <a:ext uri="{FF2B5EF4-FFF2-40B4-BE49-F238E27FC236}">
-                <a16:creationId xmlns="" xmlns:a16="http://schemas.microsoft.com/office/drawing/2014/main" id="{70018B8E-C8EA-4592-B666-4DD6915C2DAF}"/>
+                <a16:creationId xmlns:a16="http://schemas.microsoft.com/office/drawing/2014/main" xmlns="" id="{70018B8E-C8EA-4592-B666-4DD6915C2DAF}"/>
               </a:ext>
             </a:extLst>
           </p:cNvPr>
@@ -17364,7 +18990,7 @@
           <p:cNvPr id="104" name="Oval 103">
             <a:extLst>
               <a:ext uri="{FF2B5EF4-FFF2-40B4-BE49-F238E27FC236}">
-                <a16:creationId xmlns="" xmlns:a16="http://schemas.microsoft.com/office/drawing/2014/main" id="{70018B8E-C8EA-4592-B666-4DD6915C2DAF}"/>
+                <a16:creationId xmlns:a16="http://schemas.microsoft.com/office/drawing/2014/main" xmlns="" id="{70018B8E-C8EA-4592-B666-4DD6915C2DAF}"/>
               </a:ext>
             </a:extLst>
           </p:cNvPr>
@@ -17422,7 +19048,7 @@
           <p:cNvPr id="105" name="Oval 104">
             <a:extLst>
               <a:ext uri="{FF2B5EF4-FFF2-40B4-BE49-F238E27FC236}">
-                <a16:creationId xmlns="" xmlns:a16="http://schemas.microsoft.com/office/drawing/2014/main" id="{70018B8E-C8EA-4592-B666-4DD6915C2DAF}"/>
+                <a16:creationId xmlns:a16="http://schemas.microsoft.com/office/drawing/2014/main" xmlns="" id="{70018B8E-C8EA-4592-B666-4DD6915C2DAF}"/>
               </a:ext>
             </a:extLst>
           </p:cNvPr>
@@ -18129,7 +19755,7 @@
           <p:cNvPr id="3" name="Title 2">
             <a:extLst>
               <a:ext uri="{FF2B5EF4-FFF2-40B4-BE49-F238E27FC236}">
-                <a16:creationId xmlns="" xmlns:a16="http://schemas.microsoft.com/office/drawing/2014/main" id="{A8704E41-3486-46BD-8AA7-B6B5D28F95A5}"/>
+                <a16:creationId xmlns:a16="http://schemas.microsoft.com/office/drawing/2014/main" xmlns="" id="{A8704E41-3486-46BD-8AA7-B6B5D28F95A5}"/>
               </a:ext>
             </a:extLst>
           </p:cNvPr>
@@ -18162,7 +19788,7 @@
           <p:cNvPr id="4" name="Slide Number Placeholder 3">
             <a:extLst>
               <a:ext uri="{FF2B5EF4-FFF2-40B4-BE49-F238E27FC236}">
-                <a16:creationId xmlns="" xmlns:a16="http://schemas.microsoft.com/office/drawing/2014/main" id="{02CD92EA-E9CB-4F4C-B1B9-840F11B55DC5}"/>
+                <a16:creationId xmlns:a16="http://schemas.microsoft.com/office/drawing/2014/main" xmlns="" id="{02CD92EA-E9CB-4F4C-B1B9-840F11B55DC5}"/>
               </a:ext>
             </a:extLst>
           </p:cNvPr>
@@ -18208,7 +19834,7 @@
           <p:cNvPr id="5" name="Text Placeholder 4">
             <a:extLst>
               <a:ext uri="{FF2B5EF4-FFF2-40B4-BE49-F238E27FC236}">
-                <a16:creationId xmlns="" xmlns:a16="http://schemas.microsoft.com/office/drawing/2014/main" id="{C22D9F79-04C1-4762-96D6-F3FE8172F1B1}"/>
+                <a16:creationId xmlns:a16="http://schemas.microsoft.com/office/drawing/2014/main" xmlns="" id="{C22D9F79-04C1-4762-96D6-F3FE8172F1B1}"/>
               </a:ext>
             </a:extLst>
           </p:cNvPr>
@@ -18233,7 +19859,7 @@
           <p:cNvPr id="21" name="Oval 20">
             <a:extLst>
               <a:ext uri="{FF2B5EF4-FFF2-40B4-BE49-F238E27FC236}">
-                <a16:creationId xmlns="" xmlns:a16="http://schemas.microsoft.com/office/drawing/2014/main" id="{70018B8E-C8EA-4592-B666-4DD6915C2DAF}"/>
+                <a16:creationId xmlns:a16="http://schemas.microsoft.com/office/drawing/2014/main" xmlns="" id="{70018B8E-C8EA-4592-B666-4DD6915C2DAF}"/>
               </a:ext>
             </a:extLst>
           </p:cNvPr>
@@ -18289,7 +19915,7 @@
           <p:cNvPr id="22" name="Straight Arrow Connector 21">
             <a:extLst>
               <a:ext uri="{FF2B5EF4-FFF2-40B4-BE49-F238E27FC236}">
-                <a16:creationId xmlns="" xmlns:a16="http://schemas.microsoft.com/office/drawing/2014/main" id="{D5D1DDE3-D551-4E6B-AD34-6FBA1762CCD0}"/>
+                <a16:creationId xmlns:a16="http://schemas.microsoft.com/office/drawing/2014/main" xmlns="" id="{D5D1DDE3-D551-4E6B-AD34-6FBA1762CCD0}"/>
               </a:ext>
             </a:extLst>
           </p:cNvPr>
@@ -18333,7 +19959,7 @@
           <p:cNvPr id="24" name="Oval 23">
             <a:extLst>
               <a:ext uri="{FF2B5EF4-FFF2-40B4-BE49-F238E27FC236}">
-                <a16:creationId xmlns="" xmlns:a16="http://schemas.microsoft.com/office/drawing/2014/main" id="{70018B8E-C8EA-4592-B666-4DD6915C2DAF}"/>
+                <a16:creationId xmlns:a16="http://schemas.microsoft.com/office/drawing/2014/main" xmlns="" id="{70018B8E-C8EA-4592-B666-4DD6915C2DAF}"/>
               </a:ext>
             </a:extLst>
           </p:cNvPr>
@@ -18389,7 +20015,7 @@
           <p:cNvPr id="25" name="Straight Arrow Connector 24">
             <a:extLst>
               <a:ext uri="{FF2B5EF4-FFF2-40B4-BE49-F238E27FC236}">
-                <a16:creationId xmlns="" xmlns:a16="http://schemas.microsoft.com/office/drawing/2014/main" id="{D5D1DDE3-D551-4E6B-AD34-6FBA1762CCD0}"/>
+                <a16:creationId xmlns:a16="http://schemas.microsoft.com/office/drawing/2014/main" xmlns="" id="{D5D1DDE3-D551-4E6B-AD34-6FBA1762CCD0}"/>
               </a:ext>
             </a:extLst>
           </p:cNvPr>
@@ -18433,7 +20059,7 @@
           <p:cNvPr id="28" name="Oval 27">
             <a:extLst>
               <a:ext uri="{FF2B5EF4-FFF2-40B4-BE49-F238E27FC236}">
-                <a16:creationId xmlns="" xmlns:a16="http://schemas.microsoft.com/office/drawing/2014/main" id="{70018B8E-C8EA-4592-B666-4DD6915C2DAF}"/>
+                <a16:creationId xmlns:a16="http://schemas.microsoft.com/office/drawing/2014/main" xmlns="" id="{70018B8E-C8EA-4592-B666-4DD6915C2DAF}"/>
               </a:ext>
             </a:extLst>
           </p:cNvPr>
@@ -18489,7 +20115,7 @@
           <p:cNvPr id="33" name="Straight Arrow Connector 32">
             <a:extLst>
               <a:ext uri="{FF2B5EF4-FFF2-40B4-BE49-F238E27FC236}">
-                <a16:creationId xmlns="" xmlns:a16="http://schemas.microsoft.com/office/drawing/2014/main" id="{D5D1DDE3-D551-4E6B-AD34-6FBA1762CCD0}"/>
+                <a16:creationId xmlns:a16="http://schemas.microsoft.com/office/drawing/2014/main" xmlns="" id="{D5D1DDE3-D551-4E6B-AD34-6FBA1762CCD0}"/>
               </a:ext>
             </a:extLst>
           </p:cNvPr>
@@ -18533,7 +20159,7 @@
           <p:cNvPr id="35" name="Oval 34">
             <a:extLst>
               <a:ext uri="{FF2B5EF4-FFF2-40B4-BE49-F238E27FC236}">
-                <a16:creationId xmlns="" xmlns:a16="http://schemas.microsoft.com/office/drawing/2014/main" id="{70018B8E-C8EA-4592-B666-4DD6915C2DAF}"/>
+                <a16:creationId xmlns:a16="http://schemas.microsoft.com/office/drawing/2014/main" xmlns="" id="{70018B8E-C8EA-4592-B666-4DD6915C2DAF}"/>
               </a:ext>
             </a:extLst>
           </p:cNvPr>
@@ -18589,7 +20215,7 @@
           <p:cNvPr id="39" name="Oval 38">
             <a:extLst>
               <a:ext uri="{FF2B5EF4-FFF2-40B4-BE49-F238E27FC236}">
-                <a16:creationId xmlns="" xmlns:a16="http://schemas.microsoft.com/office/drawing/2014/main" id="{70018B8E-C8EA-4592-B666-4DD6915C2DAF}"/>
+                <a16:creationId xmlns:a16="http://schemas.microsoft.com/office/drawing/2014/main" xmlns="" id="{70018B8E-C8EA-4592-B666-4DD6915C2DAF}"/>
               </a:ext>
             </a:extLst>
           </p:cNvPr>
@@ -18645,7 +20271,7 @@
           <p:cNvPr id="42" name="Oval 41">
             <a:extLst>
               <a:ext uri="{FF2B5EF4-FFF2-40B4-BE49-F238E27FC236}">
-                <a16:creationId xmlns="" xmlns:a16="http://schemas.microsoft.com/office/drawing/2014/main" id="{70018B8E-C8EA-4592-B666-4DD6915C2DAF}"/>
+                <a16:creationId xmlns:a16="http://schemas.microsoft.com/office/drawing/2014/main" xmlns="" id="{70018B8E-C8EA-4592-B666-4DD6915C2DAF}"/>
               </a:ext>
             </a:extLst>
           </p:cNvPr>
@@ -18701,7 +20327,7 @@
           <p:cNvPr id="43" name="Straight Arrow Connector 42">
             <a:extLst>
               <a:ext uri="{FF2B5EF4-FFF2-40B4-BE49-F238E27FC236}">
-                <a16:creationId xmlns="" xmlns:a16="http://schemas.microsoft.com/office/drawing/2014/main" id="{D5D1DDE3-D551-4E6B-AD34-6FBA1762CCD0}"/>
+                <a16:creationId xmlns:a16="http://schemas.microsoft.com/office/drawing/2014/main" xmlns="" id="{D5D1DDE3-D551-4E6B-AD34-6FBA1762CCD0}"/>
               </a:ext>
             </a:extLst>
           </p:cNvPr>
@@ -18745,7 +20371,7 @@
           <p:cNvPr id="45" name="Oval 44">
             <a:extLst>
               <a:ext uri="{FF2B5EF4-FFF2-40B4-BE49-F238E27FC236}">
-                <a16:creationId xmlns="" xmlns:a16="http://schemas.microsoft.com/office/drawing/2014/main" id="{70018B8E-C8EA-4592-B666-4DD6915C2DAF}"/>
+                <a16:creationId xmlns:a16="http://schemas.microsoft.com/office/drawing/2014/main" xmlns="" id="{70018B8E-C8EA-4592-B666-4DD6915C2DAF}"/>
               </a:ext>
             </a:extLst>
           </p:cNvPr>
@@ -18801,7 +20427,7 @@
           <p:cNvPr id="46" name="Straight Arrow Connector 45">
             <a:extLst>
               <a:ext uri="{FF2B5EF4-FFF2-40B4-BE49-F238E27FC236}">
-                <a16:creationId xmlns="" xmlns:a16="http://schemas.microsoft.com/office/drawing/2014/main" id="{D5D1DDE3-D551-4E6B-AD34-6FBA1762CCD0}"/>
+                <a16:creationId xmlns:a16="http://schemas.microsoft.com/office/drawing/2014/main" xmlns="" id="{D5D1DDE3-D551-4E6B-AD34-6FBA1762CCD0}"/>
               </a:ext>
             </a:extLst>
           </p:cNvPr>
@@ -18845,7 +20471,7 @@
           <p:cNvPr id="48" name="Oval 47">
             <a:extLst>
               <a:ext uri="{FF2B5EF4-FFF2-40B4-BE49-F238E27FC236}">
-                <a16:creationId xmlns="" xmlns:a16="http://schemas.microsoft.com/office/drawing/2014/main" id="{70018B8E-C8EA-4592-B666-4DD6915C2DAF}"/>
+                <a16:creationId xmlns:a16="http://schemas.microsoft.com/office/drawing/2014/main" xmlns="" id="{70018B8E-C8EA-4592-B666-4DD6915C2DAF}"/>
               </a:ext>
             </a:extLst>
           </p:cNvPr>
@@ -18901,7 +20527,7 @@
           <p:cNvPr id="51" name="Straight Arrow Connector 50">
             <a:extLst>
               <a:ext uri="{FF2B5EF4-FFF2-40B4-BE49-F238E27FC236}">
-                <a16:creationId xmlns="" xmlns:a16="http://schemas.microsoft.com/office/drawing/2014/main" id="{D5D1DDE3-D551-4E6B-AD34-6FBA1762CCD0}"/>
+                <a16:creationId xmlns:a16="http://schemas.microsoft.com/office/drawing/2014/main" xmlns="" id="{D5D1DDE3-D551-4E6B-AD34-6FBA1762CCD0}"/>
               </a:ext>
             </a:extLst>
           </p:cNvPr>
@@ -18945,7 +20571,7 @@
           <p:cNvPr id="52" name="Straight Arrow Connector 51">
             <a:extLst>
               <a:ext uri="{FF2B5EF4-FFF2-40B4-BE49-F238E27FC236}">
-                <a16:creationId xmlns="" xmlns:a16="http://schemas.microsoft.com/office/drawing/2014/main" id="{D5D1DDE3-D551-4E6B-AD34-6FBA1762CCD0}"/>
+                <a16:creationId xmlns:a16="http://schemas.microsoft.com/office/drawing/2014/main" xmlns="" id="{D5D1DDE3-D551-4E6B-AD34-6FBA1762CCD0}"/>
               </a:ext>
             </a:extLst>
           </p:cNvPr>
@@ -18989,7 +20615,7 @@
           <p:cNvPr id="30" name="Straight Arrow Connector 29">
             <a:extLst>
               <a:ext uri="{FF2B5EF4-FFF2-40B4-BE49-F238E27FC236}">
-                <a16:creationId xmlns="" xmlns:a16="http://schemas.microsoft.com/office/drawing/2014/main" id="{D5D1DDE3-D551-4E6B-AD34-6FBA1762CCD0}"/>
+                <a16:creationId xmlns:a16="http://schemas.microsoft.com/office/drawing/2014/main" xmlns="" id="{D5D1DDE3-D551-4E6B-AD34-6FBA1762CCD0}"/>
               </a:ext>
             </a:extLst>
           </p:cNvPr>
@@ -19033,7 +20659,7 @@
           <p:cNvPr id="31" name="Straight Arrow Connector 30">
             <a:extLst>
               <a:ext uri="{FF2B5EF4-FFF2-40B4-BE49-F238E27FC236}">
-                <a16:creationId xmlns="" xmlns:a16="http://schemas.microsoft.com/office/drawing/2014/main" id="{D5D1DDE3-D551-4E6B-AD34-6FBA1762CCD0}"/>
+                <a16:creationId xmlns:a16="http://schemas.microsoft.com/office/drawing/2014/main" xmlns="" id="{D5D1DDE3-D551-4E6B-AD34-6FBA1762CCD0}"/>
               </a:ext>
             </a:extLst>
           </p:cNvPr>
@@ -19077,7 +20703,7 @@
           <p:cNvPr id="32" name="Oval 31">
             <a:extLst>
               <a:ext uri="{FF2B5EF4-FFF2-40B4-BE49-F238E27FC236}">
-                <a16:creationId xmlns="" xmlns:a16="http://schemas.microsoft.com/office/drawing/2014/main" id="{70018B8E-C8EA-4592-B666-4DD6915C2DAF}"/>
+                <a16:creationId xmlns:a16="http://schemas.microsoft.com/office/drawing/2014/main" xmlns="" id="{70018B8E-C8EA-4592-B666-4DD6915C2DAF}"/>
               </a:ext>
             </a:extLst>
           </p:cNvPr>
@@ -19135,7 +20761,7 @@
           <p:cNvPr id="34" name="Oval 33">
             <a:extLst>
               <a:ext uri="{FF2B5EF4-FFF2-40B4-BE49-F238E27FC236}">
-                <a16:creationId xmlns="" xmlns:a16="http://schemas.microsoft.com/office/drawing/2014/main" id="{70018B8E-C8EA-4592-B666-4DD6915C2DAF}"/>
+                <a16:creationId xmlns:a16="http://schemas.microsoft.com/office/drawing/2014/main" xmlns="" id="{70018B8E-C8EA-4592-B666-4DD6915C2DAF}"/>
               </a:ext>
             </a:extLst>
           </p:cNvPr>
@@ -19193,7 +20819,7 @@
           <p:cNvPr id="36" name="Oval 35">
             <a:extLst>
               <a:ext uri="{FF2B5EF4-FFF2-40B4-BE49-F238E27FC236}">
-                <a16:creationId xmlns="" xmlns:a16="http://schemas.microsoft.com/office/drawing/2014/main" id="{70018B8E-C8EA-4592-B666-4DD6915C2DAF}"/>
+                <a16:creationId xmlns:a16="http://schemas.microsoft.com/office/drawing/2014/main" xmlns="" id="{70018B8E-C8EA-4592-B666-4DD6915C2DAF}"/>
               </a:ext>
             </a:extLst>
           </p:cNvPr>
@@ -20333,7 +21959,7 @@
           <p:cNvPr id="3" name="Title 2">
             <a:extLst>
               <a:ext uri="{FF2B5EF4-FFF2-40B4-BE49-F238E27FC236}">
-                <a16:creationId xmlns="" xmlns:a16="http://schemas.microsoft.com/office/drawing/2014/main" id="{A8704E41-3486-46BD-8AA7-B6B5D28F95A5}"/>
+                <a16:creationId xmlns:a16="http://schemas.microsoft.com/office/drawing/2014/main" xmlns="" id="{A8704E41-3486-46BD-8AA7-B6B5D28F95A5}"/>
               </a:ext>
             </a:extLst>
           </p:cNvPr>
@@ -20366,7 +21992,7 @@
           <p:cNvPr id="4" name="Slide Number Placeholder 3">
             <a:extLst>
               <a:ext uri="{FF2B5EF4-FFF2-40B4-BE49-F238E27FC236}">
-                <a16:creationId xmlns="" xmlns:a16="http://schemas.microsoft.com/office/drawing/2014/main" id="{02CD92EA-E9CB-4F4C-B1B9-840F11B55DC5}"/>
+                <a16:creationId xmlns:a16="http://schemas.microsoft.com/office/drawing/2014/main" xmlns="" id="{02CD92EA-E9CB-4F4C-B1B9-840F11B55DC5}"/>
               </a:ext>
             </a:extLst>
           </p:cNvPr>
@@ -20412,7 +22038,7 @@
           <p:cNvPr id="5" name="Text Placeholder 4">
             <a:extLst>
               <a:ext uri="{FF2B5EF4-FFF2-40B4-BE49-F238E27FC236}">
-                <a16:creationId xmlns="" xmlns:a16="http://schemas.microsoft.com/office/drawing/2014/main" id="{C22D9F79-04C1-4762-96D6-F3FE8172F1B1}"/>
+                <a16:creationId xmlns:a16="http://schemas.microsoft.com/office/drawing/2014/main" xmlns="" id="{C22D9F79-04C1-4762-96D6-F3FE8172F1B1}"/>
               </a:ext>
             </a:extLst>
           </p:cNvPr>
@@ -20437,7 +22063,7 @@
           <p:cNvPr id="21" name="Oval 20">
             <a:extLst>
               <a:ext uri="{FF2B5EF4-FFF2-40B4-BE49-F238E27FC236}">
-                <a16:creationId xmlns="" xmlns:a16="http://schemas.microsoft.com/office/drawing/2014/main" id="{70018B8E-C8EA-4592-B666-4DD6915C2DAF}"/>
+                <a16:creationId xmlns:a16="http://schemas.microsoft.com/office/drawing/2014/main" xmlns="" id="{70018B8E-C8EA-4592-B666-4DD6915C2DAF}"/>
               </a:ext>
             </a:extLst>
           </p:cNvPr>
@@ -20493,7 +22119,7 @@
           <p:cNvPr id="22" name="Straight Arrow Connector 21">
             <a:extLst>
               <a:ext uri="{FF2B5EF4-FFF2-40B4-BE49-F238E27FC236}">
-                <a16:creationId xmlns="" xmlns:a16="http://schemas.microsoft.com/office/drawing/2014/main" id="{D5D1DDE3-D551-4E6B-AD34-6FBA1762CCD0}"/>
+                <a16:creationId xmlns:a16="http://schemas.microsoft.com/office/drawing/2014/main" xmlns="" id="{D5D1DDE3-D551-4E6B-AD34-6FBA1762CCD0}"/>
               </a:ext>
             </a:extLst>
           </p:cNvPr>
@@ -20537,7 +22163,7 @@
           <p:cNvPr id="24" name="Oval 23">
             <a:extLst>
               <a:ext uri="{FF2B5EF4-FFF2-40B4-BE49-F238E27FC236}">
-                <a16:creationId xmlns="" xmlns:a16="http://schemas.microsoft.com/office/drawing/2014/main" id="{70018B8E-C8EA-4592-B666-4DD6915C2DAF}"/>
+                <a16:creationId xmlns:a16="http://schemas.microsoft.com/office/drawing/2014/main" xmlns="" id="{70018B8E-C8EA-4592-B666-4DD6915C2DAF}"/>
               </a:ext>
             </a:extLst>
           </p:cNvPr>
@@ -20593,7 +22219,7 @@
           <p:cNvPr id="25" name="Straight Arrow Connector 24">
             <a:extLst>
               <a:ext uri="{FF2B5EF4-FFF2-40B4-BE49-F238E27FC236}">
-                <a16:creationId xmlns="" xmlns:a16="http://schemas.microsoft.com/office/drawing/2014/main" id="{D5D1DDE3-D551-4E6B-AD34-6FBA1762CCD0}"/>
+                <a16:creationId xmlns:a16="http://schemas.microsoft.com/office/drawing/2014/main" xmlns="" id="{D5D1DDE3-D551-4E6B-AD34-6FBA1762CCD0}"/>
               </a:ext>
             </a:extLst>
           </p:cNvPr>
@@ -20637,7 +22263,7 @@
           <p:cNvPr id="28" name="Oval 27">
             <a:extLst>
               <a:ext uri="{FF2B5EF4-FFF2-40B4-BE49-F238E27FC236}">
-                <a16:creationId xmlns="" xmlns:a16="http://schemas.microsoft.com/office/drawing/2014/main" id="{70018B8E-C8EA-4592-B666-4DD6915C2DAF}"/>
+                <a16:creationId xmlns:a16="http://schemas.microsoft.com/office/drawing/2014/main" xmlns="" id="{70018B8E-C8EA-4592-B666-4DD6915C2DAF}"/>
               </a:ext>
             </a:extLst>
           </p:cNvPr>
@@ -20693,7 +22319,7 @@
           <p:cNvPr id="33" name="Straight Arrow Connector 32">
             <a:extLst>
               <a:ext uri="{FF2B5EF4-FFF2-40B4-BE49-F238E27FC236}">
-                <a16:creationId xmlns="" xmlns:a16="http://schemas.microsoft.com/office/drawing/2014/main" id="{D5D1DDE3-D551-4E6B-AD34-6FBA1762CCD0}"/>
+                <a16:creationId xmlns:a16="http://schemas.microsoft.com/office/drawing/2014/main" xmlns="" id="{D5D1DDE3-D551-4E6B-AD34-6FBA1762CCD0}"/>
               </a:ext>
             </a:extLst>
           </p:cNvPr>
@@ -20737,7 +22363,7 @@
           <p:cNvPr id="35" name="Oval 34">
             <a:extLst>
               <a:ext uri="{FF2B5EF4-FFF2-40B4-BE49-F238E27FC236}">
-                <a16:creationId xmlns="" xmlns:a16="http://schemas.microsoft.com/office/drawing/2014/main" id="{70018B8E-C8EA-4592-B666-4DD6915C2DAF}"/>
+                <a16:creationId xmlns:a16="http://schemas.microsoft.com/office/drawing/2014/main" xmlns="" id="{70018B8E-C8EA-4592-B666-4DD6915C2DAF}"/>
               </a:ext>
             </a:extLst>
           </p:cNvPr>
@@ -20793,7 +22419,7 @@
           <p:cNvPr id="39" name="Oval 38">
             <a:extLst>
               <a:ext uri="{FF2B5EF4-FFF2-40B4-BE49-F238E27FC236}">
-                <a16:creationId xmlns="" xmlns:a16="http://schemas.microsoft.com/office/drawing/2014/main" id="{70018B8E-C8EA-4592-B666-4DD6915C2DAF}"/>
+                <a16:creationId xmlns:a16="http://schemas.microsoft.com/office/drawing/2014/main" xmlns="" id="{70018B8E-C8EA-4592-B666-4DD6915C2DAF}"/>
               </a:ext>
             </a:extLst>
           </p:cNvPr>
@@ -20849,7 +22475,7 @@
           <p:cNvPr id="42" name="Oval 41">
             <a:extLst>
               <a:ext uri="{FF2B5EF4-FFF2-40B4-BE49-F238E27FC236}">
-                <a16:creationId xmlns="" xmlns:a16="http://schemas.microsoft.com/office/drawing/2014/main" id="{70018B8E-C8EA-4592-B666-4DD6915C2DAF}"/>
+                <a16:creationId xmlns:a16="http://schemas.microsoft.com/office/drawing/2014/main" xmlns="" id="{70018B8E-C8EA-4592-B666-4DD6915C2DAF}"/>
               </a:ext>
             </a:extLst>
           </p:cNvPr>
@@ -20905,7 +22531,7 @@
           <p:cNvPr id="43" name="Straight Arrow Connector 42">
             <a:extLst>
               <a:ext uri="{FF2B5EF4-FFF2-40B4-BE49-F238E27FC236}">
-                <a16:creationId xmlns="" xmlns:a16="http://schemas.microsoft.com/office/drawing/2014/main" id="{D5D1DDE3-D551-4E6B-AD34-6FBA1762CCD0}"/>
+                <a16:creationId xmlns:a16="http://schemas.microsoft.com/office/drawing/2014/main" xmlns="" id="{D5D1DDE3-D551-4E6B-AD34-6FBA1762CCD0}"/>
               </a:ext>
             </a:extLst>
           </p:cNvPr>
@@ -20949,7 +22575,7 @@
           <p:cNvPr id="45" name="Oval 44">
             <a:extLst>
               <a:ext uri="{FF2B5EF4-FFF2-40B4-BE49-F238E27FC236}">
-                <a16:creationId xmlns="" xmlns:a16="http://schemas.microsoft.com/office/drawing/2014/main" id="{70018B8E-C8EA-4592-B666-4DD6915C2DAF}"/>
+                <a16:creationId xmlns:a16="http://schemas.microsoft.com/office/drawing/2014/main" xmlns="" id="{70018B8E-C8EA-4592-B666-4DD6915C2DAF}"/>
               </a:ext>
             </a:extLst>
           </p:cNvPr>
@@ -21005,7 +22631,7 @@
           <p:cNvPr id="46" name="Straight Arrow Connector 45">
             <a:extLst>
               <a:ext uri="{FF2B5EF4-FFF2-40B4-BE49-F238E27FC236}">
-                <a16:creationId xmlns="" xmlns:a16="http://schemas.microsoft.com/office/drawing/2014/main" id="{D5D1DDE3-D551-4E6B-AD34-6FBA1762CCD0}"/>
+                <a16:creationId xmlns:a16="http://schemas.microsoft.com/office/drawing/2014/main" xmlns="" id="{D5D1DDE3-D551-4E6B-AD34-6FBA1762CCD0}"/>
               </a:ext>
             </a:extLst>
           </p:cNvPr>
@@ -21049,7 +22675,7 @@
           <p:cNvPr id="48" name="Oval 47">
             <a:extLst>
               <a:ext uri="{FF2B5EF4-FFF2-40B4-BE49-F238E27FC236}">
-                <a16:creationId xmlns="" xmlns:a16="http://schemas.microsoft.com/office/drawing/2014/main" id="{70018B8E-C8EA-4592-B666-4DD6915C2DAF}"/>
+                <a16:creationId xmlns:a16="http://schemas.microsoft.com/office/drawing/2014/main" xmlns="" id="{70018B8E-C8EA-4592-B666-4DD6915C2DAF}"/>
               </a:ext>
             </a:extLst>
           </p:cNvPr>
@@ -21105,7 +22731,7 @@
           <p:cNvPr id="51" name="Straight Arrow Connector 50">
             <a:extLst>
               <a:ext uri="{FF2B5EF4-FFF2-40B4-BE49-F238E27FC236}">
-                <a16:creationId xmlns="" xmlns:a16="http://schemas.microsoft.com/office/drawing/2014/main" id="{D5D1DDE3-D551-4E6B-AD34-6FBA1762CCD0}"/>
+                <a16:creationId xmlns:a16="http://schemas.microsoft.com/office/drawing/2014/main" xmlns="" id="{D5D1DDE3-D551-4E6B-AD34-6FBA1762CCD0}"/>
               </a:ext>
             </a:extLst>
           </p:cNvPr>
@@ -21149,7 +22775,7 @@
           <p:cNvPr id="52" name="Straight Arrow Connector 51">
             <a:extLst>
               <a:ext uri="{FF2B5EF4-FFF2-40B4-BE49-F238E27FC236}">
-                <a16:creationId xmlns="" xmlns:a16="http://schemas.microsoft.com/office/drawing/2014/main" id="{D5D1DDE3-D551-4E6B-AD34-6FBA1762CCD0}"/>
+                <a16:creationId xmlns:a16="http://schemas.microsoft.com/office/drawing/2014/main" xmlns="" id="{D5D1DDE3-D551-4E6B-AD34-6FBA1762CCD0}"/>
               </a:ext>
             </a:extLst>
           </p:cNvPr>
@@ -21193,7 +22819,7 @@
           <p:cNvPr id="30" name="Straight Arrow Connector 29">
             <a:extLst>
               <a:ext uri="{FF2B5EF4-FFF2-40B4-BE49-F238E27FC236}">
-                <a16:creationId xmlns="" xmlns:a16="http://schemas.microsoft.com/office/drawing/2014/main" id="{D5D1DDE3-D551-4E6B-AD34-6FBA1762CCD0}"/>
+                <a16:creationId xmlns:a16="http://schemas.microsoft.com/office/drawing/2014/main" xmlns="" id="{D5D1DDE3-D551-4E6B-AD34-6FBA1762CCD0}"/>
               </a:ext>
             </a:extLst>
           </p:cNvPr>
@@ -21237,7 +22863,7 @@
           <p:cNvPr id="31" name="Straight Arrow Connector 30">
             <a:extLst>
               <a:ext uri="{FF2B5EF4-FFF2-40B4-BE49-F238E27FC236}">
-                <a16:creationId xmlns="" xmlns:a16="http://schemas.microsoft.com/office/drawing/2014/main" id="{D5D1DDE3-D551-4E6B-AD34-6FBA1762CCD0}"/>
+                <a16:creationId xmlns:a16="http://schemas.microsoft.com/office/drawing/2014/main" xmlns="" id="{D5D1DDE3-D551-4E6B-AD34-6FBA1762CCD0}"/>
               </a:ext>
             </a:extLst>
           </p:cNvPr>
@@ -21281,7 +22907,7 @@
           <p:cNvPr id="26" name="Oval 25">
             <a:extLst>
               <a:ext uri="{FF2B5EF4-FFF2-40B4-BE49-F238E27FC236}">
-                <a16:creationId xmlns="" xmlns:a16="http://schemas.microsoft.com/office/drawing/2014/main" id="{70018B8E-C8EA-4592-B666-4DD6915C2DAF}"/>
+                <a16:creationId xmlns:a16="http://schemas.microsoft.com/office/drawing/2014/main" xmlns="" id="{70018B8E-C8EA-4592-B666-4DD6915C2DAF}"/>
               </a:ext>
             </a:extLst>
           </p:cNvPr>
@@ -21339,7 +22965,7 @@
           <p:cNvPr id="27" name="Oval 26">
             <a:extLst>
               <a:ext uri="{FF2B5EF4-FFF2-40B4-BE49-F238E27FC236}">
-                <a16:creationId xmlns="" xmlns:a16="http://schemas.microsoft.com/office/drawing/2014/main" id="{70018B8E-C8EA-4592-B666-4DD6915C2DAF}"/>
+                <a16:creationId xmlns:a16="http://schemas.microsoft.com/office/drawing/2014/main" xmlns="" id="{70018B8E-C8EA-4592-B666-4DD6915C2DAF}"/>
               </a:ext>
             </a:extLst>
           </p:cNvPr>
@@ -22268,7 +23894,7 @@
           <p:cNvPr id="3" name="Title 2">
             <a:extLst>
               <a:ext uri="{FF2B5EF4-FFF2-40B4-BE49-F238E27FC236}">
-                <a16:creationId xmlns="" xmlns:a16="http://schemas.microsoft.com/office/drawing/2014/main" id="{A8704E41-3486-46BD-8AA7-B6B5D28F95A5}"/>
+                <a16:creationId xmlns:a16="http://schemas.microsoft.com/office/drawing/2014/main" xmlns="" id="{A8704E41-3486-46BD-8AA7-B6B5D28F95A5}"/>
               </a:ext>
             </a:extLst>
           </p:cNvPr>
@@ -22305,7 +23931,7 @@
           <p:cNvPr id="4" name="Slide Number Placeholder 3">
             <a:extLst>
               <a:ext uri="{FF2B5EF4-FFF2-40B4-BE49-F238E27FC236}">
-                <a16:creationId xmlns="" xmlns:a16="http://schemas.microsoft.com/office/drawing/2014/main" id="{02CD92EA-E9CB-4F4C-B1B9-840F11B55DC5}"/>
+                <a16:creationId xmlns:a16="http://schemas.microsoft.com/office/drawing/2014/main" xmlns="" id="{02CD92EA-E9CB-4F4C-B1B9-840F11B55DC5}"/>
               </a:ext>
             </a:extLst>
           </p:cNvPr>
@@ -22351,7 +23977,7 @@
           <p:cNvPr id="5" name="Text Placeholder 4">
             <a:extLst>
               <a:ext uri="{FF2B5EF4-FFF2-40B4-BE49-F238E27FC236}">
-                <a16:creationId xmlns="" xmlns:a16="http://schemas.microsoft.com/office/drawing/2014/main" id="{C22D9F79-04C1-4762-96D6-F3FE8172F1B1}"/>
+                <a16:creationId xmlns:a16="http://schemas.microsoft.com/office/drawing/2014/main" xmlns="" id="{C22D9F79-04C1-4762-96D6-F3FE8172F1B1}"/>
               </a:ext>
             </a:extLst>
           </p:cNvPr>
@@ -22376,7 +24002,7 @@
           <p:cNvPr id="10" name="Oval 9">
             <a:extLst>
               <a:ext uri="{FF2B5EF4-FFF2-40B4-BE49-F238E27FC236}">
-                <a16:creationId xmlns="" xmlns:a16="http://schemas.microsoft.com/office/drawing/2014/main" id="{85A56FFB-3CCE-40CF-B574-5F581CF3B136}"/>
+                <a16:creationId xmlns:a16="http://schemas.microsoft.com/office/drawing/2014/main" xmlns="" id="{85A56FFB-3CCE-40CF-B574-5F581CF3B136}"/>
               </a:ext>
             </a:extLst>
           </p:cNvPr>
@@ -22432,7 +24058,7 @@
           <p:cNvPr id="29" name="Oval 28">
             <a:extLst>
               <a:ext uri="{FF2B5EF4-FFF2-40B4-BE49-F238E27FC236}">
-                <a16:creationId xmlns="" xmlns:a16="http://schemas.microsoft.com/office/drawing/2014/main" id="{70018B8E-C8EA-4592-B666-4DD6915C2DAF}"/>
+                <a16:creationId xmlns:a16="http://schemas.microsoft.com/office/drawing/2014/main" xmlns="" id="{70018B8E-C8EA-4592-B666-4DD6915C2DAF}"/>
               </a:ext>
             </a:extLst>
           </p:cNvPr>
@@ -22488,7 +24114,7 @@
           <p:cNvPr id="31" name="Oval 30">
             <a:extLst>
               <a:ext uri="{FF2B5EF4-FFF2-40B4-BE49-F238E27FC236}">
-                <a16:creationId xmlns="" xmlns:a16="http://schemas.microsoft.com/office/drawing/2014/main" id="{1B9A13BE-F872-4D03-BE6E-86788C555F5C}"/>
+                <a16:creationId xmlns:a16="http://schemas.microsoft.com/office/drawing/2014/main" xmlns="" id="{1B9A13BE-F872-4D03-BE6E-86788C555F5C}"/>
               </a:ext>
             </a:extLst>
           </p:cNvPr>
@@ -22544,7 +24170,7 @@
           <p:cNvPr id="32" name="Straight Arrow Connector 31">
             <a:extLst>
               <a:ext uri="{FF2B5EF4-FFF2-40B4-BE49-F238E27FC236}">
-                <a16:creationId xmlns="" xmlns:a16="http://schemas.microsoft.com/office/drawing/2014/main" id="{D5D1DDE3-D551-4E6B-AD34-6FBA1762CCD0}"/>
+                <a16:creationId xmlns:a16="http://schemas.microsoft.com/office/drawing/2014/main" xmlns="" id="{D5D1DDE3-D551-4E6B-AD34-6FBA1762CCD0}"/>
               </a:ext>
             </a:extLst>
           </p:cNvPr>
@@ -22588,7 +24214,7 @@
           <p:cNvPr id="22" name="Straight Arrow Connector 21">
             <a:extLst>
               <a:ext uri="{FF2B5EF4-FFF2-40B4-BE49-F238E27FC236}">
-                <a16:creationId xmlns="" xmlns:a16="http://schemas.microsoft.com/office/drawing/2014/main" id="{8C6910D2-ECED-46D5-BC40-B82D376993B1}"/>
+                <a16:creationId xmlns:a16="http://schemas.microsoft.com/office/drawing/2014/main" xmlns="" id="{8C6910D2-ECED-46D5-BC40-B82D376993B1}"/>
               </a:ext>
             </a:extLst>
           </p:cNvPr>
@@ -22632,7 +24258,7 @@
           <p:cNvPr id="26" name="Oval 25">
             <a:extLst>
               <a:ext uri="{FF2B5EF4-FFF2-40B4-BE49-F238E27FC236}">
-                <a16:creationId xmlns="" xmlns:a16="http://schemas.microsoft.com/office/drawing/2014/main" id="{089F238F-FA4E-4BC7-B5C9-2DE4F3174BCB}"/>
+                <a16:creationId xmlns:a16="http://schemas.microsoft.com/office/drawing/2014/main" xmlns="" id="{089F238F-FA4E-4BC7-B5C9-2DE4F3174BCB}"/>
               </a:ext>
             </a:extLst>
           </p:cNvPr>
@@ -22688,7 +24314,7 @@
           <p:cNvPr id="28" name="Oval 27">
             <a:extLst>
               <a:ext uri="{FF2B5EF4-FFF2-40B4-BE49-F238E27FC236}">
-                <a16:creationId xmlns="" xmlns:a16="http://schemas.microsoft.com/office/drawing/2014/main" id="{5432F768-DFB7-4BB9-A475-7A3EF2DF16EC}"/>
+                <a16:creationId xmlns:a16="http://schemas.microsoft.com/office/drawing/2014/main" xmlns="" id="{5432F768-DFB7-4BB9-A475-7A3EF2DF16EC}"/>
               </a:ext>
             </a:extLst>
           </p:cNvPr>
@@ -22744,7 +24370,7 @@
           <p:cNvPr id="33" name="Oval 32">
             <a:extLst>
               <a:ext uri="{FF2B5EF4-FFF2-40B4-BE49-F238E27FC236}">
-                <a16:creationId xmlns="" xmlns:a16="http://schemas.microsoft.com/office/drawing/2014/main" id="{5183D966-4DFE-4C53-B3FF-6AEDBFA81D9B}"/>
+                <a16:creationId xmlns:a16="http://schemas.microsoft.com/office/drawing/2014/main" xmlns="" id="{5183D966-4DFE-4C53-B3FF-6AEDBFA81D9B}"/>
               </a:ext>
             </a:extLst>
           </p:cNvPr>
@@ -22800,7 +24426,7 @@
           <p:cNvPr id="34" name="Straight Arrow Connector 33">
             <a:extLst>
               <a:ext uri="{FF2B5EF4-FFF2-40B4-BE49-F238E27FC236}">
-                <a16:creationId xmlns="" xmlns:a16="http://schemas.microsoft.com/office/drawing/2014/main" id="{39C2BE5D-187B-4009-B65C-119A939C1205}"/>
+                <a16:creationId xmlns:a16="http://schemas.microsoft.com/office/drawing/2014/main" xmlns="" id="{39C2BE5D-187B-4009-B65C-119A939C1205}"/>
               </a:ext>
             </a:extLst>
           </p:cNvPr>
@@ -22844,7 +24470,7 @@
           <p:cNvPr id="35" name="Straight Arrow Connector 34">
             <a:extLst>
               <a:ext uri="{FF2B5EF4-FFF2-40B4-BE49-F238E27FC236}">
-                <a16:creationId xmlns="" xmlns:a16="http://schemas.microsoft.com/office/drawing/2014/main" id="{9B92B2BE-EA67-4FCA-826C-7C2C0498F054}"/>
+                <a16:creationId xmlns:a16="http://schemas.microsoft.com/office/drawing/2014/main" xmlns="" id="{9B92B2BE-EA67-4FCA-826C-7C2C0498F054}"/>
               </a:ext>
             </a:extLst>
           </p:cNvPr>
@@ -22888,7 +24514,7 @@
           <p:cNvPr id="40" name="Oval 39">
             <a:extLst>
               <a:ext uri="{FF2B5EF4-FFF2-40B4-BE49-F238E27FC236}">
-                <a16:creationId xmlns="" xmlns:a16="http://schemas.microsoft.com/office/drawing/2014/main" id="{6FCAF568-FDEF-45D2-9140-749521E779C5}"/>
+                <a16:creationId xmlns:a16="http://schemas.microsoft.com/office/drawing/2014/main" xmlns="" id="{6FCAF568-FDEF-45D2-9140-749521E779C5}"/>
               </a:ext>
             </a:extLst>
           </p:cNvPr>
@@ -22944,7 +24570,7 @@
           <p:cNvPr id="42" name="Oval 41">
             <a:extLst>
               <a:ext uri="{FF2B5EF4-FFF2-40B4-BE49-F238E27FC236}">
-                <a16:creationId xmlns="" xmlns:a16="http://schemas.microsoft.com/office/drawing/2014/main" id="{1772391F-F1E8-4838-87B5-C86A20101F19}"/>
+                <a16:creationId xmlns:a16="http://schemas.microsoft.com/office/drawing/2014/main" xmlns="" id="{1772391F-F1E8-4838-87B5-C86A20101F19}"/>
               </a:ext>
             </a:extLst>
           </p:cNvPr>
@@ -23000,7 +24626,7 @@
           <p:cNvPr id="43" name="Straight Arrow Connector 42">
             <a:extLst>
               <a:ext uri="{FF2B5EF4-FFF2-40B4-BE49-F238E27FC236}">
-                <a16:creationId xmlns="" xmlns:a16="http://schemas.microsoft.com/office/drawing/2014/main" id="{5EAEB01F-90CC-47C8-8D8E-ACE27172827A}"/>
+                <a16:creationId xmlns:a16="http://schemas.microsoft.com/office/drawing/2014/main" xmlns="" id="{5EAEB01F-90CC-47C8-8D8E-ACE27172827A}"/>
               </a:ext>
             </a:extLst>
           </p:cNvPr>
@@ -23044,7 +24670,7 @@
           <p:cNvPr id="52" name="Oval 51">
             <a:extLst>
               <a:ext uri="{FF2B5EF4-FFF2-40B4-BE49-F238E27FC236}">
-                <a16:creationId xmlns="" xmlns:a16="http://schemas.microsoft.com/office/drawing/2014/main" id="{2C11910F-BB4F-47E0-BAF9-3681C962FC29}"/>
+                <a16:creationId xmlns:a16="http://schemas.microsoft.com/office/drawing/2014/main" xmlns="" id="{2C11910F-BB4F-47E0-BAF9-3681C962FC29}"/>
               </a:ext>
             </a:extLst>
           </p:cNvPr>
@@ -23100,7 +24726,7 @@
           <p:cNvPr id="58" name="Straight Arrow Connector 57">
             <a:extLst>
               <a:ext uri="{FF2B5EF4-FFF2-40B4-BE49-F238E27FC236}">
-                <a16:creationId xmlns="" xmlns:a16="http://schemas.microsoft.com/office/drawing/2014/main" id="{2440572A-2DBD-415F-9767-FB1F45A17B5B}"/>
+                <a16:creationId xmlns:a16="http://schemas.microsoft.com/office/drawing/2014/main" xmlns="" id="{2440572A-2DBD-415F-9767-FB1F45A17B5B}"/>
               </a:ext>
             </a:extLst>
           </p:cNvPr>
@@ -23144,7 +24770,7 @@
           <p:cNvPr id="59" name="Straight Arrow Connector 58">
             <a:extLst>
               <a:ext uri="{FF2B5EF4-FFF2-40B4-BE49-F238E27FC236}">
-                <a16:creationId xmlns="" xmlns:a16="http://schemas.microsoft.com/office/drawing/2014/main" id="{C54637E1-B26F-4DFE-8AB1-8B56EE98EB4B}"/>
+                <a16:creationId xmlns:a16="http://schemas.microsoft.com/office/drawing/2014/main" xmlns="" id="{C54637E1-B26F-4DFE-8AB1-8B56EE98EB4B}"/>
               </a:ext>
             </a:extLst>
           </p:cNvPr>
@@ -23188,7 +24814,7 @@
           <p:cNvPr id="60" name="Straight Arrow Connector 59">
             <a:extLst>
               <a:ext uri="{FF2B5EF4-FFF2-40B4-BE49-F238E27FC236}">
-                <a16:creationId xmlns="" xmlns:a16="http://schemas.microsoft.com/office/drawing/2014/main" id="{B0E09CF0-6DAB-4554-85BF-F9BAA5DF7141}"/>
+                <a16:creationId xmlns:a16="http://schemas.microsoft.com/office/drawing/2014/main" xmlns="" id="{B0E09CF0-6DAB-4554-85BF-F9BAA5DF7141}"/>
               </a:ext>
             </a:extLst>
           </p:cNvPr>
@@ -23232,7 +24858,7 @@
           <p:cNvPr id="24" name="Arc 23">
             <a:extLst>
               <a:ext uri="{FF2B5EF4-FFF2-40B4-BE49-F238E27FC236}">
-                <a16:creationId xmlns="" xmlns:a16="http://schemas.microsoft.com/office/drawing/2014/main" id="{3E58B6D7-E74D-4083-BC92-DC937636BB31}"/>
+                <a16:creationId xmlns:a16="http://schemas.microsoft.com/office/drawing/2014/main" xmlns="" id="{3E58B6D7-E74D-4083-BC92-DC937636BB31}"/>
               </a:ext>
             </a:extLst>
           </p:cNvPr>
@@ -23285,7 +24911,7 @@
           <p:cNvPr id="62" name="Arc 61">
             <a:extLst>
               <a:ext uri="{FF2B5EF4-FFF2-40B4-BE49-F238E27FC236}">
-                <a16:creationId xmlns="" xmlns:a16="http://schemas.microsoft.com/office/drawing/2014/main" id="{D362B6EC-716B-4868-BB99-36A2BDD039AD}"/>
+                <a16:creationId xmlns:a16="http://schemas.microsoft.com/office/drawing/2014/main" xmlns="" id="{D362B6EC-716B-4868-BB99-36A2BDD039AD}"/>
               </a:ext>
             </a:extLst>
           </p:cNvPr>
@@ -23338,7 +24964,7 @@
           <p:cNvPr id="30" name="Oval 29">
             <a:extLst>
               <a:ext uri="{FF2B5EF4-FFF2-40B4-BE49-F238E27FC236}">
-                <a16:creationId xmlns="" xmlns:a16="http://schemas.microsoft.com/office/drawing/2014/main" id="{089F238F-FA4E-4BC7-B5C9-2DE4F3174BCB}"/>
+                <a16:creationId xmlns:a16="http://schemas.microsoft.com/office/drawing/2014/main" xmlns="" id="{089F238F-FA4E-4BC7-B5C9-2DE4F3174BCB}"/>
               </a:ext>
             </a:extLst>
           </p:cNvPr>
@@ -23394,7 +25020,7 @@
           <p:cNvPr id="36" name="Straight Arrow Connector 35">
             <a:extLst>
               <a:ext uri="{FF2B5EF4-FFF2-40B4-BE49-F238E27FC236}">
-                <a16:creationId xmlns="" xmlns:a16="http://schemas.microsoft.com/office/drawing/2014/main" id="{9B92B2BE-EA67-4FCA-826C-7C2C0498F054}"/>
+                <a16:creationId xmlns:a16="http://schemas.microsoft.com/office/drawing/2014/main" xmlns="" id="{9B92B2BE-EA67-4FCA-826C-7C2C0498F054}"/>
               </a:ext>
             </a:extLst>
           </p:cNvPr>
@@ -23438,7 +25064,7 @@
           <p:cNvPr id="38" name="Oval 37">
             <a:extLst>
               <a:ext uri="{FF2B5EF4-FFF2-40B4-BE49-F238E27FC236}">
-                <a16:creationId xmlns="" xmlns:a16="http://schemas.microsoft.com/office/drawing/2014/main" id="{70018B8E-C8EA-4592-B666-4DD6915C2DAF}"/>
+                <a16:creationId xmlns:a16="http://schemas.microsoft.com/office/drawing/2014/main" xmlns="" id="{70018B8E-C8EA-4592-B666-4DD6915C2DAF}"/>
               </a:ext>
             </a:extLst>
           </p:cNvPr>
@@ -25020,7 +26646,7 @@
           <p:cNvPr id="2" name="Title 1">
             <a:extLst>
               <a:ext uri="{FF2B5EF4-FFF2-40B4-BE49-F238E27FC236}">
-                <a16:creationId xmlns="" xmlns:a16="http://schemas.microsoft.com/office/drawing/2014/main" id="{C14F0455-9ED9-4652-8FD6-9C284BE2F092}"/>
+                <a16:creationId xmlns:a16="http://schemas.microsoft.com/office/drawing/2014/main" xmlns="" id="{C14F0455-9ED9-4652-8FD6-9C284BE2F092}"/>
               </a:ext>
             </a:extLst>
           </p:cNvPr>
@@ -25053,7 +26679,7 @@
           <p:cNvPr id="3" name="Text Placeholder 2">
             <a:extLst>
               <a:ext uri="{FF2B5EF4-FFF2-40B4-BE49-F238E27FC236}">
-                <a16:creationId xmlns="" xmlns:a16="http://schemas.microsoft.com/office/drawing/2014/main" id="{8136025E-6B8D-4575-9E2B-B0AAB8CAC233}"/>
+                <a16:creationId xmlns:a16="http://schemas.microsoft.com/office/drawing/2014/main" xmlns="" id="{8136025E-6B8D-4575-9E2B-B0AAB8CAC233}"/>
               </a:ext>
             </a:extLst>
           </p:cNvPr>
@@ -25118,7 +26744,7 @@
           <p:cNvPr id="2" name="Title 1">
             <a:extLst>
               <a:ext uri="{FF2B5EF4-FFF2-40B4-BE49-F238E27FC236}">
-                <a16:creationId xmlns="" xmlns:a16="http://schemas.microsoft.com/office/drawing/2014/main" id="{C14F0455-9ED9-4652-8FD6-9C284BE2F092}"/>
+                <a16:creationId xmlns:a16="http://schemas.microsoft.com/office/drawing/2014/main" xmlns="" id="{C14F0455-9ED9-4652-8FD6-9C284BE2F092}"/>
               </a:ext>
             </a:extLst>
           </p:cNvPr>
@@ -25158,7 +26784,7 @@
           <p:cNvPr id="3" name="Text Placeholder 2">
             <a:extLst>
               <a:ext uri="{FF2B5EF4-FFF2-40B4-BE49-F238E27FC236}">
-                <a16:creationId xmlns="" xmlns:a16="http://schemas.microsoft.com/office/drawing/2014/main" id="{8136025E-6B8D-4575-9E2B-B0AAB8CAC233}"/>
+                <a16:creationId xmlns:a16="http://schemas.microsoft.com/office/drawing/2014/main" xmlns="" id="{8136025E-6B8D-4575-9E2B-B0AAB8CAC233}"/>
               </a:ext>
             </a:extLst>
           </p:cNvPr>
@@ -25329,7 +26955,7 @@
           <p:cNvPr id="6" name="Picture 5">
             <a:extLst>
               <a:ext uri="{FF2B5EF4-FFF2-40B4-BE49-F238E27FC236}">
-                <a16:creationId xmlns="" xmlns:a16="http://schemas.microsoft.com/office/drawing/2014/main" id="{F11A34E2-CF14-4FAC-9913-4CAC796E46FA}"/>
+                <a16:creationId xmlns:a16="http://schemas.microsoft.com/office/drawing/2014/main" xmlns="" id="{F11A34E2-CF14-4FAC-9913-4CAC796E46FA}"/>
               </a:ext>
             </a:extLst>
           </p:cNvPr>
@@ -25404,7 +27030,7 @@
           <p:cNvPr id="3" name="Title 2">
             <a:extLst>
               <a:ext uri="{FF2B5EF4-FFF2-40B4-BE49-F238E27FC236}">
-                <a16:creationId xmlns="" xmlns:a16="http://schemas.microsoft.com/office/drawing/2014/main" id="{A8704E41-3486-46BD-8AA7-B6B5D28F95A5}"/>
+                <a16:creationId xmlns:a16="http://schemas.microsoft.com/office/drawing/2014/main" xmlns="" id="{A8704E41-3486-46BD-8AA7-B6B5D28F95A5}"/>
               </a:ext>
             </a:extLst>
           </p:cNvPr>
@@ -25441,7 +27067,7 @@
           <p:cNvPr id="4" name="Slide Number Placeholder 3">
             <a:extLst>
               <a:ext uri="{FF2B5EF4-FFF2-40B4-BE49-F238E27FC236}">
-                <a16:creationId xmlns="" xmlns:a16="http://schemas.microsoft.com/office/drawing/2014/main" id="{02CD92EA-E9CB-4F4C-B1B9-840F11B55DC5}"/>
+                <a16:creationId xmlns:a16="http://schemas.microsoft.com/office/drawing/2014/main" xmlns="" id="{02CD92EA-E9CB-4F4C-B1B9-840F11B55DC5}"/>
               </a:ext>
             </a:extLst>
           </p:cNvPr>
@@ -25487,7 +27113,7 @@
           <p:cNvPr id="5" name="Text Placeholder 4">
             <a:extLst>
               <a:ext uri="{FF2B5EF4-FFF2-40B4-BE49-F238E27FC236}">
-                <a16:creationId xmlns="" xmlns:a16="http://schemas.microsoft.com/office/drawing/2014/main" id="{C22D9F79-04C1-4762-96D6-F3FE8172F1B1}"/>
+                <a16:creationId xmlns:a16="http://schemas.microsoft.com/office/drawing/2014/main" xmlns="" id="{C22D9F79-04C1-4762-96D6-F3FE8172F1B1}"/>
               </a:ext>
             </a:extLst>
           </p:cNvPr>
@@ -25512,7 +27138,7 @@
           <p:cNvPr id="25" name="Oval 24">
             <a:extLst>
               <a:ext uri="{FF2B5EF4-FFF2-40B4-BE49-F238E27FC236}">
-                <a16:creationId xmlns="" xmlns:a16="http://schemas.microsoft.com/office/drawing/2014/main" id="{70018B8E-C8EA-4592-B666-4DD6915C2DAF}"/>
+                <a16:creationId xmlns:a16="http://schemas.microsoft.com/office/drawing/2014/main" xmlns="" id="{70018B8E-C8EA-4592-B666-4DD6915C2DAF}"/>
               </a:ext>
             </a:extLst>
           </p:cNvPr>
@@ -25568,7 +27194,7 @@
           <p:cNvPr id="26" name="TextBox 25">
             <a:extLst>
               <a:ext uri="{FF2B5EF4-FFF2-40B4-BE49-F238E27FC236}">
-                <a16:creationId xmlns="" xmlns:a16="http://schemas.microsoft.com/office/drawing/2014/main" id="{EA7F15EB-6AA1-4C76-921F-2B04B74B1885}"/>
+                <a16:creationId xmlns:a16="http://schemas.microsoft.com/office/drawing/2014/main" xmlns="" id="{EA7F15EB-6AA1-4C76-921F-2B04B74B1885}"/>
               </a:ext>
             </a:extLst>
           </p:cNvPr>
@@ -25610,7 +27236,7 @@
           <p:cNvPr id="27" name="Oval 26">
             <a:extLst>
               <a:ext uri="{FF2B5EF4-FFF2-40B4-BE49-F238E27FC236}">
-                <a16:creationId xmlns="" xmlns:a16="http://schemas.microsoft.com/office/drawing/2014/main" id="{70018B8E-C8EA-4592-B666-4DD6915C2DAF}"/>
+                <a16:creationId xmlns:a16="http://schemas.microsoft.com/office/drawing/2014/main" xmlns="" id="{70018B8E-C8EA-4592-B666-4DD6915C2DAF}"/>
               </a:ext>
             </a:extLst>
           </p:cNvPr>
@@ -25666,7 +27292,7 @@
           <p:cNvPr id="32" name="TextBox 31">
             <a:extLst>
               <a:ext uri="{FF2B5EF4-FFF2-40B4-BE49-F238E27FC236}">
-                <a16:creationId xmlns="" xmlns:a16="http://schemas.microsoft.com/office/drawing/2014/main" id="{EA7F15EB-6AA1-4C76-921F-2B04B74B1885}"/>
+                <a16:creationId xmlns:a16="http://schemas.microsoft.com/office/drawing/2014/main" xmlns="" id="{EA7F15EB-6AA1-4C76-921F-2B04B74B1885}"/>
               </a:ext>
             </a:extLst>
           </p:cNvPr>
@@ -25708,7 +27334,7 @@
           <p:cNvPr id="33" name="Straight Arrow Connector 32">
             <a:extLst>
               <a:ext uri="{FF2B5EF4-FFF2-40B4-BE49-F238E27FC236}">
-                <a16:creationId xmlns="" xmlns:a16="http://schemas.microsoft.com/office/drawing/2014/main" id="{D5D1DDE3-D551-4E6B-AD34-6FBA1762CCD0}"/>
+                <a16:creationId xmlns:a16="http://schemas.microsoft.com/office/drawing/2014/main" xmlns="" id="{D5D1DDE3-D551-4E6B-AD34-6FBA1762CCD0}"/>
               </a:ext>
             </a:extLst>
           </p:cNvPr>
@@ -25752,7 +27378,7 @@
           <p:cNvPr id="34" name="Straight Arrow Connector 33">
             <a:extLst>
               <a:ext uri="{FF2B5EF4-FFF2-40B4-BE49-F238E27FC236}">
-                <a16:creationId xmlns="" xmlns:a16="http://schemas.microsoft.com/office/drawing/2014/main" id="{D5D1DDE3-D551-4E6B-AD34-6FBA1762CCD0}"/>
+                <a16:creationId xmlns:a16="http://schemas.microsoft.com/office/drawing/2014/main" xmlns="" id="{D5D1DDE3-D551-4E6B-AD34-6FBA1762CCD0}"/>
               </a:ext>
             </a:extLst>
           </p:cNvPr>
@@ -25796,7 +27422,7 @@
           <p:cNvPr id="36" name="Oval 35">
             <a:extLst>
               <a:ext uri="{FF2B5EF4-FFF2-40B4-BE49-F238E27FC236}">
-                <a16:creationId xmlns="" xmlns:a16="http://schemas.microsoft.com/office/drawing/2014/main" id="{80BCE4DB-0348-45EB-ACA9-2DA3EA793CE3}"/>
+                <a16:creationId xmlns:a16="http://schemas.microsoft.com/office/drawing/2014/main" xmlns="" id="{80BCE4DB-0348-45EB-ACA9-2DA3EA793CE3}"/>
               </a:ext>
             </a:extLst>
           </p:cNvPr>
@@ -25852,7 +27478,7 @@
           <p:cNvPr id="37" name="TextBox 36">
             <a:extLst>
               <a:ext uri="{FF2B5EF4-FFF2-40B4-BE49-F238E27FC236}">
-                <a16:creationId xmlns="" xmlns:a16="http://schemas.microsoft.com/office/drawing/2014/main" id="{C43F0B30-A6E3-4075-BE1B-051CB03F845A}"/>
+                <a16:creationId xmlns:a16="http://schemas.microsoft.com/office/drawing/2014/main" xmlns="" id="{C43F0B30-A6E3-4075-BE1B-051CB03F845A}"/>
               </a:ext>
             </a:extLst>
           </p:cNvPr>
@@ -25894,7 +27520,7 @@
           <p:cNvPr id="38" name="Oval 37">
             <a:extLst>
               <a:ext uri="{FF2B5EF4-FFF2-40B4-BE49-F238E27FC236}">
-                <a16:creationId xmlns="" xmlns:a16="http://schemas.microsoft.com/office/drawing/2014/main" id="{37EB46CD-5479-424C-9C1E-63D72D302502}"/>
+                <a16:creationId xmlns:a16="http://schemas.microsoft.com/office/drawing/2014/main" xmlns="" id="{37EB46CD-5479-424C-9C1E-63D72D302502}"/>
               </a:ext>
             </a:extLst>
           </p:cNvPr>
@@ -25950,7 +27576,7 @@
           <p:cNvPr id="39" name="TextBox 38">
             <a:extLst>
               <a:ext uri="{FF2B5EF4-FFF2-40B4-BE49-F238E27FC236}">
-                <a16:creationId xmlns="" xmlns:a16="http://schemas.microsoft.com/office/drawing/2014/main" id="{B0F85FB1-0D26-4078-9634-5AF41E04DD1F}"/>
+                <a16:creationId xmlns:a16="http://schemas.microsoft.com/office/drawing/2014/main" xmlns="" id="{B0F85FB1-0D26-4078-9634-5AF41E04DD1F}"/>
               </a:ext>
             </a:extLst>
           </p:cNvPr>
@@ -25992,7 +27618,7 @@
           <p:cNvPr id="40" name="Straight Arrow Connector 39">
             <a:extLst>
               <a:ext uri="{FF2B5EF4-FFF2-40B4-BE49-F238E27FC236}">
-                <a16:creationId xmlns="" xmlns:a16="http://schemas.microsoft.com/office/drawing/2014/main" id="{D5D1DDE3-D551-4E6B-AD34-6FBA1762CCD0}"/>
+                <a16:creationId xmlns:a16="http://schemas.microsoft.com/office/drawing/2014/main" xmlns="" id="{D5D1DDE3-D551-4E6B-AD34-6FBA1762CCD0}"/>
               </a:ext>
             </a:extLst>
           </p:cNvPr>
@@ -26036,7 +27662,7 @@
           <p:cNvPr id="41" name="Arrow: Down 29">
             <a:extLst>
               <a:ext uri="{FF2B5EF4-FFF2-40B4-BE49-F238E27FC236}">
-                <a16:creationId xmlns="" xmlns:a16="http://schemas.microsoft.com/office/drawing/2014/main" id="{C1335406-A2C9-47D4-B205-5C60C0E28A8A}"/>
+                <a16:creationId xmlns:a16="http://schemas.microsoft.com/office/drawing/2014/main" xmlns="" id="{C1335406-A2C9-47D4-B205-5C60C0E28A8A}"/>
               </a:ext>
             </a:extLst>
           </p:cNvPr>
@@ -26120,7 +27746,7 @@
           <p:cNvPr id="42" name="Arrow: Down 35">
             <a:extLst>
               <a:ext uri="{FF2B5EF4-FFF2-40B4-BE49-F238E27FC236}">
-                <a16:creationId xmlns="" xmlns:a16="http://schemas.microsoft.com/office/drawing/2014/main" id="{626A0744-AE03-44D5-9A65-2190DA15A386}"/>
+                <a16:creationId xmlns:a16="http://schemas.microsoft.com/office/drawing/2014/main" xmlns="" id="{626A0744-AE03-44D5-9A65-2190DA15A386}"/>
               </a:ext>
             </a:extLst>
           </p:cNvPr>
@@ -26194,7 +27820,7 @@
           <p:cNvPr id="46" name="Oval 45">
             <a:extLst>
               <a:ext uri="{FF2B5EF4-FFF2-40B4-BE49-F238E27FC236}">
-                <a16:creationId xmlns="" xmlns:a16="http://schemas.microsoft.com/office/drawing/2014/main" id="{70018B8E-C8EA-4592-B666-4DD6915C2DAF}"/>
+                <a16:creationId xmlns:a16="http://schemas.microsoft.com/office/drawing/2014/main" xmlns="" id="{70018B8E-C8EA-4592-B666-4DD6915C2DAF}"/>
               </a:ext>
             </a:extLst>
           </p:cNvPr>
@@ -26250,7 +27876,7 @@
           <p:cNvPr id="47" name="TextBox 46">
             <a:extLst>
               <a:ext uri="{FF2B5EF4-FFF2-40B4-BE49-F238E27FC236}">
-                <a16:creationId xmlns="" xmlns:a16="http://schemas.microsoft.com/office/drawing/2014/main" id="{EA7F15EB-6AA1-4C76-921F-2B04B74B1885}"/>
+                <a16:creationId xmlns:a16="http://schemas.microsoft.com/office/drawing/2014/main" xmlns="" id="{EA7F15EB-6AA1-4C76-921F-2B04B74B1885}"/>
               </a:ext>
             </a:extLst>
           </p:cNvPr>
@@ -26292,7 +27918,7 @@
           <p:cNvPr id="48" name="Straight Arrow Connector 47">
             <a:extLst>
               <a:ext uri="{FF2B5EF4-FFF2-40B4-BE49-F238E27FC236}">
-                <a16:creationId xmlns="" xmlns:a16="http://schemas.microsoft.com/office/drawing/2014/main" id="{D5D1DDE3-D551-4E6B-AD34-6FBA1762CCD0}"/>
+                <a16:creationId xmlns:a16="http://schemas.microsoft.com/office/drawing/2014/main" xmlns="" id="{D5D1DDE3-D551-4E6B-AD34-6FBA1762CCD0}"/>
               </a:ext>
             </a:extLst>
           </p:cNvPr>
@@ -26336,7 +27962,7 @@
           <p:cNvPr id="49" name="Straight Arrow Connector 48">
             <a:extLst>
               <a:ext uri="{FF2B5EF4-FFF2-40B4-BE49-F238E27FC236}">
-                <a16:creationId xmlns="" xmlns:a16="http://schemas.microsoft.com/office/drawing/2014/main" id="{D5D1DDE3-D551-4E6B-AD34-6FBA1762CCD0}"/>
+                <a16:creationId xmlns:a16="http://schemas.microsoft.com/office/drawing/2014/main" xmlns="" id="{D5D1DDE3-D551-4E6B-AD34-6FBA1762CCD0}"/>
               </a:ext>
             </a:extLst>
           </p:cNvPr>
@@ -26380,7 +28006,7 @@
           <p:cNvPr id="54" name="Arrow: Down 29">
             <a:extLst>
               <a:ext uri="{FF2B5EF4-FFF2-40B4-BE49-F238E27FC236}">
-                <a16:creationId xmlns="" xmlns:a16="http://schemas.microsoft.com/office/drawing/2014/main" id="{C1335406-A2C9-47D4-B205-5C60C0E28A8A}"/>
+                <a16:creationId xmlns:a16="http://schemas.microsoft.com/office/drawing/2014/main" xmlns="" id="{C1335406-A2C9-47D4-B205-5C60C0E28A8A}"/>
               </a:ext>
             </a:extLst>
           </p:cNvPr>
@@ -26464,7 +28090,7 @@
           <p:cNvPr id="55" name="Arrow: Down 35">
             <a:extLst>
               <a:ext uri="{FF2B5EF4-FFF2-40B4-BE49-F238E27FC236}">
-                <a16:creationId xmlns="" xmlns:a16="http://schemas.microsoft.com/office/drawing/2014/main" id="{626A0744-AE03-44D5-9A65-2190DA15A386}"/>
+                <a16:creationId xmlns:a16="http://schemas.microsoft.com/office/drawing/2014/main" xmlns="" id="{626A0744-AE03-44D5-9A65-2190DA15A386}"/>
               </a:ext>
             </a:extLst>
           </p:cNvPr>
@@ -26606,7 +28232,7 @@
           <p:cNvPr id="58" name="Oval 57">
             <a:extLst>
               <a:ext uri="{FF2B5EF4-FFF2-40B4-BE49-F238E27FC236}">
-                <a16:creationId xmlns="" xmlns:a16="http://schemas.microsoft.com/office/drawing/2014/main" id="{70018B8E-C8EA-4592-B666-4DD6915C2DAF}"/>
+                <a16:creationId xmlns:a16="http://schemas.microsoft.com/office/drawing/2014/main" xmlns="" id="{70018B8E-C8EA-4592-B666-4DD6915C2DAF}"/>
               </a:ext>
             </a:extLst>
           </p:cNvPr>
@@ -26664,7 +28290,7 @@
           <p:cNvPr id="59" name="Oval 58">
             <a:extLst>
               <a:ext uri="{FF2B5EF4-FFF2-40B4-BE49-F238E27FC236}">
-                <a16:creationId xmlns="" xmlns:a16="http://schemas.microsoft.com/office/drawing/2014/main" id="{70018B8E-C8EA-4592-B666-4DD6915C2DAF}"/>
+                <a16:creationId xmlns:a16="http://schemas.microsoft.com/office/drawing/2014/main" xmlns="" id="{70018B8E-C8EA-4592-B666-4DD6915C2DAF}"/>
               </a:ext>
             </a:extLst>
           </p:cNvPr>
@@ -26722,7 +28348,7 @@
           <p:cNvPr id="60" name="Arrow: Down 29">
             <a:extLst>
               <a:ext uri="{FF2B5EF4-FFF2-40B4-BE49-F238E27FC236}">
-                <a16:creationId xmlns="" xmlns:a16="http://schemas.microsoft.com/office/drawing/2014/main" id="{C1335406-A2C9-47D4-B205-5C60C0E28A8A}"/>
+                <a16:creationId xmlns:a16="http://schemas.microsoft.com/office/drawing/2014/main" xmlns="" id="{C1335406-A2C9-47D4-B205-5C60C0E28A8A}"/>
               </a:ext>
             </a:extLst>
           </p:cNvPr>
@@ -26806,7 +28432,7 @@
           <p:cNvPr id="61" name="Arrow: Down 35">
             <a:extLst>
               <a:ext uri="{FF2B5EF4-FFF2-40B4-BE49-F238E27FC236}">
-                <a16:creationId xmlns="" xmlns:a16="http://schemas.microsoft.com/office/drawing/2014/main" id="{626A0744-AE03-44D5-9A65-2190DA15A386}"/>
+                <a16:creationId xmlns:a16="http://schemas.microsoft.com/office/drawing/2014/main" xmlns="" id="{626A0744-AE03-44D5-9A65-2190DA15A386}"/>
               </a:ext>
             </a:extLst>
           </p:cNvPr>
@@ -27437,7 +29063,7 @@
           <p:cNvPr id="3" name="Title 2">
             <a:extLst>
               <a:ext uri="{FF2B5EF4-FFF2-40B4-BE49-F238E27FC236}">
-                <a16:creationId xmlns="" xmlns:a16="http://schemas.microsoft.com/office/drawing/2014/main" id="{A8704E41-3486-46BD-8AA7-B6B5D28F95A5}"/>
+                <a16:creationId xmlns:a16="http://schemas.microsoft.com/office/drawing/2014/main" xmlns="" id="{A8704E41-3486-46BD-8AA7-B6B5D28F95A5}"/>
               </a:ext>
             </a:extLst>
           </p:cNvPr>
@@ -27470,7 +29096,7 @@
           <p:cNvPr id="4" name="Slide Number Placeholder 3">
             <a:extLst>
               <a:ext uri="{FF2B5EF4-FFF2-40B4-BE49-F238E27FC236}">
-                <a16:creationId xmlns="" xmlns:a16="http://schemas.microsoft.com/office/drawing/2014/main" id="{02CD92EA-E9CB-4F4C-B1B9-840F11B55DC5}"/>
+                <a16:creationId xmlns:a16="http://schemas.microsoft.com/office/drawing/2014/main" xmlns="" id="{02CD92EA-E9CB-4F4C-B1B9-840F11B55DC5}"/>
               </a:ext>
             </a:extLst>
           </p:cNvPr>
@@ -27516,7 +29142,7 @@
           <p:cNvPr id="5" name="Text Placeholder 4">
             <a:extLst>
               <a:ext uri="{FF2B5EF4-FFF2-40B4-BE49-F238E27FC236}">
-                <a16:creationId xmlns="" xmlns:a16="http://schemas.microsoft.com/office/drawing/2014/main" id="{C22D9F79-04C1-4762-96D6-F3FE8172F1B1}"/>
+                <a16:creationId xmlns:a16="http://schemas.microsoft.com/office/drawing/2014/main" xmlns="" id="{C22D9F79-04C1-4762-96D6-F3FE8172F1B1}"/>
               </a:ext>
             </a:extLst>
           </p:cNvPr>
@@ -27541,7 +29167,7 @@
           <p:cNvPr id="11" name="Oval 10">
             <a:extLst>
               <a:ext uri="{FF2B5EF4-FFF2-40B4-BE49-F238E27FC236}">
-                <a16:creationId xmlns="" xmlns:a16="http://schemas.microsoft.com/office/drawing/2014/main" id="{70018B8E-C8EA-4592-B666-4DD6915C2DAF}"/>
+                <a16:creationId xmlns:a16="http://schemas.microsoft.com/office/drawing/2014/main" xmlns="" id="{70018B8E-C8EA-4592-B666-4DD6915C2DAF}"/>
               </a:ext>
             </a:extLst>
           </p:cNvPr>
@@ -27597,7 +29223,7 @@
           <p:cNvPr id="13" name="TextBox 12">
             <a:extLst>
               <a:ext uri="{FF2B5EF4-FFF2-40B4-BE49-F238E27FC236}">
-                <a16:creationId xmlns="" xmlns:a16="http://schemas.microsoft.com/office/drawing/2014/main" id="{EA7F15EB-6AA1-4C76-921F-2B04B74B1885}"/>
+                <a16:creationId xmlns:a16="http://schemas.microsoft.com/office/drawing/2014/main" xmlns="" id="{EA7F15EB-6AA1-4C76-921F-2B04B74B1885}"/>
               </a:ext>
             </a:extLst>
           </p:cNvPr>
@@ -27628,164 +29254,6 @@
               <a:t>85ad</a:t>
             </a:r>
             <a:endParaRPr lang="en-US" sz="1400" dirty="0">
-              <a:latin typeface="Consolas" panose="020B0609020204030204" pitchFamily="49" charset="0"/>
-              <a:cs typeface="Consolas" panose="020B0609020204030204" pitchFamily="49" charset="0"/>
-            </a:endParaRPr>
-          </a:p>
-        </p:txBody>
-      </p:sp>
-      <p:sp>
-        <p:nvSpPr>
-          <p:cNvPr id="22" name="Arrow: Down 29">
-            <a:extLst>
-              <a:ext uri="{FF2B5EF4-FFF2-40B4-BE49-F238E27FC236}">
-                <a16:creationId xmlns="" xmlns:a16="http://schemas.microsoft.com/office/drawing/2014/main" id="{C1335406-A2C9-47D4-B205-5C60C0E28A8A}"/>
-              </a:ext>
-            </a:extLst>
-          </p:cNvPr>
-          <p:cNvSpPr/>
-          <p:nvPr/>
-        </p:nvSpPr>
-        <p:spPr>
-          <a:xfrm rot="16200000">
-            <a:off x="4966198" y="5187229"/>
-            <a:ext cx="417816" cy="1378854"/>
-          </a:xfrm>
-          <a:prstGeom prst="downArrow">
-            <a:avLst>
-              <a:gd name="adj1" fmla="val 100000"/>
-              <a:gd name="adj2" fmla="val 50000"/>
-            </a:avLst>
-          </a:prstGeom>
-          <a:solidFill>
-            <a:schemeClr val="accent3">
-              <a:lumMod val="20000"/>
-              <a:lumOff val="80000"/>
-            </a:schemeClr>
-          </a:solidFill>
-          <a:ln w="25400">
-            <a:solidFill>
-              <a:schemeClr val="tx1"/>
-            </a:solidFill>
-          </a:ln>
-          <a:effectLst/>
-        </p:spPr>
-        <p:style>
-          <a:lnRef idx="1">
-            <a:schemeClr val="accent1"/>
-          </a:lnRef>
-          <a:fillRef idx="3">
-            <a:schemeClr val="accent1"/>
-          </a:fillRef>
-          <a:effectRef idx="2">
-            <a:schemeClr val="accent1"/>
-          </a:effectRef>
-          <a:fontRef idx="minor">
-            <a:schemeClr val="lt1"/>
-          </a:fontRef>
-        </p:style>
-        <p:txBody>
-          <a:bodyPr vert="eaVert" rtlCol="0" anchor="ctr"/>
-          <a:lstStyle/>
-          <a:p>
-            <a:r>
-              <a:rPr lang="fr-FR" sz="2000" dirty="0">
-                <a:solidFill>
-                  <a:schemeClr val="tx1"/>
-                </a:solidFill>
-                <a:latin typeface="Consolas" panose="020B0609020204030204" pitchFamily="49" charset="0"/>
-                <a:cs typeface="Consolas" panose="020B0609020204030204" pitchFamily="49" charset="0"/>
-              </a:rPr>
-              <a:t> </a:t>
-            </a:r>
-            <a:r>
-              <a:rPr lang="fr-FR" dirty="0" smtClean="0">
-                <a:solidFill>
-                  <a:schemeClr val="tx1"/>
-                </a:solidFill>
-                <a:latin typeface="Consolas" panose="020B0609020204030204" pitchFamily="49" charset="0"/>
-                <a:cs typeface="Consolas" panose="020B0609020204030204" pitchFamily="49" charset="0"/>
-              </a:rPr>
-              <a:t>master</a:t>
-            </a:r>
-            <a:endParaRPr lang="en-US" sz="1900" dirty="0">
-              <a:solidFill>
-                <a:schemeClr val="tx1"/>
-              </a:solidFill>
-              <a:latin typeface="Consolas" panose="020B0609020204030204" pitchFamily="49" charset="0"/>
-              <a:cs typeface="Consolas" panose="020B0609020204030204" pitchFamily="49" charset="0"/>
-            </a:endParaRPr>
-          </a:p>
-        </p:txBody>
-      </p:sp>
-      <p:sp>
-        <p:nvSpPr>
-          <p:cNvPr id="23" name="Arrow: Down 35">
-            <a:extLst>
-              <a:ext uri="{FF2B5EF4-FFF2-40B4-BE49-F238E27FC236}">
-                <a16:creationId xmlns="" xmlns:a16="http://schemas.microsoft.com/office/drawing/2014/main" id="{626A0744-AE03-44D5-9A65-2190DA15A386}"/>
-              </a:ext>
-            </a:extLst>
-          </p:cNvPr>
-          <p:cNvSpPr/>
-          <p:nvPr/>
-        </p:nvSpPr>
-        <p:spPr>
-          <a:xfrm rot="16200000">
-            <a:off x="3602077" y="5275922"/>
-            <a:ext cx="426379" cy="1192905"/>
-          </a:xfrm>
-          <a:prstGeom prst="downArrow">
-            <a:avLst>
-              <a:gd name="adj1" fmla="val 100000"/>
-              <a:gd name="adj2" fmla="val 50000"/>
-            </a:avLst>
-          </a:prstGeom>
-          <a:solidFill>
-            <a:schemeClr val="bg1">
-              <a:lumMod val="85000"/>
-            </a:schemeClr>
-          </a:solidFill>
-          <a:ln w="25400">
-            <a:solidFill>
-              <a:schemeClr val="tx1"/>
-            </a:solidFill>
-          </a:ln>
-          <a:effectLst/>
-        </p:spPr>
-        <p:style>
-          <a:lnRef idx="1">
-            <a:schemeClr val="accent1"/>
-          </a:lnRef>
-          <a:fillRef idx="3">
-            <a:schemeClr val="accent1"/>
-          </a:fillRef>
-          <a:effectRef idx="2">
-            <a:schemeClr val="accent1"/>
-          </a:effectRef>
-          <a:fontRef idx="minor">
-            <a:schemeClr val="lt1"/>
-          </a:fontRef>
-        </p:style>
-        <p:txBody>
-          <a:bodyPr vert="vert" rtlCol="0" anchor="ctr"/>
-          <a:lstStyle/>
-          <a:p>
-            <a:pPr algn="ctr"/>
-            <a:r>
-              <a:rPr lang="fr-FR" sz="2000" dirty="0">
-                <a:solidFill>
-                  <a:schemeClr val="tx1"/>
-                </a:solidFill>
-                <a:latin typeface="Consolas" panose="020B0609020204030204" pitchFamily="49" charset="0"/>
-                <a:cs typeface="Consolas" panose="020B0609020204030204" pitchFamily="49" charset="0"/>
-              </a:rPr>
-              <a:t>HEAD</a:t>
-            </a:r>
-            <a:endParaRPr lang="en-US" dirty="0">
-              <a:solidFill>
-                <a:schemeClr val="tx1"/>
-              </a:solidFill>
               <a:latin typeface="Consolas" panose="020B0609020204030204" pitchFamily="49" charset="0"/>
               <a:cs typeface="Consolas" panose="020B0609020204030204" pitchFamily="49" charset="0"/>
             </a:endParaRPr>
@@ -27856,6 +29324,164 @@
                 <a:srgbClr val="FFC000"/>
               </a:solidFill>
               <a:latin typeface="+mj-lt"/>
+            </a:endParaRPr>
+          </a:p>
+        </p:txBody>
+      </p:sp>
+      <p:sp>
+        <p:nvSpPr>
+          <p:cNvPr id="12" name="Arrow: Down 29">
+            <a:extLst>
+              <a:ext uri="{FF2B5EF4-FFF2-40B4-BE49-F238E27FC236}">
+                <a16:creationId xmlns:a16="http://schemas.microsoft.com/office/drawing/2014/main" xmlns="" id="{C1335406-A2C9-47D4-B205-5C60C0E28A8A}"/>
+              </a:ext>
+            </a:extLst>
+          </p:cNvPr>
+          <p:cNvSpPr/>
+          <p:nvPr/>
+        </p:nvSpPr>
+        <p:spPr>
+          <a:xfrm rot="16200000">
+            <a:off x="4966198" y="5187229"/>
+            <a:ext cx="417816" cy="1378854"/>
+          </a:xfrm>
+          <a:prstGeom prst="downArrow">
+            <a:avLst>
+              <a:gd name="adj1" fmla="val 100000"/>
+              <a:gd name="adj2" fmla="val 50000"/>
+            </a:avLst>
+          </a:prstGeom>
+          <a:solidFill>
+            <a:schemeClr val="accent3">
+              <a:lumMod val="20000"/>
+              <a:lumOff val="80000"/>
+            </a:schemeClr>
+          </a:solidFill>
+          <a:ln w="25400">
+            <a:solidFill>
+              <a:schemeClr val="tx1"/>
+            </a:solidFill>
+          </a:ln>
+          <a:effectLst/>
+        </p:spPr>
+        <p:style>
+          <a:lnRef idx="1">
+            <a:schemeClr val="accent1"/>
+          </a:lnRef>
+          <a:fillRef idx="3">
+            <a:schemeClr val="accent1"/>
+          </a:fillRef>
+          <a:effectRef idx="2">
+            <a:schemeClr val="accent1"/>
+          </a:effectRef>
+          <a:fontRef idx="minor">
+            <a:schemeClr val="lt1"/>
+          </a:fontRef>
+        </p:style>
+        <p:txBody>
+          <a:bodyPr vert="eaVert" rtlCol="0" anchor="ctr"/>
+          <a:lstStyle/>
+          <a:p>
+            <a:r>
+              <a:rPr lang="fr-FR" sz="2000" dirty="0">
+                <a:solidFill>
+                  <a:schemeClr val="tx1"/>
+                </a:solidFill>
+                <a:latin typeface="Consolas" panose="020B0609020204030204" pitchFamily="49" charset="0"/>
+                <a:cs typeface="Consolas" panose="020B0609020204030204" pitchFamily="49" charset="0"/>
+              </a:rPr>
+              <a:t> </a:t>
+            </a:r>
+            <a:r>
+              <a:rPr lang="fr-FR" dirty="0" smtClean="0">
+                <a:solidFill>
+                  <a:schemeClr val="tx1"/>
+                </a:solidFill>
+                <a:latin typeface="Consolas" panose="020B0609020204030204" pitchFamily="49" charset="0"/>
+                <a:cs typeface="Consolas" panose="020B0609020204030204" pitchFamily="49" charset="0"/>
+              </a:rPr>
+              <a:t>master</a:t>
+            </a:r>
+            <a:endParaRPr lang="en-US" sz="1900" dirty="0">
+              <a:solidFill>
+                <a:schemeClr val="tx1"/>
+              </a:solidFill>
+              <a:latin typeface="Consolas" panose="020B0609020204030204" pitchFamily="49" charset="0"/>
+              <a:cs typeface="Consolas" panose="020B0609020204030204" pitchFamily="49" charset="0"/>
+            </a:endParaRPr>
+          </a:p>
+        </p:txBody>
+      </p:sp>
+      <p:sp>
+        <p:nvSpPr>
+          <p:cNvPr id="14" name="Arrow: Down 35">
+            <a:extLst>
+              <a:ext uri="{FF2B5EF4-FFF2-40B4-BE49-F238E27FC236}">
+                <a16:creationId xmlns:a16="http://schemas.microsoft.com/office/drawing/2014/main" xmlns="" id="{626A0744-AE03-44D5-9A65-2190DA15A386}"/>
+              </a:ext>
+            </a:extLst>
+          </p:cNvPr>
+          <p:cNvSpPr/>
+          <p:nvPr/>
+        </p:nvSpPr>
+        <p:spPr>
+          <a:xfrm rot="16200000">
+            <a:off x="3672176" y="5275922"/>
+            <a:ext cx="426379" cy="1192905"/>
+          </a:xfrm>
+          <a:prstGeom prst="downArrow">
+            <a:avLst>
+              <a:gd name="adj1" fmla="val 100000"/>
+              <a:gd name="adj2" fmla="val 50000"/>
+            </a:avLst>
+          </a:prstGeom>
+          <a:solidFill>
+            <a:schemeClr val="bg1">
+              <a:lumMod val="85000"/>
+            </a:schemeClr>
+          </a:solidFill>
+          <a:ln w="25400">
+            <a:solidFill>
+              <a:schemeClr val="tx1"/>
+            </a:solidFill>
+          </a:ln>
+          <a:effectLst/>
+        </p:spPr>
+        <p:style>
+          <a:lnRef idx="1">
+            <a:schemeClr val="accent1"/>
+          </a:lnRef>
+          <a:fillRef idx="3">
+            <a:schemeClr val="accent1"/>
+          </a:fillRef>
+          <a:effectRef idx="2">
+            <a:schemeClr val="accent1"/>
+          </a:effectRef>
+          <a:fontRef idx="minor">
+            <a:schemeClr val="lt1"/>
+          </a:fontRef>
+        </p:style>
+        <p:txBody>
+          <a:bodyPr vert="vert" rtlCol="0" anchor="ctr"/>
+          <a:lstStyle/>
+          <a:p>
+            <a:pPr algn="ctr"/>
+            <a:r>
+              <a:rPr lang="fr-FR" sz="2000" dirty="0">
+                <a:solidFill>
+                  <a:schemeClr val="tx1"/>
+                </a:solidFill>
+                <a:latin typeface="Consolas" panose="020B0609020204030204" pitchFamily="49" charset="0"/>
+                <a:cs typeface="Consolas" panose="020B0609020204030204" pitchFamily="49" charset="0"/>
+              </a:rPr>
+              <a:t>HEAD</a:t>
+            </a:r>
+            <a:endParaRPr lang="en-US" dirty="0">
+              <a:solidFill>
+                <a:schemeClr val="tx1"/>
+              </a:solidFill>
+              <a:latin typeface="Consolas" panose="020B0609020204030204" pitchFamily="49" charset="0"/>
+              <a:cs typeface="Consolas" panose="020B0609020204030204" pitchFamily="49" charset="0"/>
             </a:endParaRPr>
           </a:p>
         </p:txBody>
@@ -27905,7 +29531,7 @@
           <p:cNvPr id="3" name="Title 2">
             <a:extLst>
               <a:ext uri="{FF2B5EF4-FFF2-40B4-BE49-F238E27FC236}">
-                <a16:creationId xmlns="" xmlns:a16="http://schemas.microsoft.com/office/drawing/2014/main" id="{A8704E41-3486-46BD-8AA7-B6B5D28F95A5}"/>
+                <a16:creationId xmlns:a16="http://schemas.microsoft.com/office/drawing/2014/main" xmlns="" id="{A8704E41-3486-46BD-8AA7-B6B5D28F95A5}"/>
               </a:ext>
             </a:extLst>
           </p:cNvPr>
@@ -27938,7 +29564,7 @@
           <p:cNvPr id="4" name="Slide Number Placeholder 3">
             <a:extLst>
               <a:ext uri="{FF2B5EF4-FFF2-40B4-BE49-F238E27FC236}">
-                <a16:creationId xmlns="" xmlns:a16="http://schemas.microsoft.com/office/drawing/2014/main" id="{02CD92EA-E9CB-4F4C-B1B9-840F11B55DC5}"/>
+                <a16:creationId xmlns:a16="http://schemas.microsoft.com/office/drawing/2014/main" xmlns="" id="{02CD92EA-E9CB-4F4C-B1B9-840F11B55DC5}"/>
               </a:ext>
             </a:extLst>
           </p:cNvPr>
@@ -27984,7 +29610,7 @@
           <p:cNvPr id="5" name="Text Placeholder 4">
             <a:extLst>
               <a:ext uri="{FF2B5EF4-FFF2-40B4-BE49-F238E27FC236}">
-                <a16:creationId xmlns="" xmlns:a16="http://schemas.microsoft.com/office/drawing/2014/main" id="{C22D9F79-04C1-4762-96D6-F3FE8172F1B1}"/>
+                <a16:creationId xmlns:a16="http://schemas.microsoft.com/office/drawing/2014/main" xmlns="" id="{C22D9F79-04C1-4762-96D6-F3FE8172F1B1}"/>
               </a:ext>
             </a:extLst>
           </p:cNvPr>
@@ -28013,7 +29639,7 @@
           <p:nvPr/>
         </p:nvPicPr>
         <p:blipFill>
-          <a:blip r:embed="rId2">
+          <a:blip r:embed="rId3">
             <a:extLst>
               <a:ext uri="{28A0092B-C50C-407E-A947-70E740481C1C}">
                 <a14:useLocalDpi xmlns:a14="http://schemas.microsoft.com/office/drawing/2010/main" val="0"/>
@@ -28039,7 +29665,7 @@
           <p:cNvPr id="10" name="Oval 9">
             <a:extLst>
               <a:ext uri="{FF2B5EF4-FFF2-40B4-BE49-F238E27FC236}">
-                <a16:creationId xmlns="" xmlns:a16="http://schemas.microsoft.com/office/drawing/2014/main" id="{70018B8E-C8EA-4592-B666-4DD6915C2DAF}"/>
+                <a16:creationId xmlns:a16="http://schemas.microsoft.com/office/drawing/2014/main" xmlns="" id="{70018B8E-C8EA-4592-B666-4DD6915C2DAF}"/>
               </a:ext>
             </a:extLst>
           </p:cNvPr>
@@ -28095,7 +29721,7 @@
           <p:cNvPr id="11" name="TextBox 10">
             <a:extLst>
               <a:ext uri="{FF2B5EF4-FFF2-40B4-BE49-F238E27FC236}">
-                <a16:creationId xmlns="" xmlns:a16="http://schemas.microsoft.com/office/drawing/2014/main" id="{EA7F15EB-6AA1-4C76-921F-2B04B74B1885}"/>
+                <a16:creationId xmlns:a16="http://schemas.microsoft.com/office/drawing/2014/main" xmlns="" id="{EA7F15EB-6AA1-4C76-921F-2B04B74B1885}"/>
               </a:ext>
             </a:extLst>
           </p:cNvPr>
@@ -28137,7 +29763,7 @@
           <p:cNvPr id="13" name="Arrow: Down 29">
             <a:extLst>
               <a:ext uri="{FF2B5EF4-FFF2-40B4-BE49-F238E27FC236}">
-                <a16:creationId xmlns="" xmlns:a16="http://schemas.microsoft.com/office/drawing/2014/main" id="{C1335406-A2C9-47D4-B205-5C60C0E28A8A}"/>
+                <a16:creationId xmlns:a16="http://schemas.microsoft.com/office/drawing/2014/main" xmlns="" id="{C1335406-A2C9-47D4-B205-5C60C0E28A8A}"/>
               </a:ext>
             </a:extLst>
           </p:cNvPr>
@@ -28221,7 +29847,7 @@
           <p:cNvPr id="14" name="Arrow: Down 35">
             <a:extLst>
               <a:ext uri="{FF2B5EF4-FFF2-40B4-BE49-F238E27FC236}">
-                <a16:creationId xmlns="" xmlns:a16="http://schemas.microsoft.com/office/drawing/2014/main" id="{626A0744-AE03-44D5-9A65-2190DA15A386}"/>
+                <a16:creationId xmlns:a16="http://schemas.microsoft.com/office/drawing/2014/main" xmlns="" id="{626A0744-AE03-44D5-9A65-2190DA15A386}"/>
               </a:ext>
             </a:extLst>
           </p:cNvPr>
@@ -28295,7 +29921,7 @@
           <p:cNvPr id="15" name="Arrow: Down 35">
             <a:extLst>
               <a:ext uri="{FF2B5EF4-FFF2-40B4-BE49-F238E27FC236}">
-                <a16:creationId xmlns="" xmlns:a16="http://schemas.microsoft.com/office/drawing/2014/main" id="{626A0744-AE03-44D5-9A65-2190DA15A386}"/>
+                <a16:creationId xmlns:a16="http://schemas.microsoft.com/office/drawing/2014/main" xmlns="" id="{626A0744-AE03-44D5-9A65-2190DA15A386}"/>
               </a:ext>
             </a:extLst>
           </p:cNvPr>
@@ -28675,7 +30301,7 @@
           <p:cNvPr id="3" name="Title 2">
             <a:extLst>
               <a:ext uri="{FF2B5EF4-FFF2-40B4-BE49-F238E27FC236}">
-                <a16:creationId xmlns="" xmlns:a16="http://schemas.microsoft.com/office/drawing/2014/main" id="{A8704E41-3486-46BD-8AA7-B6B5D28F95A5}"/>
+                <a16:creationId xmlns:a16="http://schemas.microsoft.com/office/drawing/2014/main" xmlns="" id="{A8704E41-3486-46BD-8AA7-B6B5D28F95A5}"/>
               </a:ext>
             </a:extLst>
           </p:cNvPr>
@@ -28712,7 +30338,7 @@
           <p:cNvPr id="4" name="Slide Number Placeholder 3">
             <a:extLst>
               <a:ext uri="{FF2B5EF4-FFF2-40B4-BE49-F238E27FC236}">
-                <a16:creationId xmlns="" xmlns:a16="http://schemas.microsoft.com/office/drawing/2014/main" id="{02CD92EA-E9CB-4F4C-B1B9-840F11B55DC5}"/>
+                <a16:creationId xmlns:a16="http://schemas.microsoft.com/office/drawing/2014/main" xmlns="" id="{02CD92EA-E9CB-4F4C-B1B9-840F11B55DC5}"/>
               </a:ext>
             </a:extLst>
           </p:cNvPr>
@@ -28758,7 +30384,7 @@
           <p:cNvPr id="5" name="Text Placeholder 4">
             <a:extLst>
               <a:ext uri="{FF2B5EF4-FFF2-40B4-BE49-F238E27FC236}">
-                <a16:creationId xmlns="" xmlns:a16="http://schemas.microsoft.com/office/drawing/2014/main" id="{C22D9F79-04C1-4762-96D6-F3FE8172F1B1}"/>
+                <a16:creationId xmlns:a16="http://schemas.microsoft.com/office/drawing/2014/main" xmlns="" id="{C22D9F79-04C1-4762-96D6-F3FE8172F1B1}"/>
               </a:ext>
             </a:extLst>
           </p:cNvPr>
@@ -28783,7 +30409,7 @@
           <p:cNvPr id="12" name="Oval 11">
             <a:extLst>
               <a:ext uri="{FF2B5EF4-FFF2-40B4-BE49-F238E27FC236}">
-                <a16:creationId xmlns="" xmlns:a16="http://schemas.microsoft.com/office/drawing/2014/main" id="{70018B8E-C8EA-4592-B666-4DD6915C2DAF}"/>
+                <a16:creationId xmlns:a16="http://schemas.microsoft.com/office/drawing/2014/main" xmlns="" id="{70018B8E-C8EA-4592-B666-4DD6915C2DAF}"/>
               </a:ext>
             </a:extLst>
           </p:cNvPr>
@@ -28839,7 +30465,7 @@
           <p:cNvPr id="13" name="TextBox 12">
             <a:extLst>
               <a:ext uri="{FF2B5EF4-FFF2-40B4-BE49-F238E27FC236}">
-                <a16:creationId xmlns="" xmlns:a16="http://schemas.microsoft.com/office/drawing/2014/main" id="{EA7F15EB-6AA1-4C76-921F-2B04B74B1885}"/>
+                <a16:creationId xmlns:a16="http://schemas.microsoft.com/office/drawing/2014/main" xmlns="" id="{EA7F15EB-6AA1-4C76-921F-2B04B74B1885}"/>
               </a:ext>
             </a:extLst>
           </p:cNvPr>
@@ -28881,7 +30507,7 @@
           <p:cNvPr id="14" name="Oval 13">
             <a:extLst>
               <a:ext uri="{FF2B5EF4-FFF2-40B4-BE49-F238E27FC236}">
-                <a16:creationId xmlns="" xmlns:a16="http://schemas.microsoft.com/office/drawing/2014/main" id="{70018B8E-C8EA-4592-B666-4DD6915C2DAF}"/>
+                <a16:creationId xmlns:a16="http://schemas.microsoft.com/office/drawing/2014/main" xmlns="" id="{70018B8E-C8EA-4592-B666-4DD6915C2DAF}"/>
               </a:ext>
             </a:extLst>
           </p:cNvPr>
@@ -28937,7 +30563,7 @@
           <p:cNvPr id="15" name="TextBox 14">
             <a:extLst>
               <a:ext uri="{FF2B5EF4-FFF2-40B4-BE49-F238E27FC236}">
-                <a16:creationId xmlns="" xmlns:a16="http://schemas.microsoft.com/office/drawing/2014/main" id="{EA7F15EB-6AA1-4C76-921F-2B04B74B1885}"/>
+                <a16:creationId xmlns:a16="http://schemas.microsoft.com/office/drawing/2014/main" xmlns="" id="{EA7F15EB-6AA1-4C76-921F-2B04B74B1885}"/>
               </a:ext>
             </a:extLst>
           </p:cNvPr>
@@ -28979,7 +30605,7 @@
           <p:cNvPr id="18" name="Straight Arrow Connector 17">
             <a:extLst>
               <a:ext uri="{FF2B5EF4-FFF2-40B4-BE49-F238E27FC236}">
-                <a16:creationId xmlns="" xmlns:a16="http://schemas.microsoft.com/office/drawing/2014/main" id="{D5D1DDE3-D551-4E6B-AD34-6FBA1762CCD0}"/>
+                <a16:creationId xmlns:a16="http://schemas.microsoft.com/office/drawing/2014/main" xmlns="" id="{D5D1DDE3-D551-4E6B-AD34-6FBA1762CCD0}"/>
               </a:ext>
             </a:extLst>
           </p:cNvPr>
@@ -29023,7 +30649,7 @@
           <p:cNvPr id="19" name="Oval 18">
             <a:extLst>
               <a:ext uri="{FF2B5EF4-FFF2-40B4-BE49-F238E27FC236}">
-                <a16:creationId xmlns="" xmlns:a16="http://schemas.microsoft.com/office/drawing/2014/main" id="{70018B8E-C8EA-4592-B666-4DD6915C2DAF}"/>
+                <a16:creationId xmlns:a16="http://schemas.microsoft.com/office/drawing/2014/main" xmlns="" id="{70018B8E-C8EA-4592-B666-4DD6915C2DAF}"/>
               </a:ext>
             </a:extLst>
           </p:cNvPr>
@@ -29079,7 +30705,7 @@
           <p:cNvPr id="20" name="TextBox 19">
             <a:extLst>
               <a:ext uri="{FF2B5EF4-FFF2-40B4-BE49-F238E27FC236}">
-                <a16:creationId xmlns="" xmlns:a16="http://schemas.microsoft.com/office/drawing/2014/main" id="{EA7F15EB-6AA1-4C76-921F-2B04B74B1885}"/>
+                <a16:creationId xmlns:a16="http://schemas.microsoft.com/office/drawing/2014/main" xmlns="" id="{EA7F15EB-6AA1-4C76-921F-2B04B74B1885}"/>
               </a:ext>
             </a:extLst>
           </p:cNvPr>
@@ -29121,7 +30747,7 @@
           <p:cNvPr id="21" name="Straight Arrow Connector 20">
             <a:extLst>
               <a:ext uri="{FF2B5EF4-FFF2-40B4-BE49-F238E27FC236}">
-                <a16:creationId xmlns="" xmlns:a16="http://schemas.microsoft.com/office/drawing/2014/main" id="{D5D1DDE3-D551-4E6B-AD34-6FBA1762CCD0}"/>
+                <a16:creationId xmlns:a16="http://schemas.microsoft.com/office/drawing/2014/main" xmlns="" id="{D5D1DDE3-D551-4E6B-AD34-6FBA1762CCD0}"/>
               </a:ext>
             </a:extLst>
           </p:cNvPr>
@@ -29165,7 +30791,7 @@
           <p:cNvPr id="25" name="Arrow: Down 29">
             <a:extLst>
               <a:ext uri="{FF2B5EF4-FFF2-40B4-BE49-F238E27FC236}">
-                <a16:creationId xmlns="" xmlns:a16="http://schemas.microsoft.com/office/drawing/2014/main" id="{C1335406-A2C9-47D4-B205-5C60C0E28A8A}"/>
+                <a16:creationId xmlns:a16="http://schemas.microsoft.com/office/drawing/2014/main" xmlns="" id="{C1335406-A2C9-47D4-B205-5C60C0E28A8A}"/>
               </a:ext>
             </a:extLst>
           </p:cNvPr>
@@ -29249,7 +30875,7 @@
           <p:cNvPr id="26" name="Arrow: Down 35">
             <a:extLst>
               <a:ext uri="{FF2B5EF4-FFF2-40B4-BE49-F238E27FC236}">
-                <a16:creationId xmlns="" xmlns:a16="http://schemas.microsoft.com/office/drawing/2014/main" id="{626A0744-AE03-44D5-9A65-2190DA15A386}"/>
+                <a16:creationId xmlns:a16="http://schemas.microsoft.com/office/drawing/2014/main" xmlns="" id="{626A0744-AE03-44D5-9A65-2190DA15A386}"/>
               </a:ext>
             </a:extLst>
           </p:cNvPr>
@@ -29391,7 +31017,7 @@
           <p:cNvPr id="30" name="Arrow: Down 35">
             <a:extLst>
               <a:ext uri="{FF2B5EF4-FFF2-40B4-BE49-F238E27FC236}">
-                <a16:creationId xmlns="" xmlns:a16="http://schemas.microsoft.com/office/drawing/2014/main" id="{626A0744-AE03-44D5-9A65-2190DA15A386}"/>
+                <a16:creationId xmlns:a16="http://schemas.microsoft.com/office/drawing/2014/main" xmlns="" id="{626A0744-AE03-44D5-9A65-2190DA15A386}"/>
               </a:ext>
             </a:extLst>
           </p:cNvPr>
@@ -29465,7 +31091,7 @@
           <p:cNvPr id="31" name="Arrow: Down 35">
             <a:extLst>
               <a:ext uri="{FF2B5EF4-FFF2-40B4-BE49-F238E27FC236}">
-                <a16:creationId xmlns="" xmlns:a16="http://schemas.microsoft.com/office/drawing/2014/main" id="{626A0744-AE03-44D5-9A65-2190DA15A386}"/>
+                <a16:creationId xmlns:a16="http://schemas.microsoft.com/office/drawing/2014/main" xmlns="" id="{626A0744-AE03-44D5-9A65-2190DA15A386}"/>
               </a:ext>
             </a:extLst>
           </p:cNvPr>
@@ -29539,7 +31165,7 @@
           <p:cNvPr id="32" name="Arrow: Down 35">
             <a:extLst>
               <a:ext uri="{FF2B5EF4-FFF2-40B4-BE49-F238E27FC236}">
-                <a16:creationId xmlns="" xmlns:a16="http://schemas.microsoft.com/office/drawing/2014/main" id="{626A0744-AE03-44D5-9A65-2190DA15A386}"/>
+                <a16:creationId xmlns:a16="http://schemas.microsoft.com/office/drawing/2014/main" xmlns="" id="{626A0744-AE03-44D5-9A65-2190DA15A386}"/>
               </a:ext>
             </a:extLst>
           </p:cNvPr>
@@ -29613,7 +31239,7 @@
           <p:cNvPr id="33" name="Oval 32">
             <a:extLst>
               <a:ext uri="{FF2B5EF4-FFF2-40B4-BE49-F238E27FC236}">
-                <a16:creationId xmlns="" xmlns:a16="http://schemas.microsoft.com/office/drawing/2014/main" id="{70018B8E-C8EA-4592-B666-4DD6915C2DAF}"/>
+                <a16:creationId xmlns:a16="http://schemas.microsoft.com/office/drawing/2014/main" xmlns="" id="{70018B8E-C8EA-4592-B666-4DD6915C2DAF}"/>
               </a:ext>
             </a:extLst>
           </p:cNvPr>
@@ -29671,7 +31297,7 @@
           <p:cNvPr id="34" name="Oval 33">
             <a:extLst>
               <a:ext uri="{FF2B5EF4-FFF2-40B4-BE49-F238E27FC236}">
-                <a16:creationId xmlns="" xmlns:a16="http://schemas.microsoft.com/office/drawing/2014/main" id="{70018B8E-C8EA-4592-B666-4DD6915C2DAF}"/>
+                <a16:creationId xmlns:a16="http://schemas.microsoft.com/office/drawing/2014/main" xmlns="" id="{70018B8E-C8EA-4592-B666-4DD6915C2DAF}"/>
               </a:ext>
             </a:extLst>
           </p:cNvPr>
@@ -30656,7 +32282,7 @@
           <p:cNvPr id="3" name="Title 2">
             <a:extLst>
               <a:ext uri="{FF2B5EF4-FFF2-40B4-BE49-F238E27FC236}">
-                <a16:creationId xmlns="" xmlns:a16="http://schemas.microsoft.com/office/drawing/2014/main" id="{A8704E41-3486-46BD-8AA7-B6B5D28F95A5}"/>
+                <a16:creationId xmlns:a16="http://schemas.microsoft.com/office/drawing/2014/main" xmlns="" id="{A8704E41-3486-46BD-8AA7-B6B5D28F95A5}"/>
               </a:ext>
             </a:extLst>
           </p:cNvPr>
@@ -30693,7 +32319,7 @@
           <p:cNvPr id="4" name="Slide Number Placeholder 3">
             <a:extLst>
               <a:ext uri="{FF2B5EF4-FFF2-40B4-BE49-F238E27FC236}">
-                <a16:creationId xmlns="" xmlns:a16="http://schemas.microsoft.com/office/drawing/2014/main" id="{02CD92EA-E9CB-4F4C-B1B9-840F11B55DC5}"/>
+                <a16:creationId xmlns:a16="http://schemas.microsoft.com/office/drawing/2014/main" xmlns="" id="{02CD92EA-E9CB-4F4C-B1B9-840F11B55DC5}"/>
               </a:ext>
             </a:extLst>
           </p:cNvPr>
@@ -30739,7 +32365,7 @@
           <p:cNvPr id="5" name="Text Placeholder 4">
             <a:extLst>
               <a:ext uri="{FF2B5EF4-FFF2-40B4-BE49-F238E27FC236}">
-                <a16:creationId xmlns="" xmlns:a16="http://schemas.microsoft.com/office/drawing/2014/main" id="{C22D9F79-04C1-4762-96D6-F3FE8172F1B1}"/>
+                <a16:creationId xmlns:a16="http://schemas.microsoft.com/office/drawing/2014/main" xmlns="" id="{C22D9F79-04C1-4762-96D6-F3FE8172F1B1}"/>
               </a:ext>
             </a:extLst>
           </p:cNvPr>
@@ -30764,7 +32390,7 @@
           <p:cNvPr id="12" name="Oval 11">
             <a:extLst>
               <a:ext uri="{FF2B5EF4-FFF2-40B4-BE49-F238E27FC236}">
-                <a16:creationId xmlns="" xmlns:a16="http://schemas.microsoft.com/office/drawing/2014/main" id="{70018B8E-C8EA-4592-B666-4DD6915C2DAF}"/>
+                <a16:creationId xmlns:a16="http://schemas.microsoft.com/office/drawing/2014/main" xmlns="" id="{70018B8E-C8EA-4592-B666-4DD6915C2DAF}"/>
               </a:ext>
             </a:extLst>
           </p:cNvPr>
@@ -30820,7 +32446,7 @@
           <p:cNvPr id="13" name="TextBox 12">
             <a:extLst>
               <a:ext uri="{FF2B5EF4-FFF2-40B4-BE49-F238E27FC236}">
-                <a16:creationId xmlns="" xmlns:a16="http://schemas.microsoft.com/office/drawing/2014/main" id="{EA7F15EB-6AA1-4C76-921F-2B04B74B1885}"/>
+                <a16:creationId xmlns:a16="http://schemas.microsoft.com/office/drawing/2014/main" xmlns="" id="{EA7F15EB-6AA1-4C76-921F-2B04B74B1885}"/>
               </a:ext>
             </a:extLst>
           </p:cNvPr>
@@ -30862,7 +32488,7 @@
           <p:cNvPr id="14" name="Oval 13">
             <a:extLst>
               <a:ext uri="{FF2B5EF4-FFF2-40B4-BE49-F238E27FC236}">
-                <a16:creationId xmlns="" xmlns:a16="http://schemas.microsoft.com/office/drawing/2014/main" id="{70018B8E-C8EA-4592-B666-4DD6915C2DAF}"/>
+                <a16:creationId xmlns:a16="http://schemas.microsoft.com/office/drawing/2014/main" xmlns="" id="{70018B8E-C8EA-4592-B666-4DD6915C2DAF}"/>
               </a:ext>
             </a:extLst>
           </p:cNvPr>
@@ -30918,7 +32544,7 @@
           <p:cNvPr id="15" name="TextBox 14">
             <a:extLst>
               <a:ext uri="{FF2B5EF4-FFF2-40B4-BE49-F238E27FC236}">
-                <a16:creationId xmlns="" xmlns:a16="http://schemas.microsoft.com/office/drawing/2014/main" id="{EA7F15EB-6AA1-4C76-921F-2B04B74B1885}"/>
+                <a16:creationId xmlns:a16="http://schemas.microsoft.com/office/drawing/2014/main" xmlns="" id="{EA7F15EB-6AA1-4C76-921F-2B04B74B1885}"/>
               </a:ext>
             </a:extLst>
           </p:cNvPr>
@@ -30960,7 +32586,7 @@
           <p:cNvPr id="18" name="Straight Arrow Connector 17">
             <a:extLst>
               <a:ext uri="{FF2B5EF4-FFF2-40B4-BE49-F238E27FC236}">
-                <a16:creationId xmlns="" xmlns:a16="http://schemas.microsoft.com/office/drawing/2014/main" id="{D5D1DDE3-D551-4E6B-AD34-6FBA1762CCD0}"/>
+                <a16:creationId xmlns:a16="http://schemas.microsoft.com/office/drawing/2014/main" xmlns="" id="{D5D1DDE3-D551-4E6B-AD34-6FBA1762CCD0}"/>
               </a:ext>
             </a:extLst>
           </p:cNvPr>
@@ -31004,7 +32630,7 @@
           <p:cNvPr id="19" name="Oval 18">
             <a:extLst>
               <a:ext uri="{FF2B5EF4-FFF2-40B4-BE49-F238E27FC236}">
-                <a16:creationId xmlns="" xmlns:a16="http://schemas.microsoft.com/office/drawing/2014/main" id="{70018B8E-C8EA-4592-B666-4DD6915C2DAF}"/>
+                <a16:creationId xmlns:a16="http://schemas.microsoft.com/office/drawing/2014/main" xmlns="" id="{70018B8E-C8EA-4592-B666-4DD6915C2DAF}"/>
               </a:ext>
             </a:extLst>
           </p:cNvPr>
@@ -31060,7 +32686,7 @@
           <p:cNvPr id="20" name="TextBox 19">
             <a:extLst>
               <a:ext uri="{FF2B5EF4-FFF2-40B4-BE49-F238E27FC236}">
-                <a16:creationId xmlns="" xmlns:a16="http://schemas.microsoft.com/office/drawing/2014/main" id="{EA7F15EB-6AA1-4C76-921F-2B04B74B1885}"/>
+                <a16:creationId xmlns:a16="http://schemas.microsoft.com/office/drawing/2014/main" xmlns="" id="{EA7F15EB-6AA1-4C76-921F-2B04B74B1885}"/>
               </a:ext>
             </a:extLst>
           </p:cNvPr>
@@ -31102,7 +32728,7 @@
           <p:cNvPr id="21" name="Straight Arrow Connector 20">
             <a:extLst>
               <a:ext uri="{FF2B5EF4-FFF2-40B4-BE49-F238E27FC236}">
-                <a16:creationId xmlns="" xmlns:a16="http://schemas.microsoft.com/office/drawing/2014/main" id="{D5D1DDE3-D551-4E6B-AD34-6FBA1762CCD0}"/>
+                <a16:creationId xmlns:a16="http://schemas.microsoft.com/office/drawing/2014/main" xmlns="" id="{D5D1DDE3-D551-4E6B-AD34-6FBA1762CCD0}"/>
               </a:ext>
             </a:extLst>
           </p:cNvPr>
@@ -31146,7 +32772,7 @@
           <p:cNvPr id="25" name="Arrow: Down 29">
             <a:extLst>
               <a:ext uri="{FF2B5EF4-FFF2-40B4-BE49-F238E27FC236}">
-                <a16:creationId xmlns="" xmlns:a16="http://schemas.microsoft.com/office/drawing/2014/main" id="{C1335406-A2C9-47D4-B205-5C60C0E28A8A}"/>
+                <a16:creationId xmlns:a16="http://schemas.microsoft.com/office/drawing/2014/main" xmlns="" id="{C1335406-A2C9-47D4-B205-5C60C0E28A8A}"/>
               </a:ext>
             </a:extLst>
           </p:cNvPr>
@@ -31298,7 +32924,7 @@
           <p:cNvPr id="31" name="Arrow: Down 35">
             <a:extLst>
               <a:ext uri="{FF2B5EF4-FFF2-40B4-BE49-F238E27FC236}">
-                <a16:creationId xmlns="" xmlns:a16="http://schemas.microsoft.com/office/drawing/2014/main" id="{626A0744-AE03-44D5-9A65-2190DA15A386}"/>
+                <a16:creationId xmlns:a16="http://schemas.microsoft.com/office/drawing/2014/main" xmlns="" id="{626A0744-AE03-44D5-9A65-2190DA15A386}"/>
               </a:ext>
             </a:extLst>
           </p:cNvPr>
@@ -31372,7 +32998,7 @@
           <p:cNvPr id="32" name="Arrow: Down 35">
             <a:extLst>
               <a:ext uri="{FF2B5EF4-FFF2-40B4-BE49-F238E27FC236}">
-                <a16:creationId xmlns="" xmlns:a16="http://schemas.microsoft.com/office/drawing/2014/main" id="{626A0744-AE03-44D5-9A65-2190DA15A386}"/>
+                <a16:creationId xmlns:a16="http://schemas.microsoft.com/office/drawing/2014/main" xmlns="" id="{626A0744-AE03-44D5-9A65-2190DA15A386}"/>
               </a:ext>
             </a:extLst>
           </p:cNvPr>
@@ -31446,7 +33072,7 @@
           <p:cNvPr id="22" name="Arrow: Down 29">
             <a:extLst>
               <a:ext uri="{FF2B5EF4-FFF2-40B4-BE49-F238E27FC236}">
-                <a16:creationId xmlns="" xmlns:a16="http://schemas.microsoft.com/office/drawing/2014/main" id="{C1335406-A2C9-47D4-B205-5C60C0E28A8A}"/>
+                <a16:creationId xmlns:a16="http://schemas.microsoft.com/office/drawing/2014/main" xmlns="" id="{C1335406-A2C9-47D4-B205-5C60C0E28A8A}"/>
               </a:ext>
             </a:extLst>
           </p:cNvPr>
@@ -31979,7 +33605,7 @@
           <p:cNvPr id="3" name="Title 2">
             <a:extLst>
               <a:ext uri="{FF2B5EF4-FFF2-40B4-BE49-F238E27FC236}">
-                <a16:creationId xmlns="" xmlns:a16="http://schemas.microsoft.com/office/drawing/2014/main" id="{A8704E41-3486-46BD-8AA7-B6B5D28F95A5}"/>
+                <a16:creationId xmlns:a16="http://schemas.microsoft.com/office/drawing/2014/main" xmlns="" id="{A8704E41-3486-46BD-8AA7-B6B5D28F95A5}"/>
               </a:ext>
             </a:extLst>
           </p:cNvPr>
@@ -32016,7 +33642,7 @@
           <p:cNvPr id="4" name="Slide Number Placeholder 3">
             <a:extLst>
               <a:ext uri="{FF2B5EF4-FFF2-40B4-BE49-F238E27FC236}">
-                <a16:creationId xmlns="" xmlns:a16="http://schemas.microsoft.com/office/drawing/2014/main" id="{02CD92EA-E9CB-4F4C-B1B9-840F11B55DC5}"/>
+                <a16:creationId xmlns:a16="http://schemas.microsoft.com/office/drawing/2014/main" xmlns="" id="{02CD92EA-E9CB-4F4C-B1B9-840F11B55DC5}"/>
               </a:ext>
             </a:extLst>
           </p:cNvPr>
@@ -32062,7 +33688,7 @@
           <p:cNvPr id="5" name="Text Placeholder 4">
             <a:extLst>
               <a:ext uri="{FF2B5EF4-FFF2-40B4-BE49-F238E27FC236}">
-                <a16:creationId xmlns="" xmlns:a16="http://schemas.microsoft.com/office/drawing/2014/main" id="{C22D9F79-04C1-4762-96D6-F3FE8172F1B1}"/>
+                <a16:creationId xmlns:a16="http://schemas.microsoft.com/office/drawing/2014/main" xmlns="" id="{C22D9F79-04C1-4762-96D6-F3FE8172F1B1}"/>
               </a:ext>
             </a:extLst>
           </p:cNvPr>
@@ -32087,7 +33713,7 @@
           <p:cNvPr id="37" name="Oval 36">
             <a:extLst>
               <a:ext uri="{FF2B5EF4-FFF2-40B4-BE49-F238E27FC236}">
-                <a16:creationId xmlns="" xmlns:a16="http://schemas.microsoft.com/office/drawing/2014/main" id="{85A56FFB-3CCE-40CF-B574-5F581CF3B136}"/>
+                <a16:creationId xmlns:a16="http://schemas.microsoft.com/office/drawing/2014/main" xmlns="" id="{85A56FFB-3CCE-40CF-B574-5F581CF3B136}"/>
               </a:ext>
             </a:extLst>
           </p:cNvPr>
@@ -32143,7 +33769,7 @@
           <p:cNvPr id="41" name="Oval 40">
             <a:extLst>
               <a:ext uri="{FF2B5EF4-FFF2-40B4-BE49-F238E27FC236}">
-                <a16:creationId xmlns="" xmlns:a16="http://schemas.microsoft.com/office/drawing/2014/main" id="{70018B8E-C8EA-4592-B666-4DD6915C2DAF}"/>
+                <a16:creationId xmlns:a16="http://schemas.microsoft.com/office/drawing/2014/main" xmlns="" id="{70018B8E-C8EA-4592-B666-4DD6915C2DAF}"/>
               </a:ext>
             </a:extLst>
           </p:cNvPr>
@@ -32199,7 +33825,7 @@
           <p:cNvPr id="44" name="Oval 43">
             <a:extLst>
               <a:ext uri="{FF2B5EF4-FFF2-40B4-BE49-F238E27FC236}">
-                <a16:creationId xmlns="" xmlns:a16="http://schemas.microsoft.com/office/drawing/2014/main" id="{1B9A13BE-F872-4D03-BE6E-86788C555F5C}"/>
+                <a16:creationId xmlns:a16="http://schemas.microsoft.com/office/drawing/2014/main" xmlns="" id="{1B9A13BE-F872-4D03-BE6E-86788C555F5C}"/>
               </a:ext>
             </a:extLst>
           </p:cNvPr>
@@ -32255,7 +33881,7 @@
           <p:cNvPr id="45" name="Straight Arrow Connector 44">
             <a:extLst>
               <a:ext uri="{FF2B5EF4-FFF2-40B4-BE49-F238E27FC236}">
-                <a16:creationId xmlns="" xmlns:a16="http://schemas.microsoft.com/office/drawing/2014/main" id="{D5D1DDE3-D551-4E6B-AD34-6FBA1762CCD0}"/>
+                <a16:creationId xmlns:a16="http://schemas.microsoft.com/office/drawing/2014/main" xmlns="" id="{D5D1DDE3-D551-4E6B-AD34-6FBA1762CCD0}"/>
               </a:ext>
             </a:extLst>
           </p:cNvPr>
@@ -32299,7 +33925,7 @@
           <p:cNvPr id="47" name="Straight Arrow Connector 46">
             <a:extLst>
               <a:ext uri="{FF2B5EF4-FFF2-40B4-BE49-F238E27FC236}">
-                <a16:creationId xmlns="" xmlns:a16="http://schemas.microsoft.com/office/drawing/2014/main" id="{8C6910D2-ECED-46D5-BC40-B82D376993B1}"/>
+                <a16:creationId xmlns:a16="http://schemas.microsoft.com/office/drawing/2014/main" xmlns="" id="{8C6910D2-ECED-46D5-BC40-B82D376993B1}"/>
               </a:ext>
             </a:extLst>
           </p:cNvPr>
@@ -32343,7 +33969,7 @@
           <p:cNvPr id="48" name="Oval 47">
             <a:extLst>
               <a:ext uri="{FF2B5EF4-FFF2-40B4-BE49-F238E27FC236}">
-                <a16:creationId xmlns="" xmlns:a16="http://schemas.microsoft.com/office/drawing/2014/main" id="{089F238F-FA4E-4BC7-B5C9-2DE4F3174BCB}"/>
+                <a16:creationId xmlns:a16="http://schemas.microsoft.com/office/drawing/2014/main" xmlns="" id="{089F238F-FA4E-4BC7-B5C9-2DE4F3174BCB}"/>
               </a:ext>
             </a:extLst>
           </p:cNvPr>
@@ -32399,7 +34025,7 @@
           <p:cNvPr id="49" name="Oval 48">
             <a:extLst>
               <a:ext uri="{FF2B5EF4-FFF2-40B4-BE49-F238E27FC236}">
-                <a16:creationId xmlns="" xmlns:a16="http://schemas.microsoft.com/office/drawing/2014/main" id="{5432F768-DFB7-4BB9-A475-7A3EF2DF16EC}"/>
+                <a16:creationId xmlns:a16="http://schemas.microsoft.com/office/drawing/2014/main" xmlns="" id="{5432F768-DFB7-4BB9-A475-7A3EF2DF16EC}"/>
               </a:ext>
             </a:extLst>
           </p:cNvPr>
@@ -32455,7 +34081,7 @@
           <p:cNvPr id="51" name="Oval 50">
             <a:extLst>
               <a:ext uri="{FF2B5EF4-FFF2-40B4-BE49-F238E27FC236}">
-                <a16:creationId xmlns="" xmlns:a16="http://schemas.microsoft.com/office/drawing/2014/main" id="{5183D966-4DFE-4C53-B3FF-6AEDBFA81D9B}"/>
+                <a16:creationId xmlns:a16="http://schemas.microsoft.com/office/drawing/2014/main" xmlns="" id="{5183D966-4DFE-4C53-B3FF-6AEDBFA81D9B}"/>
               </a:ext>
             </a:extLst>
           </p:cNvPr>
@@ -32511,7 +34137,7 @@
           <p:cNvPr id="53" name="Straight Arrow Connector 52">
             <a:extLst>
               <a:ext uri="{FF2B5EF4-FFF2-40B4-BE49-F238E27FC236}">
-                <a16:creationId xmlns="" xmlns:a16="http://schemas.microsoft.com/office/drawing/2014/main" id="{39C2BE5D-187B-4009-B65C-119A939C1205}"/>
+                <a16:creationId xmlns:a16="http://schemas.microsoft.com/office/drawing/2014/main" xmlns="" id="{39C2BE5D-187B-4009-B65C-119A939C1205}"/>
               </a:ext>
             </a:extLst>
           </p:cNvPr>
@@ -32555,7 +34181,7 @@
           <p:cNvPr id="54" name="Straight Arrow Connector 53">
             <a:extLst>
               <a:ext uri="{FF2B5EF4-FFF2-40B4-BE49-F238E27FC236}">
-                <a16:creationId xmlns="" xmlns:a16="http://schemas.microsoft.com/office/drawing/2014/main" id="{9B92B2BE-EA67-4FCA-826C-7C2C0498F054}"/>
+                <a16:creationId xmlns:a16="http://schemas.microsoft.com/office/drawing/2014/main" xmlns="" id="{9B92B2BE-EA67-4FCA-826C-7C2C0498F054}"/>
               </a:ext>
             </a:extLst>
           </p:cNvPr>
@@ -32599,7 +34225,7 @@
           <p:cNvPr id="55" name="Oval 54">
             <a:extLst>
               <a:ext uri="{FF2B5EF4-FFF2-40B4-BE49-F238E27FC236}">
-                <a16:creationId xmlns="" xmlns:a16="http://schemas.microsoft.com/office/drawing/2014/main" id="{6FCAF568-FDEF-45D2-9140-749521E779C5}"/>
+                <a16:creationId xmlns:a16="http://schemas.microsoft.com/office/drawing/2014/main" xmlns="" id="{6FCAF568-FDEF-45D2-9140-749521E779C5}"/>
               </a:ext>
             </a:extLst>
           </p:cNvPr>
@@ -32655,7 +34281,7 @@
           <p:cNvPr id="56" name="Oval 55">
             <a:extLst>
               <a:ext uri="{FF2B5EF4-FFF2-40B4-BE49-F238E27FC236}">
-                <a16:creationId xmlns="" xmlns:a16="http://schemas.microsoft.com/office/drawing/2014/main" id="{1772391F-F1E8-4838-87B5-C86A20101F19}"/>
+                <a16:creationId xmlns:a16="http://schemas.microsoft.com/office/drawing/2014/main" xmlns="" id="{1772391F-F1E8-4838-87B5-C86A20101F19}"/>
               </a:ext>
             </a:extLst>
           </p:cNvPr>
@@ -32711,7 +34337,7 @@
           <p:cNvPr id="57" name="Straight Arrow Connector 56">
             <a:extLst>
               <a:ext uri="{FF2B5EF4-FFF2-40B4-BE49-F238E27FC236}">
-                <a16:creationId xmlns="" xmlns:a16="http://schemas.microsoft.com/office/drawing/2014/main" id="{5EAEB01F-90CC-47C8-8D8E-ACE27172827A}"/>
+                <a16:creationId xmlns:a16="http://schemas.microsoft.com/office/drawing/2014/main" xmlns="" id="{5EAEB01F-90CC-47C8-8D8E-ACE27172827A}"/>
               </a:ext>
             </a:extLst>
           </p:cNvPr>
@@ -32755,7 +34381,7 @@
           <p:cNvPr id="61" name="Oval 60">
             <a:extLst>
               <a:ext uri="{FF2B5EF4-FFF2-40B4-BE49-F238E27FC236}">
-                <a16:creationId xmlns="" xmlns:a16="http://schemas.microsoft.com/office/drawing/2014/main" id="{2C11910F-BB4F-47E0-BAF9-3681C962FC29}"/>
+                <a16:creationId xmlns:a16="http://schemas.microsoft.com/office/drawing/2014/main" xmlns="" id="{2C11910F-BB4F-47E0-BAF9-3681C962FC29}"/>
               </a:ext>
             </a:extLst>
           </p:cNvPr>
@@ -32811,7 +34437,7 @@
           <p:cNvPr id="62" name="Straight Arrow Connector 61">
             <a:extLst>
               <a:ext uri="{FF2B5EF4-FFF2-40B4-BE49-F238E27FC236}">
-                <a16:creationId xmlns="" xmlns:a16="http://schemas.microsoft.com/office/drawing/2014/main" id="{2440572A-2DBD-415F-9767-FB1F45A17B5B}"/>
+                <a16:creationId xmlns:a16="http://schemas.microsoft.com/office/drawing/2014/main" xmlns="" id="{2440572A-2DBD-415F-9767-FB1F45A17B5B}"/>
               </a:ext>
             </a:extLst>
           </p:cNvPr>
@@ -32855,7 +34481,7 @@
           <p:cNvPr id="63" name="Straight Arrow Connector 62">
             <a:extLst>
               <a:ext uri="{FF2B5EF4-FFF2-40B4-BE49-F238E27FC236}">
-                <a16:creationId xmlns="" xmlns:a16="http://schemas.microsoft.com/office/drawing/2014/main" id="{C54637E1-B26F-4DFE-8AB1-8B56EE98EB4B}"/>
+                <a16:creationId xmlns:a16="http://schemas.microsoft.com/office/drawing/2014/main" xmlns="" id="{C54637E1-B26F-4DFE-8AB1-8B56EE98EB4B}"/>
               </a:ext>
             </a:extLst>
           </p:cNvPr>
@@ -32899,7 +34525,7 @@
           <p:cNvPr id="64" name="Straight Arrow Connector 63">
             <a:extLst>
               <a:ext uri="{FF2B5EF4-FFF2-40B4-BE49-F238E27FC236}">
-                <a16:creationId xmlns="" xmlns:a16="http://schemas.microsoft.com/office/drawing/2014/main" id="{B0E09CF0-6DAB-4554-85BF-F9BAA5DF7141}"/>
+                <a16:creationId xmlns:a16="http://schemas.microsoft.com/office/drawing/2014/main" xmlns="" id="{B0E09CF0-6DAB-4554-85BF-F9BAA5DF7141}"/>
               </a:ext>
             </a:extLst>
           </p:cNvPr>
@@ -32943,7 +34569,7 @@
           <p:cNvPr id="66" name="Oval 65">
             <a:extLst>
               <a:ext uri="{FF2B5EF4-FFF2-40B4-BE49-F238E27FC236}">
-                <a16:creationId xmlns="" xmlns:a16="http://schemas.microsoft.com/office/drawing/2014/main" id="{089F238F-FA4E-4BC7-B5C9-2DE4F3174BCB}"/>
+                <a16:creationId xmlns:a16="http://schemas.microsoft.com/office/drawing/2014/main" xmlns="" id="{089F238F-FA4E-4BC7-B5C9-2DE4F3174BCB}"/>
               </a:ext>
             </a:extLst>
           </p:cNvPr>
@@ -32999,7 +34625,7 @@
           <p:cNvPr id="67" name="Straight Arrow Connector 66">
             <a:extLst>
               <a:ext uri="{FF2B5EF4-FFF2-40B4-BE49-F238E27FC236}">
-                <a16:creationId xmlns="" xmlns:a16="http://schemas.microsoft.com/office/drawing/2014/main" id="{9B92B2BE-EA67-4FCA-826C-7C2C0498F054}"/>
+                <a16:creationId xmlns:a16="http://schemas.microsoft.com/office/drawing/2014/main" xmlns="" id="{9B92B2BE-EA67-4FCA-826C-7C2C0498F054}"/>
               </a:ext>
             </a:extLst>
           </p:cNvPr>
@@ -33043,7 +34669,7 @@
           <p:cNvPr id="70" name="Straight Arrow Connector 69">
             <a:extLst>
               <a:ext uri="{FF2B5EF4-FFF2-40B4-BE49-F238E27FC236}">
-                <a16:creationId xmlns="" xmlns:a16="http://schemas.microsoft.com/office/drawing/2014/main" id="{39C2BE5D-187B-4009-B65C-119A939C1205}"/>
+                <a16:creationId xmlns:a16="http://schemas.microsoft.com/office/drawing/2014/main" xmlns="" id="{39C2BE5D-187B-4009-B65C-119A939C1205}"/>
               </a:ext>
             </a:extLst>
           </p:cNvPr>
@@ -33087,7 +34713,7 @@
           <p:cNvPr id="71" name="Straight Arrow Connector 70">
             <a:extLst>
               <a:ext uri="{FF2B5EF4-FFF2-40B4-BE49-F238E27FC236}">
-                <a16:creationId xmlns="" xmlns:a16="http://schemas.microsoft.com/office/drawing/2014/main" id="{39C2BE5D-187B-4009-B65C-119A939C1205}"/>
+                <a16:creationId xmlns:a16="http://schemas.microsoft.com/office/drawing/2014/main" xmlns="" id="{39C2BE5D-187B-4009-B65C-119A939C1205}"/>
               </a:ext>
             </a:extLst>
           </p:cNvPr>
@@ -33131,7 +34757,7 @@
           <p:cNvPr id="72" name="Arrow: Down 29">
             <a:extLst>
               <a:ext uri="{FF2B5EF4-FFF2-40B4-BE49-F238E27FC236}">
-                <a16:creationId xmlns="" xmlns:a16="http://schemas.microsoft.com/office/drawing/2014/main" id="{C1335406-A2C9-47D4-B205-5C60C0E28A8A}"/>
+                <a16:creationId xmlns:a16="http://schemas.microsoft.com/office/drawing/2014/main" xmlns="" id="{C1335406-A2C9-47D4-B205-5C60C0E28A8A}"/>
               </a:ext>
             </a:extLst>
           </p:cNvPr>
@@ -33215,7 +34841,7 @@
           <p:cNvPr id="73" name="Arrow: Down 35">
             <a:extLst>
               <a:ext uri="{FF2B5EF4-FFF2-40B4-BE49-F238E27FC236}">
-                <a16:creationId xmlns="" xmlns:a16="http://schemas.microsoft.com/office/drawing/2014/main" id="{626A0744-AE03-44D5-9A65-2190DA15A386}"/>
+                <a16:creationId xmlns:a16="http://schemas.microsoft.com/office/drawing/2014/main" xmlns="" id="{626A0744-AE03-44D5-9A65-2190DA15A386}"/>
               </a:ext>
             </a:extLst>
           </p:cNvPr>
@@ -33289,7 +34915,7 @@
           <p:cNvPr id="74" name="Arrow: Down 29">
             <a:extLst>
               <a:ext uri="{FF2B5EF4-FFF2-40B4-BE49-F238E27FC236}">
-                <a16:creationId xmlns="" xmlns:a16="http://schemas.microsoft.com/office/drawing/2014/main" id="{C1335406-A2C9-47D4-B205-5C60C0E28A8A}"/>
+                <a16:creationId xmlns:a16="http://schemas.microsoft.com/office/drawing/2014/main" xmlns="" id="{C1335406-A2C9-47D4-B205-5C60C0E28A8A}"/>
               </a:ext>
             </a:extLst>
           </p:cNvPr>
@@ -34153,7 +35779,7 @@
           <p:cNvPr id="2" name="Text Placeholder 1">
             <a:extLst>
               <a:ext uri="{FF2B5EF4-FFF2-40B4-BE49-F238E27FC236}">
-                <a16:creationId xmlns="" xmlns:a16="http://schemas.microsoft.com/office/drawing/2014/main" id="{AFBCD827-6230-4B56-A635-5E675B7172C3}"/>
+                <a16:creationId xmlns:a16="http://schemas.microsoft.com/office/drawing/2014/main" xmlns="" id="{AFBCD827-6230-4B56-A635-5E675B7172C3}"/>
               </a:ext>
             </a:extLst>
           </p:cNvPr>
@@ -34314,7 +35940,7 @@
           <p:cNvPr id="3" name="Title 2">
             <a:extLst>
               <a:ext uri="{FF2B5EF4-FFF2-40B4-BE49-F238E27FC236}">
-                <a16:creationId xmlns="" xmlns:a16="http://schemas.microsoft.com/office/drawing/2014/main" id="{8BFE033C-14B0-479B-8763-B7CFF7FFF22C}"/>
+                <a16:creationId xmlns:a16="http://schemas.microsoft.com/office/drawing/2014/main" xmlns="" id="{8BFE033C-14B0-479B-8763-B7CFF7FFF22C}"/>
               </a:ext>
             </a:extLst>
           </p:cNvPr>
@@ -34351,7 +35977,7 @@
           <p:cNvPr id="4" name="Slide Number Placeholder 3">
             <a:extLst>
               <a:ext uri="{FF2B5EF4-FFF2-40B4-BE49-F238E27FC236}">
-                <a16:creationId xmlns="" xmlns:a16="http://schemas.microsoft.com/office/drawing/2014/main" id="{4DCC1874-0B80-4127-8266-1B045C3CA889}"/>
+                <a16:creationId xmlns:a16="http://schemas.microsoft.com/office/drawing/2014/main" xmlns="" id="{4DCC1874-0B80-4127-8266-1B045C3CA889}"/>
               </a:ext>
             </a:extLst>
           </p:cNvPr>
@@ -34397,7 +36023,7 @@
           <p:cNvPr id="5" name="Text Placeholder 4">
             <a:extLst>
               <a:ext uri="{FF2B5EF4-FFF2-40B4-BE49-F238E27FC236}">
-                <a16:creationId xmlns="" xmlns:a16="http://schemas.microsoft.com/office/drawing/2014/main" id="{1996CBD5-7393-407C-BC99-C76D33D74AAF}"/>
+                <a16:creationId xmlns:a16="http://schemas.microsoft.com/office/drawing/2014/main" xmlns="" id="{1996CBD5-7393-407C-BC99-C76D33D74AAF}"/>
               </a:ext>
             </a:extLst>
           </p:cNvPr>
@@ -34433,7 +36059,213 @@
   <p:timing>
     <p:tnLst>
       <p:par>
-        <p:cTn id="1" dur="indefinite" restart="never" nodeType="tmRoot"/>
+        <p:cTn id="1" dur="indefinite" restart="never" nodeType="tmRoot">
+          <p:childTnLst>
+            <p:seq concurrent="1" nextAc="seek">
+              <p:cTn id="2" dur="indefinite" nodeType="mainSeq">
+                <p:childTnLst>
+                  <p:par>
+                    <p:cTn id="3" fill="hold">
+                      <p:stCondLst>
+                        <p:cond delay="indefinite"/>
+                      </p:stCondLst>
+                      <p:childTnLst>
+                        <p:par>
+                          <p:cTn id="4" fill="hold">
+                            <p:stCondLst>
+                              <p:cond delay="0"/>
+                            </p:stCondLst>
+                            <p:childTnLst>
+                              <p:par>
+                                <p:cTn id="5" presetID="10" presetClass="entr" presetSubtype="0" fill="hold" nodeType="clickEffect">
+                                  <p:stCondLst>
+                                    <p:cond delay="0"/>
+                                  </p:stCondLst>
+                                  <p:childTnLst>
+                                    <p:set>
+                                      <p:cBhvr>
+                                        <p:cTn id="6" dur="1" fill="hold">
+                                          <p:stCondLst>
+                                            <p:cond delay="0"/>
+                                          </p:stCondLst>
+                                        </p:cTn>
+                                        <p:tgtEl>
+                                          <p:spTgt spid="2">
+                                            <p:txEl>
+                                              <p:pRg st="0" end="0"/>
+                                            </p:txEl>
+                                          </p:spTgt>
+                                        </p:tgtEl>
+                                        <p:attrNameLst>
+                                          <p:attrName>style.visibility</p:attrName>
+                                        </p:attrNameLst>
+                                      </p:cBhvr>
+                                      <p:to>
+                                        <p:strVal val="visible"/>
+                                      </p:to>
+                                    </p:set>
+                                    <p:animEffect transition="in" filter="fade">
+                                      <p:cBhvr>
+                                        <p:cTn id="7" dur="500"/>
+                                        <p:tgtEl>
+                                          <p:spTgt spid="2">
+                                            <p:txEl>
+                                              <p:pRg st="0" end="0"/>
+                                            </p:txEl>
+                                          </p:spTgt>
+                                        </p:tgtEl>
+                                      </p:cBhvr>
+                                    </p:animEffect>
+                                  </p:childTnLst>
+                                </p:cTn>
+                              </p:par>
+                            </p:childTnLst>
+                          </p:cTn>
+                        </p:par>
+                      </p:childTnLst>
+                    </p:cTn>
+                  </p:par>
+                  <p:par>
+                    <p:cTn id="8" fill="hold">
+                      <p:stCondLst>
+                        <p:cond delay="indefinite"/>
+                      </p:stCondLst>
+                      <p:childTnLst>
+                        <p:par>
+                          <p:cTn id="9" fill="hold">
+                            <p:stCondLst>
+                              <p:cond delay="0"/>
+                            </p:stCondLst>
+                            <p:childTnLst>
+                              <p:par>
+                                <p:cTn id="10" presetID="10" presetClass="entr" presetSubtype="0" fill="hold" nodeType="clickEffect">
+                                  <p:stCondLst>
+                                    <p:cond delay="0"/>
+                                  </p:stCondLst>
+                                  <p:childTnLst>
+                                    <p:set>
+                                      <p:cBhvr>
+                                        <p:cTn id="11" dur="1" fill="hold">
+                                          <p:stCondLst>
+                                            <p:cond delay="0"/>
+                                          </p:stCondLst>
+                                        </p:cTn>
+                                        <p:tgtEl>
+                                          <p:spTgt spid="2">
+                                            <p:txEl>
+                                              <p:pRg st="2" end="2"/>
+                                            </p:txEl>
+                                          </p:spTgt>
+                                        </p:tgtEl>
+                                        <p:attrNameLst>
+                                          <p:attrName>style.visibility</p:attrName>
+                                        </p:attrNameLst>
+                                      </p:cBhvr>
+                                      <p:to>
+                                        <p:strVal val="visible"/>
+                                      </p:to>
+                                    </p:set>
+                                    <p:animEffect transition="in" filter="fade">
+                                      <p:cBhvr>
+                                        <p:cTn id="12" dur="500"/>
+                                        <p:tgtEl>
+                                          <p:spTgt spid="2">
+                                            <p:txEl>
+                                              <p:pRg st="2" end="2"/>
+                                            </p:txEl>
+                                          </p:spTgt>
+                                        </p:tgtEl>
+                                      </p:cBhvr>
+                                    </p:animEffect>
+                                  </p:childTnLst>
+                                </p:cTn>
+                              </p:par>
+                            </p:childTnLst>
+                          </p:cTn>
+                        </p:par>
+                      </p:childTnLst>
+                    </p:cTn>
+                  </p:par>
+                  <p:par>
+                    <p:cTn id="13" fill="hold">
+                      <p:stCondLst>
+                        <p:cond delay="indefinite"/>
+                      </p:stCondLst>
+                      <p:childTnLst>
+                        <p:par>
+                          <p:cTn id="14" fill="hold">
+                            <p:stCondLst>
+                              <p:cond delay="0"/>
+                            </p:stCondLst>
+                            <p:childTnLst>
+                              <p:par>
+                                <p:cTn id="15" presetID="10" presetClass="entr" presetSubtype="0" fill="hold" nodeType="clickEffect">
+                                  <p:stCondLst>
+                                    <p:cond delay="0"/>
+                                  </p:stCondLst>
+                                  <p:childTnLst>
+                                    <p:set>
+                                      <p:cBhvr>
+                                        <p:cTn id="16" dur="1" fill="hold">
+                                          <p:stCondLst>
+                                            <p:cond delay="0"/>
+                                          </p:stCondLst>
+                                        </p:cTn>
+                                        <p:tgtEl>
+                                          <p:spTgt spid="2">
+                                            <p:txEl>
+                                              <p:pRg st="4" end="4"/>
+                                            </p:txEl>
+                                          </p:spTgt>
+                                        </p:tgtEl>
+                                        <p:attrNameLst>
+                                          <p:attrName>style.visibility</p:attrName>
+                                        </p:attrNameLst>
+                                      </p:cBhvr>
+                                      <p:to>
+                                        <p:strVal val="visible"/>
+                                      </p:to>
+                                    </p:set>
+                                    <p:animEffect transition="in" filter="fade">
+                                      <p:cBhvr>
+                                        <p:cTn id="17" dur="500"/>
+                                        <p:tgtEl>
+                                          <p:spTgt spid="2">
+                                            <p:txEl>
+                                              <p:pRg st="4" end="4"/>
+                                            </p:txEl>
+                                          </p:spTgt>
+                                        </p:tgtEl>
+                                      </p:cBhvr>
+                                    </p:animEffect>
+                                  </p:childTnLst>
+                                </p:cTn>
+                              </p:par>
+                            </p:childTnLst>
+                          </p:cTn>
+                        </p:par>
+                      </p:childTnLst>
+                    </p:cTn>
+                  </p:par>
+                </p:childTnLst>
+              </p:cTn>
+              <p:prevCondLst>
+                <p:cond evt="onPrev" delay="0">
+                  <p:tgtEl>
+                    <p:sldTgt/>
+                  </p:tgtEl>
+                </p:cond>
+              </p:prevCondLst>
+              <p:nextCondLst>
+                <p:cond evt="onNext" delay="0">
+                  <p:tgtEl>
+                    <p:sldTgt/>
+                  </p:tgtEl>
+                </p:cond>
+              </p:nextCondLst>
+            </p:seq>
+          </p:childTnLst>
+        </p:cTn>
       </p:par>
     </p:tnLst>
   </p:timing>
@@ -34563,7 +36395,7 @@
           <p:cNvPr id="7" name="Picture 6">
             <a:extLst>
               <a:ext uri="{FF2B5EF4-FFF2-40B4-BE49-F238E27FC236}">
-                <a16:creationId xmlns="" xmlns:a16="http://schemas.microsoft.com/office/drawing/2014/main" id="{C62C63E2-C97A-4E3E-9C28-351D24FBB5BD}"/>
+                <a16:creationId xmlns:a16="http://schemas.microsoft.com/office/drawing/2014/main" xmlns="" id="{C62C63E2-C97A-4E3E-9C28-351D24FBB5BD}"/>
               </a:ext>
             </a:extLst>
           </p:cNvPr>
@@ -34638,7 +36470,7 @@
           <p:cNvPr id="2" name="Title 1">
             <a:extLst>
               <a:ext uri="{FF2B5EF4-FFF2-40B4-BE49-F238E27FC236}">
-                <a16:creationId xmlns="" xmlns:a16="http://schemas.microsoft.com/office/drawing/2014/main" id="{C14F0455-9ED9-4652-8FD6-9C284BE2F092}"/>
+                <a16:creationId xmlns:a16="http://schemas.microsoft.com/office/drawing/2014/main" xmlns="" id="{C14F0455-9ED9-4652-8FD6-9C284BE2F092}"/>
               </a:ext>
             </a:extLst>
           </p:cNvPr>
@@ -34678,7 +36510,7 @@
           <p:cNvPr id="3" name="Text Placeholder 2">
             <a:extLst>
               <a:ext uri="{FF2B5EF4-FFF2-40B4-BE49-F238E27FC236}">
-                <a16:creationId xmlns="" xmlns:a16="http://schemas.microsoft.com/office/drawing/2014/main" id="{8136025E-6B8D-4575-9E2B-B0AAB8CAC233}"/>
+                <a16:creationId xmlns:a16="http://schemas.microsoft.com/office/drawing/2014/main" xmlns="" id="{8136025E-6B8D-4575-9E2B-B0AAB8CAC233}"/>
               </a:ext>
             </a:extLst>
           </p:cNvPr>
@@ -34743,7 +36575,7 @@
           <p:cNvPr id="3" name="Title 2">
             <a:extLst>
               <a:ext uri="{FF2B5EF4-FFF2-40B4-BE49-F238E27FC236}">
-                <a16:creationId xmlns="" xmlns:a16="http://schemas.microsoft.com/office/drawing/2014/main" id="{A8704E41-3486-46BD-8AA7-B6B5D28F95A5}"/>
+                <a16:creationId xmlns:a16="http://schemas.microsoft.com/office/drawing/2014/main" xmlns="" id="{A8704E41-3486-46BD-8AA7-B6B5D28F95A5}"/>
               </a:ext>
             </a:extLst>
           </p:cNvPr>
@@ -34772,7 +36604,7 @@
           <p:cNvPr id="4" name="Slide Number Placeholder 3">
             <a:extLst>
               <a:ext uri="{FF2B5EF4-FFF2-40B4-BE49-F238E27FC236}">
-                <a16:creationId xmlns="" xmlns:a16="http://schemas.microsoft.com/office/drawing/2014/main" id="{02CD92EA-E9CB-4F4C-B1B9-840F11B55DC5}"/>
+                <a16:creationId xmlns:a16="http://schemas.microsoft.com/office/drawing/2014/main" xmlns="" id="{02CD92EA-E9CB-4F4C-B1B9-840F11B55DC5}"/>
               </a:ext>
             </a:extLst>
           </p:cNvPr>
@@ -34905,7 +36737,7 @@
           <p:cNvPr id="12" name="Oval 11">
             <a:extLst>
               <a:ext uri="{FF2B5EF4-FFF2-40B4-BE49-F238E27FC236}">
-                <a16:creationId xmlns="" xmlns:a16="http://schemas.microsoft.com/office/drawing/2014/main" id="{70018B8E-C8EA-4592-B666-4DD6915C2DAF}"/>
+                <a16:creationId xmlns:a16="http://schemas.microsoft.com/office/drawing/2014/main" xmlns="" id="{70018B8E-C8EA-4592-B666-4DD6915C2DAF}"/>
               </a:ext>
             </a:extLst>
           </p:cNvPr>
@@ -34961,7 +36793,7 @@
           <p:cNvPr id="13" name="TextBox 12">
             <a:extLst>
               <a:ext uri="{FF2B5EF4-FFF2-40B4-BE49-F238E27FC236}">
-                <a16:creationId xmlns="" xmlns:a16="http://schemas.microsoft.com/office/drawing/2014/main" id="{EA7F15EB-6AA1-4C76-921F-2B04B74B1885}"/>
+                <a16:creationId xmlns:a16="http://schemas.microsoft.com/office/drawing/2014/main" xmlns="" id="{EA7F15EB-6AA1-4C76-921F-2B04B74B1885}"/>
               </a:ext>
             </a:extLst>
           </p:cNvPr>
@@ -35003,7 +36835,7 @@
           <p:cNvPr id="14" name="Oval 13">
             <a:extLst>
               <a:ext uri="{FF2B5EF4-FFF2-40B4-BE49-F238E27FC236}">
-                <a16:creationId xmlns="" xmlns:a16="http://schemas.microsoft.com/office/drawing/2014/main" id="{70018B8E-C8EA-4592-B666-4DD6915C2DAF}"/>
+                <a16:creationId xmlns:a16="http://schemas.microsoft.com/office/drawing/2014/main" xmlns="" id="{70018B8E-C8EA-4592-B666-4DD6915C2DAF}"/>
               </a:ext>
             </a:extLst>
           </p:cNvPr>
@@ -35059,7 +36891,7 @@
           <p:cNvPr id="16" name="TextBox 15">
             <a:extLst>
               <a:ext uri="{FF2B5EF4-FFF2-40B4-BE49-F238E27FC236}">
-                <a16:creationId xmlns="" xmlns:a16="http://schemas.microsoft.com/office/drawing/2014/main" id="{EA7F15EB-6AA1-4C76-921F-2B04B74B1885}"/>
+                <a16:creationId xmlns:a16="http://schemas.microsoft.com/office/drawing/2014/main" xmlns="" id="{EA7F15EB-6AA1-4C76-921F-2B04B74B1885}"/>
               </a:ext>
             </a:extLst>
           </p:cNvPr>
@@ -35101,7 +36933,7 @@
           <p:cNvPr id="17" name="Straight Arrow Connector 16">
             <a:extLst>
               <a:ext uri="{FF2B5EF4-FFF2-40B4-BE49-F238E27FC236}">
-                <a16:creationId xmlns="" xmlns:a16="http://schemas.microsoft.com/office/drawing/2014/main" id="{D5D1DDE3-D551-4E6B-AD34-6FBA1762CCD0}"/>
+                <a16:creationId xmlns:a16="http://schemas.microsoft.com/office/drawing/2014/main" xmlns="" id="{D5D1DDE3-D551-4E6B-AD34-6FBA1762CCD0}"/>
               </a:ext>
             </a:extLst>
           </p:cNvPr>
@@ -35145,7 +36977,7 @@
           <p:cNvPr id="18" name="Arrow: Down 29">
             <a:extLst>
               <a:ext uri="{FF2B5EF4-FFF2-40B4-BE49-F238E27FC236}">
-                <a16:creationId xmlns="" xmlns:a16="http://schemas.microsoft.com/office/drawing/2014/main" id="{C1335406-A2C9-47D4-B205-5C60C0E28A8A}"/>
+                <a16:creationId xmlns:a16="http://schemas.microsoft.com/office/drawing/2014/main" xmlns="" id="{C1335406-A2C9-47D4-B205-5C60C0E28A8A}"/>
               </a:ext>
             </a:extLst>
           </p:cNvPr>
@@ -35497,7 +37329,7 @@
           <p:cNvPr id="2" name="Title 1">
             <a:extLst>
               <a:ext uri="{FF2B5EF4-FFF2-40B4-BE49-F238E27FC236}">
-                <a16:creationId xmlns="" xmlns:a16="http://schemas.microsoft.com/office/drawing/2014/main" id="{C14F0455-9ED9-4652-8FD6-9C284BE2F092}"/>
+                <a16:creationId xmlns:a16="http://schemas.microsoft.com/office/drawing/2014/main" xmlns="" id="{C14F0455-9ED9-4652-8FD6-9C284BE2F092}"/>
               </a:ext>
             </a:extLst>
           </p:cNvPr>
@@ -35537,7 +37369,7 @@
           <p:cNvPr id="3" name="Text Placeholder 2">
             <a:extLst>
               <a:ext uri="{FF2B5EF4-FFF2-40B4-BE49-F238E27FC236}">
-                <a16:creationId xmlns="" xmlns:a16="http://schemas.microsoft.com/office/drawing/2014/main" id="{8136025E-6B8D-4575-9E2B-B0AAB8CAC233}"/>
+                <a16:creationId xmlns:a16="http://schemas.microsoft.com/office/drawing/2014/main" xmlns="" id="{8136025E-6B8D-4575-9E2B-B0AAB8CAC233}"/>
               </a:ext>
             </a:extLst>
           </p:cNvPr>
@@ -35554,6 +37386,74 @@
           <a:lstStyle/>
           <a:p>
             <a:endParaRPr lang="en-US"/>
+          </a:p>
+        </p:txBody>
+      </p:sp>
+      <p:sp>
+        <p:nvSpPr>
+          <p:cNvPr id="4" name="Rounded Rectangular Callout 3"/>
+          <p:cNvSpPr/>
+          <p:nvPr/>
+        </p:nvSpPr>
+        <p:spPr>
+          <a:xfrm>
+            <a:off x="10146890" y="331682"/>
+            <a:ext cx="1065105" cy="617220"/>
+          </a:xfrm>
+          <a:prstGeom prst="wedgeRoundRectCallout">
+            <a:avLst>
+              <a:gd name="adj1" fmla="val 48024"/>
+              <a:gd name="adj2" fmla="val 72281"/>
+              <a:gd name="adj3" fmla="val 16667"/>
+            </a:avLst>
+          </a:prstGeom>
+          <a:solidFill>
+            <a:schemeClr val="accent3">
+              <a:lumMod val="20000"/>
+              <a:lumOff val="80000"/>
+            </a:schemeClr>
+          </a:solidFill>
+          <a:ln w="19050">
+            <a:solidFill>
+              <a:srgbClr val="FFC000"/>
+            </a:solidFill>
+          </a:ln>
+          <a:effectLst/>
+        </p:spPr>
+        <p:style>
+          <a:lnRef idx="1">
+            <a:schemeClr val="accent1"/>
+          </a:lnRef>
+          <a:fillRef idx="3">
+            <a:schemeClr val="accent1"/>
+          </a:fillRef>
+          <a:effectRef idx="2">
+            <a:schemeClr val="accent1"/>
+          </a:effectRef>
+          <a:fontRef idx="minor">
+            <a:schemeClr val="lt1"/>
+          </a:fontRef>
+        </p:style>
+        <p:txBody>
+          <a:bodyPr rtlCol="0" anchor="ctr"/>
+          <a:lstStyle/>
+          <a:p>
+            <a:pPr algn="ctr"/>
+            <a:r>
+              <a:rPr lang="fr-FR" sz="2000" dirty="0" smtClean="0">
+                <a:solidFill>
+                  <a:srgbClr val="FFC000"/>
+                </a:solidFill>
+                <a:latin typeface="+mj-lt"/>
+              </a:rPr>
+              <a:t>démo</a:t>
+            </a:r>
+            <a:endParaRPr lang="fr-FR" sz="2000" dirty="0">
+              <a:solidFill>
+                <a:srgbClr val="FFC000"/>
+              </a:solidFill>
+              <a:latin typeface="+mj-lt"/>
+            </a:endParaRPr>
           </a:p>
         </p:txBody>
       </p:sp>
@@ -35602,7 +37502,7 @@
           <p:cNvPr id="3" name="Title 2">
             <a:extLst>
               <a:ext uri="{FF2B5EF4-FFF2-40B4-BE49-F238E27FC236}">
-                <a16:creationId xmlns="" xmlns:a16="http://schemas.microsoft.com/office/drawing/2014/main" id="{A8704E41-3486-46BD-8AA7-B6B5D28F95A5}"/>
+                <a16:creationId xmlns:a16="http://schemas.microsoft.com/office/drawing/2014/main" xmlns="" id="{A8704E41-3486-46BD-8AA7-B6B5D28F95A5}"/>
               </a:ext>
             </a:extLst>
           </p:cNvPr>
@@ -35620,15 +37520,11 @@
           <a:p>
             <a:r>
               <a:rPr lang="fr-FR" dirty="0" smtClean="0"/>
-              <a:t>The </a:t>
+              <a:t>A second </a:t>
             </a:r>
             <a:r>
               <a:rPr lang="fr-FR" dirty="0" err="1" smtClean="0"/>
-              <a:t>Current</a:t>
-            </a:r>
-            <a:r>
-              <a:rPr lang="fr-FR" dirty="0" smtClean="0"/>
-              <a:t> Branch</a:t>
+              <a:t>branch</a:t>
             </a:r>
             <a:endParaRPr lang="en-US" dirty="0"/>
           </a:p>
@@ -35639,7 +37535,7 @@
           <p:cNvPr id="4" name="Slide Number Placeholder 3">
             <a:extLst>
               <a:ext uri="{FF2B5EF4-FFF2-40B4-BE49-F238E27FC236}">
-                <a16:creationId xmlns="" xmlns:a16="http://schemas.microsoft.com/office/drawing/2014/main" id="{02CD92EA-E9CB-4F4C-B1B9-840F11B55DC5}"/>
+                <a16:creationId xmlns:a16="http://schemas.microsoft.com/office/drawing/2014/main" xmlns="" id="{02CD92EA-E9CB-4F4C-B1B9-840F11B55DC5}"/>
               </a:ext>
             </a:extLst>
           </p:cNvPr>
@@ -35701,7 +37597,415 @@
       </p:sp>
       <p:sp>
         <p:nvSpPr>
-          <p:cNvPr id="11" name="Rounded Rectangular Callout 10"/>
+          <p:cNvPr id="12" name="Oval 11">
+            <a:extLst>
+              <a:ext uri="{FF2B5EF4-FFF2-40B4-BE49-F238E27FC236}">
+                <a16:creationId xmlns:a16="http://schemas.microsoft.com/office/drawing/2014/main" xmlns="" id="{70018B8E-C8EA-4592-B666-4DD6915C2DAF}"/>
+              </a:ext>
+            </a:extLst>
+          </p:cNvPr>
+          <p:cNvSpPr/>
+          <p:nvPr/>
+        </p:nvSpPr>
+        <p:spPr>
+          <a:xfrm>
+            <a:off x="5876143" y="4380620"/>
+            <a:ext cx="426379" cy="426379"/>
+          </a:xfrm>
+          <a:prstGeom prst="ellipse">
+            <a:avLst/>
+          </a:prstGeom>
+          <a:solidFill>
+            <a:srgbClr val="FF0000"/>
+          </a:solidFill>
+          <a:ln w="28575">
+            <a:solidFill>
+              <a:schemeClr val="tx1"/>
+            </a:solidFill>
+          </a:ln>
+          <a:effectLst/>
+        </p:spPr>
+        <p:style>
+          <a:lnRef idx="1">
+            <a:schemeClr val="accent1"/>
+          </a:lnRef>
+          <a:fillRef idx="3">
+            <a:schemeClr val="accent1"/>
+          </a:fillRef>
+          <a:effectRef idx="2">
+            <a:schemeClr val="accent1"/>
+          </a:effectRef>
+          <a:fontRef idx="minor">
+            <a:schemeClr val="lt1"/>
+          </a:fontRef>
+        </p:style>
+        <p:txBody>
+          <a:bodyPr rtlCol="0" anchor="ctr"/>
+          <a:lstStyle/>
+          <a:p>
+            <a:pPr algn="ctr"/>
+            <a:endParaRPr lang="en-US" sz="1600">
+              <a:latin typeface="Consolas" panose="020B0609020204030204" pitchFamily="49" charset="0"/>
+              <a:cs typeface="Consolas" panose="020B0609020204030204" pitchFamily="49" charset="0"/>
+            </a:endParaRPr>
+          </a:p>
+        </p:txBody>
+      </p:sp>
+      <p:sp>
+        <p:nvSpPr>
+          <p:cNvPr id="13" name="TextBox 12">
+            <a:extLst>
+              <a:ext uri="{FF2B5EF4-FFF2-40B4-BE49-F238E27FC236}">
+                <a16:creationId xmlns:a16="http://schemas.microsoft.com/office/drawing/2014/main" xmlns="" id="{EA7F15EB-6AA1-4C76-921F-2B04B74B1885}"/>
+              </a:ext>
+            </a:extLst>
+          </p:cNvPr>
+          <p:cNvSpPr txBox="1"/>
+          <p:nvPr/>
+        </p:nvSpPr>
+        <p:spPr>
+          <a:xfrm>
+            <a:off x="5897228" y="4877661"/>
+            <a:ext cx="397545" cy="215444"/>
+          </a:xfrm>
+          <a:prstGeom prst="rect">
+            <a:avLst/>
+          </a:prstGeom>
+          <a:noFill/>
+        </p:spPr>
+        <p:txBody>
+          <a:bodyPr wrap="none" lIns="0" tIns="0" rIns="0" bIns="0" rtlCol="0">
+            <a:spAutoFit/>
+          </a:bodyPr>
+          <a:lstStyle/>
+          <a:p>
+            <a:r>
+              <a:rPr lang="fr-FR" sz="1400" dirty="0">
+                <a:latin typeface="Consolas" panose="020B0609020204030204" pitchFamily="49" charset="0"/>
+                <a:cs typeface="Consolas" panose="020B0609020204030204" pitchFamily="49" charset="0"/>
+              </a:rPr>
+              <a:t>44fc</a:t>
+            </a:r>
+            <a:endParaRPr lang="en-US" sz="1400" dirty="0">
+              <a:latin typeface="Consolas" panose="020B0609020204030204" pitchFamily="49" charset="0"/>
+              <a:cs typeface="Consolas" panose="020B0609020204030204" pitchFamily="49" charset="0"/>
+            </a:endParaRPr>
+          </a:p>
+        </p:txBody>
+      </p:sp>
+      <p:sp>
+        <p:nvSpPr>
+          <p:cNvPr id="14" name="Oval 13">
+            <a:extLst>
+              <a:ext uri="{FF2B5EF4-FFF2-40B4-BE49-F238E27FC236}">
+                <a16:creationId xmlns:a16="http://schemas.microsoft.com/office/drawing/2014/main" xmlns="" id="{70018B8E-C8EA-4592-B666-4DD6915C2DAF}"/>
+              </a:ext>
+            </a:extLst>
+          </p:cNvPr>
+          <p:cNvSpPr/>
+          <p:nvPr/>
+        </p:nvSpPr>
+        <p:spPr>
+          <a:xfrm>
+            <a:off x="5868394" y="5659185"/>
+            <a:ext cx="426379" cy="426379"/>
+          </a:xfrm>
+          <a:prstGeom prst="ellipse">
+            <a:avLst/>
+          </a:prstGeom>
+          <a:solidFill>
+            <a:srgbClr val="FF0000"/>
+          </a:solidFill>
+          <a:ln w="28575">
+            <a:solidFill>
+              <a:schemeClr val="tx1"/>
+            </a:solidFill>
+          </a:ln>
+          <a:effectLst/>
+        </p:spPr>
+        <p:style>
+          <a:lnRef idx="1">
+            <a:schemeClr val="accent1"/>
+          </a:lnRef>
+          <a:fillRef idx="3">
+            <a:schemeClr val="accent1"/>
+          </a:fillRef>
+          <a:effectRef idx="2">
+            <a:schemeClr val="accent1"/>
+          </a:effectRef>
+          <a:fontRef idx="minor">
+            <a:schemeClr val="lt1"/>
+          </a:fontRef>
+        </p:style>
+        <p:txBody>
+          <a:bodyPr rtlCol="0" anchor="ctr"/>
+          <a:lstStyle/>
+          <a:p>
+            <a:pPr algn="ctr"/>
+            <a:endParaRPr lang="en-US" sz="1600">
+              <a:latin typeface="Consolas" panose="020B0609020204030204" pitchFamily="49" charset="0"/>
+              <a:cs typeface="Consolas" panose="020B0609020204030204" pitchFamily="49" charset="0"/>
+            </a:endParaRPr>
+          </a:p>
+        </p:txBody>
+      </p:sp>
+      <p:sp>
+        <p:nvSpPr>
+          <p:cNvPr id="16" name="TextBox 15">
+            <a:extLst>
+              <a:ext uri="{FF2B5EF4-FFF2-40B4-BE49-F238E27FC236}">
+                <a16:creationId xmlns:a16="http://schemas.microsoft.com/office/drawing/2014/main" xmlns="" id="{EA7F15EB-6AA1-4C76-921F-2B04B74B1885}"/>
+              </a:ext>
+            </a:extLst>
+          </p:cNvPr>
+          <p:cNvSpPr txBox="1"/>
+          <p:nvPr/>
+        </p:nvSpPr>
+        <p:spPr>
+          <a:xfrm>
+            <a:off x="5889479" y="6156226"/>
+            <a:ext cx="397545" cy="215444"/>
+          </a:xfrm>
+          <a:prstGeom prst="rect">
+            <a:avLst/>
+          </a:prstGeom>
+          <a:noFill/>
+        </p:spPr>
+        <p:txBody>
+          <a:bodyPr wrap="none" lIns="0" tIns="0" rIns="0" bIns="0" rtlCol="0">
+            <a:spAutoFit/>
+          </a:bodyPr>
+          <a:lstStyle/>
+          <a:p>
+            <a:r>
+              <a:rPr lang="fr-FR" sz="1400" dirty="0">
+                <a:latin typeface="Consolas" panose="020B0609020204030204" pitchFamily="49" charset="0"/>
+                <a:cs typeface="Consolas" panose="020B0609020204030204" pitchFamily="49" charset="0"/>
+              </a:rPr>
+              <a:t>4f85</a:t>
+            </a:r>
+            <a:endParaRPr lang="en-US" sz="1400" dirty="0">
+              <a:latin typeface="Consolas" panose="020B0609020204030204" pitchFamily="49" charset="0"/>
+              <a:cs typeface="Consolas" panose="020B0609020204030204" pitchFamily="49" charset="0"/>
+            </a:endParaRPr>
+          </a:p>
+        </p:txBody>
+      </p:sp>
+      <p:cxnSp>
+        <p:nvCxnSpPr>
+          <p:cNvPr id="17" name="Straight Arrow Connector 16">
+            <a:extLst>
+              <a:ext uri="{FF2B5EF4-FFF2-40B4-BE49-F238E27FC236}">
+                <a16:creationId xmlns:a16="http://schemas.microsoft.com/office/drawing/2014/main" xmlns="" id="{D5D1DDE3-D551-4E6B-AD34-6FBA1762CCD0}"/>
+              </a:ext>
+            </a:extLst>
+          </p:cNvPr>
+          <p:cNvCxnSpPr>
+            <a:cxnSpLocks/>
+          </p:cNvCxnSpPr>
+          <p:nvPr/>
+        </p:nvCxnSpPr>
+        <p:spPr>
+          <a:xfrm flipH="1">
+            <a:off x="6073066" y="5077023"/>
+            <a:ext cx="8517" cy="511500"/>
+          </a:xfrm>
+          <a:prstGeom prst="straightConnector1">
+            <a:avLst/>
+          </a:prstGeom>
+          <a:ln w="38100">
+            <a:solidFill>
+              <a:schemeClr val="tx1"/>
+            </a:solidFill>
+            <a:tailEnd type="triangle"/>
+          </a:ln>
+        </p:spPr>
+        <p:style>
+          <a:lnRef idx="2">
+            <a:schemeClr val="accent1"/>
+          </a:lnRef>
+          <a:fillRef idx="0">
+            <a:schemeClr val="accent1"/>
+          </a:fillRef>
+          <a:effectRef idx="1">
+            <a:schemeClr val="accent1"/>
+          </a:effectRef>
+          <a:fontRef idx="minor">
+            <a:schemeClr val="tx1"/>
+          </a:fontRef>
+        </p:style>
+      </p:cxnSp>
+      <p:sp>
+        <p:nvSpPr>
+          <p:cNvPr id="18" name="Arrow: Down 29">
+            <a:extLst>
+              <a:ext uri="{FF2B5EF4-FFF2-40B4-BE49-F238E27FC236}">
+                <a16:creationId xmlns:a16="http://schemas.microsoft.com/office/drawing/2014/main" xmlns="" id="{C1335406-A2C9-47D4-B205-5C60C0E28A8A}"/>
+              </a:ext>
+            </a:extLst>
+          </p:cNvPr>
+          <p:cNvSpPr/>
+          <p:nvPr/>
+        </p:nvSpPr>
+        <p:spPr>
+          <a:xfrm rot="16200000">
+            <a:off x="4970059" y="3908664"/>
+            <a:ext cx="417816" cy="1378854"/>
+          </a:xfrm>
+          <a:prstGeom prst="downArrow">
+            <a:avLst>
+              <a:gd name="adj1" fmla="val 100000"/>
+              <a:gd name="adj2" fmla="val 50000"/>
+            </a:avLst>
+          </a:prstGeom>
+          <a:solidFill>
+            <a:schemeClr val="accent3">
+              <a:lumMod val="20000"/>
+              <a:lumOff val="80000"/>
+            </a:schemeClr>
+          </a:solidFill>
+          <a:ln w="25400">
+            <a:solidFill>
+              <a:schemeClr val="tx1"/>
+            </a:solidFill>
+          </a:ln>
+          <a:effectLst/>
+        </p:spPr>
+        <p:style>
+          <a:lnRef idx="1">
+            <a:schemeClr val="accent1"/>
+          </a:lnRef>
+          <a:fillRef idx="3">
+            <a:schemeClr val="accent1"/>
+          </a:fillRef>
+          <a:effectRef idx="2">
+            <a:schemeClr val="accent1"/>
+          </a:effectRef>
+          <a:fontRef idx="minor">
+            <a:schemeClr val="lt1"/>
+          </a:fontRef>
+        </p:style>
+        <p:txBody>
+          <a:bodyPr vert="eaVert" rtlCol="0" anchor="ctr"/>
+          <a:lstStyle/>
+          <a:p>
+            <a:r>
+              <a:rPr lang="fr-FR" sz="2000" dirty="0">
+                <a:solidFill>
+                  <a:schemeClr val="tx1"/>
+                </a:solidFill>
+                <a:latin typeface="Consolas" panose="020B0609020204030204" pitchFamily="49" charset="0"/>
+                <a:cs typeface="Consolas" panose="020B0609020204030204" pitchFamily="49" charset="0"/>
+              </a:rPr>
+              <a:t> </a:t>
+            </a:r>
+            <a:r>
+              <a:rPr lang="fr-FR" dirty="0" smtClean="0">
+                <a:solidFill>
+                  <a:schemeClr val="tx1"/>
+                </a:solidFill>
+                <a:latin typeface="Consolas" panose="020B0609020204030204" pitchFamily="49" charset="0"/>
+                <a:cs typeface="Consolas" panose="020B0609020204030204" pitchFamily="49" charset="0"/>
+              </a:rPr>
+              <a:t>master</a:t>
+            </a:r>
+            <a:endParaRPr lang="en-US" sz="1900" dirty="0">
+              <a:solidFill>
+                <a:schemeClr val="tx1"/>
+              </a:solidFill>
+              <a:latin typeface="Consolas" panose="020B0609020204030204" pitchFamily="49" charset="0"/>
+              <a:cs typeface="Consolas" panose="020B0609020204030204" pitchFamily="49" charset="0"/>
+            </a:endParaRPr>
+          </a:p>
+        </p:txBody>
+      </p:sp>
+      <p:sp>
+        <p:nvSpPr>
+          <p:cNvPr id="15" name="Arrow: Down 29">
+            <a:extLst>
+              <a:ext uri="{FF2B5EF4-FFF2-40B4-BE49-F238E27FC236}">
+                <a16:creationId xmlns:a16="http://schemas.microsoft.com/office/drawing/2014/main" xmlns="" id="{C1335406-A2C9-47D4-B205-5C60C0E28A8A}"/>
+              </a:ext>
+            </a:extLst>
+          </p:cNvPr>
+          <p:cNvSpPr/>
+          <p:nvPr/>
+        </p:nvSpPr>
+        <p:spPr>
+          <a:xfrm rot="5400000">
+            <a:off x="6790790" y="3900101"/>
+            <a:ext cx="417816" cy="1378854"/>
+          </a:xfrm>
+          <a:prstGeom prst="downArrow">
+            <a:avLst>
+              <a:gd name="adj1" fmla="val 100000"/>
+              <a:gd name="adj2" fmla="val 50000"/>
+            </a:avLst>
+          </a:prstGeom>
+          <a:solidFill>
+            <a:schemeClr val="accent3">
+              <a:lumMod val="20000"/>
+              <a:lumOff val="80000"/>
+            </a:schemeClr>
+          </a:solidFill>
+          <a:ln w="25400">
+            <a:solidFill>
+              <a:schemeClr val="tx1"/>
+            </a:solidFill>
+          </a:ln>
+          <a:effectLst/>
+        </p:spPr>
+        <p:style>
+          <a:lnRef idx="1">
+            <a:schemeClr val="accent1"/>
+          </a:lnRef>
+          <a:fillRef idx="3">
+            <a:schemeClr val="accent1"/>
+          </a:fillRef>
+          <a:effectRef idx="2">
+            <a:schemeClr val="accent1"/>
+          </a:effectRef>
+          <a:fontRef idx="minor">
+            <a:schemeClr val="lt1"/>
+          </a:fontRef>
+        </p:style>
+        <p:txBody>
+          <a:bodyPr vert="vert270" rtlCol="0" anchor="ctr"/>
+          <a:lstStyle/>
+          <a:p>
+            <a:r>
+              <a:rPr lang="fr-FR" sz="2000" dirty="0">
+                <a:solidFill>
+                  <a:schemeClr val="tx1"/>
+                </a:solidFill>
+                <a:latin typeface="Consolas" panose="020B0609020204030204" pitchFamily="49" charset="0"/>
+                <a:cs typeface="Consolas" panose="020B0609020204030204" pitchFamily="49" charset="0"/>
+              </a:rPr>
+              <a:t> </a:t>
+            </a:r>
+            <a:r>
+              <a:rPr lang="fr-FR" dirty="0" err="1" smtClean="0">
+                <a:solidFill>
+                  <a:schemeClr val="tx1"/>
+                </a:solidFill>
+                <a:latin typeface="Consolas" panose="020B0609020204030204" pitchFamily="49" charset="0"/>
+                <a:cs typeface="Consolas" panose="020B0609020204030204" pitchFamily="49" charset="0"/>
+              </a:rPr>
+              <a:t>lisa</a:t>
+            </a:r>
+            <a:endParaRPr lang="en-US" sz="1900" dirty="0">
+              <a:solidFill>
+                <a:schemeClr val="tx1"/>
+              </a:solidFill>
+              <a:latin typeface="Consolas" panose="020B0609020204030204" pitchFamily="49" charset="0"/>
+              <a:cs typeface="Consolas" panose="020B0609020204030204" pitchFamily="49" charset="0"/>
+            </a:endParaRPr>
+          </a:p>
+        </p:txBody>
+      </p:sp>
+      <p:sp>
+        <p:nvSpPr>
+          <p:cNvPr id="19" name="Rounded Rectangular Callout 18"/>
           <p:cNvSpPr/>
           <p:nvPr/>
         </p:nvSpPr>
@@ -35767,414 +38071,6 @@
           </a:p>
         </p:txBody>
       </p:sp>
-      <p:sp>
-        <p:nvSpPr>
-          <p:cNvPr id="12" name="Oval 11">
-            <a:extLst>
-              <a:ext uri="{FF2B5EF4-FFF2-40B4-BE49-F238E27FC236}">
-                <a16:creationId xmlns="" xmlns:a16="http://schemas.microsoft.com/office/drawing/2014/main" id="{70018B8E-C8EA-4592-B666-4DD6915C2DAF}"/>
-              </a:ext>
-            </a:extLst>
-          </p:cNvPr>
-          <p:cNvSpPr/>
-          <p:nvPr/>
-        </p:nvSpPr>
-        <p:spPr>
-          <a:xfrm>
-            <a:off x="5876143" y="4380620"/>
-            <a:ext cx="426379" cy="426379"/>
-          </a:xfrm>
-          <a:prstGeom prst="ellipse">
-            <a:avLst/>
-          </a:prstGeom>
-          <a:solidFill>
-            <a:srgbClr val="FF0000"/>
-          </a:solidFill>
-          <a:ln w="28575">
-            <a:solidFill>
-              <a:schemeClr val="tx1"/>
-            </a:solidFill>
-          </a:ln>
-          <a:effectLst/>
-        </p:spPr>
-        <p:style>
-          <a:lnRef idx="1">
-            <a:schemeClr val="accent1"/>
-          </a:lnRef>
-          <a:fillRef idx="3">
-            <a:schemeClr val="accent1"/>
-          </a:fillRef>
-          <a:effectRef idx="2">
-            <a:schemeClr val="accent1"/>
-          </a:effectRef>
-          <a:fontRef idx="minor">
-            <a:schemeClr val="lt1"/>
-          </a:fontRef>
-        </p:style>
-        <p:txBody>
-          <a:bodyPr rtlCol="0" anchor="ctr"/>
-          <a:lstStyle/>
-          <a:p>
-            <a:pPr algn="ctr"/>
-            <a:endParaRPr lang="en-US" sz="1600">
-              <a:latin typeface="Consolas" panose="020B0609020204030204" pitchFamily="49" charset="0"/>
-              <a:cs typeface="Consolas" panose="020B0609020204030204" pitchFamily="49" charset="0"/>
-            </a:endParaRPr>
-          </a:p>
-        </p:txBody>
-      </p:sp>
-      <p:sp>
-        <p:nvSpPr>
-          <p:cNvPr id="13" name="TextBox 12">
-            <a:extLst>
-              <a:ext uri="{FF2B5EF4-FFF2-40B4-BE49-F238E27FC236}">
-                <a16:creationId xmlns="" xmlns:a16="http://schemas.microsoft.com/office/drawing/2014/main" id="{EA7F15EB-6AA1-4C76-921F-2B04B74B1885}"/>
-              </a:ext>
-            </a:extLst>
-          </p:cNvPr>
-          <p:cNvSpPr txBox="1"/>
-          <p:nvPr/>
-        </p:nvSpPr>
-        <p:spPr>
-          <a:xfrm>
-            <a:off x="5897228" y="4877661"/>
-            <a:ext cx="397545" cy="215444"/>
-          </a:xfrm>
-          <a:prstGeom prst="rect">
-            <a:avLst/>
-          </a:prstGeom>
-          <a:noFill/>
-        </p:spPr>
-        <p:txBody>
-          <a:bodyPr wrap="none" lIns="0" tIns="0" rIns="0" bIns="0" rtlCol="0">
-            <a:spAutoFit/>
-          </a:bodyPr>
-          <a:lstStyle/>
-          <a:p>
-            <a:r>
-              <a:rPr lang="fr-FR" sz="1400" dirty="0">
-                <a:latin typeface="Consolas" panose="020B0609020204030204" pitchFamily="49" charset="0"/>
-                <a:cs typeface="Consolas" panose="020B0609020204030204" pitchFamily="49" charset="0"/>
-              </a:rPr>
-              <a:t>44fc</a:t>
-            </a:r>
-            <a:endParaRPr lang="en-US" sz="1400" dirty="0">
-              <a:latin typeface="Consolas" panose="020B0609020204030204" pitchFamily="49" charset="0"/>
-              <a:cs typeface="Consolas" panose="020B0609020204030204" pitchFamily="49" charset="0"/>
-            </a:endParaRPr>
-          </a:p>
-        </p:txBody>
-      </p:sp>
-      <p:sp>
-        <p:nvSpPr>
-          <p:cNvPr id="14" name="Oval 13">
-            <a:extLst>
-              <a:ext uri="{FF2B5EF4-FFF2-40B4-BE49-F238E27FC236}">
-                <a16:creationId xmlns="" xmlns:a16="http://schemas.microsoft.com/office/drawing/2014/main" id="{70018B8E-C8EA-4592-B666-4DD6915C2DAF}"/>
-              </a:ext>
-            </a:extLst>
-          </p:cNvPr>
-          <p:cNvSpPr/>
-          <p:nvPr/>
-        </p:nvSpPr>
-        <p:spPr>
-          <a:xfrm>
-            <a:off x="5868394" y="5659185"/>
-            <a:ext cx="426379" cy="426379"/>
-          </a:xfrm>
-          <a:prstGeom prst="ellipse">
-            <a:avLst/>
-          </a:prstGeom>
-          <a:solidFill>
-            <a:srgbClr val="FF0000"/>
-          </a:solidFill>
-          <a:ln w="28575">
-            <a:solidFill>
-              <a:schemeClr val="tx1"/>
-            </a:solidFill>
-          </a:ln>
-          <a:effectLst/>
-        </p:spPr>
-        <p:style>
-          <a:lnRef idx="1">
-            <a:schemeClr val="accent1"/>
-          </a:lnRef>
-          <a:fillRef idx="3">
-            <a:schemeClr val="accent1"/>
-          </a:fillRef>
-          <a:effectRef idx="2">
-            <a:schemeClr val="accent1"/>
-          </a:effectRef>
-          <a:fontRef idx="minor">
-            <a:schemeClr val="lt1"/>
-          </a:fontRef>
-        </p:style>
-        <p:txBody>
-          <a:bodyPr rtlCol="0" anchor="ctr"/>
-          <a:lstStyle/>
-          <a:p>
-            <a:pPr algn="ctr"/>
-            <a:endParaRPr lang="en-US" sz="1600">
-              <a:latin typeface="Consolas" panose="020B0609020204030204" pitchFamily="49" charset="0"/>
-              <a:cs typeface="Consolas" panose="020B0609020204030204" pitchFamily="49" charset="0"/>
-            </a:endParaRPr>
-          </a:p>
-        </p:txBody>
-      </p:sp>
-      <p:sp>
-        <p:nvSpPr>
-          <p:cNvPr id="16" name="TextBox 15">
-            <a:extLst>
-              <a:ext uri="{FF2B5EF4-FFF2-40B4-BE49-F238E27FC236}">
-                <a16:creationId xmlns="" xmlns:a16="http://schemas.microsoft.com/office/drawing/2014/main" id="{EA7F15EB-6AA1-4C76-921F-2B04B74B1885}"/>
-              </a:ext>
-            </a:extLst>
-          </p:cNvPr>
-          <p:cNvSpPr txBox="1"/>
-          <p:nvPr/>
-        </p:nvSpPr>
-        <p:spPr>
-          <a:xfrm>
-            <a:off x="5889479" y="6156226"/>
-            <a:ext cx="397545" cy="215444"/>
-          </a:xfrm>
-          <a:prstGeom prst="rect">
-            <a:avLst/>
-          </a:prstGeom>
-          <a:noFill/>
-        </p:spPr>
-        <p:txBody>
-          <a:bodyPr wrap="none" lIns="0" tIns="0" rIns="0" bIns="0" rtlCol="0">
-            <a:spAutoFit/>
-          </a:bodyPr>
-          <a:lstStyle/>
-          <a:p>
-            <a:r>
-              <a:rPr lang="fr-FR" sz="1400" dirty="0">
-                <a:latin typeface="Consolas" panose="020B0609020204030204" pitchFamily="49" charset="0"/>
-                <a:cs typeface="Consolas" panose="020B0609020204030204" pitchFamily="49" charset="0"/>
-              </a:rPr>
-              <a:t>4f85</a:t>
-            </a:r>
-            <a:endParaRPr lang="en-US" sz="1400" dirty="0">
-              <a:latin typeface="Consolas" panose="020B0609020204030204" pitchFamily="49" charset="0"/>
-              <a:cs typeface="Consolas" panose="020B0609020204030204" pitchFamily="49" charset="0"/>
-            </a:endParaRPr>
-          </a:p>
-        </p:txBody>
-      </p:sp>
-      <p:cxnSp>
-        <p:nvCxnSpPr>
-          <p:cNvPr id="17" name="Straight Arrow Connector 16">
-            <a:extLst>
-              <a:ext uri="{FF2B5EF4-FFF2-40B4-BE49-F238E27FC236}">
-                <a16:creationId xmlns="" xmlns:a16="http://schemas.microsoft.com/office/drawing/2014/main" id="{D5D1DDE3-D551-4E6B-AD34-6FBA1762CCD0}"/>
-              </a:ext>
-            </a:extLst>
-          </p:cNvPr>
-          <p:cNvCxnSpPr>
-            <a:cxnSpLocks/>
-          </p:cNvCxnSpPr>
-          <p:nvPr/>
-        </p:nvCxnSpPr>
-        <p:spPr>
-          <a:xfrm flipH="1">
-            <a:off x="6073066" y="5077023"/>
-            <a:ext cx="8517" cy="511500"/>
-          </a:xfrm>
-          <a:prstGeom prst="straightConnector1">
-            <a:avLst/>
-          </a:prstGeom>
-          <a:ln w="38100">
-            <a:solidFill>
-              <a:schemeClr val="tx1"/>
-            </a:solidFill>
-            <a:tailEnd type="triangle"/>
-          </a:ln>
-        </p:spPr>
-        <p:style>
-          <a:lnRef idx="2">
-            <a:schemeClr val="accent1"/>
-          </a:lnRef>
-          <a:fillRef idx="0">
-            <a:schemeClr val="accent1"/>
-          </a:fillRef>
-          <a:effectRef idx="1">
-            <a:schemeClr val="accent1"/>
-          </a:effectRef>
-          <a:fontRef idx="minor">
-            <a:schemeClr val="tx1"/>
-          </a:fontRef>
-        </p:style>
-      </p:cxnSp>
-      <p:sp>
-        <p:nvSpPr>
-          <p:cNvPr id="18" name="Arrow: Down 29">
-            <a:extLst>
-              <a:ext uri="{FF2B5EF4-FFF2-40B4-BE49-F238E27FC236}">
-                <a16:creationId xmlns="" xmlns:a16="http://schemas.microsoft.com/office/drawing/2014/main" id="{C1335406-A2C9-47D4-B205-5C60C0E28A8A}"/>
-              </a:ext>
-            </a:extLst>
-          </p:cNvPr>
-          <p:cNvSpPr/>
-          <p:nvPr/>
-        </p:nvSpPr>
-        <p:spPr>
-          <a:xfrm rot="16200000">
-            <a:off x="4970059" y="3908664"/>
-            <a:ext cx="417816" cy="1378854"/>
-          </a:xfrm>
-          <a:prstGeom prst="downArrow">
-            <a:avLst>
-              <a:gd name="adj1" fmla="val 100000"/>
-              <a:gd name="adj2" fmla="val 50000"/>
-            </a:avLst>
-          </a:prstGeom>
-          <a:solidFill>
-            <a:schemeClr val="accent3">
-              <a:lumMod val="20000"/>
-              <a:lumOff val="80000"/>
-            </a:schemeClr>
-          </a:solidFill>
-          <a:ln w="25400">
-            <a:solidFill>
-              <a:schemeClr val="tx1"/>
-            </a:solidFill>
-          </a:ln>
-          <a:effectLst/>
-        </p:spPr>
-        <p:style>
-          <a:lnRef idx="1">
-            <a:schemeClr val="accent1"/>
-          </a:lnRef>
-          <a:fillRef idx="3">
-            <a:schemeClr val="accent1"/>
-          </a:fillRef>
-          <a:effectRef idx="2">
-            <a:schemeClr val="accent1"/>
-          </a:effectRef>
-          <a:fontRef idx="minor">
-            <a:schemeClr val="lt1"/>
-          </a:fontRef>
-        </p:style>
-        <p:txBody>
-          <a:bodyPr vert="eaVert" rtlCol="0" anchor="ctr"/>
-          <a:lstStyle/>
-          <a:p>
-            <a:r>
-              <a:rPr lang="fr-FR" sz="2000" dirty="0">
-                <a:solidFill>
-                  <a:schemeClr val="tx1"/>
-                </a:solidFill>
-                <a:latin typeface="Consolas" panose="020B0609020204030204" pitchFamily="49" charset="0"/>
-                <a:cs typeface="Consolas" panose="020B0609020204030204" pitchFamily="49" charset="0"/>
-              </a:rPr>
-              <a:t> </a:t>
-            </a:r>
-            <a:r>
-              <a:rPr lang="fr-FR" dirty="0" smtClean="0">
-                <a:solidFill>
-                  <a:schemeClr val="tx1"/>
-                </a:solidFill>
-                <a:latin typeface="Consolas" panose="020B0609020204030204" pitchFamily="49" charset="0"/>
-                <a:cs typeface="Consolas" panose="020B0609020204030204" pitchFamily="49" charset="0"/>
-              </a:rPr>
-              <a:t>master</a:t>
-            </a:r>
-            <a:endParaRPr lang="en-US" sz="1900" dirty="0">
-              <a:solidFill>
-                <a:schemeClr val="tx1"/>
-              </a:solidFill>
-              <a:latin typeface="Consolas" panose="020B0609020204030204" pitchFamily="49" charset="0"/>
-              <a:cs typeface="Consolas" panose="020B0609020204030204" pitchFamily="49" charset="0"/>
-            </a:endParaRPr>
-          </a:p>
-        </p:txBody>
-      </p:sp>
-      <p:sp>
-        <p:nvSpPr>
-          <p:cNvPr id="15" name="Arrow: Down 29">
-            <a:extLst>
-              <a:ext uri="{FF2B5EF4-FFF2-40B4-BE49-F238E27FC236}">
-                <a16:creationId xmlns="" xmlns:a16="http://schemas.microsoft.com/office/drawing/2014/main" id="{C1335406-A2C9-47D4-B205-5C60C0E28A8A}"/>
-              </a:ext>
-            </a:extLst>
-          </p:cNvPr>
-          <p:cNvSpPr/>
-          <p:nvPr/>
-        </p:nvSpPr>
-        <p:spPr>
-          <a:xfrm rot="5400000">
-            <a:off x="6790790" y="3900101"/>
-            <a:ext cx="417816" cy="1378854"/>
-          </a:xfrm>
-          <a:prstGeom prst="downArrow">
-            <a:avLst>
-              <a:gd name="adj1" fmla="val 100000"/>
-              <a:gd name="adj2" fmla="val 50000"/>
-            </a:avLst>
-          </a:prstGeom>
-          <a:solidFill>
-            <a:schemeClr val="accent3">
-              <a:lumMod val="20000"/>
-              <a:lumOff val="80000"/>
-            </a:schemeClr>
-          </a:solidFill>
-          <a:ln w="25400">
-            <a:solidFill>
-              <a:schemeClr val="tx1"/>
-            </a:solidFill>
-          </a:ln>
-          <a:effectLst/>
-        </p:spPr>
-        <p:style>
-          <a:lnRef idx="1">
-            <a:schemeClr val="accent1"/>
-          </a:lnRef>
-          <a:fillRef idx="3">
-            <a:schemeClr val="accent1"/>
-          </a:fillRef>
-          <a:effectRef idx="2">
-            <a:schemeClr val="accent1"/>
-          </a:effectRef>
-          <a:fontRef idx="minor">
-            <a:schemeClr val="lt1"/>
-          </a:fontRef>
-        </p:style>
-        <p:txBody>
-          <a:bodyPr vert="vert270" rtlCol="0" anchor="ctr"/>
-          <a:lstStyle/>
-          <a:p>
-            <a:r>
-              <a:rPr lang="fr-FR" sz="2000" dirty="0">
-                <a:solidFill>
-                  <a:schemeClr val="tx1"/>
-                </a:solidFill>
-                <a:latin typeface="Consolas" panose="020B0609020204030204" pitchFamily="49" charset="0"/>
-                <a:cs typeface="Consolas" panose="020B0609020204030204" pitchFamily="49" charset="0"/>
-              </a:rPr>
-              <a:t> </a:t>
-            </a:r>
-            <a:r>
-              <a:rPr lang="fr-FR" dirty="0" err="1" smtClean="0">
-                <a:solidFill>
-                  <a:schemeClr val="tx1"/>
-                </a:solidFill>
-                <a:latin typeface="Consolas" panose="020B0609020204030204" pitchFamily="49" charset="0"/>
-                <a:cs typeface="Consolas" panose="020B0609020204030204" pitchFamily="49" charset="0"/>
-              </a:rPr>
-              <a:t>lisa</a:t>
-            </a:r>
-            <a:endParaRPr lang="en-US" sz="1900" dirty="0">
-              <a:solidFill>
-                <a:schemeClr val="tx1"/>
-              </a:solidFill>
-              <a:latin typeface="Consolas" panose="020B0609020204030204" pitchFamily="49" charset="0"/>
-              <a:cs typeface="Consolas" panose="020B0609020204030204" pitchFamily="49" charset="0"/>
-            </a:endParaRPr>
-          </a:p>
-        </p:txBody>
-      </p:sp>
     </p:spTree>
     <p:extLst>
       <p:ext uri="{BB962C8B-B14F-4D97-AF65-F5344CB8AC3E}">
@@ -36191,9 +38087,88 @@
   <p:timing>
     <p:tnLst>
       <p:par>
-        <p:cTn id="1" dur="indefinite" restart="never" nodeType="tmRoot"/>
+        <p:cTn id="1" dur="indefinite" restart="never" nodeType="tmRoot">
+          <p:childTnLst>
+            <p:seq concurrent="1" nextAc="seek">
+              <p:cTn id="2" dur="indefinite" nodeType="mainSeq">
+                <p:childTnLst>
+                  <p:par>
+                    <p:cTn id="3" fill="hold">
+                      <p:stCondLst>
+                        <p:cond delay="indefinite"/>
+                      </p:stCondLst>
+                      <p:childTnLst>
+                        <p:par>
+                          <p:cTn id="4" fill="hold">
+                            <p:stCondLst>
+                              <p:cond delay="0"/>
+                            </p:stCondLst>
+                            <p:childTnLst>
+                              <p:par>
+                                <p:cTn id="5" presetID="10" presetClass="entr" presetSubtype="0" fill="hold" grpId="0" nodeType="clickEffect">
+                                  <p:stCondLst>
+                                    <p:cond delay="0"/>
+                                  </p:stCondLst>
+                                  <p:childTnLst>
+                                    <p:set>
+                                      <p:cBhvr>
+                                        <p:cTn id="6" dur="1" fill="hold">
+                                          <p:stCondLst>
+                                            <p:cond delay="0"/>
+                                          </p:stCondLst>
+                                        </p:cTn>
+                                        <p:tgtEl>
+                                          <p:spTgt spid="19"/>
+                                        </p:tgtEl>
+                                        <p:attrNameLst>
+                                          <p:attrName>style.visibility</p:attrName>
+                                        </p:attrNameLst>
+                                      </p:cBhvr>
+                                      <p:to>
+                                        <p:strVal val="visible"/>
+                                      </p:to>
+                                    </p:set>
+                                    <p:animEffect transition="in" filter="fade">
+                                      <p:cBhvr>
+                                        <p:cTn id="7" dur="500"/>
+                                        <p:tgtEl>
+                                          <p:spTgt spid="19"/>
+                                        </p:tgtEl>
+                                      </p:cBhvr>
+                                    </p:animEffect>
+                                  </p:childTnLst>
+                                </p:cTn>
+                              </p:par>
+                            </p:childTnLst>
+                          </p:cTn>
+                        </p:par>
+                      </p:childTnLst>
+                    </p:cTn>
+                  </p:par>
+                </p:childTnLst>
+              </p:cTn>
+              <p:prevCondLst>
+                <p:cond evt="onPrev" delay="0">
+                  <p:tgtEl>
+                    <p:sldTgt/>
+                  </p:tgtEl>
+                </p:cond>
+              </p:prevCondLst>
+              <p:nextCondLst>
+                <p:cond evt="onNext" delay="0">
+                  <p:tgtEl>
+                    <p:sldTgt/>
+                  </p:tgtEl>
+                </p:cond>
+              </p:nextCondLst>
+            </p:seq>
+          </p:childTnLst>
+        </p:cTn>
       </p:par>
     </p:tnLst>
+    <p:bldLst>
+      <p:bldP spid="19" grpId="0" animBg="1"/>
+    </p:bldLst>
   </p:timing>
 </p:sld>
 </file>
@@ -36220,7 +38195,7 @@
           <p:cNvPr id="2" name="Title 1">
             <a:extLst>
               <a:ext uri="{FF2B5EF4-FFF2-40B4-BE49-F238E27FC236}">
-                <a16:creationId xmlns="" xmlns:a16="http://schemas.microsoft.com/office/drawing/2014/main" id="{C14F0455-9ED9-4652-8FD6-9C284BE2F092}"/>
+                <a16:creationId xmlns:a16="http://schemas.microsoft.com/office/drawing/2014/main" xmlns="" id="{C14F0455-9ED9-4652-8FD6-9C284BE2F092}"/>
               </a:ext>
             </a:extLst>
           </p:cNvPr>
@@ -36253,7 +38228,7 @@
           <p:cNvPr id="3" name="Text Placeholder 2">
             <a:extLst>
               <a:ext uri="{FF2B5EF4-FFF2-40B4-BE49-F238E27FC236}">
-                <a16:creationId xmlns="" xmlns:a16="http://schemas.microsoft.com/office/drawing/2014/main" id="{8136025E-6B8D-4575-9E2B-B0AAB8CAC233}"/>
+                <a16:creationId xmlns:a16="http://schemas.microsoft.com/office/drawing/2014/main" xmlns="" id="{8136025E-6B8D-4575-9E2B-B0AAB8CAC233}"/>
               </a:ext>
             </a:extLst>
           </p:cNvPr>
@@ -36318,7 +38293,7 @@
           <p:cNvPr id="3" name="Title 2">
             <a:extLst>
               <a:ext uri="{FF2B5EF4-FFF2-40B4-BE49-F238E27FC236}">
-                <a16:creationId xmlns="" xmlns:a16="http://schemas.microsoft.com/office/drawing/2014/main" id="{A8704E41-3486-46BD-8AA7-B6B5D28F95A5}"/>
+                <a16:creationId xmlns:a16="http://schemas.microsoft.com/office/drawing/2014/main" xmlns="" id="{A8704E41-3486-46BD-8AA7-B6B5D28F95A5}"/>
               </a:ext>
             </a:extLst>
           </p:cNvPr>
@@ -36355,7 +38330,7 @@
           <p:cNvPr id="4" name="Slide Number Placeholder 3">
             <a:extLst>
               <a:ext uri="{FF2B5EF4-FFF2-40B4-BE49-F238E27FC236}">
-                <a16:creationId xmlns="" xmlns:a16="http://schemas.microsoft.com/office/drawing/2014/main" id="{02CD92EA-E9CB-4F4C-B1B9-840F11B55DC5}"/>
+                <a16:creationId xmlns:a16="http://schemas.microsoft.com/office/drawing/2014/main" xmlns="" id="{02CD92EA-E9CB-4F4C-B1B9-840F11B55DC5}"/>
               </a:ext>
             </a:extLst>
           </p:cNvPr>
@@ -36401,7 +38376,7 @@
           <p:cNvPr id="5" name="Text Placeholder 4">
             <a:extLst>
               <a:ext uri="{FF2B5EF4-FFF2-40B4-BE49-F238E27FC236}">
-                <a16:creationId xmlns="" xmlns:a16="http://schemas.microsoft.com/office/drawing/2014/main" id="{C22D9F79-04C1-4762-96D6-F3FE8172F1B1}"/>
+                <a16:creationId xmlns:a16="http://schemas.microsoft.com/office/drawing/2014/main" xmlns="" id="{C22D9F79-04C1-4762-96D6-F3FE8172F1B1}"/>
               </a:ext>
             </a:extLst>
           </p:cNvPr>
@@ -36494,7 +38469,7 @@
           <p:cNvPr id="16" name="Oval 15">
             <a:extLst>
               <a:ext uri="{FF2B5EF4-FFF2-40B4-BE49-F238E27FC236}">
-                <a16:creationId xmlns="" xmlns:a16="http://schemas.microsoft.com/office/drawing/2014/main" id="{70018B8E-C8EA-4592-B666-4DD6915C2DAF}"/>
+                <a16:creationId xmlns:a16="http://schemas.microsoft.com/office/drawing/2014/main" xmlns="" id="{70018B8E-C8EA-4592-B666-4DD6915C2DAF}"/>
               </a:ext>
             </a:extLst>
           </p:cNvPr>
@@ -36550,7 +38525,7 @@
           <p:cNvPr id="17" name="TextBox 16">
             <a:extLst>
               <a:ext uri="{FF2B5EF4-FFF2-40B4-BE49-F238E27FC236}">
-                <a16:creationId xmlns="" xmlns:a16="http://schemas.microsoft.com/office/drawing/2014/main" id="{EA7F15EB-6AA1-4C76-921F-2B04B74B1885}"/>
+                <a16:creationId xmlns:a16="http://schemas.microsoft.com/office/drawing/2014/main" xmlns="" id="{EA7F15EB-6AA1-4C76-921F-2B04B74B1885}"/>
               </a:ext>
             </a:extLst>
           </p:cNvPr>
@@ -36592,7 +38567,7 @@
           <p:cNvPr id="18" name="Oval 17">
             <a:extLst>
               <a:ext uri="{FF2B5EF4-FFF2-40B4-BE49-F238E27FC236}">
-                <a16:creationId xmlns="" xmlns:a16="http://schemas.microsoft.com/office/drawing/2014/main" id="{70018B8E-C8EA-4592-B666-4DD6915C2DAF}"/>
+                <a16:creationId xmlns:a16="http://schemas.microsoft.com/office/drawing/2014/main" xmlns="" id="{70018B8E-C8EA-4592-B666-4DD6915C2DAF}"/>
               </a:ext>
             </a:extLst>
           </p:cNvPr>
@@ -36648,7 +38623,7 @@
           <p:cNvPr id="19" name="TextBox 18">
             <a:extLst>
               <a:ext uri="{FF2B5EF4-FFF2-40B4-BE49-F238E27FC236}">
-                <a16:creationId xmlns="" xmlns:a16="http://schemas.microsoft.com/office/drawing/2014/main" id="{EA7F15EB-6AA1-4C76-921F-2B04B74B1885}"/>
+                <a16:creationId xmlns:a16="http://schemas.microsoft.com/office/drawing/2014/main" xmlns="" id="{EA7F15EB-6AA1-4C76-921F-2B04B74B1885}"/>
               </a:ext>
             </a:extLst>
           </p:cNvPr>
@@ -36690,7 +38665,7 @@
           <p:cNvPr id="20" name="Straight Arrow Connector 19">
             <a:extLst>
               <a:ext uri="{FF2B5EF4-FFF2-40B4-BE49-F238E27FC236}">
-                <a16:creationId xmlns="" xmlns:a16="http://schemas.microsoft.com/office/drawing/2014/main" id="{D5D1DDE3-D551-4E6B-AD34-6FBA1762CCD0}"/>
+                <a16:creationId xmlns:a16="http://schemas.microsoft.com/office/drawing/2014/main" xmlns="" id="{D5D1DDE3-D551-4E6B-AD34-6FBA1762CCD0}"/>
               </a:ext>
             </a:extLst>
           </p:cNvPr>
@@ -36734,7 +38709,7 @@
           <p:cNvPr id="21" name="Arrow: Down 29">
             <a:extLst>
               <a:ext uri="{FF2B5EF4-FFF2-40B4-BE49-F238E27FC236}">
-                <a16:creationId xmlns="" xmlns:a16="http://schemas.microsoft.com/office/drawing/2014/main" id="{C1335406-A2C9-47D4-B205-5C60C0E28A8A}"/>
+                <a16:creationId xmlns:a16="http://schemas.microsoft.com/office/drawing/2014/main" xmlns="" id="{C1335406-A2C9-47D4-B205-5C60C0E28A8A}"/>
               </a:ext>
             </a:extLst>
           </p:cNvPr>
@@ -36818,7 +38793,7 @@
           <p:cNvPr id="22" name="Arrow: Down 29">
             <a:extLst>
               <a:ext uri="{FF2B5EF4-FFF2-40B4-BE49-F238E27FC236}">
-                <a16:creationId xmlns="" xmlns:a16="http://schemas.microsoft.com/office/drawing/2014/main" id="{C1335406-A2C9-47D4-B205-5C60C0E28A8A}"/>
+                <a16:creationId xmlns:a16="http://schemas.microsoft.com/office/drawing/2014/main" xmlns="" id="{C1335406-A2C9-47D4-B205-5C60C0E28A8A}"/>
               </a:ext>
             </a:extLst>
           </p:cNvPr>
@@ -36902,7 +38877,7 @@
           <p:cNvPr id="23" name="Arrow: Down 35">
             <a:extLst>
               <a:ext uri="{FF2B5EF4-FFF2-40B4-BE49-F238E27FC236}">
-                <a16:creationId xmlns="" xmlns:a16="http://schemas.microsoft.com/office/drawing/2014/main" id="{626A0744-AE03-44D5-9A65-2190DA15A386}"/>
+                <a16:creationId xmlns:a16="http://schemas.microsoft.com/office/drawing/2014/main" xmlns="" id="{626A0744-AE03-44D5-9A65-2190DA15A386}"/>
               </a:ext>
             </a:extLst>
           </p:cNvPr>
@@ -38459,12 +40434,6 @@
 </file>
 
 <file path=customXml/item2.xml><?xml version="1.0" encoding="utf-8"?>
-<p:properties xmlns:p="http://schemas.microsoft.com/office/2006/metadata/properties" xmlns:xsi="http://www.w3.org/2001/XMLSchema-instance" xmlns:pc="http://schemas.microsoft.com/office/infopath/2007/PartnerControls">
-  <documentManagement/>
-</p:properties>
-</file>
-
-<file path=customXml/item3.xml><?xml version="1.0" encoding="utf-8"?>
 <ct:contentTypeSchema xmlns:ct="http://schemas.microsoft.com/office/2006/metadata/contentType" xmlns:ma="http://schemas.microsoft.com/office/2006/metadata/properties/metaAttributes" ct:_="" ma:_="" ma:contentTypeName="Document" ma:contentTypeID="0x0101005AF20084180B9E44AD928D9A8AB3689C" ma:contentTypeVersion="2" ma:contentTypeDescription="Create a new document." ma:contentTypeScope="" ma:versionID="5f842ce3792d2d894a82ea0e2dfb791b">
   <xsd:schema xmlns:xsd="http://www.w3.org/2001/XMLSchema" xmlns:xs="http://www.w3.org/2001/XMLSchema" xmlns:p="http://schemas.microsoft.com/office/2006/metadata/properties" xmlns:ns2="6e6f0a11-ea51-4914-9041-4a6fcd55b979" targetNamespace="http://schemas.microsoft.com/office/2006/metadata/properties" ma:root="true" ma:fieldsID="050a64bf2045351049015afff4474d6f" ns2:_="">
     <xsd:import namespace="6e6f0a11-ea51-4914-9041-4a6fcd55b979"/>
@@ -38612,6 +40581,12 @@
 </ct:contentTypeSchema>
 </file>
 
+<file path=customXml/item3.xml><?xml version="1.0" encoding="utf-8"?>
+<p:properties xmlns:p="http://schemas.microsoft.com/office/2006/metadata/properties" xmlns:xsi="http://www.w3.org/2001/XMLSchema-instance" xmlns:pc="http://schemas.microsoft.com/office/infopath/2007/PartnerControls">
+  <documentManagement/>
+</p:properties>
+</file>
+
 <file path=customXml/itemProps1.xml><?xml version="1.0" encoding="utf-8"?>
 <ds:datastoreItem xmlns:ds="http://schemas.openxmlformats.org/officeDocument/2006/customXml" ds:itemID="{32028EF8-D63B-42F2-9729-538DFDBCE111}">
   <ds:schemaRefs>
@@ -38621,22 +40596,6 @@
 </file>
 
 <file path=customXml/itemProps2.xml><?xml version="1.0" encoding="utf-8"?>
-<ds:datastoreItem xmlns:ds="http://schemas.openxmlformats.org/officeDocument/2006/customXml" ds:itemID="{A9495F4B-BFDC-466D-9B0E-24D55C97E4DD}">
-  <ds:schemaRefs>
-    <ds:schemaRef ds:uri="http://schemas.microsoft.com/office/2006/documentManagement/types"/>
-    <ds:schemaRef ds:uri="http://schemas.openxmlformats.org/package/2006/metadata/core-properties"/>
-    <ds:schemaRef ds:uri="http://purl.org/dc/dcmitype/"/>
-    <ds:schemaRef ds:uri="http://schemas.microsoft.com/office/2006/metadata/properties"/>
-    <ds:schemaRef ds:uri="http://purl.org/dc/terms/"/>
-    <ds:schemaRef ds:uri="http://schemas.microsoft.com/office/infopath/2007/PartnerControls"/>
-    <ds:schemaRef ds:uri="6e6f0a11-ea51-4914-9041-4a6fcd55b979"/>
-    <ds:schemaRef ds:uri="http://www.w3.org/XML/1998/namespace"/>
-    <ds:schemaRef ds:uri="http://purl.org/dc/elements/1.1/"/>
-  </ds:schemaRefs>
-</ds:datastoreItem>
-</file>
-
-<file path=customXml/itemProps3.xml><?xml version="1.0" encoding="utf-8"?>
 <ds:datastoreItem xmlns:ds="http://schemas.openxmlformats.org/officeDocument/2006/customXml" ds:itemID="{E5946093-D9B3-4957-BB28-2A49A4F3A2E1}">
   <ds:schemaRefs>
     <ds:schemaRef ds:uri="http://schemas.microsoft.com/office/2006/metadata/contentType"/>
@@ -38652,4 +40611,20 @@
     <ds:schemaRef ds:uri="http://schemas.microsoft.com/internal/obd"/>
   </ds:schemaRefs>
 </ds:datastoreItem>
+</file>
+
+<file path=customXml/itemProps3.xml><?xml version="1.0" encoding="utf-8"?>
+<ds:datastoreItem xmlns:ds="http://schemas.openxmlformats.org/officeDocument/2006/customXml" ds:itemID="{A9495F4B-BFDC-466D-9B0E-24D55C97E4DD}">
+  <ds:schemaRefs>
+    <ds:schemaRef ds:uri="http://schemas.microsoft.com/office/2006/documentManagement/types"/>
+    <ds:schemaRef ds:uri="http://schemas.openxmlformats.org/package/2006/metadata/core-properties"/>
+    <ds:schemaRef ds:uri="http://purl.org/dc/dcmitype/"/>
+    <ds:schemaRef ds:uri="http://schemas.microsoft.com/office/2006/metadata/properties"/>
+    <ds:schemaRef ds:uri="http://purl.org/dc/terms/"/>
+    <ds:schemaRef ds:uri="http://schemas.microsoft.com/office/infopath/2007/PartnerControls"/>
+    <ds:schemaRef ds:uri="6e6f0a11-ea51-4914-9041-4a6fcd55b979"/>
+    <ds:schemaRef ds:uri="http://www.w3.org/XML/1998/namespace"/>
+    <ds:schemaRef ds:uri="http://purl.org/dc/elements/1.1/"/>
+  </ds:schemaRefs>
+</ds:datastoreItem>
 </file>